--- a/lab7/lecture/lab7.pptx
+++ b/lab7/lecture/lab7.pptx
@@ -9,14 +9,15 @@
     <p:sldId id="308" r:id="rId3"/>
     <p:sldId id="309" r:id="rId4"/>
     <p:sldId id="310" r:id="rId5"/>
-    <p:sldId id="317" r:id="rId6"/>
-    <p:sldId id="318" r:id="rId7"/>
-    <p:sldId id="313" r:id="rId8"/>
-    <p:sldId id="319" r:id="rId9"/>
-    <p:sldId id="320" r:id="rId10"/>
-    <p:sldId id="314" r:id="rId11"/>
-    <p:sldId id="315" r:id="rId12"/>
-    <p:sldId id="316" r:id="rId13"/>
+    <p:sldId id="321" r:id="rId6"/>
+    <p:sldId id="317" r:id="rId7"/>
+    <p:sldId id="318" r:id="rId8"/>
+    <p:sldId id="313" r:id="rId9"/>
+    <p:sldId id="319" r:id="rId10"/>
+    <p:sldId id="320" r:id="rId11"/>
+    <p:sldId id="314" r:id="rId12"/>
+    <p:sldId id="315" r:id="rId13"/>
+    <p:sldId id="316" r:id="rId14"/>
   </p:sldIdLst>
   <p:sldSz cx="12192000" cy="6858000"/>
   <p:notesSz cx="6858000" cy="9144000"/>
@@ -117,7 +118,7 @@
   </p:defaultTextStyle>
   <p:extLst>
     <p:ext uri="{EFAFB233-063F-42B5-8137-9DF3F51BA10A}">
-      <p15:sldGuideLst xmlns:p15="http://schemas.microsoft.com/office/powerpoint/2012/main"/>
+      <p15:sldGuideLst xmlns:p15="http://schemas.microsoft.com/office/powerpoint/2012/main" xmlns=""/>
     </p:ext>
   </p:extLst>
 </p:presentation>
@@ -351,7 +352,7 @@
           <a:p>
             <a:fld id="{CC6787DF-63A8-4FFC-8155-79ED132149FF}" type="datetimeFigureOut">
               <a:rPr lang="en-US" smtClean="0"/>
-              <a:t>7/16/2018</a:t>
+              <a:t>7/22/2018</a:t>
             </a:fld>
             <a:endParaRPr lang="en-US"/>
           </a:p>
@@ -559,7 +560,7 @@
           <a:p>
             <a:fld id="{CC6787DF-63A8-4FFC-8155-79ED132149FF}" type="datetimeFigureOut">
               <a:rPr lang="en-US" smtClean="0"/>
-              <a:t>7/16/2018</a:t>
+              <a:t>7/22/2018</a:t>
             </a:fld>
             <a:endParaRPr lang="en-US"/>
           </a:p>
@@ -817,7 +818,7 @@
           <a:p>
             <a:fld id="{CC6787DF-63A8-4FFC-8155-79ED132149FF}" type="datetimeFigureOut">
               <a:rPr lang="en-US" smtClean="0"/>
-              <a:t>7/16/2018</a:t>
+              <a:t>7/22/2018</a:t>
             </a:fld>
             <a:endParaRPr lang="en-US"/>
           </a:p>
@@ -987,7 +988,7 @@
           <a:p>
             <a:fld id="{CC6787DF-63A8-4FFC-8155-79ED132149FF}" type="datetimeFigureOut">
               <a:rPr lang="en-US" smtClean="0"/>
-              <a:t>7/16/2018</a:t>
+              <a:t>7/22/2018</a:t>
             </a:fld>
             <a:endParaRPr lang="en-US"/>
           </a:p>
@@ -1324,7 +1325,7 @@
           <a:p>
             <a:fld id="{CC6787DF-63A8-4FFC-8155-79ED132149FF}" type="datetimeFigureOut">
               <a:rPr lang="en-US" smtClean="0"/>
-              <a:t>7/16/2018</a:t>
+              <a:t>7/22/2018</a:t>
             </a:fld>
             <a:endParaRPr lang="en-US"/>
           </a:p>
@@ -1599,7 +1600,7 @@
           <a:p>
             <a:fld id="{CC6787DF-63A8-4FFC-8155-79ED132149FF}" type="datetimeFigureOut">
               <a:rPr lang="en-US" smtClean="0"/>
-              <a:t>7/16/2018</a:t>
+              <a:t>7/22/2018</a:t>
             </a:fld>
             <a:endParaRPr lang="en-US"/>
           </a:p>
@@ -1978,7 +1979,7 @@
           <a:p>
             <a:fld id="{CC6787DF-63A8-4FFC-8155-79ED132149FF}" type="datetimeFigureOut">
               <a:rPr lang="en-US" smtClean="0"/>
-              <a:t>7/16/2018</a:t>
+              <a:t>7/22/2018</a:t>
             </a:fld>
             <a:endParaRPr lang="en-US"/>
           </a:p>
@@ -2096,7 +2097,7 @@
           <a:p>
             <a:fld id="{CC6787DF-63A8-4FFC-8155-79ED132149FF}" type="datetimeFigureOut">
               <a:rPr lang="en-US" smtClean="0"/>
-              <a:t>7/16/2018</a:t>
+              <a:t>7/22/2018</a:t>
             </a:fld>
             <a:endParaRPr lang="en-US"/>
           </a:p>
@@ -2269,7 +2270,7 @@
           <a:p>
             <a:fld id="{CC6787DF-63A8-4FFC-8155-79ED132149FF}" type="datetimeFigureOut">
               <a:rPr lang="en-US" smtClean="0"/>
-              <a:t>7/16/2018</a:t>
+              <a:t>7/22/2018</a:t>
             </a:fld>
             <a:endParaRPr lang="en-US"/>
           </a:p>
@@ -2625,7 +2626,7 @@
           <a:p>
             <a:fld id="{CC6787DF-63A8-4FFC-8155-79ED132149FF}" type="datetimeFigureOut">
               <a:rPr lang="en-US" smtClean="0"/>
-              <a:t>7/16/2018</a:t>
+              <a:t>7/22/2018</a:t>
             </a:fld>
             <a:endParaRPr lang="en-US"/>
           </a:p>
@@ -3004,7 +3005,7 @@
           <a:p>
             <a:fld id="{CC6787DF-63A8-4FFC-8155-79ED132149FF}" type="datetimeFigureOut">
               <a:rPr lang="en-US" smtClean="0"/>
-              <a:t>7/16/2018</a:t>
+              <a:t>7/22/2018</a:t>
             </a:fld>
             <a:endParaRPr lang="en-US"/>
           </a:p>
@@ -3293,7 +3294,7 @@
           <a:p>
             <a:fld id="{CC6787DF-63A8-4FFC-8155-79ED132149FF}" type="datetimeFigureOut">
               <a:rPr lang="en-US" smtClean="0"/>
-              <a:t>7/16/2018</a:t>
+              <a:t>7/22/2018</a:t>
             </a:fld>
             <a:endParaRPr lang="en-US"/>
           </a:p>
@@ -3822,7 +3823,7 @@
           <p:cNvPr id="2" name="Title 1">
             <a:extLst>
               <a:ext uri="{FF2B5EF4-FFF2-40B4-BE49-F238E27FC236}">
-                <a16:creationId xmlns:a16="http://schemas.microsoft.com/office/drawing/2014/main" id="{6C405691-6CAE-49B6-88DF-6E2D6BC82791}"/>
+                <a16:creationId xmlns:a16="http://schemas.microsoft.com/office/drawing/2014/main" xmlns="" id="{6C405691-6CAE-49B6-88DF-6E2D6BC82791}"/>
               </a:ext>
             </a:extLst>
           </p:cNvPr>
@@ -3850,7 +3851,7 @@
           <p:cNvPr id="3" name="Subtitle 2">
             <a:extLst>
               <a:ext uri="{FF2B5EF4-FFF2-40B4-BE49-F238E27FC236}">
-                <a16:creationId xmlns:a16="http://schemas.microsoft.com/office/drawing/2014/main" id="{54E7BB13-FF09-4D92-AC2C-3DAFA1B93AE7}"/>
+                <a16:creationId xmlns:a16="http://schemas.microsoft.com/office/drawing/2014/main" xmlns="" id="{54E7BB13-FF09-4D92-AC2C-3DAFA1B93AE7}"/>
               </a:ext>
             </a:extLst>
           </p:cNvPr>
@@ -3880,6 +3881,13 @@
   <p:clrMapOvr>
     <a:masterClrMapping/>
   </p:clrMapOvr>
+  <p:timing>
+    <p:tnLst>
+      <p:par>
+        <p:cTn id="1" dur="indefinite" restart="never" nodeType="tmRoot"/>
+      </p:par>
+    </p:tnLst>
+  </p:timing>
 </p:sld>
 </file>
 
@@ -3910,13 +3918,13 @@
       </p:grpSpPr>
       <p:sp useBgFill="1">
         <p:nvSpPr>
-          <p:cNvPr id="21" name="Rectangle 20">
+          <p:cNvPr id="12" name="Rectangle 11">
             <a:extLst>
               <a:ext uri="{FF2B5EF4-FFF2-40B4-BE49-F238E27FC236}">
-                <a16:creationId xmlns:a16="http://schemas.microsoft.com/office/drawing/2014/main" id="{1356A2EC-03A6-4D34-98C0-E07DE18594C6}"/>
+                <a16:creationId xmlns:a16="http://schemas.microsoft.com/office/drawing/2014/main" xmlns="" id="{1356A2EC-03A6-4D34-98C0-E07DE18594C6}"/>
               </a:ext>
               <a:ext uri="{C183D7F6-B498-43B3-948B-1728B52AA6E4}">
-                <adec:decorative xmlns:adec="http://schemas.microsoft.com/office/drawing/2017/decorative" val="1"/>
+                <adec:decorative xmlns:adec="http://schemas.microsoft.com/office/drawing/2017/decorative" xmlns="" val="1"/>
               </a:ext>
             </a:extLst>
           </p:cNvPr>
@@ -3926,7 +3934,7 @@
           <p:nvPr>
             <p:extLst>
               <p:ext uri="{386F3935-93C4-4BCD-93E2-E3B085C9AB24}">
-                <p16:designElem xmlns:p16="http://schemas.microsoft.com/office/powerpoint/2015/main" val="1"/>
+                <p16:designElem xmlns:p16="http://schemas.microsoft.com/office/powerpoint/2015/main" xmlns="" val="1"/>
               </p:ext>
             </p:extLst>
           </p:nvPr>
@@ -3973,7 +3981,7 @@
           <p:cNvPr id="2" name="Title 1">
             <a:extLst>
               <a:ext uri="{FF2B5EF4-FFF2-40B4-BE49-F238E27FC236}">
-                <a16:creationId xmlns:a16="http://schemas.microsoft.com/office/drawing/2014/main" id="{DC37633E-DCF8-4AFA-8E50-E6E3C958ADCC}"/>
+                <a16:creationId xmlns:a16="http://schemas.microsoft.com/office/drawing/2014/main" xmlns="" id="{1FDE3324-ACF1-4165-B6E2-29D08601ED05}"/>
               </a:ext>
             </a:extLst>
           </p:cNvPr>
@@ -3998,20 +4006,56 @@
           <a:p>
             <a:r>
               <a:rPr lang="en-US" dirty="0"/>
-              <a:t>Lab7 – Lowest Common Ancestor </a:t>
+              <a:t>MP7 – Floorplan Functions </a:t>
             </a:r>
           </a:p>
         </p:txBody>
       </p:sp>
+      <p:pic>
+        <p:nvPicPr>
+          <p:cNvPr id="5" name="Picture 4" descr="A close up of a watch&#10;&#10;Description generated with high confidence">
+            <a:extLst>
+              <a:ext uri="{FF2B5EF4-FFF2-40B4-BE49-F238E27FC236}">
+                <a16:creationId xmlns:a16="http://schemas.microsoft.com/office/drawing/2014/main" xmlns="" id="{0EA8B5F4-86B0-4FB5-B099-E217674CC899}"/>
+              </a:ext>
+            </a:extLst>
+          </p:cNvPr>
+          <p:cNvPicPr>
+            <a:picLocks noChangeAspect="1"/>
+          </p:cNvPicPr>
+          <p:nvPr/>
+        </p:nvPicPr>
+        <p:blipFill>
+          <a:blip r:embed="rId2" cstate="print">
+            <a:extLst>
+              <a:ext uri="{28A0092B-C50C-407E-A947-70E740481C1C}">
+                <a14:useLocalDpi xmlns:a14="http://schemas.microsoft.com/office/drawing/2010/main" val="0"/>
+              </a:ext>
+            </a:extLst>
+          </a:blip>
+          <a:stretch>
+            <a:fillRect/>
+          </a:stretch>
+        </p:blipFill>
+        <p:spPr>
+          <a:xfrm>
+            <a:off x="633999" y="1040234"/>
+            <a:ext cx="4020297" cy="1557864"/>
+          </a:xfrm>
+          <a:prstGeom prst="rect">
+            <a:avLst/>
+          </a:prstGeom>
+        </p:spPr>
+      </p:pic>
       <p:cxnSp>
         <p:nvCxnSpPr>
-          <p:cNvPr id="23" name="Straight Connector 22">
+          <p:cNvPr id="14" name="Straight Connector 13">
             <a:extLst>
               <a:ext uri="{FF2B5EF4-FFF2-40B4-BE49-F238E27FC236}">
-                <a16:creationId xmlns:a16="http://schemas.microsoft.com/office/drawing/2014/main" id="{4CEBF212-BEAC-42E5-B3B1-9403F6E9BB80}"/>
+                <a16:creationId xmlns:a16="http://schemas.microsoft.com/office/drawing/2014/main" xmlns="" id="{4CEBF212-BEAC-42E5-B3B1-9403F6E9BB80}"/>
               </a:ext>
               <a:ext uri="{C183D7F6-B498-43B3-948B-1728B52AA6E4}">
-                <adec:decorative xmlns:adec="http://schemas.microsoft.com/office/drawing/2017/decorative" val="1"/>
+                <adec:decorative xmlns:adec="http://schemas.microsoft.com/office/drawing/2017/decorative" xmlns="" val="1"/>
               </a:ext>
             </a:extLst>
           </p:cNvPr>
@@ -4021,7 +4065,7 @@
           <p:nvPr>
             <p:extLst>
               <p:ext uri="{386F3935-93C4-4BCD-93E2-E3B085C9AB24}">
-                <p16:designElem xmlns:p16="http://schemas.microsoft.com/office/powerpoint/2015/main" val="1"/>
+                <p16:designElem xmlns:p16="http://schemas.microsoft.com/office/powerpoint/2015/main" xmlns="" val="1"/>
               </p:ext>
             </p:extLst>
           </p:nvPr>
@@ -4059,12 +4103,48 @@
           </a:fontRef>
         </p:style>
       </p:cxnSp>
+      <p:pic>
+        <p:nvPicPr>
+          <p:cNvPr id="7" name="Picture 6" descr="A picture containing hanging, object&#10;&#10;Description generated with high confidence">
+            <a:extLst>
+              <a:ext uri="{FF2B5EF4-FFF2-40B4-BE49-F238E27FC236}">
+                <a16:creationId xmlns:a16="http://schemas.microsoft.com/office/drawing/2014/main" xmlns="" id="{1DF67FC2-1F4B-41C2-83B7-51DA61CCE620}"/>
+              </a:ext>
+            </a:extLst>
+          </p:cNvPr>
+          <p:cNvPicPr>
+            <a:picLocks noChangeAspect="1"/>
+          </p:cNvPicPr>
+          <p:nvPr/>
+        </p:nvPicPr>
+        <p:blipFill>
+          <a:blip r:embed="rId3" cstate="print">
+            <a:extLst>
+              <a:ext uri="{28A0092B-C50C-407E-A947-70E740481C1C}">
+                <a14:useLocalDpi xmlns:a14="http://schemas.microsoft.com/office/drawing/2010/main" val="0"/>
+              </a:ext>
+            </a:extLst>
+          </a:blip>
+          <a:stretch>
+            <a:fillRect/>
+          </a:stretch>
+        </p:blipFill>
+        <p:spPr>
+          <a:xfrm>
+            <a:off x="633999" y="3451095"/>
+            <a:ext cx="4020296" cy="2010148"/>
+          </a:xfrm>
+          <a:prstGeom prst="rect">
+            <a:avLst/>
+          </a:prstGeom>
+        </p:spPr>
+      </p:pic>
       <p:sp>
         <p:nvSpPr>
           <p:cNvPr id="3" name="Content Placeholder 2">
             <a:extLst>
               <a:ext uri="{FF2B5EF4-FFF2-40B4-BE49-F238E27FC236}">
-                <a16:creationId xmlns:a16="http://schemas.microsoft.com/office/drawing/2014/main" id="{8D23085D-1D16-471B-8574-FD0F798BA0BB}"/>
+                <a16:creationId xmlns:a16="http://schemas.microsoft.com/office/drawing/2014/main" xmlns="" id="{C7CC8859-738D-4391-B074-1073ABAC5C16}"/>
               </a:ext>
             </a:extLst>
           </p:cNvPr>
@@ -4089,26 +4169,87 @@
           <a:p>
             <a:r>
               <a:rPr lang="en-US" dirty="0"/>
-              <a:t>Given a binary search tree (BST), find the lowest common ancestor of two nodes.</a:t>
+              <a:t>Functions to implement</a:t>
             </a:r>
           </a:p>
           <a:p>
+            <a:pPr lvl="1"/>
+            <a:r>
+              <a:rPr lang="en-US" i="1" dirty="0" err="1"/>
+              <a:t>init_slicing_tree</a:t>
+            </a:r>
             <a:r>
               <a:rPr lang="en-US" dirty="0"/>
-              <a:t>Hint: use the special property of a (BST) to figure out what the lowest common ancestor is. If this was a general tree, then you would have to do a recursive search to find the lowest common ancestor.</a:t>
+              <a:t> – generate an initial slicing tree</a:t>
             </a:r>
+          </a:p>
+          <a:p>
+            <a:pPr lvl="1"/>
+            <a:r>
+              <a:rPr lang="en-US" i="1" dirty="0" err="1"/>
+              <a:t>get_expression</a:t>
+            </a:r>
+            <a:r>
+              <a:rPr lang="en-US" dirty="0"/>
+              <a:t> – perform a postfix traversal on the slicing tree and extract expression</a:t>
+            </a:r>
+          </a:p>
+          <a:p>
+            <a:pPr lvl="1"/>
+            <a:r>
+              <a:rPr lang="en-US" i="1" dirty="0"/>
+              <a:t>recut</a:t>
+            </a:r>
+            <a:r>
+              <a:rPr lang="en-US" dirty="0"/>
+              <a:t> – change the cutline of an internal node</a:t>
+            </a:r>
+          </a:p>
+          <a:p>
+            <a:pPr lvl="1"/>
+            <a:r>
+              <a:rPr lang="en-US" i="1" dirty="0"/>
+              <a:t>rotate</a:t>
+            </a:r>
+            <a:r>
+              <a:rPr lang="en-US" dirty="0"/>
+              <a:t> – swap the height and width of a module</a:t>
+            </a:r>
+          </a:p>
+          <a:p>
+            <a:pPr lvl="1"/>
+            <a:r>
+              <a:rPr lang="en-US" i="1" dirty="0" err="1"/>
+              <a:t>swap_module</a:t>
+            </a:r>
+            <a:r>
+              <a:rPr lang="en-US" dirty="0"/>
+              <a:t> – swap two modules from two leave nodes (do this by swapping pointer values rather than actual pointers)</a:t>
+            </a:r>
+          </a:p>
+          <a:p>
+            <a:pPr lvl="1"/>
+            <a:r>
+              <a:rPr lang="en-US" i="1" dirty="0" err="1"/>
+              <a:t>swap_topology</a:t>
+            </a:r>
+            <a:r>
+              <a:rPr lang="en-US" dirty="0"/>
+              <a:t> – swap two subtrees rooted at two given node pointers by modifying the node links appropriately</a:t>
+            </a:r>
+            <a:endParaRPr lang="en-US" i="1" dirty="0"/>
           </a:p>
         </p:txBody>
       </p:sp>
       <p:sp>
         <p:nvSpPr>
-          <p:cNvPr id="25" name="Rectangle 24">
+          <p:cNvPr id="16" name="Rectangle 15">
             <a:extLst>
               <a:ext uri="{FF2B5EF4-FFF2-40B4-BE49-F238E27FC236}">
-                <a16:creationId xmlns:a16="http://schemas.microsoft.com/office/drawing/2014/main" id="{F13075F7-E0DE-4464-8452-04644BDC4CF4}"/>
+                <a16:creationId xmlns:a16="http://schemas.microsoft.com/office/drawing/2014/main" xmlns="" id="{F13075F7-E0DE-4464-8452-04644BDC4CF4}"/>
               </a:ext>
               <a:ext uri="{C183D7F6-B498-43B3-948B-1728B52AA6E4}">
-                <adec:decorative xmlns:adec="http://schemas.microsoft.com/office/drawing/2017/decorative" val="1"/>
+                <adec:decorative xmlns:adec="http://schemas.microsoft.com/office/drawing/2017/decorative" xmlns="" val="1"/>
               </a:ext>
             </a:extLst>
           </p:cNvPr>
@@ -4118,7 +4259,7 @@
           <p:nvPr>
             <p:extLst>
               <p:ext uri="{386F3935-93C4-4BCD-93E2-E3B085C9AB24}">
-                <p16:designElem xmlns:p16="http://schemas.microsoft.com/office/powerpoint/2015/main" val="1"/>
+                <p16:designElem xmlns:p16="http://schemas.microsoft.com/office/powerpoint/2015/main" xmlns="" val="1"/>
               </p:ext>
             </p:extLst>
           </p:nvPr>
@@ -4157,13 +4298,13 @@
       </p:sp>
       <p:sp>
         <p:nvSpPr>
-          <p:cNvPr id="27" name="Rectangle 26">
+          <p:cNvPr id="18" name="Rectangle 17">
             <a:extLst>
               <a:ext uri="{FF2B5EF4-FFF2-40B4-BE49-F238E27FC236}">
-                <a16:creationId xmlns:a16="http://schemas.microsoft.com/office/drawing/2014/main" id="{753F806E-C6E5-4496-86DF-BF50F97A01FC}"/>
+                <a16:creationId xmlns:a16="http://schemas.microsoft.com/office/drawing/2014/main" xmlns="" id="{753F806E-C6E5-4496-86DF-BF50F97A01FC}"/>
               </a:ext>
               <a:ext uri="{C183D7F6-B498-43B3-948B-1728B52AA6E4}">
-                <adec:decorative xmlns:adec="http://schemas.microsoft.com/office/drawing/2017/decorative" val="1"/>
+                <adec:decorative xmlns:adec="http://schemas.microsoft.com/office/drawing/2017/decorative" xmlns="" val="1"/>
               </a:ext>
             </a:extLst>
           </p:cNvPr>
@@ -4173,7 +4314,7 @@
           <p:nvPr>
             <p:extLst>
               <p:ext uri="{386F3935-93C4-4BCD-93E2-E3B085C9AB24}">
-                <p16:designElem xmlns:p16="http://schemas.microsoft.com/office/powerpoint/2015/main" val="1"/>
+                <p16:designElem xmlns:p16="http://schemas.microsoft.com/office/powerpoint/2015/main" xmlns="" val="1"/>
               </p:ext>
             </p:extLst>
           </p:nvPr>
@@ -4212,76 +4353,23 @@
           </a:fontRef>
         </p:style>
       </p:sp>
-      <p:pic>
-        <p:nvPicPr>
-          <p:cNvPr id="15" name="Picture 14">
-            <a:extLst>
-              <a:ext uri="{FF2B5EF4-FFF2-40B4-BE49-F238E27FC236}">
-                <a16:creationId xmlns:a16="http://schemas.microsoft.com/office/drawing/2014/main" id="{15E2AAD7-6440-41AF-86BD-D7E051348CE1}"/>
-              </a:ext>
-            </a:extLst>
-          </p:cNvPr>
-          <p:cNvPicPr>
-            <a:picLocks noChangeAspect="1"/>
-          </p:cNvPicPr>
-          <p:nvPr/>
-        </p:nvPicPr>
-        <p:blipFill>
-          <a:blip r:embed="rId2"/>
-          <a:stretch>
-            <a:fillRect/>
-          </a:stretch>
-        </p:blipFill>
-        <p:spPr>
-          <a:xfrm>
-            <a:off x="1317646" y="3168410"/>
-            <a:ext cx="2653002" cy="2476136"/>
-          </a:xfrm>
-          <a:prstGeom prst="rect">
-            <a:avLst/>
-          </a:prstGeom>
-        </p:spPr>
-      </p:pic>
-      <p:pic>
-        <p:nvPicPr>
-          <p:cNvPr id="4" name="Picture 3">
-            <a:extLst>
-              <a:ext uri="{FF2B5EF4-FFF2-40B4-BE49-F238E27FC236}">
-                <a16:creationId xmlns:a16="http://schemas.microsoft.com/office/drawing/2014/main" id="{8EDDA9BE-A1C0-4C11-80CD-8128C3DA8772}"/>
-              </a:ext>
-            </a:extLst>
-          </p:cNvPr>
-          <p:cNvPicPr>
-            <a:picLocks noChangeAspect="1"/>
-          </p:cNvPicPr>
-          <p:nvPr/>
-        </p:nvPicPr>
-        <p:blipFill>
-          <a:blip r:embed="rId3"/>
-          <a:stretch>
-            <a:fillRect/>
-          </a:stretch>
-        </p:blipFill>
-        <p:spPr>
-          <a:xfrm>
-            <a:off x="1331707" y="581098"/>
-            <a:ext cx="2624879" cy="2476136"/>
-          </a:xfrm>
-          <a:prstGeom prst="rect">
-            <a:avLst/>
-          </a:prstGeom>
-        </p:spPr>
-      </p:pic>
     </p:spTree>
     <p:extLst>
       <p:ext uri="{BB962C8B-B14F-4D97-AF65-F5344CB8AC3E}">
-        <p14:creationId xmlns:p14="http://schemas.microsoft.com/office/powerpoint/2010/main" val="1450450566"/>
+        <p14:creationId xmlns:p14="http://schemas.microsoft.com/office/powerpoint/2010/main" val="2708351519"/>
       </p:ext>
     </p:extLst>
   </p:cSld>
   <p:clrMapOvr>
     <a:masterClrMapping/>
   </p:clrMapOvr>
+  <p:timing>
+    <p:tnLst>
+      <p:par>
+        <p:cTn id="1" dur="indefinite" restart="never" nodeType="tmRoot"/>
+      </p:par>
+    </p:tnLst>
+  </p:timing>
 </p:sld>
 </file>
 
@@ -4312,13 +4400,13 @@
       </p:grpSpPr>
       <p:sp useBgFill="1">
         <p:nvSpPr>
-          <p:cNvPr id="20" name="Rectangle 19">
+          <p:cNvPr id="21" name="Rectangle 20">
             <a:extLst>
               <a:ext uri="{FF2B5EF4-FFF2-40B4-BE49-F238E27FC236}">
-                <a16:creationId xmlns:a16="http://schemas.microsoft.com/office/drawing/2014/main" id="{FAB97BA4-01AC-44DE-B8B8-0727D66FAAB5}"/>
+                <a16:creationId xmlns:a16="http://schemas.microsoft.com/office/drawing/2014/main" xmlns="" id="{1356A2EC-03A6-4D34-98C0-E07DE18594C6}"/>
               </a:ext>
               <a:ext uri="{C183D7F6-B498-43B3-948B-1728B52AA6E4}">
-                <adec:decorative xmlns:adec="http://schemas.microsoft.com/office/drawing/2017/decorative" val="1"/>
+                <adec:decorative xmlns:adec="http://schemas.microsoft.com/office/drawing/2017/decorative" xmlns="" val="1"/>
               </a:ext>
             </a:extLst>
           </p:cNvPr>
@@ -4328,7 +4416,7 @@
           <p:nvPr>
             <p:extLst>
               <p:ext uri="{386F3935-93C4-4BCD-93E2-E3B085C9AB24}">
-                <p16:designElem xmlns:p16="http://schemas.microsoft.com/office/powerpoint/2015/main" val="1"/>
+                <p16:designElem xmlns:p16="http://schemas.microsoft.com/office/powerpoint/2015/main" xmlns="" val="1"/>
               </p:ext>
             </p:extLst>
           </p:nvPr>
@@ -4375,7 +4463,416 @@
           <p:cNvPr id="2" name="Title 1">
             <a:extLst>
               <a:ext uri="{FF2B5EF4-FFF2-40B4-BE49-F238E27FC236}">
-                <a16:creationId xmlns:a16="http://schemas.microsoft.com/office/drawing/2014/main" id="{312D87E7-36C2-442D-A23E-684B6182282F}"/>
+                <a16:creationId xmlns:a16="http://schemas.microsoft.com/office/drawing/2014/main" xmlns="" id="{DC37633E-DCF8-4AFA-8E50-E6E3C958ADCC}"/>
+              </a:ext>
+            </a:extLst>
+          </p:cNvPr>
+          <p:cNvSpPr>
+            <a:spLocks noGrp="1"/>
+          </p:cNvSpPr>
+          <p:nvPr>
+            <p:ph type="title"/>
+          </p:nvPr>
+        </p:nvSpPr>
+        <p:spPr>
+          <a:xfrm>
+            <a:off x="5144679" y="634946"/>
+            <a:ext cx="6405063" cy="1450757"/>
+          </a:xfrm>
+        </p:spPr>
+        <p:txBody>
+          <a:bodyPr>
+            <a:normAutofit/>
+          </a:bodyPr>
+          <a:lstStyle/>
+          <a:p>
+            <a:r>
+              <a:rPr lang="en-US" dirty="0"/>
+              <a:t>Lab7 – Lowest Common Ancestor </a:t>
+            </a:r>
+          </a:p>
+        </p:txBody>
+      </p:sp>
+      <p:cxnSp>
+        <p:nvCxnSpPr>
+          <p:cNvPr id="23" name="Straight Connector 22">
+            <a:extLst>
+              <a:ext uri="{FF2B5EF4-FFF2-40B4-BE49-F238E27FC236}">
+                <a16:creationId xmlns:a16="http://schemas.microsoft.com/office/drawing/2014/main" xmlns="" id="{4CEBF212-BEAC-42E5-B3B1-9403F6E9BB80}"/>
+              </a:ext>
+              <a:ext uri="{C183D7F6-B498-43B3-948B-1728B52AA6E4}">
+                <adec:decorative xmlns:adec="http://schemas.microsoft.com/office/drawing/2017/decorative" xmlns="" val="1"/>
+              </a:ext>
+            </a:extLst>
+          </p:cNvPr>
+          <p:cNvCxnSpPr>
+            <a:cxnSpLocks noGrp="1" noRot="1" noChangeAspect="1" noMove="1" noResize="1" noEditPoints="1" noAdjustHandles="1" noChangeArrowheads="1" noChangeShapeType="1"/>
+          </p:cNvCxnSpPr>
+          <p:nvPr>
+            <p:extLst>
+              <p:ext uri="{386F3935-93C4-4BCD-93E2-E3B085C9AB24}">
+                <p16:designElem xmlns:p16="http://schemas.microsoft.com/office/powerpoint/2015/main" xmlns="" val="1"/>
+              </p:ext>
+            </p:extLst>
+          </p:nvPr>
+        </p:nvCxnSpPr>
+        <p:spPr>
+          <a:xfrm>
+            <a:off x="5181247" y="2086188"/>
+            <a:ext cx="5852160" cy="0"/>
+          </a:xfrm>
+          <a:prstGeom prst="line">
+            <a:avLst/>
+          </a:prstGeom>
+          <a:ln w="6350">
+            <a:solidFill>
+              <a:schemeClr val="tx1">
+                <a:lumMod val="50000"/>
+                <a:lumOff val="50000"/>
+                <a:alpha val="90000"/>
+              </a:schemeClr>
+            </a:solidFill>
+          </a:ln>
+        </p:spPr>
+        <p:style>
+          <a:lnRef idx="1">
+            <a:schemeClr val="accent1"/>
+          </a:lnRef>
+          <a:fillRef idx="0">
+            <a:schemeClr val="accent1"/>
+          </a:fillRef>
+          <a:effectRef idx="0">
+            <a:schemeClr val="accent1"/>
+          </a:effectRef>
+          <a:fontRef idx="minor">
+            <a:schemeClr val="tx1"/>
+          </a:fontRef>
+        </p:style>
+      </p:cxnSp>
+      <p:sp>
+        <p:nvSpPr>
+          <p:cNvPr id="3" name="Content Placeholder 2">
+            <a:extLst>
+              <a:ext uri="{FF2B5EF4-FFF2-40B4-BE49-F238E27FC236}">
+                <a16:creationId xmlns:a16="http://schemas.microsoft.com/office/drawing/2014/main" xmlns="" id="{8D23085D-1D16-471B-8574-FD0F798BA0BB}"/>
+              </a:ext>
+            </a:extLst>
+          </p:cNvPr>
+          <p:cNvSpPr>
+            <a:spLocks noGrp="1"/>
+          </p:cNvSpPr>
+          <p:nvPr>
+            <p:ph idx="1"/>
+          </p:nvPr>
+        </p:nvSpPr>
+        <p:spPr>
+          <a:xfrm>
+            <a:off x="5144679" y="2198914"/>
+            <a:ext cx="6405063" cy="3670180"/>
+          </a:xfrm>
+        </p:spPr>
+        <p:txBody>
+          <a:bodyPr>
+            <a:normAutofit/>
+          </a:bodyPr>
+          <a:lstStyle/>
+          <a:p>
+            <a:r>
+              <a:rPr lang="en-US" dirty="0"/>
+              <a:t>Given a binary search tree (BST), find the lowest common ancestor of two nodes.</a:t>
+            </a:r>
+          </a:p>
+          <a:p>
+            <a:r>
+              <a:rPr lang="en-US" dirty="0"/>
+              <a:t>Hint: use the special property of a (BST) to figure out what the lowest common ancestor is. If this was a general tree, then you would have to do a recursive search to find the lowest common ancestor.</a:t>
+            </a:r>
+          </a:p>
+        </p:txBody>
+      </p:sp>
+      <p:sp>
+        <p:nvSpPr>
+          <p:cNvPr id="25" name="Rectangle 24">
+            <a:extLst>
+              <a:ext uri="{FF2B5EF4-FFF2-40B4-BE49-F238E27FC236}">
+                <a16:creationId xmlns:a16="http://schemas.microsoft.com/office/drawing/2014/main" xmlns="" id="{F13075F7-E0DE-4464-8452-04644BDC4CF4}"/>
+              </a:ext>
+              <a:ext uri="{C183D7F6-B498-43B3-948B-1728B52AA6E4}">
+                <adec:decorative xmlns:adec="http://schemas.microsoft.com/office/drawing/2017/decorative" xmlns="" val="1"/>
+              </a:ext>
+            </a:extLst>
+          </p:cNvPr>
+          <p:cNvSpPr>
+            <a:spLocks noGrp="1" noRot="1" noChangeAspect="1" noMove="1" noResize="1" noEditPoints="1" noAdjustHandles="1" noChangeArrowheads="1" noChangeShapeType="1" noTextEdit="1"/>
+          </p:cNvSpPr>
+          <p:nvPr>
+            <p:extLst>
+              <p:ext uri="{386F3935-93C4-4BCD-93E2-E3B085C9AB24}">
+                <p16:designElem xmlns:p16="http://schemas.microsoft.com/office/powerpoint/2015/main" xmlns="" val="1"/>
+              </p:ext>
+            </p:extLst>
+          </p:nvPr>
+        </p:nvSpPr>
+        <p:spPr>
+          <a:xfrm>
+            <a:off x="15" y="6334316"/>
+            <a:ext cx="12191985" cy="66484"/>
+          </a:xfrm>
+          <a:prstGeom prst="rect">
+            <a:avLst/>
+          </a:prstGeom>
+          <a:solidFill>
+            <a:schemeClr val="accent4"/>
+          </a:solidFill>
+          <a:ln>
+            <a:noFill/>
+          </a:ln>
+        </p:spPr>
+        <p:style>
+          <a:lnRef idx="2">
+            <a:schemeClr val="accent1">
+              <a:shade val="50000"/>
+            </a:schemeClr>
+          </a:lnRef>
+          <a:fillRef idx="1">
+            <a:schemeClr val="accent1"/>
+          </a:fillRef>
+          <a:effectRef idx="0">
+            <a:schemeClr val="accent1"/>
+          </a:effectRef>
+          <a:fontRef idx="minor">
+            <a:schemeClr val="lt1"/>
+          </a:fontRef>
+        </p:style>
+      </p:sp>
+      <p:sp>
+        <p:nvSpPr>
+          <p:cNvPr id="27" name="Rectangle 26">
+            <a:extLst>
+              <a:ext uri="{FF2B5EF4-FFF2-40B4-BE49-F238E27FC236}">
+                <a16:creationId xmlns:a16="http://schemas.microsoft.com/office/drawing/2014/main" xmlns="" id="{753F806E-C6E5-4496-86DF-BF50F97A01FC}"/>
+              </a:ext>
+              <a:ext uri="{C183D7F6-B498-43B3-948B-1728B52AA6E4}">
+                <adec:decorative xmlns:adec="http://schemas.microsoft.com/office/drawing/2017/decorative" xmlns="" val="1"/>
+              </a:ext>
+            </a:extLst>
+          </p:cNvPr>
+          <p:cNvSpPr>
+            <a:spLocks noGrp="1" noRot="1" noChangeAspect="1" noMove="1" noResize="1" noEditPoints="1" noAdjustHandles="1" noChangeArrowheads="1" noChangeShapeType="1" noTextEdit="1"/>
+          </p:cNvSpPr>
+          <p:nvPr>
+            <p:extLst>
+              <p:ext uri="{386F3935-93C4-4BCD-93E2-E3B085C9AB24}">
+                <p16:designElem xmlns:p16="http://schemas.microsoft.com/office/powerpoint/2015/main" xmlns="" val="1"/>
+              </p:ext>
+            </p:extLst>
+          </p:nvPr>
+        </p:nvSpPr>
+        <p:spPr>
+          <a:xfrm>
+            <a:off x="1" y="6400800"/>
+            <a:ext cx="12192000" cy="457200"/>
+          </a:xfrm>
+          <a:prstGeom prst="rect">
+            <a:avLst/>
+          </a:prstGeom>
+          <a:solidFill>
+            <a:schemeClr val="accent4">
+              <a:lumMod val="75000"/>
+            </a:schemeClr>
+          </a:solidFill>
+          <a:ln>
+            <a:noFill/>
+          </a:ln>
+        </p:spPr>
+        <p:style>
+          <a:lnRef idx="2">
+            <a:schemeClr val="accent1">
+              <a:shade val="50000"/>
+            </a:schemeClr>
+          </a:lnRef>
+          <a:fillRef idx="1">
+            <a:schemeClr val="accent1"/>
+          </a:fillRef>
+          <a:effectRef idx="0">
+            <a:schemeClr val="accent1"/>
+          </a:effectRef>
+          <a:fontRef idx="minor">
+            <a:schemeClr val="lt1"/>
+          </a:fontRef>
+        </p:style>
+      </p:sp>
+      <p:pic>
+        <p:nvPicPr>
+          <p:cNvPr id="15" name="Picture 14">
+            <a:extLst>
+              <a:ext uri="{FF2B5EF4-FFF2-40B4-BE49-F238E27FC236}">
+                <a16:creationId xmlns:a16="http://schemas.microsoft.com/office/drawing/2014/main" xmlns="" id="{15E2AAD7-6440-41AF-86BD-D7E051348CE1}"/>
+              </a:ext>
+            </a:extLst>
+          </p:cNvPr>
+          <p:cNvPicPr>
+            <a:picLocks noChangeAspect="1"/>
+          </p:cNvPicPr>
+          <p:nvPr/>
+        </p:nvPicPr>
+        <p:blipFill>
+          <a:blip r:embed="rId2"/>
+          <a:stretch>
+            <a:fillRect/>
+          </a:stretch>
+        </p:blipFill>
+        <p:spPr>
+          <a:xfrm>
+            <a:off x="1317646" y="3168410"/>
+            <a:ext cx="2653002" cy="2476136"/>
+          </a:xfrm>
+          <a:prstGeom prst="rect">
+            <a:avLst/>
+          </a:prstGeom>
+        </p:spPr>
+      </p:pic>
+      <p:pic>
+        <p:nvPicPr>
+          <p:cNvPr id="4" name="Picture 3">
+            <a:extLst>
+              <a:ext uri="{FF2B5EF4-FFF2-40B4-BE49-F238E27FC236}">
+                <a16:creationId xmlns:a16="http://schemas.microsoft.com/office/drawing/2014/main" xmlns="" id="{8EDDA9BE-A1C0-4C11-80CD-8128C3DA8772}"/>
+              </a:ext>
+            </a:extLst>
+          </p:cNvPr>
+          <p:cNvPicPr>
+            <a:picLocks noChangeAspect="1"/>
+          </p:cNvPicPr>
+          <p:nvPr/>
+        </p:nvPicPr>
+        <p:blipFill>
+          <a:blip r:embed="rId3"/>
+          <a:stretch>
+            <a:fillRect/>
+          </a:stretch>
+        </p:blipFill>
+        <p:spPr>
+          <a:xfrm>
+            <a:off x="1331707" y="581098"/>
+            <a:ext cx="2624879" cy="2476136"/>
+          </a:xfrm>
+          <a:prstGeom prst="rect">
+            <a:avLst/>
+          </a:prstGeom>
+        </p:spPr>
+      </p:pic>
+    </p:spTree>
+    <p:extLst>
+      <p:ext uri="{BB962C8B-B14F-4D97-AF65-F5344CB8AC3E}">
+        <p14:creationId xmlns:p14="http://schemas.microsoft.com/office/powerpoint/2010/main" val="1450450566"/>
+      </p:ext>
+    </p:extLst>
+  </p:cSld>
+  <p:clrMapOvr>
+    <a:masterClrMapping/>
+  </p:clrMapOvr>
+  <p:timing>
+    <p:tnLst>
+      <p:par>
+        <p:cTn id="1" dur="indefinite" restart="never" nodeType="tmRoot"/>
+      </p:par>
+    </p:tnLst>
+  </p:timing>
+</p:sld>
+</file>
+
+<file path=ppt/slides/slide12.xml><?xml version="1.0" encoding="utf-8"?>
+<p:sld xmlns:a="http://schemas.openxmlformats.org/drawingml/2006/main" xmlns:r="http://schemas.openxmlformats.org/officeDocument/2006/relationships" xmlns:p="http://schemas.openxmlformats.org/presentationml/2006/main">
+  <p:cSld>
+    <p:bg>
+      <p:bgPr>
+        <a:solidFill>
+          <a:schemeClr val="bg2"/>
+        </a:solidFill>
+        <a:effectLst/>
+      </p:bgPr>
+    </p:bg>
+    <p:spTree>
+      <p:nvGrpSpPr>
+        <p:cNvPr id="1" name=""/>
+        <p:cNvGrpSpPr/>
+        <p:nvPr/>
+      </p:nvGrpSpPr>
+      <p:grpSpPr>
+        <a:xfrm>
+          <a:off x="0" y="0"/>
+          <a:ext cx="0" cy="0"/>
+          <a:chOff x="0" y="0"/>
+          <a:chExt cx="0" cy="0"/>
+        </a:xfrm>
+      </p:grpSpPr>
+      <p:sp useBgFill="1">
+        <p:nvSpPr>
+          <p:cNvPr id="20" name="Rectangle 19">
+            <a:extLst>
+              <a:ext uri="{FF2B5EF4-FFF2-40B4-BE49-F238E27FC236}">
+                <a16:creationId xmlns:a16="http://schemas.microsoft.com/office/drawing/2014/main" xmlns="" id="{FAB97BA4-01AC-44DE-B8B8-0727D66FAAB5}"/>
+              </a:ext>
+              <a:ext uri="{C183D7F6-B498-43B3-948B-1728B52AA6E4}">
+                <adec:decorative xmlns:adec="http://schemas.microsoft.com/office/drawing/2017/decorative" xmlns="" val="1"/>
+              </a:ext>
+            </a:extLst>
+          </p:cNvPr>
+          <p:cNvSpPr>
+            <a:spLocks noGrp="1" noRot="1" noChangeAspect="1" noMove="1" noResize="1" noEditPoints="1" noAdjustHandles="1" noChangeArrowheads="1" noChangeShapeType="1" noTextEdit="1"/>
+          </p:cNvSpPr>
+          <p:nvPr>
+            <p:extLst>
+              <p:ext uri="{386F3935-93C4-4BCD-93E2-E3B085C9AB24}">
+                <p16:designElem xmlns:p16="http://schemas.microsoft.com/office/powerpoint/2015/main" xmlns="" val="1"/>
+              </p:ext>
+            </p:extLst>
+          </p:nvPr>
+        </p:nvSpPr>
+        <p:spPr>
+          <a:xfrm>
+            <a:off x="0" y="0"/>
+            <a:ext cx="12192001" cy="6334316"/>
+          </a:xfrm>
+          <a:prstGeom prst="rect">
+            <a:avLst/>
+          </a:prstGeom>
+          <a:ln>
+            <a:noFill/>
+          </a:ln>
+        </p:spPr>
+        <p:style>
+          <a:lnRef idx="2">
+            <a:schemeClr val="accent1">
+              <a:shade val="50000"/>
+            </a:schemeClr>
+          </a:lnRef>
+          <a:fillRef idx="1">
+            <a:schemeClr val="accent1"/>
+          </a:fillRef>
+          <a:effectRef idx="0">
+            <a:schemeClr val="accent1"/>
+          </a:effectRef>
+          <a:fontRef idx="minor">
+            <a:schemeClr val="lt1"/>
+          </a:fontRef>
+        </p:style>
+        <p:txBody>
+          <a:bodyPr rtlCol="0" anchor="ctr"/>
+          <a:lstStyle/>
+          <a:p>
+            <a:pPr algn="ctr"/>
+            <a:endParaRPr lang="en-US"/>
+          </a:p>
+        </p:txBody>
+      </p:sp>
+      <p:sp>
+        <p:nvSpPr>
+          <p:cNvPr id="2" name="Title 1">
+            <a:extLst>
+              <a:ext uri="{FF2B5EF4-FFF2-40B4-BE49-F238E27FC236}">
+                <a16:creationId xmlns:a16="http://schemas.microsoft.com/office/drawing/2014/main" xmlns="" id="{312D87E7-36C2-442D-A23E-684B6182282F}"/>
               </a:ext>
             </a:extLst>
           </p:cNvPr>
@@ -4410,7 +4907,7 @@
           <p:cNvPr id="5" name="Picture 4">
             <a:extLst>
               <a:ext uri="{FF2B5EF4-FFF2-40B4-BE49-F238E27FC236}">
-                <a16:creationId xmlns:a16="http://schemas.microsoft.com/office/drawing/2014/main" id="{65479096-5CB4-4704-9003-D4944145A5FF}"/>
+                <a16:creationId xmlns:a16="http://schemas.microsoft.com/office/drawing/2014/main" xmlns="" id="{65479096-5CB4-4704-9003-D4944145A5FF}"/>
               </a:ext>
             </a:extLst>
           </p:cNvPr>
@@ -4441,10 +4938,10 @@
           <p:cNvPr id="22" name="Straight Connector 21">
             <a:extLst>
               <a:ext uri="{FF2B5EF4-FFF2-40B4-BE49-F238E27FC236}">
-                <a16:creationId xmlns:a16="http://schemas.microsoft.com/office/drawing/2014/main" id="{9ACA173B-611C-49B6-8604-5AD22FE3D89D}"/>
+                <a16:creationId xmlns:a16="http://schemas.microsoft.com/office/drawing/2014/main" xmlns="" id="{9ACA173B-611C-49B6-8604-5AD22FE3D89D}"/>
               </a:ext>
               <a:ext uri="{C183D7F6-B498-43B3-948B-1728B52AA6E4}">
-                <adec:decorative xmlns:adec="http://schemas.microsoft.com/office/drawing/2017/decorative" val="1"/>
+                <adec:decorative xmlns:adec="http://schemas.microsoft.com/office/drawing/2017/decorative" xmlns="" val="1"/>
               </a:ext>
             </a:extLst>
           </p:cNvPr>
@@ -4454,7 +4951,7 @@
           <p:nvPr>
             <p:extLst>
               <p:ext uri="{386F3935-93C4-4BCD-93E2-E3B085C9AB24}">
-                <p16:designElem xmlns:p16="http://schemas.microsoft.com/office/powerpoint/2015/main" val="1"/>
+                <p16:designElem xmlns:p16="http://schemas.microsoft.com/office/powerpoint/2015/main" xmlns="" val="1"/>
               </p:ext>
             </p:extLst>
           </p:nvPr>
@@ -4492,14 +4989,14 @@
           </a:fontRef>
         </p:style>
       </p:cxnSp>
-      <mc:AlternateContent xmlns:mc="http://schemas.openxmlformats.org/markup-compatibility/2006">
-        <mc:Choice xmlns:a14="http://schemas.microsoft.com/office/drawing/2010/main" Requires="a14">
+      <mc:AlternateContent xmlns:mc="http://schemas.openxmlformats.org/markup-compatibility/2006" xmlns:a14="http://schemas.microsoft.com/office/drawing/2010/main">
+        <mc:Choice Requires="a14">
           <p:sp>
             <p:nvSpPr>
               <p:cNvPr id="3" name="Content Placeholder 2">
                 <a:extLst>
                   <a:ext uri="{FF2B5EF4-FFF2-40B4-BE49-F238E27FC236}">
-                    <a16:creationId xmlns:a16="http://schemas.microsoft.com/office/drawing/2014/main" id="{E39E6B42-FD09-451D-81BE-501651BC09F8}"/>
+                    <a16:creationId xmlns:a16="http://schemas.microsoft.com/office/drawing/2014/main" xmlns="" id="{E39E6B42-FD09-451D-81BE-501651BC09F8}"/>
                   </a:ext>
                 </a:extLst>
               </p:cNvPr>
@@ -4575,8 +5072,8 @@
                     <m:d>
                       <m:dPr>
                         <m:ctrlPr>
-                          <a:rPr lang="en-US" b="0" i="0" smtClean="0">
-                            <a:latin typeface="Cambria Math" panose="02040503050406030204" pitchFamily="18" charset="0"/>
+                          <a:rPr lang="en-US" b="0" i="1" smtClean="0">
+                            <a:latin typeface="Cambria Math"/>
                           </a:rPr>
                         </m:ctrlPr>
                       </m:dPr>
@@ -4635,7 +5132,7 @@
                       <m:fPr>
                         <m:ctrlPr>
                           <a:rPr lang="en-US" b="0" i="1" smtClean="0">
-                            <a:latin typeface="Cambria Math" panose="02040503050406030204" pitchFamily="18" charset="0"/>
+                            <a:latin typeface="Cambria Math"/>
                           </a:rPr>
                         </m:ctrlPr>
                       </m:fPr>
@@ -4751,7 +5248,7 @@
             </p:txBody>
           </p:sp>
         </mc:Choice>
-        <mc:Fallback>
+        <mc:Fallback xmlns="">
           <p:sp>
             <p:nvSpPr>
               <p:cNvPr id="3" name="Content Placeholder 2">
@@ -4800,10 +5297,10 @@
           <p:cNvPr id="24" name="Rectangle 23">
             <a:extLst>
               <a:ext uri="{FF2B5EF4-FFF2-40B4-BE49-F238E27FC236}">
-                <a16:creationId xmlns:a16="http://schemas.microsoft.com/office/drawing/2014/main" id="{DAD47831-85D2-4275-A596-395F99B3E665}"/>
+                <a16:creationId xmlns:a16="http://schemas.microsoft.com/office/drawing/2014/main" xmlns="" id="{DAD47831-85D2-4275-A596-395F99B3E665}"/>
               </a:ext>
               <a:ext uri="{C183D7F6-B498-43B3-948B-1728B52AA6E4}">
-                <adec:decorative xmlns:adec="http://schemas.microsoft.com/office/drawing/2017/decorative" val="1"/>
+                <adec:decorative xmlns:adec="http://schemas.microsoft.com/office/drawing/2017/decorative" xmlns="" val="1"/>
               </a:ext>
             </a:extLst>
           </p:cNvPr>
@@ -4813,7 +5310,7 @@
           <p:nvPr>
             <p:extLst>
               <p:ext uri="{386F3935-93C4-4BCD-93E2-E3B085C9AB24}">
-                <p16:designElem xmlns:p16="http://schemas.microsoft.com/office/powerpoint/2015/main" val="1"/>
+                <p16:designElem xmlns:p16="http://schemas.microsoft.com/office/powerpoint/2015/main" xmlns="" val="1"/>
               </p:ext>
             </p:extLst>
           </p:nvPr>
@@ -4855,10 +5352,10 @@
           <p:cNvPr id="26" name="Rectangle 25">
             <a:extLst>
               <a:ext uri="{FF2B5EF4-FFF2-40B4-BE49-F238E27FC236}">
-                <a16:creationId xmlns:a16="http://schemas.microsoft.com/office/drawing/2014/main" id="{563319A9-336E-4407-B4BE-FD32FF725B9F}"/>
+                <a16:creationId xmlns:a16="http://schemas.microsoft.com/office/drawing/2014/main" xmlns="" id="{563319A9-336E-4407-B4BE-FD32FF725B9F}"/>
               </a:ext>
               <a:ext uri="{C183D7F6-B498-43B3-948B-1728B52AA6E4}">
-                <adec:decorative xmlns:adec="http://schemas.microsoft.com/office/drawing/2017/decorative" val="1"/>
+                <adec:decorative xmlns:adec="http://schemas.microsoft.com/office/drawing/2017/decorative" xmlns="" val="1"/>
               </a:ext>
             </a:extLst>
           </p:cNvPr>
@@ -4868,7 +5365,7 @@
           <p:nvPr>
             <p:extLst>
               <p:ext uri="{386F3935-93C4-4BCD-93E2-E3B085C9AB24}">
-                <p16:designElem xmlns:p16="http://schemas.microsoft.com/office/powerpoint/2015/main" val="1"/>
+                <p16:designElem xmlns:p16="http://schemas.microsoft.com/office/powerpoint/2015/main" xmlns="" val="1"/>
               </p:ext>
             </p:extLst>
           </p:nvPr>
@@ -4917,10 +5414,17 @@
   <p:clrMapOvr>
     <a:masterClrMapping/>
   </p:clrMapOvr>
+  <p:timing>
+    <p:tnLst>
+      <p:par>
+        <p:cTn id="1" dur="indefinite" restart="never" nodeType="tmRoot"/>
+      </p:par>
+    </p:tnLst>
+  </p:timing>
 </p:sld>
 </file>
 
-<file path=ppt/slides/slide12.xml><?xml version="1.0" encoding="utf-8"?>
+<file path=ppt/slides/slide13.xml><?xml version="1.0" encoding="utf-8"?>
 <p:sld xmlns:a="http://schemas.openxmlformats.org/drawingml/2006/main" xmlns:r="http://schemas.openxmlformats.org/officeDocument/2006/relationships" xmlns:p="http://schemas.openxmlformats.org/presentationml/2006/main">
   <p:cSld>
     <p:spTree>
@@ -4942,7 +5446,7 @@
           <p:cNvPr id="2" name="Title 1">
             <a:extLst>
               <a:ext uri="{FF2B5EF4-FFF2-40B4-BE49-F238E27FC236}">
-                <a16:creationId xmlns:a16="http://schemas.microsoft.com/office/drawing/2014/main" id="{0EF45621-FC80-4668-85CA-430A37E553C0}"/>
+                <a16:creationId xmlns:a16="http://schemas.microsoft.com/office/drawing/2014/main" xmlns="" id="{0EF45621-FC80-4668-85CA-430A37E553C0}"/>
               </a:ext>
             </a:extLst>
           </p:cNvPr>
@@ -4970,7 +5474,7 @@
           <p:cNvPr id="3" name="Content Placeholder 2">
             <a:extLst>
               <a:ext uri="{FF2B5EF4-FFF2-40B4-BE49-F238E27FC236}">
-                <a16:creationId xmlns:a16="http://schemas.microsoft.com/office/drawing/2014/main" id="{4F76F7A7-AC73-480E-9F22-422FADDC378D}"/>
+                <a16:creationId xmlns:a16="http://schemas.microsoft.com/office/drawing/2014/main" xmlns="" id="{4F76F7A7-AC73-480E-9F22-422FADDC378D}"/>
               </a:ext>
             </a:extLst>
           </p:cNvPr>
@@ -5036,6 +5540,13 @@
   <p:clrMapOvr>
     <a:masterClrMapping/>
   </p:clrMapOvr>
+  <p:timing>
+    <p:tnLst>
+      <p:par>
+        <p:cTn id="1" dur="indefinite" restart="never" nodeType="tmRoot"/>
+      </p:par>
+    </p:tnLst>
+  </p:timing>
 </p:sld>
 </file>
 
@@ -5069,10 +5580,10 @@
           <p:cNvPr id="10" name="Rectangle 9">
             <a:extLst>
               <a:ext uri="{FF2B5EF4-FFF2-40B4-BE49-F238E27FC236}">
-                <a16:creationId xmlns:a16="http://schemas.microsoft.com/office/drawing/2014/main" id="{36FB3E6D-D5F5-4999-A4A0-8CC060459B07}"/>
+                <a16:creationId xmlns:a16="http://schemas.microsoft.com/office/drawing/2014/main" xmlns="" id="{36FB3E6D-D5F5-4999-A4A0-8CC060459B07}"/>
               </a:ext>
               <a:ext uri="{C183D7F6-B498-43B3-948B-1728B52AA6E4}">
-                <adec:decorative xmlns:adec="http://schemas.microsoft.com/office/drawing/2017/decorative" val="1"/>
+                <adec:decorative xmlns:adec="http://schemas.microsoft.com/office/drawing/2017/decorative" xmlns="" val="1"/>
               </a:ext>
             </a:extLst>
           </p:cNvPr>
@@ -5082,7 +5593,7 @@
           <p:nvPr>
             <p:extLst>
               <p:ext uri="{386F3935-93C4-4BCD-93E2-E3B085C9AB24}">
-                <p16:designElem xmlns:p16="http://schemas.microsoft.com/office/powerpoint/2015/main" val="1"/>
+                <p16:designElem xmlns:p16="http://schemas.microsoft.com/office/powerpoint/2015/main" xmlns="" val="1"/>
               </p:ext>
             </p:extLst>
           </p:nvPr>
@@ -5129,7 +5640,7 @@
           <p:cNvPr id="2" name="Title 1">
             <a:extLst>
               <a:ext uri="{FF2B5EF4-FFF2-40B4-BE49-F238E27FC236}">
-                <a16:creationId xmlns:a16="http://schemas.microsoft.com/office/drawing/2014/main" id="{A613A043-2262-4940-962C-CB6104C32CED}"/>
+                <a16:creationId xmlns:a16="http://schemas.microsoft.com/office/drawing/2014/main" xmlns="" id="{A613A043-2262-4940-962C-CB6104C32CED}"/>
               </a:ext>
             </a:extLst>
           </p:cNvPr>
@@ -5164,7 +5675,7 @@
           <p:cNvPr id="5" name="Picture 4" descr="A screen shot of a smart phone&#10;&#10;Description generated with very high confidence">
             <a:extLst>
               <a:ext uri="{FF2B5EF4-FFF2-40B4-BE49-F238E27FC236}">
-                <a16:creationId xmlns:a16="http://schemas.microsoft.com/office/drawing/2014/main" id="{C81E5252-2ECB-46A6-BD3B-6D51609D672D}"/>
+                <a16:creationId xmlns:a16="http://schemas.microsoft.com/office/drawing/2014/main" xmlns="" id="{C81E5252-2ECB-46A6-BD3B-6D51609D672D}"/>
               </a:ext>
             </a:extLst>
           </p:cNvPr>
@@ -5199,10 +5710,10 @@
           <p:cNvPr id="12" name="Straight Connector 11">
             <a:extLst>
               <a:ext uri="{FF2B5EF4-FFF2-40B4-BE49-F238E27FC236}">
-                <a16:creationId xmlns:a16="http://schemas.microsoft.com/office/drawing/2014/main" id="{B723AC9B-FC09-42DE-AA53-88EF5709B37F}"/>
+                <a16:creationId xmlns:a16="http://schemas.microsoft.com/office/drawing/2014/main" xmlns="" id="{B723AC9B-FC09-42DE-AA53-88EF5709B37F}"/>
               </a:ext>
               <a:ext uri="{C183D7F6-B498-43B3-948B-1728B52AA6E4}">
-                <adec:decorative xmlns:adec="http://schemas.microsoft.com/office/drawing/2017/decorative" val="1"/>
+                <adec:decorative xmlns:adec="http://schemas.microsoft.com/office/drawing/2017/decorative" xmlns="" val="1"/>
               </a:ext>
             </a:extLst>
           </p:cNvPr>
@@ -5212,7 +5723,7 @@
           <p:nvPr>
             <p:extLst>
               <p:ext uri="{386F3935-93C4-4BCD-93E2-E3B085C9AB24}">
-                <p16:designElem xmlns:p16="http://schemas.microsoft.com/office/powerpoint/2015/main" val="1"/>
+                <p16:designElem xmlns:p16="http://schemas.microsoft.com/office/powerpoint/2015/main" xmlns="" val="1"/>
               </p:ext>
             </p:extLst>
           </p:nvPr>
@@ -5257,7 +5768,7 @@
               <p:cNvPr id="3" name="Content Placeholder 2">
                 <a:extLst>
                   <a:ext uri="{FF2B5EF4-FFF2-40B4-BE49-F238E27FC236}">
-                    <a16:creationId xmlns:a16="http://schemas.microsoft.com/office/drawing/2014/main" id="{F0C4FA99-864D-494B-904C-2E8D7BAA9117}"/>
+                    <a16:creationId xmlns:a16="http://schemas.microsoft.com/office/drawing/2014/main" xmlns="" id="{F0C4FA99-864D-494B-904C-2E8D7BAA9117}"/>
                   </a:ext>
                 </a:extLst>
               </p:cNvPr>
@@ -5452,10 +5963,10 @@
           <p:cNvPr id="14" name="Rectangle 13">
             <a:extLst>
               <a:ext uri="{FF2B5EF4-FFF2-40B4-BE49-F238E27FC236}">
-                <a16:creationId xmlns:a16="http://schemas.microsoft.com/office/drawing/2014/main" id="{7894C9C5-02CC-4871-BD62-21EC292B1E70}"/>
+                <a16:creationId xmlns:a16="http://schemas.microsoft.com/office/drawing/2014/main" xmlns="" id="{7894C9C5-02CC-4871-BD62-21EC292B1E70}"/>
               </a:ext>
               <a:ext uri="{C183D7F6-B498-43B3-948B-1728B52AA6E4}">
-                <adec:decorative xmlns:adec="http://schemas.microsoft.com/office/drawing/2017/decorative" val="1"/>
+                <adec:decorative xmlns:adec="http://schemas.microsoft.com/office/drawing/2017/decorative" xmlns="" val="1"/>
               </a:ext>
             </a:extLst>
           </p:cNvPr>
@@ -5465,7 +5976,7 @@
           <p:nvPr>
             <p:extLst>
               <p:ext uri="{386F3935-93C4-4BCD-93E2-E3B085C9AB24}">
-                <p16:designElem xmlns:p16="http://schemas.microsoft.com/office/powerpoint/2015/main" val="1"/>
+                <p16:designElem xmlns:p16="http://schemas.microsoft.com/office/powerpoint/2015/main" xmlns="" val="1"/>
               </p:ext>
             </p:extLst>
           </p:nvPr>
@@ -5507,10 +6018,10 @@
           <p:cNvPr id="16" name="Rectangle 15">
             <a:extLst>
               <a:ext uri="{FF2B5EF4-FFF2-40B4-BE49-F238E27FC236}">
-                <a16:creationId xmlns:a16="http://schemas.microsoft.com/office/drawing/2014/main" id="{6AC73FB3-EFD2-4EDE-90E0-CCEFBD61B5CF}"/>
+                <a16:creationId xmlns:a16="http://schemas.microsoft.com/office/drawing/2014/main" xmlns="" id="{6AC73FB3-EFD2-4EDE-90E0-CCEFBD61B5CF}"/>
               </a:ext>
               <a:ext uri="{C183D7F6-B498-43B3-948B-1728B52AA6E4}">
-                <adec:decorative xmlns:adec="http://schemas.microsoft.com/office/drawing/2017/decorative" val="1"/>
+                <adec:decorative xmlns:adec="http://schemas.microsoft.com/office/drawing/2017/decorative" xmlns="" val="1"/>
               </a:ext>
             </a:extLst>
           </p:cNvPr>
@@ -5520,7 +6031,7 @@
           <p:nvPr>
             <p:extLst>
               <p:ext uri="{386F3935-93C4-4BCD-93E2-E3B085C9AB24}">
-                <p16:designElem xmlns:p16="http://schemas.microsoft.com/office/powerpoint/2015/main" val="1"/>
+                <p16:designElem xmlns:p16="http://schemas.microsoft.com/office/powerpoint/2015/main" xmlns="" val="1"/>
               </p:ext>
             </p:extLst>
           </p:nvPr>
@@ -5793,7 +6304,7 @@
           <p:cNvPr id="2" name="Title 1">
             <a:extLst>
               <a:ext uri="{FF2B5EF4-FFF2-40B4-BE49-F238E27FC236}">
-                <a16:creationId xmlns:a16="http://schemas.microsoft.com/office/drawing/2014/main" id="{CEC481DA-B0EF-464A-9177-976A031961C8}"/>
+                <a16:creationId xmlns:a16="http://schemas.microsoft.com/office/drawing/2014/main" xmlns="" id="{CEC481DA-B0EF-464A-9177-976A031961C8}"/>
               </a:ext>
             </a:extLst>
           </p:cNvPr>
@@ -5821,7 +6332,7 @@
           <p:cNvPr id="4" name="Text Placeholder 3">
             <a:extLst>
               <a:ext uri="{FF2B5EF4-FFF2-40B4-BE49-F238E27FC236}">
-                <a16:creationId xmlns:a16="http://schemas.microsoft.com/office/drawing/2014/main" id="{D1DA2A66-0BC4-4622-83C5-13C04BB50680}"/>
+                <a16:creationId xmlns:a16="http://schemas.microsoft.com/office/drawing/2014/main" xmlns="" id="{D1DA2A66-0BC4-4622-83C5-13C04BB50680}"/>
               </a:ext>
             </a:extLst>
           </p:cNvPr>
@@ -5850,7 +6361,7 @@
           <p:cNvPr id="6" name="Text Placeholder 5">
             <a:extLst>
               <a:ext uri="{FF2B5EF4-FFF2-40B4-BE49-F238E27FC236}">
-                <a16:creationId xmlns:a16="http://schemas.microsoft.com/office/drawing/2014/main" id="{9B7EB306-3571-4F2C-9DD9-12BB64810ED7}"/>
+                <a16:creationId xmlns:a16="http://schemas.microsoft.com/office/drawing/2014/main" xmlns="" id="{9B7EB306-3571-4F2C-9DD9-12BB64810ED7}"/>
               </a:ext>
             </a:extLst>
           </p:cNvPr>
@@ -5884,7 +6395,7 @@
           <p:cNvPr id="35" name="Group 34">
             <a:extLst>
               <a:ext uri="{FF2B5EF4-FFF2-40B4-BE49-F238E27FC236}">
-                <a16:creationId xmlns:a16="http://schemas.microsoft.com/office/drawing/2014/main" id="{264B10F3-24B2-46E4-A0E6-293F2FA8931D}"/>
+                <a16:creationId xmlns:a16="http://schemas.microsoft.com/office/drawing/2014/main" xmlns="" id="{264B10F3-24B2-46E4-A0E6-293F2FA8931D}"/>
               </a:ext>
             </a:extLst>
           </p:cNvPr>
@@ -5904,7 +6415,7 @@
             <p:cNvPr id="11" name="Group 10">
               <a:extLst>
                 <a:ext uri="{FF2B5EF4-FFF2-40B4-BE49-F238E27FC236}">
-                  <a16:creationId xmlns:a16="http://schemas.microsoft.com/office/drawing/2014/main" id="{BB0B53B8-7148-4E65-9140-7814440D2539}"/>
+                  <a16:creationId xmlns:a16="http://schemas.microsoft.com/office/drawing/2014/main" xmlns="" id="{BB0B53B8-7148-4E65-9140-7814440D2539}"/>
                 </a:ext>
               </a:extLst>
             </p:cNvPr>
@@ -5924,7 +6435,7 @@
               <p:cNvPr id="8" name="Rectangle 7">
                 <a:extLst>
                   <a:ext uri="{FF2B5EF4-FFF2-40B4-BE49-F238E27FC236}">
-                    <a16:creationId xmlns:a16="http://schemas.microsoft.com/office/drawing/2014/main" id="{B18A29AE-7668-4B56-B8D5-1A9E7FF8DDC8}"/>
+                    <a16:creationId xmlns:a16="http://schemas.microsoft.com/office/drawing/2014/main" xmlns="" id="{B18A29AE-7668-4B56-B8D5-1A9E7FF8DDC8}"/>
                   </a:ext>
                 </a:extLst>
               </p:cNvPr>
@@ -5978,7 +6489,7 @@
               <p:cNvPr id="9" name="Rectangle 8">
                 <a:extLst>
                   <a:ext uri="{FF2B5EF4-FFF2-40B4-BE49-F238E27FC236}">
-                    <a16:creationId xmlns:a16="http://schemas.microsoft.com/office/drawing/2014/main" id="{1CDC5513-3215-4D7F-A4E3-0714F5877AAC}"/>
+                    <a16:creationId xmlns:a16="http://schemas.microsoft.com/office/drawing/2014/main" xmlns="" id="{1CDC5513-3215-4D7F-A4E3-0714F5877AAC}"/>
                   </a:ext>
                 </a:extLst>
               </p:cNvPr>
@@ -6026,7 +6537,7 @@
             <p:cNvPr id="12" name="Group 11">
               <a:extLst>
                 <a:ext uri="{FF2B5EF4-FFF2-40B4-BE49-F238E27FC236}">
-                  <a16:creationId xmlns:a16="http://schemas.microsoft.com/office/drawing/2014/main" id="{FEEBD2A2-AF43-4336-938F-31146D6C7E92}"/>
+                  <a16:creationId xmlns:a16="http://schemas.microsoft.com/office/drawing/2014/main" xmlns="" id="{FEEBD2A2-AF43-4336-938F-31146D6C7E92}"/>
                 </a:ext>
               </a:extLst>
             </p:cNvPr>
@@ -6046,7 +6557,7 @@
               <p:cNvPr id="13" name="Rectangle 12">
                 <a:extLst>
                   <a:ext uri="{FF2B5EF4-FFF2-40B4-BE49-F238E27FC236}">
-                    <a16:creationId xmlns:a16="http://schemas.microsoft.com/office/drawing/2014/main" id="{0B2B89C1-A27C-4733-88CE-CB2BF7801892}"/>
+                    <a16:creationId xmlns:a16="http://schemas.microsoft.com/office/drawing/2014/main" xmlns="" id="{0B2B89C1-A27C-4733-88CE-CB2BF7801892}"/>
                   </a:ext>
                 </a:extLst>
               </p:cNvPr>
@@ -6100,7 +6611,7 @@
               <p:cNvPr id="14" name="Rectangle 13">
                 <a:extLst>
                   <a:ext uri="{FF2B5EF4-FFF2-40B4-BE49-F238E27FC236}">
-                    <a16:creationId xmlns:a16="http://schemas.microsoft.com/office/drawing/2014/main" id="{673043A4-78D5-4DE2-A20A-0B3B0B8937D3}"/>
+                    <a16:creationId xmlns:a16="http://schemas.microsoft.com/office/drawing/2014/main" xmlns="" id="{673043A4-78D5-4DE2-A20A-0B3B0B8937D3}"/>
                   </a:ext>
                 </a:extLst>
               </p:cNvPr>
@@ -6148,7 +6659,7 @@
             <p:cNvPr id="15" name="Group 14">
               <a:extLst>
                 <a:ext uri="{FF2B5EF4-FFF2-40B4-BE49-F238E27FC236}">
-                  <a16:creationId xmlns:a16="http://schemas.microsoft.com/office/drawing/2014/main" id="{A080BFE1-A1E1-48D4-8983-5033F49574DE}"/>
+                  <a16:creationId xmlns:a16="http://schemas.microsoft.com/office/drawing/2014/main" xmlns="" id="{A080BFE1-A1E1-48D4-8983-5033F49574DE}"/>
                 </a:ext>
               </a:extLst>
             </p:cNvPr>
@@ -6168,7 +6679,7 @@
               <p:cNvPr id="16" name="Rectangle 15">
                 <a:extLst>
                   <a:ext uri="{FF2B5EF4-FFF2-40B4-BE49-F238E27FC236}">
-                    <a16:creationId xmlns:a16="http://schemas.microsoft.com/office/drawing/2014/main" id="{466EED0F-7B93-4425-AFF6-C3B6683008EC}"/>
+                    <a16:creationId xmlns:a16="http://schemas.microsoft.com/office/drawing/2014/main" xmlns="" id="{466EED0F-7B93-4425-AFF6-C3B6683008EC}"/>
                   </a:ext>
                 </a:extLst>
               </p:cNvPr>
@@ -6222,7 +6733,7 @@
               <p:cNvPr id="17" name="Rectangle 16">
                 <a:extLst>
                   <a:ext uri="{FF2B5EF4-FFF2-40B4-BE49-F238E27FC236}">
-                    <a16:creationId xmlns:a16="http://schemas.microsoft.com/office/drawing/2014/main" id="{20F83FFA-674A-44B7-80CC-5AEE964D7B97}"/>
+                    <a16:creationId xmlns:a16="http://schemas.microsoft.com/office/drawing/2014/main" xmlns="" id="{20F83FFA-674A-44B7-80CC-5AEE964D7B97}"/>
                   </a:ext>
                 </a:extLst>
               </p:cNvPr>
@@ -6270,7 +6781,7 @@
             <p:cNvPr id="19" name="Straight Arrow Connector 18">
               <a:extLst>
                 <a:ext uri="{FF2B5EF4-FFF2-40B4-BE49-F238E27FC236}">
-                  <a16:creationId xmlns:a16="http://schemas.microsoft.com/office/drawing/2014/main" id="{7E5564BB-368E-43FE-8772-1BD71185EFBB}"/>
+                  <a16:creationId xmlns:a16="http://schemas.microsoft.com/office/drawing/2014/main" xmlns="" id="{7E5564BB-368E-43FE-8772-1BD71185EFBB}"/>
                 </a:ext>
               </a:extLst>
             </p:cNvPr>
@@ -6311,7 +6822,7 @@
             <p:cNvPr id="20" name="Straight Arrow Connector 19">
               <a:extLst>
                 <a:ext uri="{FF2B5EF4-FFF2-40B4-BE49-F238E27FC236}">
-                  <a16:creationId xmlns:a16="http://schemas.microsoft.com/office/drawing/2014/main" id="{5D0116EC-7E94-4185-B805-FF2A5361C3A6}"/>
+                  <a16:creationId xmlns:a16="http://schemas.microsoft.com/office/drawing/2014/main" xmlns="" id="{5D0116EC-7E94-4185-B805-FF2A5361C3A6}"/>
                 </a:ext>
               </a:extLst>
             </p:cNvPr>
@@ -6351,7 +6862,7 @@
           <p:cNvPr id="95" name="Group 94">
             <a:extLst>
               <a:ext uri="{FF2B5EF4-FFF2-40B4-BE49-F238E27FC236}">
-                <a16:creationId xmlns:a16="http://schemas.microsoft.com/office/drawing/2014/main" id="{F72955FE-063A-4735-8437-0E7374829EC3}"/>
+                <a16:creationId xmlns:a16="http://schemas.microsoft.com/office/drawing/2014/main" xmlns="" id="{F72955FE-063A-4735-8437-0E7374829EC3}"/>
               </a:ext>
             </a:extLst>
           </p:cNvPr>
@@ -6360,7 +6871,7 @@
         </p:nvGrpSpPr>
         <p:grpSpPr>
           <a:xfrm>
-            <a:off x="1500499" y="2871063"/>
+            <a:off x="1238743" y="2863785"/>
             <a:ext cx="1333569" cy="515753"/>
             <a:chOff x="2164111" y="3159468"/>
             <a:chExt cx="1333569" cy="515753"/>
@@ -6371,7 +6882,7 @@
             <p:cNvPr id="89" name="Rectangle 88">
               <a:extLst>
                 <a:ext uri="{FF2B5EF4-FFF2-40B4-BE49-F238E27FC236}">
-                  <a16:creationId xmlns:a16="http://schemas.microsoft.com/office/drawing/2014/main" id="{23D50B6A-3A29-4DF7-8843-5E8F1D535D2B}"/>
+                  <a16:creationId xmlns:a16="http://schemas.microsoft.com/office/drawing/2014/main" xmlns="" id="{23D50B6A-3A29-4DF7-8843-5E8F1D535D2B}"/>
                 </a:ext>
               </a:extLst>
             </p:cNvPr>
@@ -6422,7 +6933,7 @@
             <p:cNvPr id="90" name="TextBox 89">
               <a:extLst>
                 <a:ext uri="{FF2B5EF4-FFF2-40B4-BE49-F238E27FC236}">
-                  <a16:creationId xmlns:a16="http://schemas.microsoft.com/office/drawing/2014/main" id="{D07A2DDA-E2D1-443F-B0A1-5B956BD413B3}"/>
+                  <a16:creationId xmlns:a16="http://schemas.microsoft.com/office/drawing/2014/main" xmlns="" id="{D07A2DDA-E2D1-443F-B0A1-5B956BD413B3}"/>
                 </a:ext>
               </a:extLst>
             </p:cNvPr>
@@ -6447,9 +6958,10 @@
             <a:p>
               <a:pPr algn="ctr"/>
               <a:r>
-                <a:rPr lang="en-US" sz="1000" dirty="0"/>
+                <a:rPr lang="en-US" sz="1000" dirty="0" smtClean="0"/>
                 <a:t>cur</a:t>
               </a:r>
+              <a:endParaRPr lang="en-US" sz="1000" dirty="0"/>
             </a:p>
           </p:txBody>
         </p:sp>
@@ -6458,7 +6970,7 @@
             <p:cNvPr id="91" name="Rectangle 90">
               <a:extLst>
                 <a:ext uri="{FF2B5EF4-FFF2-40B4-BE49-F238E27FC236}">
-                  <a16:creationId xmlns:a16="http://schemas.microsoft.com/office/drawing/2014/main" id="{5C75BC57-A056-465C-90E6-A44541F2E339}"/>
+                  <a16:creationId xmlns:a16="http://schemas.microsoft.com/office/drawing/2014/main" xmlns="" id="{5C75BC57-A056-465C-90E6-A44541F2E339}"/>
                 </a:ext>
               </a:extLst>
             </p:cNvPr>
@@ -6509,7 +7021,7 @@
             <p:cNvPr id="92" name="TextBox 91">
               <a:extLst>
                 <a:ext uri="{FF2B5EF4-FFF2-40B4-BE49-F238E27FC236}">
-                  <a16:creationId xmlns:a16="http://schemas.microsoft.com/office/drawing/2014/main" id="{FF3087B1-DCCD-47A5-A08D-F3A7B125DA16}"/>
+                  <a16:creationId xmlns:a16="http://schemas.microsoft.com/office/drawing/2014/main" xmlns="" id="{FF3087B1-DCCD-47A5-A08D-F3A7B125DA16}"/>
                 </a:ext>
               </a:extLst>
             </p:cNvPr>
@@ -6547,7 +7059,7 @@
           <p:cNvPr id="96" name="Group 95">
             <a:extLst>
               <a:ext uri="{FF2B5EF4-FFF2-40B4-BE49-F238E27FC236}">
-                <a16:creationId xmlns:a16="http://schemas.microsoft.com/office/drawing/2014/main" id="{33077EE5-602E-4DF7-91BB-8C10DE60C814}"/>
+                <a16:creationId xmlns:a16="http://schemas.microsoft.com/office/drawing/2014/main" xmlns="" id="{33077EE5-602E-4DF7-91BB-8C10DE60C814}"/>
               </a:ext>
             </a:extLst>
           </p:cNvPr>
@@ -6567,7 +7079,7 @@
             <p:cNvPr id="97" name="Group 96">
               <a:extLst>
                 <a:ext uri="{FF2B5EF4-FFF2-40B4-BE49-F238E27FC236}">
-                  <a16:creationId xmlns:a16="http://schemas.microsoft.com/office/drawing/2014/main" id="{AF40EBF6-D1D2-4B93-B87F-CF6964917246}"/>
+                  <a16:creationId xmlns:a16="http://schemas.microsoft.com/office/drawing/2014/main" xmlns="" id="{AF40EBF6-D1D2-4B93-B87F-CF6964917246}"/>
                 </a:ext>
               </a:extLst>
             </p:cNvPr>
@@ -6587,7 +7099,7 @@
               <p:cNvPr id="106" name="Rectangle 105">
                 <a:extLst>
                   <a:ext uri="{FF2B5EF4-FFF2-40B4-BE49-F238E27FC236}">
-                    <a16:creationId xmlns:a16="http://schemas.microsoft.com/office/drawing/2014/main" id="{97F742E4-05A7-4AEF-800E-F82284CD5F81}"/>
+                    <a16:creationId xmlns:a16="http://schemas.microsoft.com/office/drawing/2014/main" xmlns="" id="{97F742E4-05A7-4AEF-800E-F82284CD5F81}"/>
                   </a:ext>
                 </a:extLst>
               </p:cNvPr>
@@ -6641,7 +7153,7 @@
               <p:cNvPr id="107" name="Rectangle 106">
                 <a:extLst>
                   <a:ext uri="{FF2B5EF4-FFF2-40B4-BE49-F238E27FC236}">
-                    <a16:creationId xmlns:a16="http://schemas.microsoft.com/office/drawing/2014/main" id="{9A1F995A-E209-4BB1-9CD7-8F3A4A5EEEFA}"/>
+                    <a16:creationId xmlns:a16="http://schemas.microsoft.com/office/drawing/2014/main" xmlns="" id="{9A1F995A-E209-4BB1-9CD7-8F3A4A5EEEFA}"/>
                   </a:ext>
                 </a:extLst>
               </p:cNvPr>
@@ -6689,7 +7201,7 @@
             <p:cNvPr id="98" name="Group 97">
               <a:extLst>
                 <a:ext uri="{FF2B5EF4-FFF2-40B4-BE49-F238E27FC236}">
-                  <a16:creationId xmlns:a16="http://schemas.microsoft.com/office/drawing/2014/main" id="{B8EB1D06-0BC5-480A-88FE-72D312C2DE02}"/>
+                  <a16:creationId xmlns:a16="http://schemas.microsoft.com/office/drawing/2014/main" xmlns="" id="{B8EB1D06-0BC5-480A-88FE-72D312C2DE02}"/>
                 </a:ext>
               </a:extLst>
             </p:cNvPr>
@@ -6709,7 +7221,7 @@
               <p:cNvPr id="104" name="Rectangle 103">
                 <a:extLst>
                   <a:ext uri="{FF2B5EF4-FFF2-40B4-BE49-F238E27FC236}">
-                    <a16:creationId xmlns:a16="http://schemas.microsoft.com/office/drawing/2014/main" id="{A5855BA2-6A89-4A87-A55A-CBCDA41C7726}"/>
+                    <a16:creationId xmlns:a16="http://schemas.microsoft.com/office/drawing/2014/main" xmlns="" id="{A5855BA2-6A89-4A87-A55A-CBCDA41C7726}"/>
                   </a:ext>
                 </a:extLst>
               </p:cNvPr>
@@ -6763,7 +7275,7 @@
               <p:cNvPr id="105" name="Rectangle 104">
                 <a:extLst>
                   <a:ext uri="{FF2B5EF4-FFF2-40B4-BE49-F238E27FC236}">
-                    <a16:creationId xmlns:a16="http://schemas.microsoft.com/office/drawing/2014/main" id="{379BB0CB-3857-4BC9-AB85-6C90D0E4984F}"/>
+                    <a16:creationId xmlns:a16="http://schemas.microsoft.com/office/drawing/2014/main" xmlns="" id="{379BB0CB-3857-4BC9-AB85-6C90D0E4984F}"/>
                   </a:ext>
                 </a:extLst>
               </p:cNvPr>
@@ -6811,7 +7323,7 @@
             <p:cNvPr id="99" name="Group 98">
               <a:extLst>
                 <a:ext uri="{FF2B5EF4-FFF2-40B4-BE49-F238E27FC236}">
-                  <a16:creationId xmlns:a16="http://schemas.microsoft.com/office/drawing/2014/main" id="{3BA98A1A-96F6-42E4-8B8C-8FADF571E369}"/>
+                  <a16:creationId xmlns:a16="http://schemas.microsoft.com/office/drawing/2014/main" xmlns="" id="{3BA98A1A-96F6-42E4-8B8C-8FADF571E369}"/>
                 </a:ext>
               </a:extLst>
             </p:cNvPr>
@@ -6831,7 +7343,7 @@
               <p:cNvPr id="102" name="Rectangle 101">
                 <a:extLst>
                   <a:ext uri="{FF2B5EF4-FFF2-40B4-BE49-F238E27FC236}">
-                    <a16:creationId xmlns:a16="http://schemas.microsoft.com/office/drawing/2014/main" id="{6FDFABC0-B6E1-4542-85E4-93230F4025C9}"/>
+                    <a16:creationId xmlns:a16="http://schemas.microsoft.com/office/drawing/2014/main" xmlns="" id="{6FDFABC0-B6E1-4542-85E4-93230F4025C9}"/>
                   </a:ext>
                 </a:extLst>
               </p:cNvPr>
@@ -6885,7 +7397,7 @@
               <p:cNvPr id="103" name="Rectangle 102">
                 <a:extLst>
                   <a:ext uri="{FF2B5EF4-FFF2-40B4-BE49-F238E27FC236}">
-                    <a16:creationId xmlns:a16="http://schemas.microsoft.com/office/drawing/2014/main" id="{45E3145C-FFC5-4DDA-BE0B-B19F8A6D6FF0}"/>
+                    <a16:creationId xmlns:a16="http://schemas.microsoft.com/office/drawing/2014/main" xmlns="" id="{45E3145C-FFC5-4DDA-BE0B-B19F8A6D6FF0}"/>
                   </a:ext>
                 </a:extLst>
               </p:cNvPr>
@@ -6933,7 +7445,7 @@
             <p:cNvPr id="100" name="Straight Arrow Connector 99">
               <a:extLst>
                 <a:ext uri="{FF2B5EF4-FFF2-40B4-BE49-F238E27FC236}">
-                  <a16:creationId xmlns:a16="http://schemas.microsoft.com/office/drawing/2014/main" id="{BA4C33B5-E556-4B9E-AC02-3D95F58DD8FF}"/>
+                  <a16:creationId xmlns:a16="http://schemas.microsoft.com/office/drawing/2014/main" xmlns="" id="{BA4C33B5-E556-4B9E-AC02-3D95F58DD8FF}"/>
                 </a:ext>
               </a:extLst>
             </p:cNvPr>
@@ -6974,7 +7486,7 @@
             <p:cNvPr id="101" name="Straight Arrow Connector 100">
               <a:extLst>
                 <a:ext uri="{FF2B5EF4-FFF2-40B4-BE49-F238E27FC236}">
-                  <a16:creationId xmlns:a16="http://schemas.microsoft.com/office/drawing/2014/main" id="{63708739-DC04-4C09-B8B8-D35A0A6CD55A}"/>
+                  <a16:creationId xmlns:a16="http://schemas.microsoft.com/office/drawing/2014/main" xmlns="" id="{63708739-DC04-4C09-B8B8-D35A0A6CD55A}"/>
                 </a:ext>
               </a:extLst>
             </p:cNvPr>
@@ -7014,7 +7526,7 @@
           <p:cNvPr id="113" name="Group 112">
             <a:extLst>
               <a:ext uri="{FF2B5EF4-FFF2-40B4-BE49-F238E27FC236}">
-                <a16:creationId xmlns:a16="http://schemas.microsoft.com/office/drawing/2014/main" id="{74F667CF-6AAF-4C64-AB87-E0347058CB7B}"/>
+                <a16:creationId xmlns:a16="http://schemas.microsoft.com/office/drawing/2014/main" xmlns="" id="{74F667CF-6AAF-4C64-AB87-E0347058CB7B}"/>
               </a:ext>
             </a:extLst>
           </p:cNvPr>
@@ -7034,7 +7546,7 @@
             <p:cNvPr id="114" name="Group 113">
               <a:extLst>
                 <a:ext uri="{FF2B5EF4-FFF2-40B4-BE49-F238E27FC236}">
-                  <a16:creationId xmlns:a16="http://schemas.microsoft.com/office/drawing/2014/main" id="{DD972CC0-1A7F-4B44-B19D-FBAE1599DE7D}"/>
+                  <a16:creationId xmlns:a16="http://schemas.microsoft.com/office/drawing/2014/main" xmlns="" id="{DD972CC0-1A7F-4B44-B19D-FBAE1599DE7D}"/>
                 </a:ext>
               </a:extLst>
             </p:cNvPr>
@@ -7054,7 +7566,7 @@
               <p:cNvPr id="123" name="Rectangle 122">
                 <a:extLst>
                   <a:ext uri="{FF2B5EF4-FFF2-40B4-BE49-F238E27FC236}">
-                    <a16:creationId xmlns:a16="http://schemas.microsoft.com/office/drawing/2014/main" id="{9DF8E8D0-1B5F-4CC7-979A-C28B6E1B6E8D}"/>
+                    <a16:creationId xmlns:a16="http://schemas.microsoft.com/office/drawing/2014/main" xmlns="" id="{9DF8E8D0-1B5F-4CC7-979A-C28B6E1B6E8D}"/>
                   </a:ext>
                 </a:extLst>
               </p:cNvPr>
@@ -7108,7 +7620,7 @@
               <p:cNvPr id="124" name="Rectangle 123">
                 <a:extLst>
                   <a:ext uri="{FF2B5EF4-FFF2-40B4-BE49-F238E27FC236}">
-                    <a16:creationId xmlns:a16="http://schemas.microsoft.com/office/drawing/2014/main" id="{B59DC05D-183E-40CB-89DB-724F28B5583B}"/>
+                    <a16:creationId xmlns:a16="http://schemas.microsoft.com/office/drawing/2014/main" xmlns="" id="{B59DC05D-183E-40CB-89DB-724F28B5583B}"/>
                   </a:ext>
                 </a:extLst>
               </p:cNvPr>
@@ -7156,7 +7668,7 @@
             <p:cNvPr id="115" name="Group 114">
               <a:extLst>
                 <a:ext uri="{FF2B5EF4-FFF2-40B4-BE49-F238E27FC236}">
-                  <a16:creationId xmlns:a16="http://schemas.microsoft.com/office/drawing/2014/main" id="{77612000-FC2D-4FC2-80F8-84242A62DEE0}"/>
+                  <a16:creationId xmlns:a16="http://schemas.microsoft.com/office/drawing/2014/main" xmlns="" id="{77612000-FC2D-4FC2-80F8-84242A62DEE0}"/>
                 </a:ext>
               </a:extLst>
             </p:cNvPr>
@@ -7176,7 +7688,7 @@
               <p:cNvPr id="121" name="Rectangle 120">
                 <a:extLst>
                   <a:ext uri="{FF2B5EF4-FFF2-40B4-BE49-F238E27FC236}">
-                    <a16:creationId xmlns:a16="http://schemas.microsoft.com/office/drawing/2014/main" id="{E8CFEDE7-2091-486A-8AC5-E85436105060}"/>
+                    <a16:creationId xmlns:a16="http://schemas.microsoft.com/office/drawing/2014/main" xmlns="" id="{E8CFEDE7-2091-486A-8AC5-E85436105060}"/>
                   </a:ext>
                 </a:extLst>
               </p:cNvPr>
@@ -7230,7 +7742,7 @@
               <p:cNvPr id="122" name="Rectangle 121">
                 <a:extLst>
                   <a:ext uri="{FF2B5EF4-FFF2-40B4-BE49-F238E27FC236}">
-                    <a16:creationId xmlns:a16="http://schemas.microsoft.com/office/drawing/2014/main" id="{1ED6C618-83E9-450C-AD89-60233E2C5AF1}"/>
+                    <a16:creationId xmlns:a16="http://schemas.microsoft.com/office/drawing/2014/main" xmlns="" id="{1ED6C618-83E9-450C-AD89-60233E2C5AF1}"/>
                   </a:ext>
                 </a:extLst>
               </p:cNvPr>
@@ -7278,7 +7790,7 @@
             <p:cNvPr id="116" name="Group 115">
               <a:extLst>
                 <a:ext uri="{FF2B5EF4-FFF2-40B4-BE49-F238E27FC236}">
-                  <a16:creationId xmlns:a16="http://schemas.microsoft.com/office/drawing/2014/main" id="{ED55EB20-1FE7-4997-9E0A-447462D52923}"/>
+                  <a16:creationId xmlns:a16="http://schemas.microsoft.com/office/drawing/2014/main" xmlns="" id="{ED55EB20-1FE7-4997-9E0A-447462D52923}"/>
                 </a:ext>
               </a:extLst>
             </p:cNvPr>
@@ -7298,7 +7810,7 @@
               <p:cNvPr id="119" name="Rectangle 118">
                 <a:extLst>
                   <a:ext uri="{FF2B5EF4-FFF2-40B4-BE49-F238E27FC236}">
-                    <a16:creationId xmlns:a16="http://schemas.microsoft.com/office/drawing/2014/main" id="{D2429BBE-DFD2-4F81-B2ED-0FE7AEE8CD5F}"/>
+                    <a16:creationId xmlns:a16="http://schemas.microsoft.com/office/drawing/2014/main" xmlns="" id="{D2429BBE-DFD2-4F81-B2ED-0FE7AEE8CD5F}"/>
                   </a:ext>
                 </a:extLst>
               </p:cNvPr>
@@ -7352,7 +7864,7 @@
               <p:cNvPr id="120" name="Rectangle 119">
                 <a:extLst>
                   <a:ext uri="{FF2B5EF4-FFF2-40B4-BE49-F238E27FC236}">
-                    <a16:creationId xmlns:a16="http://schemas.microsoft.com/office/drawing/2014/main" id="{74ED8FD1-A951-44FD-A635-1B56789AEB43}"/>
+                    <a16:creationId xmlns:a16="http://schemas.microsoft.com/office/drawing/2014/main" xmlns="" id="{74ED8FD1-A951-44FD-A635-1B56789AEB43}"/>
                   </a:ext>
                 </a:extLst>
               </p:cNvPr>
@@ -7400,7 +7912,7 @@
             <p:cNvPr id="117" name="Straight Arrow Connector 116">
               <a:extLst>
                 <a:ext uri="{FF2B5EF4-FFF2-40B4-BE49-F238E27FC236}">
-                  <a16:creationId xmlns:a16="http://schemas.microsoft.com/office/drawing/2014/main" id="{90A4287B-90BB-49AD-97F9-59F85973B6A3}"/>
+                  <a16:creationId xmlns:a16="http://schemas.microsoft.com/office/drawing/2014/main" xmlns="" id="{90A4287B-90BB-49AD-97F9-59F85973B6A3}"/>
                 </a:ext>
               </a:extLst>
             </p:cNvPr>
@@ -7441,7 +7953,7 @@
             <p:cNvPr id="118" name="Straight Arrow Connector 117">
               <a:extLst>
                 <a:ext uri="{FF2B5EF4-FFF2-40B4-BE49-F238E27FC236}">
-                  <a16:creationId xmlns:a16="http://schemas.microsoft.com/office/drawing/2014/main" id="{1079EBF8-ECA6-4B8B-8B0B-C94F03EA8108}"/>
+                  <a16:creationId xmlns:a16="http://schemas.microsoft.com/office/drawing/2014/main" xmlns="" id="{1079EBF8-ECA6-4B8B-8B0B-C94F03EA8108}"/>
                 </a:ext>
               </a:extLst>
             </p:cNvPr>
@@ -7481,7 +7993,7 @@
           <p:cNvPr id="140" name="Group 139">
             <a:extLst>
               <a:ext uri="{FF2B5EF4-FFF2-40B4-BE49-F238E27FC236}">
-                <a16:creationId xmlns:a16="http://schemas.microsoft.com/office/drawing/2014/main" id="{92B6E02E-C222-490B-9223-2C8001E29F36}"/>
+                <a16:creationId xmlns:a16="http://schemas.microsoft.com/office/drawing/2014/main" xmlns="" id="{92B6E02E-C222-490B-9223-2C8001E29F36}"/>
               </a:ext>
             </a:extLst>
           </p:cNvPr>
@@ -7501,7 +8013,7 @@
             <p:cNvPr id="125" name="Group 124">
               <a:extLst>
                 <a:ext uri="{FF2B5EF4-FFF2-40B4-BE49-F238E27FC236}">
-                  <a16:creationId xmlns:a16="http://schemas.microsoft.com/office/drawing/2014/main" id="{217796F6-7D15-41D4-B126-938C558EA41A}"/>
+                  <a16:creationId xmlns:a16="http://schemas.microsoft.com/office/drawing/2014/main" xmlns="" id="{217796F6-7D15-41D4-B126-938C558EA41A}"/>
                 </a:ext>
               </a:extLst>
             </p:cNvPr>
@@ -7521,7 +8033,7 @@
               <p:cNvPr id="126" name="Group 125">
                 <a:extLst>
                   <a:ext uri="{FF2B5EF4-FFF2-40B4-BE49-F238E27FC236}">
-                    <a16:creationId xmlns:a16="http://schemas.microsoft.com/office/drawing/2014/main" id="{17E6CA74-3868-43C4-8B06-509FBD3242F2}"/>
+                    <a16:creationId xmlns:a16="http://schemas.microsoft.com/office/drawing/2014/main" xmlns="" id="{17E6CA74-3868-43C4-8B06-509FBD3242F2}"/>
                   </a:ext>
                 </a:extLst>
               </p:cNvPr>
@@ -7541,7 +8053,7 @@
                 <p:cNvPr id="135" name="Rectangle 134">
                   <a:extLst>
                     <a:ext uri="{FF2B5EF4-FFF2-40B4-BE49-F238E27FC236}">
-                      <a16:creationId xmlns:a16="http://schemas.microsoft.com/office/drawing/2014/main" id="{097B85AB-0622-4EF0-B236-0F89E1E74E75}"/>
+                      <a16:creationId xmlns:a16="http://schemas.microsoft.com/office/drawing/2014/main" xmlns="" id="{097B85AB-0622-4EF0-B236-0F89E1E74E75}"/>
                     </a:ext>
                   </a:extLst>
                 </p:cNvPr>
@@ -7595,7 +8107,7 @@
                 <p:cNvPr id="136" name="Rectangle 135">
                   <a:extLst>
                     <a:ext uri="{FF2B5EF4-FFF2-40B4-BE49-F238E27FC236}">
-                      <a16:creationId xmlns:a16="http://schemas.microsoft.com/office/drawing/2014/main" id="{CF49791D-EDC6-42B2-B3CA-83E68A7008BD}"/>
+                      <a16:creationId xmlns:a16="http://schemas.microsoft.com/office/drawing/2014/main" xmlns="" id="{CF49791D-EDC6-42B2-B3CA-83E68A7008BD}"/>
                     </a:ext>
                   </a:extLst>
                 </p:cNvPr>
@@ -7643,7 +8155,7 @@
               <p:cNvPr id="127" name="Group 126">
                 <a:extLst>
                   <a:ext uri="{FF2B5EF4-FFF2-40B4-BE49-F238E27FC236}">
-                    <a16:creationId xmlns:a16="http://schemas.microsoft.com/office/drawing/2014/main" id="{5F021932-C10A-4696-8968-99E71E0A0EF1}"/>
+                    <a16:creationId xmlns:a16="http://schemas.microsoft.com/office/drawing/2014/main" xmlns="" id="{5F021932-C10A-4696-8968-99E71E0A0EF1}"/>
                   </a:ext>
                 </a:extLst>
               </p:cNvPr>
@@ -7663,7 +8175,7 @@
                 <p:cNvPr id="133" name="Rectangle 132">
                   <a:extLst>
                     <a:ext uri="{FF2B5EF4-FFF2-40B4-BE49-F238E27FC236}">
-                      <a16:creationId xmlns:a16="http://schemas.microsoft.com/office/drawing/2014/main" id="{A1F9CC9C-FFB3-4E1B-BCA4-AEB280FA5287}"/>
+                      <a16:creationId xmlns:a16="http://schemas.microsoft.com/office/drawing/2014/main" xmlns="" id="{A1F9CC9C-FFB3-4E1B-BCA4-AEB280FA5287}"/>
                     </a:ext>
                   </a:extLst>
                 </p:cNvPr>
@@ -7717,7 +8229,7 @@
                 <p:cNvPr id="134" name="Rectangle 133">
                   <a:extLst>
                     <a:ext uri="{FF2B5EF4-FFF2-40B4-BE49-F238E27FC236}">
-                      <a16:creationId xmlns:a16="http://schemas.microsoft.com/office/drawing/2014/main" id="{5E9237F7-C0AD-4D37-A8AC-3B8E625F7418}"/>
+                      <a16:creationId xmlns:a16="http://schemas.microsoft.com/office/drawing/2014/main" xmlns="" id="{5E9237F7-C0AD-4D37-A8AC-3B8E625F7418}"/>
                     </a:ext>
                   </a:extLst>
                 </p:cNvPr>
@@ -7765,7 +8277,7 @@
               <p:cNvPr id="128" name="Group 127">
                 <a:extLst>
                   <a:ext uri="{FF2B5EF4-FFF2-40B4-BE49-F238E27FC236}">
-                    <a16:creationId xmlns:a16="http://schemas.microsoft.com/office/drawing/2014/main" id="{9E42CC88-4255-4A18-9338-DD6F605460D0}"/>
+                    <a16:creationId xmlns:a16="http://schemas.microsoft.com/office/drawing/2014/main" xmlns="" id="{9E42CC88-4255-4A18-9338-DD6F605460D0}"/>
                   </a:ext>
                 </a:extLst>
               </p:cNvPr>
@@ -7785,7 +8297,7 @@
                 <p:cNvPr id="131" name="Rectangle 130">
                   <a:extLst>
                     <a:ext uri="{FF2B5EF4-FFF2-40B4-BE49-F238E27FC236}">
-                      <a16:creationId xmlns:a16="http://schemas.microsoft.com/office/drawing/2014/main" id="{3773590C-1133-4733-B812-56E18E59E3CF}"/>
+                      <a16:creationId xmlns:a16="http://schemas.microsoft.com/office/drawing/2014/main" xmlns="" id="{3773590C-1133-4733-B812-56E18E59E3CF}"/>
                     </a:ext>
                   </a:extLst>
                 </p:cNvPr>
@@ -7839,7 +8351,7 @@
                 <p:cNvPr id="132" name="Rectangle 131">
                   <a:extLst>
                     <a:ext uri="{FF2B5EF4-FFF2-40B4-BE49-F238E27FC236}">
-                      <a16:creationId xmlns:a16="http://schemas.microsoft.com/office/drawing/2014/main" id="{FBD8A684-24B1-4BC1-B2DB-1A043A959A11}"/>
+                      <a16:creationId xmlns:a16="http://schemas.microsoft.com/office/drawing/2014/main" xmlns="" id="{FBD8A684-24B1-4BC1-B2DB-1A043A959A11}"/>
                     </a:ext>
                   </a:extLst>
                 </p:cNvPr>
@@ -7887,7 +8399,7 @@
               <p:cNvPr id="129" name="Straight Arrow Connector 128">
                 <a:extLst>
                   <a:ext uri="{FF2B5EF4-FFF2-40B4-BE49-F238E27FC236}">
-                    <a16:creationId xmlns:a16="http://schemas.microsoft.com/office/drawing/2014/main" id="{8697F6FA-5600-4B03-BF38-4622A9AD28FC}"/>
+                    <a16:creationId xmlns:a16="http://schemas.microsoft.com/office/drawing/2014/main" xmlns="" id="{8697F6FA-5600-4B03-BF38-4622A9AD28FC}"/>
                   </a:ext>
                 </a:extLst>
               </p:cNvPr>
@@ -7928,7 +8440,7 @@
               <p:cNvPr id="130" name="Straight Arrow Connector 129">
                 <a:extLst>
                   <a:ext uri="{FF2B5EF4-FFF2-40B4-BE49-F238E27FC236}">
-                    <a16:creationId xmlns:a16="http://schemas.microsoft.com/office/drawing/2014/main" id="{ECEDC528-6C0B-4E27-91D0-4D39BA2A7EA9}"/>
+                    <a16:creationId xmlns:a16="http://schemas.microsoft.com/office/drawing/2014/main" xmlns="" id="{ECEDC528-6C0B-4E27-91D0-4D39BA2A7EA9}"/>
                   </a:ext>
                 </a:extLst>
               </p:cNvPr>
@@ -7968,7 +8480,7 @@
             <p:cNvPr id="137" name="Rectangle 136">
               <a:extLst>
                 <a:ext uri="{FF2B5EF4-FFF2-40B4-BE49-F238E27FC236}">
-                  <a16:creationId xmlns:a16="http://schemas.microsoft.com/office/drawing/2014/main" id="{CC0FE069-189B-4EB4-BC31-9CC22F1E7A05}"/>
+                  <a16:creationId xmlns:a16="http://schemas.microsoft.com/office/drawing/2014/main" xmlns="" id="{CC0FE069-189B-4EB4-BC31-9CC22F1E7A05}"/>
                 </a:ext>
               </a:extLst>
             </p:cNvPr>
@@ -8022,7 +8534,7 @@
             <p:cNvPr id="138" name="Rectangle 137">
               <a:extLst>
                 <a:ext uri="{FF2B5EF4-FFF2-40B4-BE49-F238E27FC236}">
-                  <a16:creationId xmlns:a16="http://schemas.microsoft.com/office/drawing/2014/main" id="{D01ECDFF-1717-48DE-B906-CB41F4B37807}"/>
+                  <a16:creationId xmlns:a16="http://schemas.microsoft.com/office/drawing/2014/main" xmlns="" id="{D01ECDFF-1717-48DE-B906-CB41F4B37807}"/>
                 </a:ext>
               </a:extLst>
             </p:cNvPr>
@@ -8069,7 +8581,7 @@
             <p:cNvPr id="139" name="Straight Arrow Connector 138">
               <a:extLst>
                 <a:ext uri="{FF2B5EF4-FFF2-40B4-BE49-F238E27FC236}">
-                  <a16:creationId xmlns:a16="http://schemas.microsoft.com/office/drawing/2014/main" id="{96CE3917-5E25-4504-84A0-F48B0FD29376}"/>
+                  <a16:creationId xmlns:a16="http://schemas.microsoft.com/office/drawing/2014/main" xmlns="" id="{96CE3917-5E25-4504-84A0-F48B0FD29376}"/>
                 </a:ext>
               </a:extLst>
             </p:cNvPr>
@@ -8109,7 +8621,7 @@
           <p:cNvPr id="147" name="Rectangle 146">
             <a:extLst>
               <a:ext uri="{FF2B5EF4-FFF2-40B4-BE49-F238E27FC236}">
-                <a16:creationId xmlns:a16="http://schemas.microsoft.com/office/drawing/2014/main" id="{729E9745-7239-44F8-979E-4E9AF05C4842}"/>
+                <a16:creationId xmlns:a16="http://schemas.microsoft.com/office/drawing/2014/main" xmlns="" id="{729E9745-7239-44F8-979E-4E9AF05C4842}"/>
               </a:ext>
             </a:extLst>
           </p:cNvPr>
@@ -8118,7 +8630,7 @@
         </p:nvSpPr>
         <p:spPr>
           <a:xfrm>
-            <a:off x="5330478" y="5793722"/>
+            <a:off x="5065847" y="5786748"/>
             <a:ext cx="257281" cy="269532"/>
           </a:xfrm>
           <a:prstGeom prst="rect">
@@ -8160,7 +8672,7 @@
           <p:cNvPr id="148" name="TextBox 147">
             <a:extLst>
               <a:ext uri="{FF2B5EF4-FFF2-40B4-BE49-F238E27FC236}">
-                <a16:creationId xmlns:a16="http://schemas.microsoft.com/office/drawing/2014/main" id="{102D3F6B-F3C8-4589-ACE8-9511AFCBEB3A}"/>
+                <a16:creationId xmlns:a16="http://schemas.microsoft.com/office/drawing/2014/main" xmlns="" id="{102D3F6B-F3C8-4589-ACE8-9511AFCBEB3A}"/>
               </a:ext>
             </a:extLst>
           </p:cNvPr>
@@ -8169,7 +8681,7 @@
         </p:nvSpPr>
         <p:spPr>
           <a:xfrm>
-            <a:off x="5278029" y="6063254"/>
+            <a:off x="5013398" y="6056280"/>
             <a:ext cx="362178" cy="246221"/>
           </a:xfrm>
           <a:prstGeom prst="rect">
@@ -8196,7 +8708,7 @@
           <p:cNvPr id="149" name="Rectangle 148">
             <a:extLst>
               <a:ext uri="{FF2B5EF4-FFF2-40B4-BE49-F238E27FC236}">
-                <a16:creationId xmlns:a16="http://schemas.microsoft.com/office/drawing/2014/main" id="{41BC3C99-8738-46CE-A79D-9D6CF27F9B5A}"/>
+                <a16:creationId xmlns:a16="http://schemas.microsoft.com/office/drawing/2014/main" xmlns="" id="{41BC3C99-8738-46CE-A79D-9D6CF27F9B5A}"/>
               </a:ext>
             </a:extLst>
           </p:cNvPr>
@@ -8205,7 +8717,7 @@
         </p:nvSpPr>
         <p:spPr>
           <a:xfrm>
-            <a:off x="3467568" y="5793722"/>
+            <a:off x="3193530" y="5766252"/>
             <a:ext cx="257281" cy="269532"/>
           </a:xfrm>
           <a:prstGeom prst="rect">
@@ -8247,7 +8759,7 @@
           <p:cNvPr id="150" name="TextBox 149">
             <a:extLst>
               <a:ext uri="{FF2B5EF4-FFF2-40B4-BE49-F238E27FC236}">
-                <a16:creationId xmlns:a16="http://schemas.microsoft.com/office/drawing/2014/main" id="{0E05682E-0B97-4DD5-B637-D893ED0E7AA5}"/>
+                <a16:creationId xmlns:a16="http://schemas.microsoft.com/office/drawing/2014/main" xmlns="" id="{0E05682E-0B97-4DD5-B637-D893ED0E7AA5}"/>
               </a:ext>
             </a:extLst>
           </p:cNvPr>
@@ -8256,7 +8768,7 @@
         </p:nvSpPr>
         <p:spPr>
           <a:xfrm>
-            <a:off x="3372669" y="6063254"/>
+            <a:off x="3098631" y="6035784"/>
             <a:ext cx="445720" cy="246221"/>
           </a:xfrm>
           <a:prstGeom prst="rect">
@@ -8284,19 +8796,18 @@
           <p:cNvPr id="152" name="Straight Arrow Connector 151">
             <a:extLst>
               <a:ext uri="{FF2B5EF4-FFF2-40B4-BE49-F238E27FC236}">
-                <a16:creationId xmlns:a16="http://schemas.microsoft.com/office/drawing/2014/main" id="{85921D34-1A6D-4A55-8163-2EFF867246F7}"/>
+                <a16:creationId xmlns:a16="http://schemas.microsoft.com/office/drawing/2014/main" xmlns="" id="{85921D34-1A6D-4A55-8163-2EFF867246F7}"/>
               </a:ext>
             </a:extLst>
           </p:cNvPr>
           <p:cNvCxnSpPr>
             <a:cxnSpLocks/>
-            <a:endCxn id="107" idx="2"/>
           </p:cNvCxnSpPr>
           <p:nvPr/>
         </p:nvCxnSpPr>
         <p:spPr>
           <a:xfrm flipV="1">
-            <a:off x="2645565" y="2717098"/>
+            <a:off x="2391223" y="2709820"/>
             <a:ext cx="1" cy="293374"/>
           </a:xfrm>
           <a:prstGeom prst="straightConnector1">
@@ -8326,7 +8837,7 @@
           <p:cNvPr id="155" name="Group 154">
             <a:extLst>
               <a:ext uri="{FF2B5EF4-FFF2-40B4-BE49-F238E27FC236}">
-                <a16:creationId xmlns:a16="http://schemas.microsoft.com/office/drawing/2014/main" id="{672CA8FC-7222-45F5-B3F6-EB750E17B918}"/>
+                <a16:creationId xmlns:a16="http://schemas.microsoft.com/office/drawing/2014/main" xmlns="" id="{672CA8FC-7222-45F5-B3F6-EB750E17B918}"/>
               </a:ext>
             </a:extLst>
           </p:cNvPr>
@@ -8335,7 +8846,7 @@
         </p:nvGrpSpPr>
         <p:grpSpPr>
           <a:xfrm>
-            <a:off x="2422705" y="3846283"/>
+            <a:off x="2137790" y="3846283"/>
             <a:ext cx="1349994" cy="515753"/>
             <a:chOff x="2147686" y="3159468"/>
             <a:chExt cx="1349994" cy="515753"/>
@@ -8346,7 +8857,7 @@
             <p:cNvPr id="156" name="Rectangle 155">
               <a:extLst>
                 <a:ext uri="{FF2B5EF4-FFF2-40B4-BE49-F238E27FC236}">
-                  <a16:creationId xmlns:a16="http://schemas.microsoft.com/office/drawing/2014/main" id="{42D0AE50-F8C7-431B-8615-7112922C7BEB}"/>
+                  <a16:creationId xmlns:a16="http://schemas.microsoft.com/office/drawing/2014/main" xmlns="" id="{42D0AE50-F8C7-431B-8615-7112922C7BEB}"/>
                 </a:ext>
               </a:extLst>
             </p:cNvPr>
@@ -8397,7 +8908,7 @@
             <p:cNvPr id="157" name="TextBox 156">
               <a:extLst>
                 <a:ext uri="{FF2B5EF4-FFF2-40B4-BE49-F238E27FC236}">
-                  <a16:creationId xmlns:a16="http://schemas.microsoft.com/office/drawing/2014/main" id="{0B3D1116-CB49-48C5-B8C4-AB0F6094F11C}"/>
+                  <a16:creationId xmlns:a16="http://schemas.microsoft.com/office/drawing/2014/main" xmlns="" id="{0B3D1116-CB49-48C5-B8C4-AB0F6094F11C}"/>
                 </a:ext>
               </a:extLst>
             </p:cNvPr>
@@ -8433,7 +8944,7 @@
             <p:cNvPr id="158" name="Rectangle 157">
               <a:extLst>
                 <a:ext uri="{FF2B5EF4-FFF2-40B4-BE49-F238E27FC236}">
-                  <a16:creationId xmlns:a16="http://schemas.microsoft.com/office/drawing/2014/main" id="{7B567815-8270-412B-A5DE-051C38536BAB}"/>
+                  <a16:creationId xmlns:a16="http://schemas.microsoft.com/office/drawing/2014/main" xmlns="" id="{7B567815-8270-412B-A5DE-051C38536BAB}"/>
                 </a:ext>
               </a:extLst>
             </p:cNvPr>
@@ -8484,7 +8995,7 @@
             <p:cNvPr id="159" name="TextBox 158">
               <a:extLst>
                 <a:ext uri="{FF2B5EF4-FFF2-40B4-BE49-F238E27FC236}">
-                  <a16:creationId xmlns:a16="http://schemas.microsoft.com/office/drawing/2014/main" id="{1CAC22D7-AC0E-4DF8-B8D5-27E0E477DE37}"/>
+                  <a16:creationId xmlns:a16="http://schemas.microsoft.com/office/drawing/2014/main" xmlns="" id="{1CAC22D7-AC0E-4DF8-B8D5-27E0E477DE37}"/>
                 </a:ext>
               </a:extLst>
             </p:cNvPr>
@@ -8522,19 +9033,18 @@
           <p:cNvPr id="161" name="Straight Arrow Connector 160">
             <a:extLst>
               <a:ext uri="{FF2B5EF4-FFF2-40B4-BE49-F238E27FC236}">
-                <a16:creationId xmlns:a16="http://schemas.microsoft.com/office/drawing/2014/main" id="{A4A1EF85-AC6A-4EE2-A3BD-538EADBE1D40}"/>
+                <a16:creationId xmlns:a16="http://schemas.microsoft.com/office/drawing/2014/main" xmlns="" id="{A4A1EF85-AC6A-4EE2-A3BD-538EADBE1D40}"/>
               </a:ext>
             </a:extLst>
           </p:cNvPr>
           <p:cNvCxnSpPr>
             <a:cxnSpLocks/>
-            <a:endCxn id="9" idx="2"/>
           </p:cNvCxnSpPr>
           <p:nvPr/>
         </p:nvCxnSpPr>
         <p:spPr>
           <a:xfrm flipV="1">
-            <a:off x="2652980" y="3692323"/>
+            <a:off x="2368065" y="3692323"/>
             <a:ext cx="0" cy="297118"/>
           </a:xfrm>
           <a:prstGeom prst="straightConnector1">
@@ -8564,7 +9074,7 @@
           <p:cNvPr id="169" name="Group 168">
             <a:extLst>
               <a:ext uri="{FF2B5EF4-FFF2-40B4-BE49-F238E27FC236}">
-                <a16:creationId xmlns:a16="http://schemas.microsoft.com/office/drawing/2014/main" id="{C057943C-7C31-4D2F-899D-9F41D59830A5}"/>
+                <a16:creationId xmlns:a16="http://schemas.microsoft.com/office/drawing/2014/main" xmlns="" id="{C057943C-7C31-4D2F-899D-9F41D59830A5}"/>
               </a:ext>
             </a:extLst>
           </p:cNvPr>
@@ -8573,7 +9083,7 @@
         </p:nvGrpSpPr>
         <p:grpSpPr>
           <a:xfrm>
-            <a:off x="3345865" y="4821503"/>
+            <a:off x="3091217" y="4816103"/>
             <a:ext cx="1349994" cy="515753"/>
             <a:chOff x="2147686" y="3159468"/>
             <a:chExt cx="1349994" cy="515753"/>
@@ -8584,7 +9094,7 @@
             <p:cNvPr id="170" name="Rectangle 169">
               <a:extLst>
                 <a:ext uri="{FF2B5EF4-FFF2-40B4-BE49-F238E27FC236}">
-                  <a16:creationId xmlns:a16="http://schemas.microsoft.com/office/drawing/2014/main" id="{62482641-A182-4C82-9525-99FE735D018B}"/>
+                  <a16:creationId xmlns:a16="http://schemas.microsoft.com/office/drawing/2014/main" xmlns="" id="{62482641-A182-4C82-9525-99FE735D018B}"/>
                 </a:ext>
               </a:extLst>
             </p:cNvPr>
@@ -8635,7 +9145,7 @@
             <p:cNvPr id="171" name="TextBox 170">
               <a:extLst>
                 <a:ext uri="{FF2B5EF4-FFF2-40B4-BE49-F238E27FC236}">
-                  <a16:creationId xmlns:a16="http://schemas.microsoft.com/office/drawing/2014/main" id="{9121ED8F-2705-43A3-8561-0D1FB6355AA9}"/>
+                  <a16:creationId xmlns:a16="http://schemas.microsoft.com/office/drawing/2014/main" xmlns="" id="{9121ED8F-2705-43A3-8561-0D1FB6355AA9}"/>
                 </a:ext>
               </a:extLst>
             </p:cNvPr>
@@ -8671,7 +9181,7 @@
             <p:cNvPr id="172" name="Rectangle 171">
               <a:extLst>
                 <a:ext uri="{FF2B5EF4-FFF2-40B4-BE49-F238E27FC236}">
-                  <a16:creationId xmlns:a16="http://schemas.microsoft.com/office/drawing/2014/main" id="{69B00162-AF2E-4200-98A5-DCF97A721C5C}"/>
+                  <a16:creationId xmlns:a16="http://schemas.microsoft.com/office/drawing/2014/main" xmlns="" id="{69B00162-AF2E-4200-98A5-DCF97A721C5C}"/>
                 </a:ext>
               </a:extLst>
             </p:cNvPr>
@@ -8722,7 +9232,7 @@
             <p:cNvPr id="173" name="TextBox 172">
               <a:extLst>
                 <a:ext uri="{FF2B5EF4-FFF2-40B4-BE49-F238E27FC236}">
-                  <a16:creationId xmlns:a16="http://schemas.microsoft.com/office/drawing/2014/main" id="{43937195-AD6D-4282-99C8-B02D5E54B28A}"/>
+                  <a16:creationId xmlns:a16="http://schemas.microsoft.com/office/drawing/2014/main" xmlns="" id="{43937195-AD6D-4282-99C8-B02D5E54B28A}"/>
                 </a:ext>
               </a:extLst>
             </p:cNvPr>
@@ -8760,7 +9270,7 @@
           <p:cNvPr id="174" name="Straight Arrow Connector 173">
             <a:extLst>
               <a:ext uri="{FF2B5EF4-FFF2-40B4-BE49-F238E27FC236}">
-                <a16:creationId xmlns:a16="http://schemas.microsoft.com/office/drawing/2014/main" id="{C26577FF-3B6E-41AB-89F1-A12CD91D8146}"/>
+                <a16:creationId xmlns:a16="http://schemas.microsoft.com/office/drawing/2014/main" xmlns="" id="{C26577FF-3B6E-41AB-89F1-A12CD91D8146}"/>
               </a:ext>
             </a:extLst>
           </p:cNvPr>
@@ -8771,7 +9281,7 @@
         </p:nvCxnSpPr>
         <p:spPr>
           <a:xfrm flipV="1">
-            <a:off x="3588380" y="3683931"/>
+            <a:off x="3303465" y="3683931"/>
             <a:ext cx="0" cy="297118"/>
           </a:xfrm>
           <a:prstGeom prst="straightConnector1">
@@ -8801,7 +9311,7 @@
           <p:cNvPr id="175" name="Straight Arrow Connector 174">
             <a:extLst>
               <a:ext uri="{FF2B5EF4-FFF2-40B4-BE49-F238E27FC236}">
-                <a16:creationId xmlns:a16="http://schemas.microsoft.com/office/drawing/2014/main" id="{2C4CF80C-3BB7-4EA6-98FC-F61E6CA8E862}"/>
+                <a16:creationId xmlns:a16="http://schemas.microsoft.com/office/drawing/2014/main" xmlns="" id="{2C4CF80C-3BB7-4EA6-98FC-F61E6CA8E862}"/>
               </a:ext>
             </a:extLst>
           </p:cNvPr>
@@ -8812,7 +9322,7 @@
         </p:nvCxnSpPr>
         <p:spPr>
           <a:xfrm flipV="1">
-            <a:off x="3588380" y="4667544"/>
+            <a:off x="3333732" y="4662144"/>
             <a:ext cx="0" cy="297118"/>
           </a:xfrm>
           <a:prstGeom prst="straightConnector1">
@@ -8842,7 +9352,7 @@
           <p:cNvPr id="176" name="Straight Arrow Connector 175">
             <a:extLst>
               <a:ext uri="{FF2B5EF4-FFF2-40B4-BE49-F238E27FC236}">
-                <a16:creationId xmlns:a16="http://schemas.microsoft.com/office/drawing/2014/main" id="{001EF747-3AE0-4B7A-8984-B644CEBF7907}"/>
+                <a16:creationId xmlns:a16="http://schemas.microsoft.com/office/drawing/2014/main" xmlns="" id="{001EF747-3AE0-4B7A-8984-B644CEBF7907}"/>
               </a:ext>
             </a:extLst>
           </p:cNvPr>
@@ -8853,7 +9363,7 @@
         </p:nvCxnSpPr>
         <p:spPr>
           <a:xfrm flipV="1">
-            <a:off x="4527456" y="4667544"/>
+            <a:off x="4272808" y="4662144"/>
             <a:ext cx="0" cy="297118"/>
           </a:xfrm>
           <a:prstGeom prst="straightConnector1">
@@ -8883,7 +9393,7 @@
           <p:cNvPr id="177" name="Straight Arrow Connector 176">
             <a:extLst>
               <a:ext uri="{FF2B5EF4-FFF2-40B4-BE49-F238E27FC236}">
-                <a16:creationId xmlns:a16="http://schemas.microsoft.com/office/drawing/2014/main" id="{3748CBC1-2200-4815-A0D0-B366D31A4150}"/>
+                <a16:creationId xmlns:a16="http://schemas.microsoft.com/office/drawing/2014/main" xmlns="" id="{3748CBC1-2200-4815-A0D0-B366D31A4150}"/>
               </a:ext>
             </a:extLst>
           </p:cNvPr>
@@ -8894,7 +9404,7 @@
         </p:nvCxnSpPr>
         <p:spPr>
           <a:xfrm flipV="1">
-            <a:off x="3595529" y="5663414"/>
+            <a:off x="3321491" y="5635944"/>
             <a:ext cx="0" cy="297118"/>
           </a:xfrm>
           <a:prstGeom prst="straightConnector1">
@@ -8924,7 +9434,7 @@
           <p:cNvPr id="178" name="Straight Arrow Connector 177">
             <a:extLst>
               <a:ext uri="{FF2B5EF4-FFF2-40B4-BE49-F238E27FC236}">
-                <a16:creationId xmlns:a16="http://schemas.microsoft.com/office/drawing/2014/main" id="{77E256F5-4A3B-4F55-A623-E2D892248076}"/>
+                <a16:creationId xmlns:a16="http://schemas.microsoft.com/office/drawing/2014/main" xmlns="" id="{77E256F5-4A3B-4F55-A623-E2D892248076}"/>
               </a:ext>
             </a:extLst>
           </p:cNvPr>
@@ -8935,7 +9445,7 @@
         </p:nvCxnSpPr>
         <p:spPr>
           <a:xfrm flipV="1">
-            <a:off x="5459118" y="5645163"/>
+            <a:off x="5194487" y="5638189"/>
             <a:ext cx="0" cy="297118"/>
           </a:xfrm>
           <a:prstGeom prst="straightConnector1">
@@ -8965,7 +9475,7 @@
           <p:cNvPr id="179" name="Group 178">
             <a:extLst>
               <a:ext uri="{FF2B5EF4-FFF2-40B4-BE49-F238E27FC236}">
-                <a16:creationId xmlns:a16="http://schemas.microsoft.com/office/drawing/2014/main" id="{979476DB-8CC1-4328-8ACC-556FCB1174DB}"/>
+                <a16:creationId xmlns:a16="http://schemas.microsoft.com/office/drawing/2014/main" xmlns="" id="{979476DB-8CC1-4328-8ACC-556FCB1174DB}"/>
               </a:ext>
             </a:extLst>
           </p:cNvPr>
@@ -8974,7 +9484,7 @@
         </p:nvGrpSpPr>
         <p:grpSpPr>
           <a:xfrm>
-            <a:off x="7523398" y="2871063"/>
+            <a:off x="7264419" y="2875440"/>
             <a:ext cx="1333569" cy="515753"/>
             <a:chOff x="2164111" y="3159468"/>
             <a:chExt cx="1333569" cy="515753"/>
@@ -8985,7 +9495,7 @@
             <p:cNvPr id="180" name="Rectangle 179">
               <a:extLst>
                 <a:ext uri="{FF2B5EF4-FFF2-40B4-BE49-F238E27FC236}">
-                  <a16:creationId xmlns:a16="http://schemas.microsoft.com/office/drawing/2014/main" id="{742A0C5F-AAC7-465C-A8AB-618517B188B4}"/>
+                  <a16:creationId xmlns:a16="http://schemas.microsoft.com/office/drawing/2014/main" xmlns="" id="{742A0C5F-AAC7-465C-A8AB-618517B188B4}"/>
                 </a:ext>
               </a:extLst>
             </p:cNvPr>
@@ -9036,7 +9546,7 @@
             <p:cNvPr id="181" name="TextBox 180">
               <a:extLst>
                 <a:ext uri="{FF2B5EF4-FFF2-40B4-BE49-F238E27FC236}">
-                  <a16:creationId xmlns:a16="http://schemas.microsoft.com/office/drawing/2014/main" id="{1B09DEFB-F69C-4413-886F-920E8A023E28}"/>
+                  <a16:creationId xmlns:a16="http://schemas.microsoft.com/office/drawing/2014/main" xmlns="" id="{1B09DEFB-F69C-4413-886F-920E8A023E28}"/>
                 </a:ext>
               </a:extLst>
             </p:cNvPr>
@@ -9072,7 +9582,7 @@
             <p:cNvPr id="182" name="Rectangle 181">
               <a:extLst>
                 <a:ext uri="{FF2B5EF4-FFF2-40B4-BE49-F238E27FC236}">
-                  <a16:creationId xmlns:a16="http://schemas.microsoft.com/office/drawing/2014/main" id="{E12AC03C-4F21-475F-8A8D-73D2412033C0}"/>
+                  <a16:creationId xmlns:a16="http://schemas.microsoft.com/office/drawing/2014/main" xmlns="" id="{E12AC03C-4F21-475F-8A8D-73D2412033C0}"/>
                 </a:ext>
               </a:extLst>
             </p:cNvPr>
@@ -9123,7 +9633,7 @@
             <p:cNvPr id="183" name="TextBox 182">
               <a:extLst>
                 <a:ext uri="{FF2B5EF4-FFF2-40B4-BE49-F238E27FC236}">
-                  <a16:creationId xmlns:a16="http://schemas.microsoft.com/office/drawing/2014/main" id="{A07CA28C-6DF8-4F1A-837A-F607668B1CE0}"/>
+                  <a16:creationId xmlns:a16="http://schemas.microsoft.com/office/drawing/2014/main" xmlns="" id="{A07CA28C-6DF8-4F1A-837A-F607668B1CE0}"/>
                 </a:ext>
               </a:extLst>
             </p:cNvPr>
@@ -9161,7 +9671,7 @@
           <p:cNvPr id="184" name="Group 183">
             <a:extLst>
               <a:ext uri="{FF2B5EF4-FFF2-40B4-BE49-F238E27FC236}">
-                <a16:creationId xmlns:a16="http://schemas.microsoft.com/office/drawing/2014/main" id="{F4C0F4E5-225E-4D96-A6BD-3DFD5AA7B1F8}"/>
+                <a16:creationId xmlns:a16="http://schemas.microsoft.com/office/drawing/2014/main" xmlns="" id="{F4C0F4E5-225E-4D96-A6BD-3DFD5AA7B1F8}"/>
               </a:ext>
             </a:extLst>
           </p:cNvPr>
@@ -9181,7 +9691,7 @@
             <p:cNvPr id="185" name="Group 184">
               <a:extLst>
                 <a:ext uri="{FF2B5EF4-FFF2-40B4-BE49-F238E27FC236}">
-                  <a16:creationId xmlns:a16="http://schemas.microsoft.com/office/drawing/2014/main" id="{1DB0EFAB-506E-4CB7-A4F6-86F4B5C22428}"/>
+                  <a16:creationId xmlns:a16="http://schemas.microsoft.com/office/drawing/2014/main" xmlns="" id="{1DB0EFAB-506E-4CB7-A4F6-86F4B5C22428}"/>
                 </a:ext>
               </a:extLst>
             </p:cNvPr>
@@ -9201,7 +9711,7 @@
               <p:cNvPr id="194" name="Rectangle 193">
                 <a:extLst>
                   <a:ext uri="{FF2B5EF4-FFF2-40B4-BE49-F238E27FC236}">
-                    <a16:creationId xmlns:a16="http://schemas.microsoft.com/office/drawing/2014/main" id="{F0C9C09B-D0A1-4E0E-9D97-FEE6208CB471}"/>
+                    <a16:creationId xmlns:a16="http://schemas.microsoft.com/office/drawing/2014/main" xmlns="" id="{F0C9C09B-D0A1-4E0E-9D97-FEE6208CB471}"/>
                   </a:ext>
                 </a:extLst>
               </p:cNvPr>
@@ -9255,7 +9765,7 @@
               <p:cNvPr id="195" name="Rectangle 194">
                 <a:extLst>
                   <a:ext uri="{FF2B5EF4-FFF2-40B4-BE49-F238E27FC236}">
-                    <a16:creationId xmlns:a16="http://schemas.microsoft.com/office/drawing/2014/main" id="{239E83B4-17D1-4DDA-B240-B5DE0916928E}"/>
+                    <a16:creationId xmlns:a16="http://schemas.microsoft.com/office/drawing/2014/main" xmlns="" id="{239E83B4-17D1-4DDA-B240-B5DE0916928E}"/>
                   </a:ext>
                 </a:extLst>
               </p:cNvPr>
@@ -9303,7 +9813,7 @@
             <p:cNvPr id="186" name="Group 185">
               <a:extLst>
                 <a:ext uri="{FF2B5EF4-FFF2-40B4-BE49-F238E27FC236}">
-                  <a16:creationId xmlns:a16="http://schemas.microsoft.com/office/drawing/2014/main" id="{B9EA69F5-0BE0-4E73-AA17-8A4681232526}"/>
+                  <a16:creationId xmlns:a16="http://schemas.microsoft.com/office/drawing/2014/main" xmlns="" id="{B9EA69F5-0BE0-4E73-AA17-8A4681232526}"/>
                 </a:ext>
               </a:extLst>
             </p:cNvPr>
@@ -9323,7 +9833,7 @@
               <p:cNvPr id="192" name="Rectangle 191">
                 <a:extLst>
                   <a:ext uri="{FF2B5EF4-FFF2-40B4-BE49-F238E27FC236}">
-                    <a16:creationId xmlns:a16="http://schemas.microsoft.com/office/drawing/2014/main" id="{FA7011BB-0C95-43BD-AA5E-42FCE698F808}"/>
+                    <a16:creationId xmlns:a16="http://schemas.microsoft.com/office/drawing/2014/main" xmlns="" id="{FA7011BB-0C95-43BD-AA5E-42FCE698F808}"/>
                   </a:ext>
                 </a:extLst>
               </p:cNvPr>
@@ -9377,7 +9887,7 @@
               <p:cNvPr id="193" name="Rectangle 192">
                 <a:extLst>
                   <a:ext uri="{FF2B5EF4-FFF2-40B4-BE49-F238E27FC236}">
-                    <a16:creationId xmlns:a16="http://schemas.microsoft.com/office/drawing/2014/main" id="{713AC6DD-4D5B-4240-AACA-2DE4257EA6B5}"/>
+                    <a16:creationId xmlns:a16="http://schemas.microsoft.com/office/drawing/2014/main" xmlns="" id="{713AC6DD-4D5B-4240-AACA-2DE4257EA6B5}"/>
                   </a:ext>
                 </a:extLst>
               </p:cNvPr>
@@ -9425,7 +9935,7 @@
             <p:cNvPr id="187" name="Group 186">
               <a:extLst>
                 <a:ext uri="{FF2B5EF4-FFF2-40B4-BE49-F238E27FC236}">
-                  <a16:creationId xmlns:a16="http://schemas.microsoft.com/office/drawing/2014/main" id="{AFBA4D9E-85E9-4070-ABF5-41269BD121A2}"/>
+                  <a16:creationId xmlns:a16="http://schemas.microsoft.com/office/drawing/2014/main" xmlns="" id="{AFBA4D9E-85E9-4070-ABF5-41269BD121A2}"/>
                 </a:ext>
               </a:extLst>
             </p:cNvPr>
@@ -9445,7 +9955,7 @@
               <p:cNvPr id="190" name="Rectangle 189">
                 <a:extLst>
                   <a:ext uri="{FF2B5EF4-FFF2-40B4-BE49-F238E27FC236}">
-                    <a16:creationId xmlns:a16="http://schemas.microsoft.com/office/drawing/2014/main" id="{AE2A3553-6C65-489E-B0FB-61D3A3A8F48C}"/>
+                    <a16:creationId xmlns:a16="http://schemas.microsoft.com/office/drawing/2014/main" xmlns="" id="{AE2A3553-6C65-489E-B0FB-61D3A3A8F48C}"/>
                   </a:ext>
                 </a:extLst>
               </p:cNvPr>
@@ -9499,7 +10009,7 @@
               <p:cNvPr id="191" name="Rectangle 190">
                 <a:extLst>
                   <a:ext uri="{FF2B5EF4-FFF2-40B4-BE49-F238E27FC236}">
-                    <a16:creationId xmlns:a16="http://schemas.microsoft.com/office/drawing/2014/main" id="{9F5FEB8E-4B32-4E4A-BF65-E3B4AA2437B0}"/>
+                    <a16:creationId xmlns:a16="http://schemas.microsoft.com/office/drawing/2014/main" xmlns="" id="{9F5FEB8E-4B32-4E4A-BF65-E3B4AA2437B0}"/>
                   </a:ext>
                 </a:extLst>
               </p:cNvPr>
@@ -9547,7 +10057,7 @@
             <p:cNvPr id="188" name="Straight Arrow Connector 187">
               <a:extLst>
                 <a:ext uri="{FF2B5EF4-FFF2-40B4-BE49-F238E27FC236}">
-                  <a16:creationId xmlns:a16="http://schemas.microsoft.com/office/drawing/2014/main" id="{55FCBC69-9E22-4B26-8350-1B97BFFC6393}"/>
+                  <a16:creationId xmlns:a16="http://schemas.microsoft.com/office/drawing/2014/main" xmlns="" id="{55FCBC69-9E22-4B26-8350-1B97BFFC6393}"/>
                 </a:ext>
               </a:extLst>
             </p:cNvPr>
@@ -9588,7 +10098,7 @@
             <p:cNvPr id="189" name="Straight Arrow Connector 188">
               <a:extLst>
                 <a:ext uri="{FF2B5EF4-FFF2-40B4-BE49-F238E27FC236}">
-                  <a16:creationId xmlns:a16="http://schemas.microsoft.com/office/drawing/2014/main" id="{B86A8262-3388-446E-98F0-9B5F1E12AC15}"/>
+                  <a16:creationId xmlns:a16="http://schemas.microsoft.com/office/drawing/2014/main" xmlns="" id="{B86A8262-3388-446E-98F0-9B5F1E12AC15}"/>
                 </a:ext>
               </a:extLst>
             </p:cNvPr>
@@ -9628,19 +10138,18 @@
           <p:cNvPr id="196" name="Straight Arrow Connector 195">
             <a:extLst>
               <a:ext uri="{FF2B5EF4-FFF2-40B4-BE49-F238E27FC236}">
-                <a16:creationId xmlns:a16="http://schemas.microsoft.com/office/drawing/2014/main" id="{21876715-57DF-4D09-9CB8-5A6D0C6AB0C7}"/>
+                <a16:creationId xmlns:a16="http://schemas.microsoft.com/office/drawing/2014/main" xmlns="" id="{21876715-57DF-4D09-9CB8-5A6D0C6AB0C7}"/>
               </a:ext>
             </a:extLst>
           </p:cNvPr>
           <p:cNvCxnSpPr>
             <a:cxnSpLocks/>
-            <a:endCxn id="195" idx="2"/>
           </p:cNvCxnSpPr>
           <p:nvPr/>
         </p:nvCxnSpPr>
         <p:spPr>
           <a:xfrm flipV="1">
-            <a:off x="8668464" y="2717098"/>
+            <a:off x="8409485" y="2721475"/>
             <a:ext cx="1" cy="293374"/>
           </a:xfrm>
           <a:prstGeom prst="straightConnector1">
@@ -9670,7 +10179,7 @@
           <p:cNvPr id="215" name="Group 214">
             <a:extLst>
               <a:ext uri="{FF2B5EF4-FFF2-40B4-BE49-F238E27FC236}">
-                <a16:creationId xmlns:a16="http://schemas.microsoft.com/office/drawing/2014/main" id="{AFA7C2F9-BD9A-4E5A-8FFC-3551A5175A59}"/>
+                <a16:creationId xmlns:a16="http://schemas.microsoft.com/office/drawing/2014/main" xmlns="" id="{AFA7C2F9-BD9A-4E5A-8FFC-3551A5175A59}"/>
               </a:ext>
             </a:extLst>
           </p:cNvPr>
@@ -9690,7 +10199,7 @@
             <p:cNvPr id="216" name="Group 215">
               <a:extLst>
                 <a:ext uri="{FF2B5EF4-FFF2-40B4-BE49-F238E27FC236}">
-                  <a16:creationId xmlns:a16="http://schemas.microsoft.com/office/drawing/2014/main" id="{6DB65F2A-E367-4D94-B338-4094E64BFA4E}"/>
+                  <a16:creationId xmlns:a16="http://schemas.microsoft.com/office/drawing/2014/main" xmlns="" id="{6DB65F2A-E367-4D94-B338-4094E64BFA4E}"/>
                 </a:ext>
               </a:extLst>
             </p:cNvPr>
@@ -9710,7 +10219,7 @@
               <p:cNvPr id="220" name="Group 219">
                 <a:extLst>
                   <a:ext uri="{FF2B5EF4-FFF2-40B4-BE49-F238E27FC236}">
-                    <a16:creationId xmlns:a16="http://schemas.microsoft.com/office/drawing/2014/main" id="{981FE0AE-521C-4527-9D2F-AFC4BDAA7FAA}"/>
+                    <a16:creationId xmlns:a16="http://schemas.microsoft.com/office/drawing/2014/main" xmlns="" id="{981FE0AE-521C-4527-9D2F-AFC4BDAA7FAA}"/>
                   </a:ext>
                 </a:extLst>
               </p:cNvPr>
@@ -9730,7 +10239,7 @@
                 <p:cNvPr id="229" name="Rectangle 228">
                   <a:extLst>
                     <a:ext uri="{FF2B5EF4-FFF2-40B4-BE49-F238E27FC236}">
-                      <a16:creationId xmlns:a16="http://schemas.microsoft.com/office/drawing/2014/main" id="{6525E62D-9F24-4563-9FF8-2FA905D9D1C3}"/>
+                      <a16:creationId xmlns:a16="http://schemas.microsoft.com/office/drawing/2014/main" xmlns="" id="{6525E62D-9F24-4563-9FF8-2FA905D9D1C3}"/>
                     </a:ext>
                   </a:extLst>
                 </p:cNvPr>
@@ -9784,7 +10293,7 @@
                 <p:cNvPr id="230" name="Rectangle 229">
                   <a:extLst>
                     <a:ext uri="{FF2B5EF4-FFF2-40B4-BE49-F238E27FC236}">
-                      <a16:creationId xmlns:a16="http://schemas.microsoft.com/office/drawing/2014/main" id="{C65C2AD7-E420-422A-A6E1-44A20709E05F}"/>
+                      <a16:creationId xmlns:a16="http://schemas.microsoft.com/office/drawing/2014/main" xmlns="" id="{C65C2AD7-E420-422A-A6E1-44A20709E05F}"/>
                     </a:ext>
                   </a:extLst>
                 </p:cNvPr>
@@ -9832,7 +10341,7 @@
               <p:cNvPr id="221" name="Group 220">
                 <a:extLst>
                   <a:ext uri="{FF2B5EF4-FFF2-40B4-BE49-F238E27FC236}">
-                    <a16:creationId xmlns:a16="http://schemas.microsoft.com/office/drawing/2014/main" id="{B94F3594-C7C7-453D-AD0F-17D608ACF4AF}"/>
+                    <a16:creationId xmlns:a16="http://schemas.microsoft.com/office/drawing/2014/main" xmlns="" id="{B94F3594-C7C7-453D-AD0F-17D608ACF4AF}"/>
                   </a:ext>
                 </a:extLst>
               </p:cNvPr>
@@ -9852,7 +10361,7 @@
                 <p:cNvPr id="227" name="Rectangle 226">
                   <a:extLst>
                     <a:ext uri="{FF2B5EF4-FFF2-40B4-BE49-F238E27FC236}">
-                      <a16:creationId xmlns:a16="http://schemas.microsoft.com/office/drawing/2014/main" id="{A737EF3C-96E2-4F8D-BF7A-8CE71C1561A4}"/>
+                      <a16:creationId xmlns:a16="http://schemas.microsoft.com/office/drawing/2014/main" xmlns="" id="{A737EF3C-96E2-4F8D-BF7A-8CE71C1561A4}"/>
                     </a:ext>
                   </a:extLst>
                 </p:cNvPr>
@@ -9906,7 +10415,7 @@
                 <p:cNvPr id="228" name="Rectangle 227">
                   <a:extLst>
                     <a:ext uri="{FF2B5EF4-FFF2-40B4-BE49-F238E27FC236}">
-                      <a16:creationId xmlns:a16="http://schemas.microsoft.com/office/drawing/2014/main" id="{537234C7-092A-4731-AE49-F85360E66874}"/>
+                      <a16:creationId xmlns:a16="http://schemas.microsoft.com/office/drawing/2014/main" xmlns="" id="{537234C7-092A-4731-AE49-F85360E66874}"/>
                     </a:ext>
                   </a:extLst>
                 </p:cNvPr>
@@ -9954,7 +10463,7 @@
               <p:cNvPr id="222" name="Group 221">
                 <a:extLst>
                   <a:ext uri="{FF2B5EF4-FFF2-40B4-BE49-F238E27FC236}">
-                    <a16:creationId xmlns:a16="http://schemas.microsoft.com/office/drawing/2014/main" id="{3045A788-6991-4C8E-B31A-3DB1626804BE}"/>
+                    <a16:creationId xmlns:a16="http://schemas.microsoft.com/office/drawing/2014/main" xmlns="" id="{3045A788-6991-4C8E-B31A-3DB1626804BE}"/>
                   </a:ext>
                 </a:extLst>
               </p:cNvPr>
@@ -9974,7 +10483,7 @@
                 <p:cNvPr id="225" name="Rectangle 224">
                   <a:extLst>
                     <a:ext uri="{FF2B5EF4-FFF2-40B4-BE49-F238E27FC236}">
-                      <a16:creationId xmlns:a16="http://schemas.microsoft.com/office/drawing/2014/main" id="{080C4584-EE07-449D-994B-9941EFBC4F8D}"/>
+                      <a16:creationId xmlns:a16="http://schemas.microsoft.com/office/drawing/2014/main" xmlns="" id="{080C4584-EE07-449D-994B-9941EFBC4F8D}"/>
                     </a:ext>
                   </a:extLst>
                 </p:cNvPr>
@@ -10028,7 +10537,7 @@
                 <p:cNvPr id="226" name="Rectangle 225">
                   <a:extLst>
                     <a:ext uri="{FF2B5EF4-FFF2-40B4-BE49-F238E27FC236}">
-                      <a16:creationId xmlns:a16="http://schemas.microsoft.com/office/drawing/2014/main" id="{E1B1CEB6-7A5C-49DE-B8CA-E4BF98D4A6BB}"/>
+                      <a16:creationId xmlns:a16="http://schemas.microsoft.com/office/drawing/2014/main" xmlns="" id="{E1B1CEB6-7A5C-49DE-B8CA-E4BF98D4A6BB}"/>
                     </a:ext>
                   </a:extLst>
                 </p:cNvPr>
@@ -10076,7 +10585,7 @@
               <p:cNvPr id="223" name="Straight Arrow Connector 222">
                 <a:extLst>
                   <a:ext uri="{FF2B5EF4-FFF2-40B4-BE49-F238E27FC236}">
-                    <a16:creationId xmlns:a16="http://schemas.microsoft.com/office/drawing/2014/main" id="{7587DE1A-B7A5-47F9-8389-7C0DC3496A37}"/>
+                    <a16:creationId xmlns:a16="http://schemas.microsoft.com/office/drawing/2014/main" xmlns="" id="{7587DE1A-B7A5-47F9-8389-7C0DC3496A37}"/>
                   </a:ext>
                 </a:extLst>
               </p:cNvPr>
@@ -10117,7 +10626,7 @@
               <p:cNvPr id="224" name="Straight Arrow Connector 223">
                 <a:extLst>
                   <a:ext uri="{FF2B5EF4-FFF2-40B4-BE49-F238E27FC236}">
-                    <a16:creationId xmlns:a16="http://schemas.microsoft.com/office/drawing/2014/main" id="{700B57CC-38FA-479B-9F50-E53E69FD90EF}"/>
+                    <a16:creationId xmlns:a16="http://schemas.microsoft.com/office/drawing/2014/main" xmlns="" id="{700B57CC-38FA-479B-9F50-E53E69FD90EF}"/>
                   </a:ext>
                 </a:extLst>
               </p:cNvPr>
@@ -10157,7 +10666,7 @@
             <p:cNvPr id="217" name="Rectangle 216">
               <a:extLst>
                 <a:ext uri="{FF2B5EF4-FFF2-40B4-BE49-F238E27FC236}">
-                  <a16:creationId xmlns:a16="http://schemas.microsoft.com/office/drawing/2014/main" id="{C6D9601F-077A-44A3-AED8-E9990A7B4200}"/>
+                  <a16:creationId xmlns:a16="http://schemas.microsoft.com/office/drawing/2014/main" xmlns="" id="{C6D9601F-077A-44A3-AED8-E9990A7B4200}"/>
                 </a:ext>
               </a:extLst>
             </p:cNvPr>
@@ -10211,7 +10720,7 @@
             <p:cNvPr id="218" name="Rectangle 217">
               <a:extLst>
                 <a:ext uri="{FF2B5EF4-FFF2-40B4-BE49-F238E27FC236}">
-                  <a16:creationId xmlns:a16="http://schemas.microsoft.com/office/drawing/2014/main" id="{5C09A50E-43F5-48B2-9D7E-A6389CBA43F5}"/>
+                  <a16:creationId xmlns:a16="http://schemas.microsoft.com/office/drawing/2014/main" xmlns="" id="{5C09A50E-43F5-48B2-9D7E-A6389CBA43F5}"/>
                 </a:ext>
               </a:extLst>
             </p:cNvPr>
@@ -10258,7 +10767,7 @@
             <p:cNvPr id="219" name="Straight Arrow Connector 218">
               <a:extLst>
                 <a:ext uri="{FF2B5EF4-FFF2-40B4-BE49-F238E27FC236}">
-                  <a16:creationId xmlns:a16="http://schemas.microsoft.com/office/drawing/2014/main" id="{B3033B24-FDB0-433C-89D6-9FEF95B93FBF}"/>
+                  <a16:creationId xmlns:a16="http://schemas.microsoft.com/office/drawing/2014/main" xmlns="" id="{B3033B24-FDB0-433C-89D6-9FEF95B93FBF}"/>
                 </a:ext>
               </a:extLst>
             </p:cNvPr>
@@ -10298,7 +10807,7 @@
           <p:cNvPr id="238" name="Rectangle 237">
             <a:extLst>
               <a:ext uri="{FF2B5EF4-FFF2-40B4-BE49-F238E27FC236}">
-                <a16:creationId xmlns:a16="http://schemas.microsoft.com/office/drawing/2014/main" id="{7A227327-78C9-4B53-A9A9-EA82FB302C50}"/>
+                <a16:creationId xmlns:a16="http://schemas.microsoft.com/office/drawing/2014/main" xmlns="" id="{7A227327-78C9-4B53-A9A9-EA82FB302C50}"/>
               </a:ext>
             </a:extLst>
           </p:cNvPr>
@@ -10307,7 +10816,7 @@
         </p:nvSpPr>
         <p:spPr>
           <a:xfrm>
-            <a:off x="8597988" y="3846283"/>
+            <a:off x="8333357" y="3841357"/>
             <a:ext cx="257281" cy="269532"/>
           </a:xfrm>
           <a:prstGeom prst="rect">
@@ -10349,7 +10858,7 @@
           <p:cNvPr id="239" name="TextBox 238">
             <a:extLst>
               <a:ext uri="{FF2B5EF4-FFF2-40B4-BE49-F238E27FC236}">
-                <a16:creationId xmlns:a16="http://schemas.microsoft.com/office/drawing/2014/main" id="{8AE563BA-DB8B-4C97-86F6-8CEF093F5FFC}"/>
+                <a16:creationId xmlns:a16="http://schemas.microsoft.com/office/drawing/2014/main" xmlns="" id="{8AE563BA-DB8B-4C97-86F6-8CEF093F5FFC}"/>
               </a:ext>
             </a:extLst>
           </p:cNvPr>
@@ -10358,7 +10867,7 @@
         </p:nvSpPr>
         <p:spPr>
           <a:xfrm>
-            <a:off x="8545539" y="4115815"/>
+            <a:off x="8280908" y="4110889"/>
             <a:ext cx="362178" cy="246221"/>
           </a:xfrm>
           <a:prstGeom prst="rect">
@@ -10385,7 +10894,7 @@
           <p:cNvPr id="240" name="Rectangle 239">
             <a:extLst>
               <a:ext uri="{FF2B5EF4-FFF2-40B4-BE49-F238E27FC236}">
-                <a16:creationId xmlns:a16="http://schemas.microsoft.com/office/drawing/2014/main" id="{A9DA2C91-8726-4FCD-8967-A6430D324B81}"/>
+                <a16:creationId xmlns:a16="http://schemas.microsoft.com/office/drawing/2014/main" xmlns="" id="{A9DA2C91-8726-4FCD-8967-A6430D324B81}"/>
               </a:ext>
             </a:extLst>
           </p:cNvPr>
@@ -10436,7 +10945,7 @@
           <p:cNvPr id="241" name="TextBox 240">
             <a:extLst>
               <a:ext uri="{FF2B5EF4-FFF2-40B4-BE49-F238E27FC236}">
-                <a16:creationId xmlns:a16="http://schemas.microsoft.com/office/drawing/2014/main" id="{34BF94A1-C63B-4725-95B2-4791FBBEC524}"/>
+                <a16:creationId xmlns:a16="http://schemas.microsoft.com/office/drawing/2014/main" xmlns="" id="{34BF94A1-C63B-4725-95B2-4791FBBEC524}"/>
               </a:ext>
             </a:extLst>
           </p:cNvPr>
@@ -10473,7 +10982,7 @@
           <p:cNvPr id="242" name="Straight Arrow Connector 241">
             <a:extLst>
               <a:ext uri="{FF2B5EF4-FFF2-40B4-BE49-F238E27FC236}">
-                <a16:creationId xmlns:a16="http://schemas.microsoft.com/office/drawing/2014/main" id="{B0E2290B-8EC5-4B23-B25E-73570DBEAB72}"/>
+                <a16:creationId xmlns:a16="http://schemas.microsoft.com/office/drawing/2014/main" xmlns="" id="{B0E2290B-8EC5-4B23-B25E-73570DBEAB72}"/>
               </a:ext>
             </a:extLst>
           </p:cNvPr>
@@ -10484,7 +10993,7 @@
         </p:nvCxnSpPr>
         <p:spPr>
           <a:xfrm flipV="1">
-            <a:off x="8728178" y="3697724"/>
+            <a:off x="8463547" y="3692798"/>
             <a:ext cx="0" cy="297118"/>
           </a:xfrm>
           <a:prstGeom prst="straightConnector1">
@@ -11529,10 +12038,10 @@
           <p:cNvPr id="21" name="Rectangle 12">
             <a:extLst>
               <a:ext uri="{FF2B5EF4-FFF2-40B4-BE49-F238E27FC236}">
-                <a16:creationId xmlns:a16="http://schemas.microsoft.com/office/drawing/2014/main" id="{A36748E2-1414-45C6-81ED-B2E62DD73767}"/>
+                <a16:creationId xmlns:a16="http://schemas.microsoft.com/office/drawing/2014/main" xmlns="" id="{A36748E2-1414-45C6-81ED-B2E62DD73767}"/>
               </a:ext>
               <a:ext uri="{C183D7F6-B498-43B3-948B-1728B52AA6E4}">
-                <adec:decorative xmlns:adec="http://schemas.microsoft.com/office/drawing/2017/decorative" val="1"/>
+                <adec:decorative xmlns:adec="http://schemas.microsoft.com/office/drawing/2017/decorative" xmlns="" val="1"/>
               </a:ext>
             </a:extLst>
           </p:cNvPr>
@@ -11542,7 +12051,7 @@
           <p:nvPr>
             <p:extLst>
               <p:ext uri="{386F3935-93C4-4BCD-93E2-E3B085C9AB24}">
-                <p16:designElem xmlns:p16="http://schemas.microsoft.com/office/powerpoint/2015/main" val="1"/>
+                <p16:designElem xmlns:p16="http://schemas.microsoft.com/office/powerpoint/2015/main" xmlns="" val="1"/>
               </p:ext>
             </p:extLst>
           </p:nvPr>
@@ -11589,7 +12098,7 @@
           <p:cNvPr id="7" name="Title 6">
             <a:extLst>
               <a:ext uri="{FF2B5EF4-FFF2-40B4-BE49-F238E27FC236}">
-                <a16:creationId xmlns:a16="http://schemas.microsoft.com/office/drawing/2014/main" id="{CC28A13D-3CDD-40C9-B891-57F4F88E4506}"/>
+                <a16:creationId xmlns:a16="http://schemas.microsoft.com/office/drawing/2014/main" xmlns="" id="{CC28A13D-3CDD-40C9-B891-57F4F88E4506}"/>
               </a:ext>
             </a:extLst>
           </p:cNvPr>
@@ -11624,7 +12133,7 @@
           <p:cNvPr id="3" name="Picture 2" descr="A screen shot of a computer&#10;&#10;Description generated with very high confidence">
             <a:extLst>
               <a:ext uri="{FF2B5EF4-FFF2-40B4-BE49-F238E27FC236}">
-                <a16:creationId xmlns:a16="http://schemas.microsoft.com/office/drawing/2014/main" id="{A32FE2F1-9C6B-4CA6-AFE4-40CAFA7C3FB2}"/>
+                <a16:creationId xmlns:a16="http://schemas.microsoft.com/office/drawing/2014/main" xmlns="" id="{A32FE2F1-9C6B-4CA6-AFE4-40CAFA7C3FB2}"/>
               </a:ext>
             </a:extLst>
           </p:cNvPr>
@@ -11660,10 +12169,10 @@
           <p:cNvPr id="22" name="Straight Connector 14">
             <a:extLst>
               <a:ext uri="{FF2B5EF4-FFF2-40B4-BE49-F238E27FC236}">
-                <a16:creationId xmlns:a16="http://schemas.microsoft.com/office/drawing/2014/main" id="{2D7E4852-2A91-42C1-8C75-34DF3751E407}"/>
+                <a16:creationId xmlns:a16="http://schemas.microsoft.com/office/drawing/2014/main" xmlns="" id="{2D7E4852-2A91-42C1-8C75-34DF3751E407}"/>
               </a:ext>
               <a:ext uri="{C183D7F6-B498-43B3-948B-1728B52AA6E4}">
-                <adec:decorative xmlns:adec="http://schemas.microsoft.com/office/drawing/2017/decorative" val="1"/>
+                <adec:decorative xmlns:adec="http://schemas.microsoft.com/office/drawing/2017/decorative" xmlns="" val="1"/>
               </a:ext>
             </a:extLst>
           </p:cNvPr>
@@ -11673,7 +12182,7 @@
           <p:nvPr>
             <p:extLst>
               <p:ext uri="{386F3935-93C4-4BCD-93E2-E3B085C9AB24}">
-                <p16:designElem xmlns:p16="http://schemas.microsoft.com/office/powerpoint/2015/main" val="1"/>
+                <p16:designElem xmlns:p16="http://schemas.microsoft.com/office/powerpoint/2015/main" xmlns="" val="1"/>
               </p:ext>
             </p:extLst>
           </p:nvPr>
@@ -11716,7 +12225,7 @@
           <p:cNvPr id="8" name="Content Placeholder 7">
             <a:extLst>
               <a:ext uri="{FF2B5EF4-FFF2-40B4-BE49-F238E27FC236}">
-                <a16:creationId xmlns:a16="http://schemas.microsoft.com/office/drawing/2014/main" id="{DE1B3997-E2F8-4FAE-9AA2-15585F5B59DD}"/>
+                <a16:creationId xmlns:a16="http://schemas.microsoft.com/office/drawing/2014/main" xmlns="" id="{DE1B3997-E2F8-4FAE-9AA2-15585F5B59DD}"/>
               </a:ext>
             </a:extLst>
           </p:cNvPr>
@@ -11784,10 +12293,10 @@
           <p:cNvPr id="23" name="Rectangle 16">
             <a:extLst>
               <a:ext uri="{FF2B5EF4-FFF2-40B4-BE49-F238E27FC236}">
-                <a16:creationId xmlns:a16="http://schemas.microsoft.com/office/drawing/2014/main" id="{54308465-3CAC-4219-A8D5-368A1CFCACA9}"/>
+                <a16:creationId xmlns:a16="http://schemas.microsoft.com/office/drawing/2014/main" xmlns="" id="{54308465-3CAC-4219-A8D5-368A1CFCACA9}"/>
               </a:ext>
               <a:ext uri="{C183D7F6-B498-43B3-948B-1728B52AA6E4}">
-                <adec:decorative xmlns:adec="http://schemas.microsoft.com/office/drawing/2017/decorative" val="1"/>
+                <adec:decorative xmlns:adec="http://schemas.microsoft.com/office/drawing/2017/decorative" xmlns="" val="1"/>
               </a:ext>
             </a:extLst>
           </p:cNvPr>
@@ -11797,7 +12306,7 @@
           <p:nvPr>
             <p:extLst>
               <p:ext uri="{386F3935-93C4-4BCD-93E2-E3B085C9AB24}">
-                <p16:designElem xmlns:p16="http://schemas.microsoft.com/office/powerpoint/2015/main" val="1"/>
+                <p16:designElem xmlns:p16="http://schemas.microsoft.com/office/powerpoint/2015/main" xmlns="" val="1"/>
               </p:ext>
             </p:extLst>
           </p:nvPr>
@@ -11839,10 +12348,10 @@
           <p:cNvPr id="24" name="Rectangle 18">
             <a:extLst>
               <a:ext uri="{FF2B5EF4-FFF2-40B4-BE49-F238E27FC236}">
-                <a16:creationId xmlns:a16="http://schemas.microsoft.com/office/drawing/2014/main" id="{281532E4-FF18-4707-B987-B543B1B7F399}"/>
+                <a16:creationId xmlns:a16="http://schemas.microsoft.com/office/drawing/2014/main" xmlns="" id="{281532E4-FF18-4707-B987-B543B1B7F399}"/>
               </a:ext>
               <a:ext uri="{C183D7F6-B498-43B3-948B-1728B52AA6E4}">
-                <adec:decorative xmlns:adec="http://schemas.microsoft.com/office/drawing/2017/decorative" val="1"/>
+                <adec:decorative xmlns:adec="http://schemas.microsoft.com/office/drawing/2017/decorative" xmlns="" val="1"/>
               </a:ext>
             </a:extLst>
           </p:cNvPr>
@@ -11852,7 +12361,7 @@
           <p:nvPr>
             <p:extLst>
               <p:ext uri="{386F3935-93C4-4BCD-93E2-E3B085C9AB24}">
-                <p16:designElem xmlns:p16="http://schemas.microsoft.com/office/powerpoint/2015/main" val="1"/>
+                <p16:designElem xmlns:p16="http://schemas.microsoft.com/office/powerpoint/2015/main" xmlns="" val="1"/>
               </p:ext>
             </p:extLst>
           </p:nvPr>
@@ -11901,6 +12410,13 @@
   <p:clrMapOvr>
     <a:masterClrMapping/>
   </p:clrMapOvr>
+  <p:timing>
+    <p:tnLst>
+      <p:par>
+        <p:cTn id="1" dur="indefinite" restart="never" nodeType="tmRoot"/>
+      </p:par>
+    </p:tnLst>
+  </p:timing>
 </p:sld>
 </file>
 
@@ -11926,7 +12442,5740 @@
           <p:cNvPr id="2" name="Title 1">
             <a:extLst>
               <a:ext uri="{FF2B5EF4-FFF2-40B4-BE49-F238E27FC236}">
-                <a16:creationId xmlns:a16="http://schemas.microsoft.com/office/drawing/2014/main" id="{B89D0673-53A5-44BE-8D9E-DDE3366D9C2E}"/>
+                <a16:creationId xmlns:a16="http://schemas.microsoft.com/office/drawing/2014/main" xmlns="" id="{CEC481DA-B0EF-464A-9177-976A031961C8}"/>
+              </a:ext>
+            </a:extLst>
+          </p:cNvPr>
+          <p:cNvSpPr>
+            <a:spLocks noGrp="1"/>
+          </p:cNvSpPr>
+          <p:nvPr>
+            <p:ph type="title"/>
+          </p:nvPr>
+        </p:nvSpPr>
+        <p:spPr/>
+        <p:txBody>
+          <a:bodyPr/>
+          <a:lstStyle/>
+          <a:p>
+            <a:r>
+              <a:rPr lang="en-US" dirty="0"/>
+              <a:t>Brain Teaser – Single Pointer Insertion</a:t>
+            </a:r>
+          </a:p>
+        </p:txBody>
+      </p:sp>
+      <p:sp>
+        <p:nvSpPr>
+          <p:cNvPr id="4" name="Text Placeholder 3">
+            <a:extLst>
+              <a:ext uri="{FF2B5EF4-FFF2-40B4-BE49-F238E27FC236}">
+                <a16:creationId xmlns:a16="http://schemas.microsoft.com/office/drawing/2014/main" xmlns="" id="{D1DA2A66-0BC4-4622-83C5-13C04BB50680}"/>
+              </a:ext>
+            </a:extLst>
+          </p:cNvPr>
+          <p:cNvSpPr>
+            <a:spLocks noGrp="1"/>
+          </p:cNvSpPr>
+          <p:nvPr>
+            <p:ph type="body" idx="1"/>
+          </p:nvPr>
+        </p:nvSpPr>
+        <p:spPr/>
+        <p:txBody>
+          <a:bodyPr/>
+          <a:lstStyle/>
+          <a:p>
+            <a:pPr algn="ctr"/>
+            <a:r>
+              <a:rPr lang="en-US" dirty="0"/>
+              <a:t>Inserting 8</a:t>
+            </a:r>
+          </a:p>
+        </p:txBody>
+      </p:sp>
+      <p:sp>
+        <p:nvSpPr>
+          <p:cNvPr id="6" name="Text Placeholder 5">
+            <a:extLst>
+              <a:ext uri="{FF2B5EF4-FFF2-40B4-BE49-F238E27FC236}">
+                <a16:creationId xmlns:a16="http://schemas.microsoft.com/office/drawing/2014/main" xmlns="" id="{9B7EB306-3571-4F2C-9DD9-12BB64810ED7}"/>
+              </a:ext>
+            </a:extLst>
+          </p:cNvPr>
+          <p:cNvSpPr>
+            <a:spLocks noGrp="1"/>
+          </p:cNvSpPr>
+          <p:nvPr>
+            <p:ph type="body" sz="quarter" idx="3"/>
+          </p:nvPr>
+        </p:nvSpPr>
+        <p:spPr>
+          <a:xfrm>
+            <a:off x="6217920" y="1846052"/>
+            <a:ext cx="4937760" cy="736282"/>
+          </a:xfrm>
+        </p:spPr>
+        <p:txBody>
+          <a:bodyPr/>
+          <a:lstStyle/>
+          <a:p>
+            <a:pPr algn="ctr"/>
+            <a:r>
+              <a:rPr lang="en-US" dirty="0"/>
+              <a:t>Inserting 0</a:t>
+            </a:r>
+          </a:p>
+        </p:txBody>
+      </p:sp>
+      <p:grpSp>
+        <p:nvGrpSpPr>
+          <p:cNvPr id="35" name="Group 34">
+            <a:extLst>
+              <a:ext uri="{FF2B5EF4-FFF2-40B4-BE49-F238E27FC236}">
+                <a16:creationId xmlns:a16="http://schemas.microsoft.com/office/drawing/2014/main" xmlns="" id="{264B10F3-24B2-46E4-A0E6-293F2FA8931D}"/>
+              </a:ext>
+            </a:extLst>
+          </p:cNvPr>
+          <p:cNvGrpSpPr/>
+          <p:nvPr/>
+        </p:nvGrpSpPr>
+        <p:grpSpPr>
+          <a:xfrm>
+            <a:off x="2261856" y="3476903"/>
+            <a:ext cx="2396389" cy="269534"/>
+            <a:chOff x="1994379" y="2586569"/>
+            <a:chExt cx="3222643" cy="362467"/>
+          </a:xfrm>
+        </p:grpSpPr>
+        <p:grpSp>
+          <p:nvGrpSpPr>
+            <p:cNvPr id="11" name="Group 10">
+              <a:extLst>
+                <a:ext uri="{FF2B5EF4-FFF2-40B4-BE49-F238E27FC236}">
+                  <a16:creationId xmlns:a16="http://schemas.microsoft.com/office/drawing/2014/main" xmlns="" id="{BB0B53B8-7148-4E65-9140-7814440D2539}"/>
+                </a:ext>
+              </a:extLst>
+            </p:cNvPr>
+            <p:cNvGrpSpPr/>
+            <p:nvPr/>
+          </p:nvGrpSpPr>
+          <p:grpSpPr>
+            <a:xfrm>
+              <a:off x="1994379" y="2586570"/>
+              <a:ext cx="701863" cy="362466"/>
+              <a:chOff x="1878227" y="3146853"/>
+              <a:chExt cx="701863" cy="362466"/>
+            </a:xfrm>
+          </p:grpSpPr>
+          <p:sp>
+            <p:nvSpPr>
+              <p:cNvPr id="8" name="Rectangle 7">
+                <a:extLst>
+                  <a:ext uri="{FF2B5EF4-FFF2-40B4-BE49-F238E27FC236}">
+                    <a16:creationId xmlns:a16="http://schemas.microsoft.com/office/drawing/2014/main" xmlns="" id="{B18A29AE-7668-4B56-B8D5-1A9E7FF8DDC8}"/>
+                  </a:ext>
+                </a:extLst>
+              </p:cNvPr>
+              <p:cNvSpPr/>
+              <p:nvPr/>
+            </p:nvSpPr>
+            <p:spPr>
+              <a:xfrm>
+                <a:off x="1878227" y="3146854"/>
+                <a:ext cx="345989" cy="362465"/>
+              </a:xfrm>
+              <a:prstGeom prst="rect">
+                <a:avLst/>
+              </a:prstGeom>
+              <a:noFill/>
+            </p:spPr>
+            <p:style>
+              <a:lnRef idx="2">
+                <a:schemeClr val="accent1">
+                  <a:shade val="50000"/>
+                </a:schemeClr>
+              </a:lnRef>
+              <a:fillRef idx="1">
+                <a:schemeClr val="accent1"/>
+              </a:fillRef>
+              <a:effectRef idx="0">
+                <a:schemeClr val="accent1"/>
+              </a:effectRef>
+              <a:fontRef idx="minor">
+                <a:schemeClr val="lt1"/>
+              </a:fontRef>
+            </p:style>
+            <p:txBody>
+              <a:bodyPr rtlCol="0" anchor="ctr"/>
+              <a:lstStyle/>
+              <a:p>
+                <a:pPr algn="ctr"/>
+                <a:r>
+                  <a:rPr lang="en-US" dirty="0">
+                    <a:solidFill>
+                      <a:schemeClr val="tx1"/>
+                    </a:solidFill>
+                  </a:rPr>
+                  <a:t>1</a:t>
+                </a:r>
+              </a:p>
+            </p:txBody>
+          </p:sp>
+          <p:sp>
+            <p:nvSpPr>
+              <p:cNvPr id="9" name="Rectangle 8">
+                <a:extLst>
+                  <a:ext uri="{FF2B5EF4-FFF2-40B4-BE49-F238E27FC236}">
+                    <a16:creationId xmlns:a16="http://schemas.microsoft.com/office/drawing/2014/main" xmlns="" id="{1CDC5513-3215-4D7F-A4E3-0714F5877AAC}"/>
+                  </a:ext>
+                </a:extLst>
+              </p:cNvPr>
+              <p:cNvSpPr/>
+              <p:nvPr/>
+            </p:nvSpPr>
+            <p:spPr>
+              <a:xfrm>
+                <a:off x="2234101" y="3146853"/>
+                <a:ext cx="345989" cy="362465"/>
+              </a:xfrm>
+              <a:prstGeom prst="rect">
+                <a:avLst/>
+              </a:prstGeom>
+              <a:noFill/>
+            </p:spPr>
+            <p:style>
+              <a:lnRef idx="2">
+                <a:schemeClr val="accent1">
+                  <a:shade val="50000"/>
+                </a:schemeClr>
+              </a:lnRef>
+              <a:fillRef idx="1">
+                <a:schemeClr val="accent1"/>
+              </a:fillRef>
+              <a:effectRef idx="0">
+                <a:schemeClr val="accent1"/>
+              </a:effectRef>
+              <a:fontRef idx="minor">
+                <a:schemeClr val="lt1"/>
+              </a:fontRef>
+            </p:style>
+            <p:txBody>
+              <a:bodyPr rtlCol="0" anchor="ctr"/>
+              <a:lstStyle/>
+              <a:p>
+                <a:pPr algn="ctr"/>
+                <a:endParaRPr lang="en-US"/>
+              </a:p>
+            </p:txBody>
+          </p:sp>
+        </p:grpSp>
+        <p:grpSp>
+          <p:nvGrpSpPr>
+            <p:cNvPr id="12" name="Group 11">
+              <a:extLst>
+                <a:ext uri="{FF2B5EF4-FFF2-40B4-BE49-F238E27FC236}">
+                  <a16:creationId xmlns:a16="http://schemas.microsoft.com/office/drawing/2014/main" xmlns="" id="{FEEBD2A2-AF43-4336-938F-31146D6C7E92}"/>
+                </a:ext>
+              </a:extLst>
+            </p:cNvPr>
+            <p:cNvGrpSpPr/>
+            <p:nvPr/>
+          </p:nvGrpSpPr>
+          <p:grpSpPr>
+            <a:xfrm>
+              <a:off x="3252298" y="2586569"/>
+              <a:ext cx="701863" cy="362466"/>
+              <a:chOff x="1878227" y="3146853"/>
+              <a:chExt cx="701863" cy="362466"/>
+            </a:xfrm>
+          </p:grpSpPr>
+          <p:sp>
+            <p:nvSpPr>
+              <p:cNvPr id="13" name="Rectangle 12">
+                <a:extLst>
+                  <a:ext uri="{FF2B5EF4-FFF2-40B4-BE49-F238E27FC236}">
+                    <a16:creationId xmlns:a16="http://schemas.microsoft.com/office/drawing/2014/main" xmlns="" id="{0B2B89C1-A27C-4733-88CE-CB2BF7801892}"/>
+                  </a:ext>
+                </a:extLst>
+              </p:cNvPr>
+              <p:cNvSpPr/>
+              <p:nvPr/>
+            </p:nvSpPr>
+            <p:spPr>
+              <a:xfrm>
+                <a:off x="1878227" y="3146854"/>
+                <a:ext cx="345989" cy="362465"/>
+              </a:xfrm>
+              <a:prstGeom prst="rect">
+                <a:avLst/>
+              </a:prstGeom>
+              <a:noFill/>
+            </p:spPr>
+            <p:style>
+              <a:lnRef idx="2">
+                <a:schemeClr val="accent1">
+                  <a:shade val="50000"/>
+                </a:schemeClr>
+              </a:lnRef>
+              <a:fillRef idx="1">
+                <a:schemeClr val="accent1"/>
+              </a:fillRef>
+              <a:effectRef idx="0">
+                <a:schemeClr val="accent1"/>
+              </a:effectRef>
+              <a:fontRef idx="minor">
+                <a:schemeClr val="lt1"/>
+              </a:fontRef>
+            </p:style>
+            <p:txBody>
+              <a:bodyPr rtlCol="0" anchor="ctr"/>
+              <a:lstStyle/>
+              <a:p>
+                <a:pPr algn="ctr"/>
+                <a:r>
+                  <a:rPr lang="en-US" dirty="0">
+                    <a:solidFill>
+                      <a:schemeClr val="tx1"/>
+                    </a:solidFill>
+                  </a:rPr>
+                  <a:t>3</a:t>
+                </a:r>
+              </a:p>
+            </p:txBody>
+          </p:sp>
+          <p:sp>
+            <p:nvSpPr>
+              <p:cNvPr id="14" name="Rectangle 13">
+                <a:extLst>
+                  <a:ext uri="{FF2B5EF4-FFF2-40B4-BE49-F238E27FC236}">
+                    <a16:creationId xmlns:a16="http://schemas.microsoft.com/office/drawing/2014/main" xmlns="" id="{673043A4-78D5-4DE2-A20A-0B3B0B8937D3}"/>
+                  </a:ext>
+                </a:extLst>
+              </p:cNvPr>
+              <p:cNvSpPr/>
+              <p:nvPr/>
+            </p:nvSpPr>
+            <p:spPr>
+              <a:xfrm>
+                <a:off x="2234101" y="3146853"/>
+                <a:ext cx="345989" cy="362465"/>
+              </a:xfrm>
+              <a:prstGeom prst="rect">
+                <a:avLst/>
+              </a:prstGeom>
+              <a:noFill/>
+            </p:spPr>
+            <p:style>
+              <a:lnRef idx="2">
+                <a:schemeClr val="accent1">
+                  <a:shade val="50000"/>
+                </a:schemeClr>
+              </a:lnRef>
+              <a:fillRef idx="1">
+                <a:schemeClr val="accent1"/>
+              </a:fillRef>
+              <a:effectRef idx="0">
+                <a:schemeClr val="accent1"/>
+              </a:effectRef>
+              <a:fontRef idx="minor">
+                <a:schemeClr val="lt1"/>
+              </a:fontRef>
+            </p:style>
+            <p:txBody>
+              <a:bodyPr rtlCol="0" anchor="ctr"/>
+              <a:lstStyle/>
+              <a:p>
+                <a:pPr algn="ctr"/>
+                <a:endParaRPr lang="en-US"/>
+              </a:p>
+            </p:txBody>
+          </p:sp>
+        </p:grpSp>
+        <p:grpSp>
+          <p:nvGrpSpPr>
+            <p:cNvPr id="15" name="Group 14">
+              <a:extLst>
+                <a:ext uri="{FF2B5EF4-FFF2-40B4-BE49-F238E27FC236}">
+                  <a16:creationId xmlns:a16="http://schemas.microsoft.com/office/drawing/2014/main" xmlns="" id="{A080BFE1-A1E1-48D4-8983-5033F49574DE}"/>
+                </a:ext>
+              </a:extLst>
+            </p:cNvPr>
+            <p:cNvGrpSpPr/>
+            <p:nvPr/>
+          </p:nvGrpSpPr>
+          <p:grpSpPr>
+            <a:xfrm>
+              <a:off x="4515159" y="2586569"/>
+              <a:ext cx="701863" cy="362466"/>
+              <a:chOff x="1878227" y="3146853"/>
+              <a:chExt cx="701863" cy="362466"/>
+            </a:xfrm>
+          </p:grpSpPr>
+          <p:sp>
+            <p:nvSpPr>
+              <p:cNvPr id="16" name="Rectangle 15">
+                <a:extLst>
+                  <a:ext uri="{FF2B5EF4-FFF2-40B4-BE49-F238E27FC236}">
+                    <a16:creationId xmlns:a16="http://schemas.microsoft.com/office/drawing/2014/main" xmlns="" id="{466EED0F-7B93-4425-AFF6-C3B6683008EC}"/>
+                  </a:ext>
+                </a:extLst>
+              </p:cNvPr>
+              <p:cNvSpPr/>
+              <p:nvPr/>
+            </p:nvSpPr>
+            <p:spPr>
+              <a:xfrm>
+                <a:off x="1878227" y="3146854"/>
+                <a:ext cx="345989" cy="362465"/>
+              </a:xfrm>
+              <a:prstGeom prst="rect">
+                <a:avLst/>
+              </a:prstGeom>
+              <a:noFill/>
+            </p:spPr>
+            <p:style>
+              <a:lnRef idx="2">
+                <a:schemeClr val="accent1">
+                  <a:shade val="50000"/>
+                </a:schemeClr>
+              </a:lnRef>
+              <a:fillRef idx="1">
+                <a:schemeClr val="accent1"/>
+              </a:fillRef>
+              <a:effectRef idx="0">
+                <a:schemeClr val="accent1"/>
+              </a:effectRef>
+              <a:fontRef idx="minor">
+                <a:schemeClr val="lt1"/>
+              </a:fontRef>
+            </p:style>
+            <p:txBody>
+              <a:bodyPr rtlCol="0" anchor="ctr"/>
+              <a:lstStyle/>
+              <a:p>
+                <a:pPr algn="ctr"/>
+                <a:r>
+                  <a:rPr lang="en-US" dirty="0">
+                    <a:solidFill>
+                      <a:schemeClr val="tx1"/>
+                    </a:solidFill>
+                  </a:rPr>
+                  <a:t>9</a:t>
+                </a:r>
+              </a:p>
+            </p:txBody>
+          </p:sp>
+          <p:sp>
+            <p:nvSpPr>
+              <p:cNvPr id="17" name="Rectangle 16">
+                <a:extLst>
+                  <a:ext uri="{FF2B5EF4-FFF2-40B4-BE49-F238E27FC236}">
+                    <a16:creationId xmlns:a16="http://schemas.microsoft.com/office/drawing/2014/main" xmlns="" id="{20F83FFA-674A-44B7-80CC-5AEE964D7B97}"/>
+                  </a:ext>
+                </a:extLst>
+              </p:cNvPr>
+              <p:cNvSpPr/>
+              <p:nvPr/>
+            </p:nvSpPr>
+            <p:spPr>
+              <a:xfrm>
+                <a:off x="2234101" y="3146853"/>
+                <a:ext cx="345989" cy="362465"/>
+              </a:xfrm>
+              <a:prstGeom prst="rect">
+                <a:avLst/>
+              </a:prstGeom>
+              <a:noFill/>
+            </p:spPr>
+            <p:style>
+              <a:lnRef idx="2">
+                <a:schemeClr val="accent1">
+                  <a:shade val="50000"/>
+                </a:schemeClr>
+              </a:lnRef>
+              <a:fillRef idx="1">
+                <a:schemeClr val="accent1"/>
+              </a:fillRef>
+              <a:effectRef idx="0">
+                <a:schemeClr val="accent1"/>
+              </a:effectRef>
+              <a:fontRef idx="minor">
+                <a:schemeClr val="lt1"/>
+              </a:fontRef>
+            </p:style>
+            <p:txBody>
+              <a:bodyPr rtlCol="0" anchor="ctr"/>
+              <a:lstStyle/>
+              <a:p>
+                <a:pPr algn="ctr"/>
+                <a:endParaRPr lang="en-US"/>
+              </a:p>
+            </p:txBody>
+          </p:sp>
+        </p:grpSp>
+        <p:cxnSp>
+          <p:nvCxnSpPr>
+            <p:cNvPr id="19" name="Straight Arrow Connector 18">
+              <a:extLst>
+                <a:ext uri="{FF2B5EF4-FFF2-40B4-BE49-F238E27FC236}">
+                  <a16:creationId xmlns:a16="http://schemas.microsoft.com/office/drawing/2014/main" xmlns="" id="{7E5564BB-368E-43FE-8772-1BD71185EFBB}"/>
+                </a:ext>
+              </a:extLst>
+            </p:cNvPr>
+            <p:cNvCxnSpPr>
+              <a:endCxn id="13" idx="1"/>
+            </p:cNvCxnSpPr>
+            <p:nvPr/>
+          </p:nvCxnSpPr>
+          <p:spPr>
+            <a:xfrm>
+              <a:off x="2523247" y="2767801"/>
+              <a:ext cx="729051" cy="2"/>
+            </a:xfrm>
+            <a:prstGeom prst="straightConnector1">
+              <a:avLst/>
+            </a:prstGeom>
+            <a:ln>
+              <a:tailEnd type="triangle"/>
+            </a:ln>
+          </p:spPr>
+          <p:style>
+            <a:lnRef idx="1">
+              <a:schemeClr val="dk1"/>
+            </a:lnRef>
+            <a:fillRef idx="0">
+              <a:schemeClr val="dk1"/>
+            </a:fillRef>
+            <a:effectRef idx="0">
+              <a:schemeClr val="dk1"/>
+            </a:effectRef>
+            <a:fontRef idx="minor">
+              <a:schemeClr val="tx1"/>
+            </a:fontRef>
+          </p:style>
+        </p:cxnSp>
+        <p:cxnSp>
+          <p:nvCxnSpPr>
+            <p:cNvPr id="20" name="Straight Arrow Connector 19">
+              <a:extLst>
+                <a:ext uri="{FF2B5EF4-FFF2-40B4-BE49-F238E27FC236}">
+                  <a16:creationId xmlns:a16="http://schemas.microsoft.com/office/drawing/2014/main" xmlns="" id="{5D0116EC-7E94-4185-B805-FF2A5361C3A6}"/>
+                </a:ext>
+              </a:extLst>
+            </p:cNvPr>
+            <p:cNvCxnSpPr/>
+            <p:nvPr/>
+          </p:nvCxnSpPr>
+          <p:spPr>
+            <a:xfrm>
+              <a:off x="3781165" y="2767801"/>
+              <a:ext cx="729051" cy="2"/>
+            </a:xfrm>
+            <a:prstGeom prst="straightConnector1">
+              <a:avLst/>
+            </a:prstGeom>
+            <a:ln>
+              <a:tailEnd type="triangle"/>
+            </a:ln>
+          </p:spPr>
+          <p:style>
+            <a:lnRef idx="1">
+              <a:schemeClr val="dk1"/>
+            </a:lnRef>
+            <a:fillRef idx="0">
+              <a:schemeClr val="dk1"/>
+            </a:fillRef>
+            <a:effectRef idx="0">
+              <a:schemeClr val="dk1"/>
+            </a:effectRef>
+            <a:fontRef idx="minor">
+              <a:schemeClr val="tx1"/>
+            </a:fontRef>
+          </p:style>
+        </p:cxnSp>
+      </p:grpSp>
+      <p:grpSp>
+        <p:nvGrpSpPr>
+          <p:cNvPr id="96" name="Group 95">
+            <a:extLst>
+              <a:ext uri="{FF2B5EF4-FFF2-40B4-BE49-F238E27FC236}">
+                <a16:creationId xmlns:a16="http://schemas.microsoft.com/office/drawing/2014/main" xmlns="" id="{33077EE5-602E-4DF7-91BB-8C10DE60C814}"/>
+              </a:ext>
+            </a:extLst>
+          </p:cNvPr>
+          <p:cNvGrpSpPr/>
+          <p:nvPr/>
+        </p:nvGrpSpPr>
+        <p:grpSpPr>
+          <a:xfrm>
+            <a:off x="2252294" y="2447565"/>
+            <a:ext cx="2396389" cy="269534"/>
+            <a:chOff x="1994379" y="2586569"/>
+            <a:chExt cx="3222643" cy="362467"/>
+          </a:xfrm>
+        </p:grpSpPr>
+        <p:grpSp>
+          <p:nvGrpSpPr>
+            <p:cNvPr id="97" name="Group 96">
+              <a:extLst>
+                <a:ext uri="{FF2B5EF4-FFF2-40B4-BE49-F238E27FC236}">
+                  <a16:creationId xmlns:a16="http://schemas.microsoft.com/office/drawing/2014/main" xmlns="" id="{AF40EBF6-D1D2-4B93-B87F-CF6964917246}"/>
+                </a:ext>
+              </a:extLst>
+            </p:cNvPr>
+            <p:cNvGrpSpPr/>
+            <p:nvPr/>
+          </p:nvGrpSpPr>
+          <p:grpSpPr>
+            <a:xfrm>
+              <a:off x="1994379" y="2586570"/>
+              <a:ext cx="701863" cy="362466"/>
+              <a:chOff x="1878227" y="3146853"/>
+              <a:chExt cx="701863" cy="362466"/>
+            </a:xfrm>
+          </p:grpSpPr>
+          <p:sp>
+            <p:nvSpPr>
+              <p:cNvPr id="106" name="Rectangle 105">
+                <a:extLst>
+                  <a:ext uri="{FF2B5EF4-FFF2-40B4-BE49-F238E27FC236}">
+                    <a16:creationId xmlns:a16="http://schemas.microsoft.com/office/drawing/2014/main" xmlns="" id="{97F742E4-05A7-4AEF-800E-F82284CD5F81}"/>
+                  </a:ext>
+                </a:extLst>
+              </p:cNvPr>
+              <p:cNvSpPr/>
+              <p:nvPr/>
+            </p:nvSpPr>
+            <p:spPr>
+              <a:xfrm>
+                <a:off x="1878227" y="3146854"/>
+                <a:ext cx="345989" cy="362465"/>
+              </a:xfrm>
+              <a:prstGeom prst="rect">
+                <a:avLst/>
+              </a:prstGeom>
+              <a:noFill/>
+            </p:spPr>
+            <p:style>
+              <a:lnRef idx="2">
+                <a:schemeClr val="accent1">
+                  <a:shade val="50000"/>
+                </a:schemeClr>
+              </a:lnRef>
+              <a:fillRef idx="1">
+                <a:schemeClr val="accent1"/>
+              </a:fillRef>
+              <a:effectRef idx="0">
+                <a:schemeClr val="accent1"/>
+              </a:effectRef>
+              <a:fontRef idx="minor">
+                <a:schemeClr val="lt1"/>
+              </a:fontRef>
+            </p:style>
+            <p:txBody>
+              <a:bodyPr rtlCol="0" anchor="ctr"/>
+              <a:lstStyle/>
+              <a:p>
+                <a:pPr algn="ctr"/>
+                <a:r>
+                  <a:rPr lang="en-US" dirty="0">
+                    <a:solidFill>
+                      <a:schemeClr val="tx1"/>
+                    </a:solidFill>
+                  </a:rPr>
+                  <a:t>1</a:t>
+                </a:r>
+              </a:p>
+            </p:txBody>
+          </p:sp>
+          <p:sp>
+            <p:nvSpPr>
+              <p:cNvPr id="107" name="Rectangle 106">
+                <a:extLst>
+                  <a:ext uri="{FF2B5EF4-FFF2-40B4-BE49-F238E27FC236}">
+                    <a16:creationId xmlns:a16="http://schemas.microsoft.com/office/drawing/2014/main" xmlns="" id="{9A1F995A-E209-4BB1-9CD7-8F3A4A5EEEFA}"/>
+                  </a:ext>
+                </a:extLst>
+              </p:cNvPr>
+              <p:cNvSpPr/>
+              <p:nvPr/>
+            </p:nvSpPr>
+            <p:spPr>
+              <a:xfrm>
+                <a:off x="2234101" y="3146853"/>
+                <a:ext cx="345989" cy="362465"/>
+              </a:xfrm>
+              <a:prstGeom prst="rect">
+                <a:avLst/>
+              </a:prstGeom>
+              <a:noFill/>
+            </p:spPr>
+            <p:style>
+              <a:lnRef idx="2">
+                <a:schemeClr val="accent1">
+                  <a:shade val="50000"/>
+                </a:schemeClr>
+              </a:lnRef>
+              <a:fillRef idx="1">
+                <a:schemeClr val="accent1"/>
+              </a:fillRef>
+              <a:effectRef idx="0">
+                <a:schemeClr val="accent1"/>
+              </a:effectRef>
+              <a:fontRef idx="minor">
+                <a:schemeClr val="lt1"/>
+              </a:fontRef>
+            </p:style>
+            <p:txBody>
+              <a:bodyPr rtlCol="0" anchor="ctr"/>
+              <a:lstStyle/>
+              <a:p>
+                <a:pPr algn="ctr"/>
+                <a:endParaRPr lang="en-US"/>
+              </a:p>
+            </p:txBody>
+          </p:sp>
+        </p:grpSp>
+        <p:grpSp>
+          <p:nvGrpSpPr>
+            <p:cNvPr id="98" name="Group 97">
+              <a:extLst>
+                <a:ext uri="{FF2B5EF4-FFF2-40B4-BE49-F238E27FC236}">
+                  <a16:creationId xmlns:a16="http://schemas.microsoft.com/office/drawing/2014/main" xmlns="" id="{B8EB1D06-0BC5-480A-88FE-72D312C2DE02}"/>
+                </a:ext>
+              </a:extLst>
+            </p:cNvPr>
+            <p:cNvGrpSpPr/>
+            <p:nvPr/>
+          </p:nvGrpSpPr>
+          <p:grpSpPr>
+            <a:xfrm>
+              <a:off x="3252298" y="2586569"/>
+              <a:ext cx="701863" cy="362466"/>
+              <a:chOff x="1878227" y="3146853"/>
+              <a:chExt cx="701863" cy="362466"/>
+            </a:xfrm>
+          </p:grpSpPr>
+          <p:sp>
+            <p:nvSpPr>
+              <p:cNvPr id="104" name="Rectangle 103">
+                <a:extLst>
+                  <a:ext uri="{FF2B5EF4-FFF2-40B4-BE49-F238E27FC236}">
+                    <a16:creationId xmlns:a16="http://schemas.microsoft.com/office/drawing/2014/main" xmlns="" id="{A5855BA2-6A89-4A87-A55A-CBCDA41C7726}"/>
+                  </a:ext>
+                </a:extLst>
+              </p:cNvPr>
+              <p:cNvSpPr/>
+              <p:nvPr/>
+            </p:nvSpPr>
+            <p:spPr>
+              <a:xfrm>
+                <a:off x="1878227" y="3146854"/>
+                <a:ext cx="345989" cy="362465"/>
+              </a:xfrm>
+              <a:prstGeom prst="rect">
+                <a:avLst/>
+              </a:prstGeom>
+              <a:noFill/>
+            </p:spPr>
+            <p:style>
+              <a:lnRef idx="2">
+                <a:schemeClr val="accent1">
+                  <a:shade val="50000"/>
+                </a:schemeClr>
+              </a:lnRef>
+              <a:fillRef idx="1">
+                <a:schemeClr val="accent1"/>
+              </a:fillRef>
+              <a:effectRef idx="0">
+                <a:schemeClr val="accent1"/>
+              </a:effectRef>
+              <a:fontRef idx="minor">
+                <a:schemeClr val="lt1"/>
+              </a:fontRef>
+            </p:style>
+            <p:txBody>
+              <a:bodyPr rtlCol="0" anchor="ctr"/>
+              <a:lstStyle/>
+              <a:p>
+                <a:pPr algn="ctr"/>
+                <a:r>
+                  <a:rPr lang="en-US" dirty="0">
+                    <a:solidFill>
+                      <a:schemeClr val="tx1"/>
+                    </a:solidFill>
+                  </a:rPr>
+                  <a:t>3</a:t>
+                </a:r>
+              </a:p>
+            </p:txBody>
+          </p:sp>
+          <p:sp>
+            <p:nvSpPr>
+              <p:cNvPr id="105" name="Rectangle 104">
+                <a:extLst>
+                  <a:ext uri="{FF2B5EF4-FFF2-40B4-BE49-F238E27FC236}">
+                    <a16:creationId xmlns:a16="http://schemas.microsoft.com/office/drawing/2014/main" xmlns="" id="{379BB0CB-3857-4BC9-AB85-6C90D0E4984F}"/>
+                  </a:ext>
+                </a:extLst>
+              </p:cNvPr>
+              <p:cNvSpPr/>
+              <p:nvPr/>
+            </p:nvSpPr>
+            <p:spPr>
+              <a:xfrm>
+                <a:off x="2234101" y="3146853"/>
+                <a:ext cx="345989" cy="362465"/>
+              </a:xfrm>
+              <a:prstGeom prst="rect">
+                <a:avLst/>
+              </a:prstGeom>
+              <a:noFill/>
+            </p:spPr>
+            <p:style>
+              <a:lnRef idx="2">
+                <a:schemeClr val="accent1">
+                  <a:shade val="50000"/>
+                </a:schemeClr>
+              </a:lnRef>
+              <a:fillRef idx="1">
+                <a:schemeClr val="accent1"/>
+              </a:fillRef>
+              <a:effectRef idx="0">
+                <a:schemeClr val="accent1"/>
+              </a:effectRef>
+              <a:fontRef idx="minor">
+                <a:schemeClr val="lt1"/>
+              </a:fontRef>
+            </p:style>
+            <p:txBody>
+              <a:bodyPr rtlCol="0" anchor="ctr"/>
+              <a:lstStyle/>
+              <a:p>
+                <a:pPr algn="ctr"/>
+                <a:endParaRPr lang="en-US"/>
+              </a:p>
+            </p:txBody>
+          </p:sp>
+        </p:grpSp>
+        <p:grpSp>
+          <p:nvGrpSpPr>
+            <p:cNvPr id="99" name="Group 98">
+              <a:extLst>
+                <a:ext uri="{FF2B5EF4-FFF2-40B4-BE49-F238E27FC236}">
+                  <a16:creationId xmlns:a16="http://schemas.microsoft.com/office/drawing/2014/main" xmlns="" id="{3BA98A1A-96F6-42E4-8B8C-8FADF571E369}"/>
+                </a:ext>
+              </a:extLst>
+            </p:cNvPr>
+            <p:cNvGrpSpPr/>
+            <p:nvPr/>
+          </p:nvGrpSpPr>
+          <p:grpSpPr>
+            <a:xfrm>
+              <a:off x="4515159" y="2586569"/>
+              <a:ext cx="701863" cy="362466"/>
+              <a:chOff x="1878227" y="3146853"/>
+              <a:chExt cx="701863" cy="362466"/>
+            </a:xfrm>
+          </p:grpSpPr>
+          <p:sp>
+            <p:nvSpPr>
+              <p:cNvPr id="102" name="Rectangle 101">
+                <a:extLst>
+                  <a:ext uri="{FF2B5EF4-FFF2-40B4-BE49-F238E27FC236}">
+                    <a16:creationId xmlns:a16="http://schemas.microsoft.com/office/drawing/2014/main" xmlns="" id="{6FDFABC0-B6E1-4542-85E4-93230F4025C9}"/>
+                  </a:ext>
+                </a:extLst>
+              </p:cNvPr>
+              <p:cNvSpPr/>
+              <p:nvPr/>
+            </p:nvSpPr>
+            <p:spPr>
+              <a:xfrm>
+                <a:off x="1878227" y="3146854"/>
+                <a:ext cx="345989" cy="362465"/>
+              </a:xfrm>
+              <a:prstGeom prst="rect">
+                <a:avLst/>
+              </a:prstGeom>
+              <a:noFill/>
+            </p:spPr>
+            <p:style>
+              <a:lnRef idx="2">
+                <a:schemeClr val="accent1">
+                  <a:shade val="50000"/>
+                </a:schemeClr>
+              </a:lnRef>
+              <a:fillRef idx="1">
+                <a:schemeClr val="accent1"/>
+              </a:fillRef>
+              <a:effectRef idx="0">
+                <a:schemeClr val="accent1"/>
+              </a:effectRef>
+              <a:fontRef idx="minor">
+                <a:schemeClr val="lt1"/>
+              </a:fontRef>
+            </p:style>
+            <p:txBody>
+              <a:bodyPr rtlCol="0" anchor="ctr"/>
+              <a:lstStyle/>
+              <a:p>
+                <a:pPr algn="ctr"/>
+                <a:r>
+                  <a:rPr lang="en-US" dirty="0">
+                    <a:solidFill>
+                      <a:schemeClr val="tx1"/>
+                    </a:solidFill>
+                  </a:rPr>
+                  <a:t>9</a:t>
+                </a:r>
+              </a:p>
+            </p:txBody>
+          </p:sp>
+          <p:sp>
+            <p:nvSpPr>
+              <p:cNvPr id="103" name="Rectangle 102">
+                <a:extLst>
+                  <a:ext uri="{FF2B5EF4-FFF2-40B4-BE49-F238E27FC236}">
+                    <a16:creationId xmlns:a16="http://schemas.microsoft.com/office/drawing/2014/main" xmlns="" id="{45E3145C-FFC5-4DDA-BE0B-B19F8A6D6FF0}"/>
+                  </a:ext>
+                </a:extLst>
+              </p:cNvPr>
+              <p:cNvSpPr/>
+              <p:nvPr/>
+            </p:nvSpPr>
+            <p:spPr>
+              <a:xfrm>
+                <a:off x="2234101" y="3146853"/>
+                <a:ext cx="345989" cy="362465"/>
+              </a:xfrm>
+              <a:prstGeom prst="rect">
+                <a:avLst/>
+              </a:prstGeom>
+              <a:noFill/>
+            </p:spPr>
+            <p:style>
+              <a:lnRef idx="2">
+                <a:schemeClr val="accent1">
+                  <a:shade val="50000"/>
+                </a:schemeClr>
+              </a:lnRef>
+              <a:fillRef idx="1">
+                <a:schemeClr val="accent1"/>
+              </a:fillRef>
+              <a:effectRef idx="0">
+                <a:schemeClr val="accent1"/>
+              </a:effectRef>
+              <a:fontRef idx="minor">
+                <a:schemeClr val="lt1"/>
+              </a:fontRef>
+            </p:style>
+            <p:txBody>
+              <a:bodyPr rtlCol="0" anchor="ctr"/>
+              <a:lstStyle/>
+              <a:p>
+                <a:pPr algn="ctr"/>
+                <a:endParaRPr lang="en-US"/>
+              </a:p>
+            </p:txBody>
+          </p:sp>
+        </p:grpSp>
+        <p:cxnSp>
+          <p:nvCxnSpPr>
+            <p:cNvPr id="100" name="Straight Arrow Connector 99">
+              <a:extLst>
+                <a:ext uri="{FF2B5EF4-FFF2-40B4-BE49-F238E27FC236}">
+                  <a16:creationId xmlns:a16="http://schemas.microsoft.com/office/drawing/2014/main" xmlns="" id="{BA4C33B5-E556-4B9E-AC02-3D95F58DD8FF}"/>
+                </a:ext>
+              </a:extLst>
+            </p:cNvPr>
+            <p:cNvCxnSpPr>
+              <a:endCxn id="104" idx="1"/>
+            </p:cNvCxnSpPr>
+            <p:nvPr/>
+          </p:nvCxnSpPr>
+          <p:spPr>
+            <a:xfrm>
+              <a:off x="2523247" y="2767801"/>
+              <a:ext cx="729051" cy="2"/>
+            </a:xfrm>
+            <a:prstGeom prst="straightConnector1">
+              <a:avLst/>
+            </a:prstGeom>
+            <a:ln>
+              <a:tailEnd type="triangle"/>
+            </a:ln>
+          </p:spPr>
+          <p:style>
+            <a:lnRef idx="1">
+              <a:schemeClr val="dk1"/>
+            </a:lnRef>
+            <a:fillRef idx="0">
+              <a:schemeClr val="dk1"/>
+            </a:fillRef>
+            <a:effectRef idx="0">
+              <a:schemeClr val="dk1"/>
+            </a:effectRef>
+            <a:fontRef idx="minor">
+              <a:schemeClr val="tx1"/>
+            </a:fontRef>
+          </p:style>
+        </p:cxnSp>
+        <p:cxnSp>
+          <p:nvCxnSpPr>
+            <p:cNvPr id="101" name="Straight Arrow Connector 100">
+              <a:extLst>
+                <a:ext uri="{FF2B5EF4-FFF2-40B4-BE49-F238E27FC236}">
+                  <a16:creationId xmlns:a16="http://schemas.microsoft.com/office/drawing/2014/main" xmlns="" id="{63708739-DC04-4C09-B8B8-D35A0A6CD55A}"/>
+                </a:ext>
+              </a:extLst>
+            </p:cNvPr>
+            <p:cNvCxnSpPr/>
+            <p:nvPr/>
+          </p:nvCxnSpPr>
+          <p:spPr>
+            <a:xfrm>
+              <a:off x="3781165" y="2767801"/>
+              <a:ext cx="729051" cy="2"/>
+            </a:xfrm>
+            <a:prstGeom prst="straightConnector1">
+              <a:avLst/>
+            </a:prstGeom>
+            <a:ln>
+              <a:tailEnd type="triangle"/>
+            </a:ln>
+          </p:spPr>
+          <p:style>
+            <a:lnRef idx="1">
+              <a:schemeClr val="dk1"/>
+            </a:lnRef>
+            <a:fillRef idx="0">
+              <a:schemeClr val="dk1"/>
+            </a:fillRef>
+            <a:effectRef idx="0">
+              <a:schemeClr val="dk1"/>
+            </a:effectRef>
+            <a:fontRef idx="minor">
+              <a:schemeClr val="tx1"/>
+            </a:fontRef>
+          </p:style>
+        </p:cxnSp>
+      </p:grpSp>
+      <p:grpSp>
+        <p:nvGrpSpPr>
+          <p:cNvPr id="113" name="Group 112">
+            <a:extLst>
+              <a:ext uri="{FF2B5EF4-FFF2-40B4-BE49-F238E27FC236}">
+                <a16:creationId xmlns:a16="http://schemas.microsoft.com/office/drawing/2014/main" xmlns="" id="{74F667CF-6AAF-4C64-AB87-E0347058CB7B}"/>
+              </a:ext>
+            </a:extLst>
+          </p:cNvPr>
+          <p:cNvGrpSpPr/>
+          <p:nvPr/>
+        </p:nvGrpSpPr>
+        <p:grpSpPr>
+          <a:xfrm>
+            <a:off x="2252294" y="4440523"/>
+            <a:ext cx="2396389" cy="269534"/>
+            <a:chOff x="1994379" y="2586569"/>
+            <a:chExt cx="3222643" cy="362467"/>
+          </a:xfrm>
+        </p:grpSpPr>
+        <p:grpSp>
+          <p:nvGrpSpPr>
+            <p:cNvPr id="114" name="Group 113">
+              <a:extLst>
+                <a:ext uri="{FF2B5EF4-FFF2-40B4-BE49-F238E27FC236}">
+                  <a16:creationId xmlns:a16="http://schemas.microsoft.com/office/drawing/2014/main" xmlns="" id="{DD972CC0-1A7F-4B44-B19D-FBAE1599DE7D}"/>
+                </a:ext>
+              </a:extLst>
+            </p:cNvPr>
+            <p:cNvGrpSpPr/>
+            <p:nvPr/>
+          </p:nvGrpSpPr>
+          <p:grpSpPr>
+            <a:xfrm>
+              <a:off x="1994379" y="2586570"/>
+              <a:ext cx="701863" cy="362466"/>
+              <a:chOff x="1878227" y="3146853"/>
+              <a:chExt cx="701863" cy="362466"/>
+            </a:xfrm>
+          </p:grpSpPr>
+          <p:sp>
+            <p:nvSpPr>
+              <p:cNvPr id="123" name="Rectangle 122">
+                <a:extLst>
+                  <a:ext uri="{FF2B5EF4-FFF2-40B4-BE49-F238E27FC236}">
+                    <a16:creationId xmlns:a16="http://schemas.microsoft.com/office/drawing/2014/main" xmlns="" id="{9DF8E8D0-1B5F-4CC7-979A-C28B6E1B6E8D}"/>
+                  </a:ext>
+                </a:extLst>
+              </p:cNvPr>
+              <p:cNvSpPr/>
+              <p:nvPr/>
+            </p:nvSpPr>
+            <p:spPr>
+              <a:xfrm>
+                <a:off x="1878227" y="3146854"/>
+                <a:ext cx="345989" cy="362465"/>
+              </a:xfrm>
+              <a:prstGeom prst="rect">
+                <a:avLst/>
+              </a:prstGeom>
+              <a:noFill/>
+            </p:spPr>
+            <p:style>
+              <a:lnRef idx="2">
+                <a:schemeClr val="accent1">
+                  <a:shade val="50000"/>
+                </a:schemeClr>
+              </a:lnRef>
+              <a:fillRef idx="1">
+                <a:schemeClr val="accent1"/>
+              </a:fillRef>
+              <a:effectRef idx="0">
+                <a:schemeClr val="accent1"/>
+              </a:effectRef>
+              <a:fontRef idx="minor">
+                <a:schemeClr val="lt1"/>
+              </a:fontRef>
+            </p:style>
+            <p:txBody>
+              <a:bodyPr rtlCol="0" anchor="ctr"/>
+              <a:lstStyle/>
+              <a:p>
+                <a:pPr algn="ctr"/>
+                <a:r>
+                  <a:rPr lang="en-US" dirty="0">
+                    <a:solidFill>
+                      <a:schemeClr val="tx1"/>
+                    </a:solidFill>
+                  </a:rPr>
+                  <a:t>1</a:t>
+                </a:r>
+              </a:p>
+            </p:txBody>
+          </p:sp>
+          <p:sp>
+            <p:nvSpPr>
+              <p:cNvPr id="124" name="Rectangle 123">
+                <a:extLst>
+                  <a:ext uri="{FF2B5EF4-FFF2-40B4-BE49-F238E27FC236}">
+                    <a16:creationId xmlns:a16="http://schemas.microsoft.com/office/drawing/2014/main" xmlns="" id="{B59DC05D-183E-40CB-89DB-724F28B5583B}"/>
+                  </a:ext>
+                </a:extLst>
+              </p:cNvPr>
+              <p:cNvSpPr/>
+              <p:nvPr/>
+            </p:nvSpPr>
+            <p:spPr>
+              <a:xfrm>
+                <a:off x="2234101" y="3146853"/>
+                <a:ext cx="345989" cy="362465"/>
+              </a:xfrm>
+              <a:prstGeom prst="rect">
+                <a:avLst/>
+              </a:prstGeom>
+              <a:noFill/>
+            </p:spPr>
+            <p:style>
+              <a:lnRef idx="2">
+                <a:schemeClr val="accent1">
+                  <a:shade val="50000"/>
+                </a:schemeClr>
+              </a:lnRef>
+              <a:fillRef idx="1">
+                <a:schemeClr val="accent1"/>
+              </a:fillRef>
+              <a:effectRef idx="0">
+                <a:schemeClr val="accent1"/>
+              </a:effectRef>
+              <a:fontRef idx="minor">
+                <a:schemeClr val="lt1"/>
+              </a:fontRef>
+            </p:style>
+            <p:txBody>
+              <a:bodyPr rtlCol="0" anchor="ctr"/>
+              <a:lstStyle/>
+              <a:p>
+                <a:pPr algn="ctr"/>
+                <a:endParaRPr lang="en-US"/>
+              </a:p>
+            </p:txBody>
+          </p:sp>
+        </p:grpSp>
+        <p:grpSp>
+          <p:nvGrpSpPr>
+            <p:cNvPr id="115" name="Group 114">
+              <a:extLst>
+                <a:ext uri="{FF2B5EF4-FFF2-40B4-BE49-F238E27FC236}">
+                  <a16:creationId xmlns:a16="http://schemas.microsoft.com/office/drawing/2014/main" xmlns="" id="{77612000-FC2D-4FC2-80F8-84242A62DEE0}"/>
+                </a:ext>
+              </a:extLst>
+            </p:cNvPr>
+            <p:cNvGrpSpPr/>
+            <p:nvPr/>
+          </p:nvGrpSpPr>
+          <p:grpSpPr>
+            <a:xfrm>
+              <a:off x="3252298" y="2586569"/>
+              <a:ext cx="701863" cy="362466"/>
+              <a:chOff x="1878227" y="3146853"/>
+              <a:chExt cx="701863" cy="362466"/>
+            </a:xfrm>
+          </p:grpSpPr>
+          <p:sp>
+            <p:nvSpPr>
+              <p:cNvPr id="121" name="Rectangle 120">
+                <a:extLst>
+                  <a:ext uri="{FF2B5EF4-FFF2-40B4-BE49-F238E27FC236}">
+                    <a16:creationId xmlns:a16="http://schemas.microsoft.com/office/drawing/2014/main" xmlns="" id="{E8CFEDE7-2091-486A-8AC5-E85436105060}"/>
+                  </a:ext>
+                </a:extLst>
+              </p:cNvPr>
+              <p:cNvSpPr/>
+              <p:nvPr/>
+            </p:nvSpPr>
+            <p:spPr>
+              <a:xfrm>
+                <a:off x="1878227" y="3146854"/>
+                <a:ext cx="345989" cy="362465"/>
+              </a:xfrm>
+              <a:prstGeom prst="rect">
+                <a:avLst/>
+              </a:prstGeom>
+              <a:noFill/>
+            </p:spPr>
+            <p:style>
+              <a:lnRef idx="2">
+                <a:schemeClr val="accent1">
+                  <a:shade val="50000"/>
+                </a:schemeClr>
+              </a:lnRef>
+              <a:fillRef idx="1">
+                <a:schemeClr val="accent1"/>
+              </a:fillRef>
+              <a:effectRef idx="0">
+                <a:schemeClr val="accent1"/>
+              </a:effectRef>
+              <a:fontRef idx="minor">
+                <a:schemeClr val="lt1"/>
+              </a:fontRef>
+            </p:style>
+            <p:txBody>
+              <a:bodyPr rtlCol="0" anchor="ctr"/>
+              <a:lstStyle/>
+              <a:p>
+                <a:pPr algn="ctr"/>
+                <a:r>
+                  <a:rPr lang="en-US" dirty="0">
+                    <a:solidFill>
+                      <a:schemeClr val="tx1"/>
+                    </a:solidFill>
+                  </a:rPr>
+                  <a:t>3</a:t>
+                </a:r>
+              </a:p>
+            </p:txBody>
+          </p:sp>
+          <p:sp>
+            <p:nvSpPr>
+              <p:cNvPr id="122" name="Rectangle 121">
+                <a:extLst>
+                  <a:ext uri="{FF2B5EF4-FFF2-40B4-BE49-F238E27FC236}">
+                    <a16:creationId xmlns:a16="http://schemas.microsoft.com/office/drawing/2014/main" xmlns="" id="{1ED6C618-83E9-450C-AD89-60233E2C5AF1}"/>
+                  </a:ext>
+                </a:extLst>
+              </p:cNvPr>
+              <p:cNvSpPr/>
+              <p:nvPr/>
+            </p:nvSpPr>
+            <p:spPr>
+              <a:xfrm>
+                <a:off x="2234101" y="3146853"/>
+                <a:ext cx="345989" cy="362465"/>
+              </a:xfrm>
+              <a:prstGeom prst="rect">
+                <a:avLst/>
+              </a:prstGeom>
+              <a:noFill/>
+            </p:spPr>
+            <p:style>
+              <a:lnRef idx="2">
+                <a:schemeClr val="accent1">
+                  <a:shade val="50000"/>
+                </a:schemeClr>
+              </a:lnRef>
+              <a:fillRef idx="1">
+                <a:schemeClr val="accent1"/>
+              </a:fillRef>
+              <a:effectRef idx="0">
+                <a:schemeClr val="accent1"/>
+              </a:effectRef>
+              <a:fontRef idx="minor">
+                <a:schemeClr val="lt1"/>
+              </a:fontRef>
+            </p:style>
+            <p:txBody>
+              <a:bodyPr rtlCol="0" anchor="ctr"/>
+              <a:lstStyle/>
+              <a:p>
+                <a:pPr algn="ctr"/>
+                <a:endParaRPr lang="en-US"/>
+              </a:p>
+            </p:txBody>
+          </p:sp>
+        </p:grpSp>
+        <p:grpSp>
+          <p:nvGrpSpPr>
+            <p:cNvPr id="116" name="Group 115">
+              <a:extLst>
+                <a:ext uri="{FF2B5EF4-FFF2-40B4-BE49-F238E27FC236}">
+                  <a16:creationId xmlns:a16="http://schemas.microsoft.com/office/drawing/2014/main" xmlns="" id="{ED55EB20-1FE7-4997-9E0A-447462D52923}"/>
+                </a:ext>
+              </a:extLst>
+            </p:cNvPr>
+            <p:cNvGrpSpPr/>
+            <p:nvPr/>
+          </p:nvGrpSpPr>
+          <p:grpSpPr>
+            <a:xfrm>
+              <a:off x="4515159" y="2586569"/>
+              <a:ext cx="701863" cy="362466"/>
+              <a:chOff x="1878227" y="3146853"/>
+              <a:chExt cx="701863" cy="362466"/>
+            </a:xfrm>
+          </p:grpSpPr>
+          <p:sp>
+            <p:nvSpPr>
+              <p:cNvPr id="119" name="Rectangle 118">
+                <a:extLst>
+                  <a:ext uri="{FF2B5EF4-FFF2-40B4-BE49-F238E27FC236}">
+                    <a16:creationId xmlns:a16="http://schemas.microsoft.com/office/drawing/2014/main" xmlns="" id="{D2429BBE-DFD2-4F81-B2ED-0FE7AEE8CD5F}"/>
+                  </a:ext>
+                </a:extLst>
+              </p:cNvPr>
+              <p:cNvSpPr/>
+              <p:nvPr/>
+            </p:nvSpPr>
+            <p:spPr>
+              <a:xfrm>
+                <a:off x="1878227" y="3146854"/>
+                <a:ext cx="345989" cy="362465"/>
+              </a:xfrm>
+              <a:prstGeom prst="rect">
+                <a:avLst/>
+              </a:prstGeom>
+              <a:noFill/>
+            </p:spPr>
+            <p:style>
+              <a:lnRef idx="2">
+                <a:schemeClr val="accent1">
+                  <a:shade val="50000"/>
+                </a:schemeClr>
+              </a:lnRef>
+              <a:fillRef idx="1">
+                <a:schemeClr val="accent1"/>
+              </a:fillRef>
+              <a:effectRef idx="0">
+                <a:schemeClr val="accent1"/>
+              </a:effectRef>
+              <a:fontRef idx="minor">
+                <a:schemeClr val="lt1"/>
+              </a:fontRef>
+            </p:style>
+            <p:txBody>
+              <a:bodyPr rtlCol="0" anchor="ctr"/>
+              <a:lstStyle/>
+              <a:p>
+                <a:pPr algn="ctr"/>
+                <a:r>
+                  <a:rPr lang="en-US" dirty="0">
+                    <a:solidFill>
+                      <a:schemeClr val="tx1"/>
+                    </a:solidFill>
+                  </a:rPr>
+                  <a:t>9</a:t>
+                </a:r>
+              </a:p>
+            </p:txBody>
+          </p:sp>
+          <p:sp>
+            <p:nvSpPr>
+              <p:cNvPr id="120" name="Rectangle 119">
+                <a:extLst>
+                  <a:ext uri="{FF2B5EF4-FFF2-40B4-BE49-F238E27FC236}">
+                    <a16:creationId xmlns:a16="http://schemas.microsoft.com/office/drawing/2014/main" xmlns="" id="{74ED8FD1-A951-44FD-A635-1B56789AEB43}"/>
+                  </a:ext>
+                </a:extLst>
+              </p:cNvPr>
+              <p:cNvSpPr/>
+              <p:nvPr/>
+            </p:nvSpPr>
+            <p:spPr>
+              <a:xfrm>
+                <a:off x="2234101" y="3146853"/>
+                <a:ext cx="345989" cy="362465"/>
+              </a:xfrm>
+              <a:prstGeom prst="rect">
+                <a:avLst/>
+              </a:prstGeom>
+              <a:noFill/>
+            </p:spPr>
+            <p:style>
+              <a:lnRef idx="2">
+                <a:schemeClr val="accent1">
+                  <a:shade val="50000"/>
+                </a:schemeClr>
+              </a:lnRef>
+              <a:fillRef idx="1">
+                <a:schemeClr val="accent1"/>
+              </a:fillRef>
+              <a:effectRef idx="0">
+                <a:schemeClr val="accent1"/>
+              </a:effectRef>
+              <a:fontRef idx="minor">
+                <a:schemeClr val="lt1"/>
+              </a:fontRef>
+            </p:style>
+            <p:txBody>
+              <a:bodyPr rtlCol="0" anchor="ctr"/>
+              <a:lstStyle/>
+              <a:p>
+                <a:pPr algn="ctr"/>
+                <a:endParaRPr lang="en-US"/>
+              </a:p>
+            </p:txBody>
+          </p:sp>
+        </p:grpSp>
+        <p:cxnSp>
+          <p:nvCxnSpPr>
+            <p:cNvPr id="117" name="Straight Arrow Connector 116">
+              <a:extLst>
+                <a:ext uri="{FF2B5EF4-FFF2-40B4-BE49-F238E27FC236}">
+                  <a16:creationId xmlns:a16="http://schemas.microsoft.com/office/drawing/2014/main" xmlns="" id="{90A4287B-90BB-49AD-97F9-59F85973B6A3}"/>
+                </a:ext>
+              </a:extLst>
+            </p:cNvPr>
+            <p:cNvCxnSpPr>
+              <a:endCxn id="121" idx="1"/>
+            </p:cNvCxnSpPr>
+            <p:nvPr/>
+          </p:nvCxnSpPr>
+          <p:spPr>
+            <a:xfrm>
+              <a:off x="2523247" y="2767801"/>
+              <a:ext cx="729051" cy="2"/>
+            </a:xfrm>
+            <a:prstGeom prst="straightConnector1">
+              <a:avLst/>
+            </a:prstGeom>
+            <a:ln>
+              <a:tailEnd type="triangle"/>
+            </a:ln>
+          </p:spPr>
+          <p:style>
+            <a:lnRef idx="1">
+              <a:schemeClr val="dk1"/>
+            </a:lnRef>
+            <a:fillRef idx="0">
+              <a:schemeClr val="dk1"/>
+            </a:fillRef>
+            <a:effectRef idx="0">
+              <a:schemeClr val="dk1"/>
+            </a:effectRef>
+            <a:fontRef idx="minor">
+              <a:schemeClr val="tx1"/>
+            </a:fontRef>
+          </p:style>
+        </p:cxnSp>
+        <p:cxnSp>
+          <p:nvCxnSpPr>
+            <p:cNvPr id="118" name="Straight Arrow Connector 117">
+              <a:extLst>
+                <a:ext uri="{FF2B5EF4-FFF2-40B4-BE49-F238E27FC236}">
+                  <a16:creationId xmlns:a16="http://schemas.microsoft.com/office/drawing/2014/main" xmlns="" id="{1079EBF8-ECA6-4B8B-8B0B-C94F03EA8108}"/>
+                </a:ext>
+              </a:extLst>
+            </p:cNvPr>
+            <p:cNvCxnSpPr/>
+            <p:nvPr/>
+          </p:nvCxnSpPr>
+          <p:spPr>
+            <a:xfrm>
+              <a:off x="3781165" y="2767801"/>
+              <a:ext cx="729051" cy="2"/>
+            </a:xfrm>
+            <a:prstGeom prst="straightConnector1">
+              <a:avLst/>
+            </a:prstGeom>
+            <a:ln>
+              <a:tailEnd type="triangle"/>
+            </a:ln>
+          </p:spPr>
+          <p:style>
+            <a:lnRef idx="1">
+              <a:schemeClr val="dk1"/>
+            </a:lnRef>
+            <a:fillRef idx="0">
+              <a:schemeClr val="dk1"/>
+            </a:fillRef>
+            <a:effectRef idx="0">
+              <a:schemeClr val="dk1"/>
+            </a:effectRef>
+            <a:fontRef idx="minor">
+              <a:schemeClr val="tx1"/>
+            </a:fontRef>
+          </p:style>
+        </p:cxnSp>
+      </p:grpSp>
+      <p:grpSp>
+        <p:nvGrpSpPr>
+          <p:cNvPr id="140" name="Group 139">
+            <a:extLst>
+              <a:ext uri="{FF2B5EF4-FFF2-40B4-BE49-F238E27FC236}">
+                <a16:creationId xmlns:a16="http://schemas.microsoft.com/office/drawing/2014/main" xmlns="" id="{92B6E02E-C222-490B-9223-2C8001E29F36}"/>
+              </a:ext>
+            </a:extLst>
+          </p:cNvPr>
+          <p:cNvGrpSpPr/>
+          <p:nvPr/>
+        </p:nvGrpSpPr>
+        <p:grpSpPr>
+          <a:xfrm>
+            <a:off x="2251092" y="5423091"/>
+            <a:ext cx="3335465" cy="269534"/>
+            <a:chOff x="2130240" y="5791068"/>
+            <a:chExt cx="3335465" cy="269534"/>
+          </a:xfrm>
+        </p:grpSpPr>
+        <p:grpSp>
+          <p:nvGrpSpPr>
+            <p:cNvPr id="125" name="Group 124">
+              <a:extLst>
+                <a:ext uri="{FF2B5EF4-FFF2-40B4-BE49-F238E27FC236}">
+                  <a16:creationId xmlns:a16="http://schemas.microsoft.com/office/drawing/2014/main" xmlns="" id="{217796F6-7D15-41D4-B126-938C558EA41A}"/>
+                </a:ext>
+              </a:extLst>
+            </p:cNvPr>
+            <p:cNvGrpSpPr/>
+            <p:nvPr/>
+          </p:nvGrpSpPr>
+          <p:grpSpPr>
+            <a:xfrm>
+              <a:off x="2130240" y="5791068"/>
+              <a:ext cx="2396389" cy="269534"/>
+              <a:chOff x="1994379" y="2586569"/>
+              <a:chExt cx="3222643" cy="362467"/>
+            </a:xfrm>
+          </p:grpSpPr>
+          <p:grpSp>
+            <p:nvGrpSpPr>
+              <p:cNvPr id="126" name="Group 125">
+                <a:extLst>
+                  <a:ext uri="{FF2B5EF4-FFF2-40B4-BE49-F238E27FC236}">
+                    <a16:creationId xmlns:a16="http://schemas.microsoft.com/office/drawing/2014/main" xmlns="" id="{17E6CA74-3868-43C4-8B06-509FBD3242F2}"/>
+                  </a:ext>
+                </a:extLst>
+              </p:cNvPr>
+              <p:cNvGrpSpPr/>
+              <p:nvPr/>
+            </p:nvGrpSpPr>
+            <p:grpSpPr>
+              <a:xfrm>
+                <a:off x="1994379" y="2586570"/>
+                <a:ext cx="701863" cy="362466"/>
+                <a:chOff x="1878227" y="3146853"/>
+                <a:chExt cx="701863" cy="362466"/>
+              </a:xfrm>
+            </p:grpSpPr>
+            <p:sp>
+              <p:nvSpPr>
+                <p:cNvPr id="135" name="Rectangle 134">
+                  <a:extLst>
+                    <a:ext uri="{FF2B5EF4-FFF2-40B4-BE49-F238E27FC236}">
+                      <a16:creationId xmlns:a16="http://schemas.microsoft.com/office/drawing/2014/main" xmlns="" id="{097B85AB-0622-4EF0-B236-0F89E1E74E75}"/>
+                    </a:ext>
+                  </a:extLst>
+                </p:cNvPr>
+                <p:cNvSpPr/>
+                <p:nvPr/>
+              </p:nvSpPr>
+              <p:spPr>
+                <a:xfrm>
+                  <a:off x="1878227" y="3146854"/>
+                  <a:ext cx="345989" cy="362465"/>
+                </a:xfrm>
+                <a:prstGeom prst="rect">
+                  <a:avLst/>
+                </a:prstGeom>
+                <a:noFill/>
+              </p:spPr>
+              <p:style>
+                <a:lnRef idx="2">
+                  <a:schemeClr val="accent1">
+                    <a:shade val="50000"/>
+                  </a:schemeClr>
+                </a:lnRef>
+                <a:fillRef idx="1">
+                  <a:schemeClr val="accent1"/>
+                </a:fillRef>
+                <a:effectRef idx="0">
+                  <a:schemeClr val="accent1"/>
+                </a:effectRef>
+                <a:fontRef idx="minor">
+                  <a:schemeClr val="lt1"/>
+                </a:fontRef>
+              </p:style>
+              <p:txBody>
+                <a:bodyPr rtlCol="0" anchor="ctr"/>
+                <a:lstStyle/>
+                <a:p>
+                  <a:pPr algn="ctr"/>
+                  <a:r>
+                    <a:rPr lang="en-US" dirty="0">
+                      <a:solidFill>
+                        <a:schemeClr val="tx1"/>
+                      </a:solidFill>
+                    </a:rPr>
+                    <a:t>1</a:t>
+                  </a:r>
+                </a:p>
+              </p:txBody>
+            </p:sp>
+            <p:sp>
+              <p:nvSpPr>
+                <p:cNvPr id="136" name="Rectangle 135">
+                  <a:extLst>
+                    <a:ext uri="{FF2B5EF4-FFF2-40B4-BE49-F238E27FC236}">
+                      <a16:creationId xmlns:a16="http://schemas.microsoft.com/office/drawing/2014/main" xmlns="" id="{CF49791D-EDC6-42B2-B3CA-83E68A7008BD}"/>
+                    </a:ext>
+                  </a:extLst>
+                </p:cNvPr>
+                <p:cNvSpPr/>
+                <p:nvPr/>
+              </p:nvSpPr>
+              <p:spPr>
+                <a:xfrm>
+                  <a:off x="2234101" y="3146853"/>
+                  <a:ext cx="345989" cy="362465"/>
+                </a:xfrm>
+                <a:prstGeom prst="rect">
+                  <a:avLst/>
+                </a:prstGeom>
+                <a:noFill/>
+              </p:spPr>
+              <p:style>
+                <a:lnRef idx="2">
+                  <a:schemeClr val="accent1">
+                    <a:shade val="50000"/>
+                  </a:schemeClr>
+                </a:lnRef>
+                <a:fillRef idx="1">
+                  <a:schemeClr val="accent1"/>
+                </a:fillRef>
+                <a:effectRef idx="0">
+                  <a:schemeClr val="accent1"/>
+                </a:effectRef>
+                <a:fontRef idx="minor">
+                  <a:schemeClr val="lt1"/>
+                </a:fontRef>
+              </p:style>
+              <p:txBody>
+                <a:bodyPr rtlCol="0" anchor="ctr"/>
+                <a:lstStyle/>
+                <a:p>
+                  <a:pPr algn="ctr"/>
+                  <a:endParaRPr lang="en-US"/>
+                </a:p>
+              </p:txBody>
+            </p:sp>
+          </p:grpSp>
+          <p:grpSp>
+            <p:nvGrpSpPr>
+              <p:cNvPr id="127" name="Group 126">
+                <a:extLst>
+                  <a:ext uri="{FF2B5EF4-FFF2-40B4-BE49-F238E27FC236}">
+                    <a16:creationId xmlns:a16="http://schemas.microsoft.com/office/drawing/2014/main" xmlns="" id="{5F021932-C10A-4696-8968-99E71E0A0EF1}"/>
+                  </a:ext>
+                </a:extLst>
+              </p:cNvPr>
+              <p:cNvGrpSpPr/>
+              <p:nvPr/>
+            </p:nvGrpSpPr>
+            <p:grpSpPr>
+              <a:xfrm>
+                <a:off x="3252298" y="2586569"/>
+                <a:ext cx="701863" cy="362466"/>
+                <a:chOff x="1878227" y="3146853"/>
+                <a:chExt cx="701863" cy="362466"/>
+              </a:xfrm>
+            </p:grpSpPr>
+            <p:sp>
+              <p:nvSpPr>
+                <p:cNvPr id="133" name="Rectangle 132">
+                  <a:extLst>
+                    <a:ext uri="{FF2B5EF4-FFF2-40B4-BE49-F238E27FC236}">
+                      <a16:creationId xmlns:a16="http://schemas.microsoft.com/office/drawing/2014/main" xmlns="" id="{A1F9CC9C-FFB3-4E1B-BCA4-AEB280FA5287}"/>
+                    </a:ext>
+                  </a:extLst>
+                </p:cNvPr>
+                <p:cNvSpPr/>
+                <p:nvPr/>
+              </p:nvSpPr>
+              <p:spPr>
+                <a:xfrm>
+                  <a:off x="1878227" y="3146854"/>
+                  <a:ext cx="345989" cy="362465"/>
+                </a:xfrm>
+                <a:prstGeom prst="rect">
+                  <a:avLst/>
+                </a:prstGeom>
+                <a:noFill/>
+              </p:spPr>
+              <p:style>
+                <a:lnRef idx="2">
+                  <a:schemeClr val="accent1">
+                    <a:shade val="50000"/>
+                  </a:schemeClr>
+                </a:lnRef>
+                <a:fillRef idx="1">
+                  <a:schemeClr val="accent1"/>
+                </a:fillRef>
+                <a:effectRef idx="0">
+                  <a:schemeClr val="accent1"/>
+                </a:effectRef>
+                <a:fontRef idx="minor">
+                  <a:schemeClr val="lt1"/>
+                </a:fontRef>
+              </p:style>
+              <p:txBody>
+                <a:bodyPr rtlCol="0" anchor="ctr"/>
+                <a:lstStyle/>
+                <a:p>
+                  <a:pPr algn="ctr"/>
+                  <a:r>
+                    <a:rPr lang="en-US" dirty="0">
+                      <a:solidFill>
+                        <a:schemeClr val="tx1"/>
+                      </a:solidFill>
+                    </a:rPr>
+                    <a:t>3</a:t>
+                  </a:r>
+                </a:p>
+              </p:txBody>
+            </p:sp>
+            <p:sp>
+              <p:nvSpPr>
+                <p:cNvPr id="134" name="Rectangle 133">
+                  <a:extLst>
+                    <a:ext uri="{FF2B5EF4-FFF2-40B4-BE49-F238E27FC236}">
+                      <a16:creationId xmlns:a16="http://schemas.microsoft.com/office/drawing/2014/main" xmlns="" id="{5E9237F7-C0AD-4D37-A8AC-3B8E625F7418}"/>
+                    </a:ext>
+                  </a:extLst>
+                </p:cNvPr>
+                <p:cNvSpPr/>
+                <p:nvPr/>
+              </p:nvSpPr>
+              <p:spPr>
+                <a:xfrm>
+                  <a:off x="2234101" y="3146853"/>
+                  <a:ext cx="345989" cy="362465"/>
+                </a:xfrm>
+                <a:prstGeom prst="rect">
+                  <a:avLst/>
+                </a:prstGeom>
+                <a:noFill/>
+              </p:spPr>
+              <p:style>
+                <a:lnRef idx="2">
+                  <a:schemeClr val="accent1">
+                    <a:shade val="50000"/>
+                  </a:schemeClr>
+                </a:lnRef>
+                <a:fillRef idx="1">
+                  <a:schemeClr val="accent1"/>
+                </a:fillRef>
+                <a:effectRef idx="0">
+                  <a:schemeClr val="accent1"/>
+                </a:effectRef>
+                <a:fontRef idx="minor">
+                  <a:schemeClr val="lt1"/>
+                </a:fontRef>
+              </p:style>
+              <p:txBody>
+                <a:bodyPr rtlCol="0" anchor="ctr"/>
+                <a:lstStyle/>
+                <a:p>
+                  <a:pPr algn="ctr"/>
+                  <a:endParaRPr lang="en-US"/>
+                </a:p>
+              </p:txBody>
+            </p:sp>
+          </p:grpSp>
+          <p:grpSp>
+            <p:nvGrpSpPr>
+              <p:cNvPr id="128" name="Group 127">
+                <a:extLst>
+                  <a:ext uri="{FF2B5EF4-FFF2-40B4-BE49-F238E27FC236}">
+                    <a16:creationId xmlns:a16="http://schemas.microsoft.com/office/drawing/2014/main" xmlns="" id="{9E42CC88-4255-4A18-9338-DD6F605460D0}"/>
+                  </a:ext>
+                </a:extLst>
+              </p:cNvPr>
+              <p:cNvGrpSpPr/>
+              <p:nvPr/>
+            </p:nvGrpSpPr>
+            <p:grpSpPr>
+              <a:xfrm>
+                <a:off x="4515159" y="2586569"/>
+                <a:ext cx="701863" cy="362466"/>
+                <a:chOff x="1878227" y="3146853"/>
+                <a:chExt cx="701863" cy="362466"/>
+              </a:xfrm>
+            </p:grpSpPr>
+            <p:sp>
+              <p:nvSpPr>
+                <p:cNvPr id="131" name="Rectangle 130">
+                  <a:extLst>
+                    <a:ext uri="{FF2B5EF4-FFF2-40B4-BE49-F238E27FC236}">
+                      <a16:creationId xmlns:a16="http://schemas.microsoft.com/office/drawing/2014/main" xmlns="" id="{3773590C-1133-4733-B812-56E18E59E3CF}"/>
+                    </a:ext>
+                  </a:extLst>
+                </p:cNvPr>
+                <p:cNvSpPr/>
+                <p:nvPr/>
+              </p:nvSpPr>
+              <p:spPr>
+                <a:xfrm>
+                  <a:off x="1878227" y="3146854"/>
+                  <a:ext cx="345989" cy="362465"/>
+                </a:xfrm>
+                <a:prstGeom prst="rect">
+                  <a:avLst/>
+                </a:prstGeom>
+                <a:noFill/>
+              </p:spPr>
+              <p:style>
+                <a:lnRef idx="2">
+                  <a:schemeClr val="accent1">
+                    <a:shade val="50000"/>
+                  </a:schemeClr>
+                </a:lnRef>
+                <a:fillRef idx="1">
+                  <a:schemeClr val="accent1"/>
+                </a:fillRef>
+                <a:effectRef idx="0">
+                  <a:schemeClr val="accent1"/>
+                </a:effectRef>
+                <a:fontRef idx="minor">
+                  <a:schemeClr val="lt1"/>
+                </a:fontRef>
+              </p:style>
+              <p:txBody>
+                <a:bodyPr rtlCol="0" anchor="ctr"/>
+                <a:lstStyle/>
+                <a:p>
+                  <a:pPr algn="ctr"/>
+                  <a:r>
+                    <a:rPr lang="en-US" dirty="0">
+                      <a:solidFill>
+                        <a:schemeClr val="tx1"/>
+                      </a:solidFill>
+                    </a:rPr>
+                    <a:t>8</a:t>
+                  </a:r>
+                </a:p>
+              </p:txBody>
+            </p:sp>
+            <p:sp>
+              <p:nvSpPr>
+                <p:cNvPr id="132" name="Rectangle 131">
+                  <a:extLst>
+                    <a:ext uri="{FF2B5EF4-FFF2-40B4-BE49-F238E27FC236}">
+                      <a16:creationId xmlns:a16="http://schemas.microsoft.com/office/drawing/2014/main" xmlns="" id="{FBD8A684-24B1-4BC1-B2DB-1A043A959A11}"/>
+                    </a:ext>
+                  </a:extLst>
+                </p:cNvPr>
+                <p:cNvSpPr/>
+                <p:nvPr/>
+              </p:nvSpPr>
+              <p:spPr>
+                <a:xfrm>
+                  <a:off x="2234101" y="3146853"/>
+                  <a:ext cx="345989" cy="362465"/>
+                </a:xfrm>
+                <a:prstGeom prst="rect">
+                  <a:avLst/>
+                </a:prstGeom>
+                <a:noFill/>
+              </p:spPr>
+              <p:style>
+                <a:lnRef idx="2">
+                  <a:schemeClr val="accent1">
+                    <a:shade val="50000"/>
+                  </a:schemeClr>
+                </a:lnRef>
+                <a:fillRef idx="1">
+                  <a:schemeClr val="accent1"/>
+                </a:fillRef>
+                <a:effectRef idx="0">
+                  <a:schemeClr val="accent1"/>
+                </a:effectRef>
+                <a:fontRef idx="minor">
+                  <a:schemeClr val="lt1"/>
+                </a:fontRef>
+              </p:style>
+              <p:txBody>
+                <a:bodyPr rtlCol="0" anchor="ctr"/>
+                <a:lstStyle/>
+                <a:p>
+                  <a:pPr algn="ctr"/>
+                  <a:endParaRPr lang="en-US"/>
+                </a:p>
+              </p:txBody>
+            </p:sp>
+          </p:grpSp>
+          <p:cxnSp>
+            <p:nvCxnSpPr>
+              <p:cNvPr id="129" name="Straight Arrow Connector 128">
+                <a:extLst>
+                  <a:ext uri="{FF2B5EF4-FFF2-40B4-BE49-F238E27FC236}">
+                    <a16:creationId xmlns:a16="http://schemas.microsoft.com/office/drawing/2014/main" xmlns="" id="{8697F6FA-5600-4B03-BF38-4622A9AD28FC}"/>
+                  </a:ext>
+                </a:extLst>
+              </p:cNvPr>
+              <p:cNvCxnSpPr>
+                <a:endCxn id="133" idx="1"/>
+              </p:cNvCxnSpPr>
+              <p:nvPr/>
+            </p:nvCxnSpPr>
+            <p:spPr>
+              <a:xfrm>
+                <a:off x="2523247" y="2767801"/>
+                <a:ext cx="729051" cy="2"/>
+              </a:xfrm>
+              <a:prstGeom prst="straightConnector1">
+                <a:avLst/>
+              </a:prstGeom>
+              <a:ln>
+                <a:tailEnd type="triangle"/>
+              </a:ln>
+            </p:spPr>
+            <p:style>
+              <a:lnRef idx="1">
+                <a:schemeClr val="dk1"/>
+              </a:lnRef>
+              <a:fillRef idx="0">
+                <a:schemeClr val="dk1"/>
+              </a:fillRef>
+              <a:effectRef idx="0">
+                <a:schemeClr val="dk1"/>
+              </a:effectRef>
+              <a:fontRef idx="minor">
+                <a:schemeClr val="tx1"/>
+              </a:fontRef>
+            </p:style>
+          </p:cxnSp>
+          <p:cxnSp>
+            <p:nvCxnSpPr>
+              <p:cNvPr id="130" name="Straight Arrow Connector 129">
+                <a:extLst>
+                  <a:ext uri="{FF2B5EF4-FFF2-40B4-BE49-F238E27FC236}">
+                    <a16:creationId xmlns:a16="http://schemas.microsoft.com/office/drawing/2014/main" xmlns="" id="{ECEDC528-6C0B-4E27-91D0-4D39BA2A7EA9}"/>
+                  </a:ext>
+                </a:extLst>
+              </p:cNvPr>
+              <p:cNvCxnSpPr/>
+              <p:nvPr/>
+            </p:nvCxnSpPr>
+            <p:spPr>
+              <a:xfrm>
+                <a:off x="3781165" y="2767801"/>
+                <a:ext cx="729051" cy="2"/>
+              </a:xfrm>
+              <a:prstGeom prst="straightConnector1">
+                <a:avLst/>
+              </a:prstGeom>
+              <a:ln>
+                <a:tailEnd type="triangle"/>
+              </a:ln>
+            </p:spPr>
+            <p:style>
+              <a:lnRef idx="1">
+                <a:schemeClr val="dk1"/>
+              </a:lnRef>
+              <a:fillRef idx="0">
+                <a:schemeClr val="dk1"/>
+              </a:fillRef>
+              <a:effectRef idx="0">
+                <a:schemeClr val="dk1"/>
+              </a:effectRef>
+              <a:fontRef idx="minor">
+                <a:schemeClr val="tx1"/>
+              </a:fontRef>
+            </p:style>
+          </p:cxnSp>
+        </p:grpSp>
+        <p:sp>
+          <p:nvSpPr>
+            <p:cNvPr id="137" name="Rectangle 136">
+              <a:extLst>
+                <a:ext uri="{FF2B5EF4-FFF2-40B4-BE49-F238E27FC236}">
+                  <a16:creationId xmlns:a16="http://schemas.microsoft.com/office/drawing/2014/main" xmlns="" id="{CC0FE069-189B-4EB4-BC31-9CC22F1E7A05}"/>
+                </a:ext>
+              </a:extLst>
+            </p:cNvPr>
+            <p:cNvSpPr/>
+            <p:nvPr/>
+          </p:nvSpPr>
+          <p:spPr>
+            <a:xfrm>
+              <a:off x="4943793" y="5791069"/>
+              <a:ext cx="257281" cy="269532"/>
+            </a:xfrm>
+            <a:prstGeom prst="rect">
+              <a:avLst/>
+            </a:prstGeom>
+            <a:noFill/>
+          </p:spPr>
+          <p:style>
+            <a:lnRef idx="2">
+              <a:schemeClr val="accent1">
+                <a:shade val="50000"/>
+              </a:schemeClr>
+            </a:lnRef>
+            <a:fillRef idx="1">
+              <a:schemeClr val="accent1"/>
+            </a:fillRef>
+            <a:effectRef idx="0">
+              <a:schemeClr val="accent1"/>
+            </a:effectRef>
+            <a:fontRef idx="minor">
+              <a:schemeClr val="lt1"/>
+            </a:fontRef>
+          </p:style>
+          <p:txBody>
+            <a:bodyPr rtlCol="0" anchor="ctr"/>
+            <a:lstStyle/>
+            <a:p>
+              <a:pPr algn="ctr"/>
+              <a:r>
+                <a:rPr lang="en-US" dirty="0">
+                  <a:solidFill>
+                    <a:schemeClr val="tx1"/>
+                  </a:solidFill>
+                </a:rPr>
+                <a:t>9</a:t>
+              </a:r>
+            </a:p>
+          </p:txBody>
+        </p:sp>
+        <p:sp>
+          <p:nvSpPr>
+            <p:cNvPr id="138" name="Rectangle 137">
+              <a:extLst>
+                <a:ext uri="{FF2B5EF4-FFF2-40B4-BE49-F238E27FC236}">
+                  <a16:creationId xmlns:a16="http://schemas.microsoft.com/office/drawing/2014/main" xmlns="" id="{D01ECDFF-1717-48DE-B906-CB41F4B37807}"/>
+                </a:ext>
+              </a:extLst>
+            </p:cNvPr>
+            <p:cNvSpPr/>
+            <p:nvPr/>
+          </p:nvSpPr>
+          <p:spPr>
+            <a:xfrm>
+              <a:off x="5208424" y="5791068"/>
+              <a:ext cx="257281" cy="269532"/>
+            </a:xfrm>
+            <a:prstGeom prst="rect">
+              <a:avLst/>
+            </a:prstGeom>
+            <a:noFill/>
+          </p:spPr>
+          <p:style>
+            <a:lnRef idx="2">
+              <a:schemeClr val="accent1">
+                <a:shade val="50000"/>
+              </a:schemeClr>
+            </a:lnRef>
+            <a:fillRef idx="1">
+              <a:schemeClr val="accent1"/>
+            </a:fillRef>
+            <a:effectRef idx="0">
+              <a:schemeClr val="accent1"/>
+            </a:effectRef>
+            <a:fontRef idx="minor">
+              <a:schemeClr val="lt1"/>
+            </a:fontRef>
+          </p:style>
+          <p:txBody>
+            <a:bodyPr rtlCol="0" anchor="ctr"/>
+            <a:lstStyle/>
+            <a:p>
+              <a:pPr algn="ctr"/>
+              <a:endParaRPr lang="en-US"/>
+            </a:p>
+          </p:txBody>
+        </p:sp>
+        <p:cxnSp>
+          <p:nvCxnSpPr>
+            <p:cNvPr id="139" name="Straight Arrow Connector 138">
+              <a:extLst>
+                <a:ext uri="{FF2B5EF4-FFF2-40B4-BE49-F238E27FC236}">
+                  <a16:creationId xmlns:a16="http://schemas.microsoft.com/office/drawing/2014/main" xmlns="" id="{96CE3917-5E25-4504-84A0-F48B0FD29376}"/>
+                </a:ext>
+              </a:extLst>
+            </p:cNvPr>
+            <p:cNvCxnSpPr/>
+            <p:nvPr/>
+          </p:nvCxnSpPr>
+          <p:spPr>
+            <a:xfrm>
+              <a:off x="4401664" y="5928782"/>
+              <a:ext cx="542129" cy="1"/>
+            </a:xfrm>
+            <a:prstGeom prst="straightConnector1">
+              <a:avLst/>
+            </a:prstGeom>
+            <a:ln>
+              <a:tailEnd type="triangle"/>
+            </a:ln>
+          </p:spPr>
+          <p:style>
+            <a:lnRef idx="1">
+              <a:schemeClr val="dk1"/>
+            </a:lnRef>
+            <a:fillRef idx="0">
+              <a:schemeClr val="dk1"/>
+            </a:fillRef>
+            <a:effectRef idx="0">
+              <a:schemeClr val="dk1"/>
+            </a:effectRef>
+            <a:fontRef idx="minor">
+              <a:schemeClr val="tx1"/>
+            </a:fontRef>
+          </p:style>
+        </p:cxnSp>
+      </p:grpSp>
+      <p:grpSp>
+        <p:nvGrpSpPr>
+          <p:cNvPr id="232" name="Group 231"/>
+          <p:cNvGrpSpPr/>
+          <p:nvPr/>
+        </p:nvGrpSpPr>
+        <p:grpSpPr>
+          <a:xfrm>
+            <a:off x="1543023" y="2721475"/>
+            <a:ext cx="362178" cy="669718"/>
+            <a:chOff x="2451941" y="2709819"/>
+            <a:chExt cx="362178" cy="669718"/>
+          </a:xfrm>
+        </p:grpSpPr>
+        <p:sp>
+          <p:nvSpPr>
+            <p:cNvPr id="89" name="Rectangle 88">
+              <a:extLst>
+                <a:ext uri="{FF2B5EF4-FFF2-40B4-BE49-F238E27FC236}">
+                  <a16:creationId xmlns:a16="http://schemas.microsoft.com/office/drawing/2014/main" xmlns="" id="{23D50B6A-3A29-4DF7-8843-5E8F1D535D2B}"/>
+                </a:ext>
+              </a:extLst>
+            </p:cNvPr>
+            <p:cNvSpPr/>
+            <p:nvPr/>
+          </p:nvSpPr>
+          <p:spPr>
+            <a:xfrm>
+              <a:off x="2503071" y="2863784"/>
+              <a:ext cx="257281" cy="269532"/>
+            </a:xfrm>
+            <a:prstGeom prst="rect">
+              <a:avLst/>
+            </a:prstGeom>
+            <a:noFill/>
+          </p:spPr>
+          <p:style>
+            <a:lnRef idx="2">
+              <a:schemeClr val="accent1">
+                <a:shade val="50000"/>
+              </a:schemeClr>
+            </a:lnRef>
+            <a:fillRef idx="1">
+              <a:schemeClr val="accent1"/>
+            </a:fillRef>
+            <a:effectRef idx="0">
+              <a:schemeClr val="accent1"/>
+            </a:effectRef>
+            <a:fontRef idx="minor">
+              <a:schemeClr val="lt1"/>
+            </a:fontRef>
+          </p:style>
+          <p:txBody>
+            <a:bodyPr rtlCol="0" anchor="ctr"/>
+            <a:lstStyle/>
+            <a:p>
+              <a:pPr algn="ctr"/>
+              <a:endParaRPr lang="en-US" dirty="0">
+                <a:solidFill>
+                  <a:schemeClr val="tx1"/>
+                </a:solidFill>
+              </a:endParaRPr>
+            </a:p>
+          </p:txBody>
+        </p:sp>
+        <p:sp>
+          <p:nvSpPr>
+            <p:cNvPr id="90" name="TextBox 89">
+              <a:extLst>
+                <a:ext uri="{FF2B5EF4-FFF2-40B4-BE49-F238E27FC236}">
+                  <a16:creationId xmlns:a16="http://schemas.microsoft.com/office/drawing/2014/main" xmlns="" id="{D07A2DDA-E2D1-443F-B0A1-5B956BD413B3}"/>
+                </a:ext>
+              </a:extLst>
+            </p:cNvPr>
+            <p:cNvSpPr txBox="1"/>
+            <p:nvPr/>
+          </p:nvSpPr>
+          <p:spPr>
+            <a:xfrm>
+              <a:off x="2451941" y="3133316"/>
+              <a:ext cx="362178" cy="246221"/>
+            </a:xfrm>
+            <a:prstGeom prst="rect">
+              <a:avLst/>
+            </a:prstGeom>
+            <a:noFill/>
+          </p:spPr>
+          <p:txBody>
+            <a:bodyPr wrap="square" rtlCol="0">
+              <a:spAutoFit/>
+            </a:bodyPr>
+            <a:lstStyle/>
+            <a:p>
+              <a:pPr algn="ctr"/>
+              <a:r>
+                <a:rPr lang="en-US" sz="1000" dirty="0" smtClean="0"/>
+                <a:t>cur</a:t>
+              </a:r>
+              <a:endParaRPr lang="en-US" sz="1000" dirty="0"/>
+            </a:p>
+          </p:txBody>
+        </p:sp>
+        <p:cxnSp>
+          <p:nvCxnSpPr>
+            <p:cNvPr id="152" name="Straight Arrow Connector 151">
+              <a:extLst>
+                <a:ext uri="{FF2B5EF4-FFF2-40B4-BE49-F238E27FC236}">
+                  <a16:creationId xmlns:a16="http://schemas.microsoft.com/office/drawing/2014/main" xmlns="" id="{85921D34-1A6D-4A55-8163-2EFF867246F7}"/>
+                </a:ext>
+              </a:extLst>
+            </p:cNvPr>
+            <p:cNvCxnSpPr>
+              <a:cxnSpLocks/>
+            </p:cNvCxnSpPr>
+            <p:nvPr/>
+          </p:nvCxnSpPr>
+          <p:spPr>
+            <a:xfrm flipV="1">
+              <a:off x="2633030" y="2709819"/>
+              <a:ext cx="1" cy="293374"/>
+            </a:xfrm>
+            <a:prstGeom prst="straightConnector1">
+              <a:avLst/>
+            </a:prstGeom>
+            <a:ln>
+              <a:tailEnd type="triangle"/>
+            </a:ln>
+          </p:spPr>
+          <p:style>
+            <a:lnRef idx="1">
+              <a:schemeClr val="dk1"/>
+            </a:lnRef>
+            <a:fillRef idx="0">
+              <a:schemeClr val="dk1"/>
+            </a:fillRef>
+            <a:effectRef idx="0">
+              <a:schemeClr val="dk1"/>
+            </a:effectRef>
+            <a:fontRef idx="minor">
+              <a:schemeClr val="tx1"/>
+            </a:fontRef>
+          </p:style>
+        </p:cxnSp>
+      </p:grpSp>
+      <p:grpSp>
+        <p:nvGrpSpPr>
+          <p:cNvPr id="184" name="Group 183">
+            <a:extLst>
+              <a:ext uri="{FF2B5EF4-FFF2-40B4-BE49-F238E27FC236}">
+                <a16:creationId xmlns:a16="http://schemas.microsoft.com/office/drawing/2014/main" xmlns="" id="{F4C0F4E5-225E-4D96-A6BD-3DFD5AA7B1F8}"/>
+              </a:ext>
+            </a:extLst>
+          </p:cNvPr>
+          <p:cNvGrpSpPr/>
+          <p:nvPr/>
+        </p:nvGrpSpPr>
+        <p:grpSpPr>
+          <a:xfrm>
+            <a:off x="8251596" y="2957154"/>
+            <a:ext cx="2396389" cy="269534"/>
+            <a:chOff x="1994379" y="2586569"/>
+            <a:chExt cx="3222643" cy="362467"/>
+          </a:xfrm>
+        </p:grpSpPr>
+        <p:grpSp>
+          <p:nvGrpSpPr>
+            <p:cNvPr id="185" name="Group 184">
+              <a:extLst>
+                <a:ext uri="{FF2B5EF4-FFF2-40B4-BE49-F238E27FC236}">
+                  <a16:creationId xmlns:a16="http://schemas.microsoft.com/office/drawing/2014/main" xmlns="" id="{1DB0EFAB-506E-4CB7-A4F6-86F4B5C22428}"/>
+                </a:ext>
+              </a:extLst>
+            </p:cNvPr>
+            <p:cNvGrpSpPr/>
+            <p:nvPr/>
+          </p:nvGrpSpPr>
+          <p:grpSpPr>
+            <a:xfrm>
+              <a:off x="1994379" y="2586570"/>
+              <a:ext cx="701863" cy="362466"/>
+              <a:chOff x="1878227" y="3146853"/>
+              <a:chExt cx="701863" cy="362466"/>
+            </a:xfrm>
+          </p:grpSpPr>
+          <p:sp>
+            <p:nvSpPr>
+              <p:cNvPr id="194" name="Rectangle 193">
+                <a:extLst>
+                  <a:ext uri="{FF2B5EF4-FFF2-40B4-BE49-F238E27FC236}">
+                    <a16:creationId xmlns:a16="http://schemas.microsoft.com/office/drawing/2014/main" xmlns="" id="{F0C9C09B-D0A1-4E0E-9D97-FEE6208CB471}"/>
+                  </a:ext>
+                </a:extLst>
+              </p:cNvPr>
+              <p:cNvSpPr/>
+              <p:nvPr/>
+            </p:nvSpPr>
+            <p:spPr>
+              <a:xfrm>
+                <a:off x="1878227" y="3146854"/>
+                <a:ext cx="345989" cy="362465"/>
+              </a:xfrm>
+              <a:prstGeom prst="rect">
+                <a:avLst/>
+              </a:prstGeom>
+              <a:noFill/>
+            </p:spPr>
+            <p:style>
+              <a:lnRef idx="2">
+                <a:schemeClr val="accent1">
+                  <a:shade val="50000"/>
+                </a:schemeClr>
+              </a:lnRef>
+              <a:fillRef idx="1">
+                <a:schemeClr val="accent1"/>
+              </a:fillRef>
+              <a:effectRef idx="0">
+                <a:schemeClr val="accent1"/>
+              </a:effectRef>
+              <a:fontRef idx="minor">
+                <a:schemeClr val="lt1"/>
+              </a:fontRef>
+            </p:style>
+            <p:txBody>
+              <a:bodyPr rtlCol="0" anchor="ctr"/>
+              <a:lstStyle/>
+              <a:p>
+                <a:pPr algn="ctr"/>
+                <a:r>
+                  <a:rPr lang="en-US" dirty="0">
+                    <a:solidFill>
+                      <a:schemeClr val="tx1"/>
+                    </a:solidFill>
+                  </a:rPr>
+                  <a:t>1</a:t>
+                </a:r>
+              </a:p>
+            </p:txBody>
+          </p:sp>
+          <p:sp>
+            <p:nvSpPr>
+              <p:cNvPr id="195" name="Rectangle 194">
+                <a:extLst>
+                  <a:ext uri="{FF2B5EF4-FFF2-40B4-BE49-F238E27FC236}">
+                    <a16:creationId xmlns:a16="http://schemas.microsoft.com/office/drawing/2014/main" xmlns="" id="{239E83B4-17D1-4DDA-B240-B5DE0916928E}"/>
+                  </a:ext>
+                </a:extLst>
+              </p:cNvPr>
+              <p:cNvSpPr/>
+              <p:nvPr/>
+            </p:nvSpPr>
+            <p:spPr>
+              <a:xfrm>
+                <a:off x="2234101" y="3146853"/>
+                <a:ext cx="345989" cy="362465"/>
+              </a:xfrm>
+              <a:prstGeom prst="rect">
+                <a:avLst/>
+              </a:prstGeom>
+              <a:noFill/>
+            </p:spPr>
+            <p:style>
+              <a:lnRef idx="2">
+                <a:schemeClr val="accent1">
+                  <a:shade val="50000"/>
+                </a:schemeClr>
+              </a:lnRef>
+              <a:fillRef idx="1">
+                <a:schemeClr val="accent1"/>
+              </a:fillRef>
+              <a:effectRef idx="0">
+                <a:schemeClr val="accent1"/>
+              </a:effectRef>
+              <a:fontRef idx="minor">
+                <a:schemeClr val="lt1"/>
+              </a:fontRef>
+            </p:style>
+            <p:txBody>
+              <a:bodyPr rtlCol="0" anchor="ctr"/>
+              <a:lstStyle/>
+              <a:p>
+                <a:pPr algn="ctr"/>
+                <a:endParaRPr lang="en-US"/>
+              </a:p>
+            </p:txBody>
+          </p:sp>
+        </p:grpSp>
+        <p:grpSp>
+          <p:nvGrpSpPr>
+            <p:cNvPr id="186" name="Group 185">
+              <a:extLst>
+                <a:ext uri="{FF2B5EF4-FFF2-40B4-BE49-F238E27FC236}">
+                  <a16:creationId xmlns:a16="http://schemas.microsoft.com/office/drawing/2014/main" xmlns="" id="{B9EA69F5-0BE0-4E73-AA17-8A4681232526}"/>
+                </a:ext>
+              </a:extLst>
+            </p:cNvPr>
+            <p:cNvGrpSpPr/>
+            <p:nvPr/>
+          </p:nvGrpSpPr>
+          <p:grpSpPr>
+            <a:xfrm>
+              <a:off x="3252298" y="2586569"/>
+              <a:ext cx="701863" cy="362466"/>
+              <a:chOff x="1878227" y="3146853"/>
+              <a:chExt cx="701863" cy="362466"/>
+            </a:xfrm>
+          </p:grpSpPr>
+          <p:sp>
+            <p:nvSpPr>
+              <p:cNvPr id="192" name="Rectangle 191">
+                <a:extLst>
+                  <a:ext uri="{FF2B5EF4-FFF2-40B4-BE49-F238E27FC236}">
+                    <a16:creationId xmlns:a16="http://schemas.microsoft.com/office/drawing/2014/main" xmlns="" id="{FA7011BB-0C95-43BD-AA5E-42FCE698F808}"/>
+                  </a:ext>
+                </a:extLst>
+              </p:cNvPr>
+              <p:cNvSpPr/>
+              <p:nvPr/>
+            </p:nvSpPr>
+            <p:spPr>
+              <a:xfrm>
+                <a:off x="1878227" y="3146854"/>
+                <a:ext cx="345989" cy="362465"/>
+              </a:xfrm>
+              <a:prstGeom prst="rect">
+                <a:avLst/>
+              </a:prstGeom>
+              <a:noFill/>
+            </p:spPr>
+            <p:style>
+              <a:lnRef idx="2">
+                <a:schemeClr val="accent1">
+                  <a:shade val="50000"/>
+                </a:schemeClr>
+              </a:lnRef>
+              <a:fillRef idx="1">
+                <a:schemeClr val="accent1"/>
+              </a:fillRef>
+              <a:effectRef idx="0">
+                <a:schemeClr val="accent1"/>
+              </a:effectRef>
+              <a:fontRef idx="minor">
+                <a:schemeClr val="lt1"/>
+              </a:fontRef>
+            </p:style>
+            <p:txBody>
+              <a:bodyPr rtlCol="0" anchor="ctr"/>
+              <a:lstStyle/>
+              <a:p>
+                <a:pPr algn="ctr"/>
+                <a:r>
+                  <a:rPr lang="en-US" dirty="0">
+                    <a:solidFill>
+                      <a:schemeClr val="tx1"/>
+                    </a:solidFill>
+                  </a:rPr>
+                  <a:t>3</a:t>
+                </a:r>
+              </a:p>
+            </p:txBody>
+          </p:sp>
+          <p:sp>
+            <p:nvSpPr>
+              <p:cNvPr id="193" name="Rectangle 192">
+                <a:extLst>
+                  <a:ext uri="{FF2B5EF4-FFF2-40B4-BE49-F238E27FC236}">
+                    <a16:creationId xmlns:a16="http://schemas.microsoft.com/office/drawing/2014/main" xmlns="" id="{713AC6DD-4D5B-4240-AACA-2DE4257EA6B5}"/>
+                  </a:ext>
+                </a:extLst>
+              </p:cNvPr>
+              <p:cNvSpPr/>
+              <p:nvPr/>
+            </p:nvSpPr>
+            <p:spPr>
+              <a:xfrm>
+                <a:off x="2234101" y="3146853"/>
+                <a:ext cx="345989" cy="362465"/>
+              </a:xfrm>
+              <a:prstGeom prst="rect">
+                <a:avLst/>
+              </a:prstGeom>
+              <a:noFill/>
+            </p:spPr>
+            <p:style>
+              <a:lnRef idx="2">
+                <a:schemeClr val="accent1">
+                  <a:shade val="50000"/>
+                </a:schemeClr>
+              </a:lnRef>
+              <a:fillRef idx="1">
+                <a:schemeClr val="accent1"/>
+              </a:fillRef>
+              <a:effectRef idx="0">
+                <a:schemeClr val="accent1"/>
+              </a:effectRef>
+              <a:fontRef idx="minor">
+                <a:schemeClr val="lt1"/>
+              </a:fontRef>
+            </p:style>
+            <p:txBody>
+              <a:bodyPr rtlCol="0" anchor="ctr"/>
+              <a:lstStyle/>
+              <a:p>
+                <a:pPr algn="ctr"/>
+                <a:endParaRPr lang="en-US"/>
+              </a:p>
+            </p:txBody>
+          </p:sp>
+        </p:grpSp>
+        <p:grpSp>
+          <p:nvGrpSpPr>
+            <p:cNvPr id="187" name="Group 186">
+              <a:extLst>
+                <a:ext uri="{FF2B5EF4-FFF2-40B4-BE49-F238E27FC236}">
+                  <a16:creationId xmlns:a16="http://schemas.microsoft.com/office/drawing/2014/main" xmlns="" id="{AFBA4D9E-85E9-4070-ABF5-41269BD121A2}"/>
+                </a:ext>
+              </a:extLst>
+            </p:cNvPr>
+            <p:cNvGrpSpPr/>
+            <p:nvPr/>
+          </p:nvGrpSpPr>
+          <p:grpSpPr>
+            <a:xfrm>
+              <a:off x="4515159" y="2586569"/>
+              <a:ext cx="701863" cy="362466"/>
+              <a:chOff x="1878227" y="3146853"/>
+              <a:chExt cx="701863" cy="362466"/>
+            </a:xfrm>
+          </p:grpSpPr>
+          <p:sp>
+            <p:nvSpPr>
+              <p:cNvPr id="190" name="Rectangle 189">
+                <a:extLst>
+                  <a:ext uri="{FF2B5EF4-FFF2-40B4-BE49-F238E27FC236}">
+                    <a16:creationId xmlns:a16="http://schemas.microsoft.com/office/drawing/2014/main" xmlns="" id="{AE2A3553-6C65-489E-B0FB-61D3A3A8F48C}"/>
+                  </a:ext>
+                </a:extLst>
+              </p:cNvPr>
+              <p:cNvSpPr/>
+              <p:nvPr/>
+            </p:nvSpPr>
+            <p:spPr>
+              <a:xfrm>
+                <a:off x="1878227" y="3146854"/>
+                <a:ext cx="345989" cy="362465"/>
+              </a:xfrm>
+              <a:prstGeom prst="rect">
+                <a:avLst/>
+              </a:prstGeom>
+              <a:noFill/>
+            </p:spPr>
+            <p:style>
+              <a:lnRef idx="2">
+                <a:schemeClr val="accent1">
+                  <a:shade val="50000"/>
+                </a:schemeClr>
+              </a:lnRef>
+              <a:fillRef idx="1">
+                <a:schemeClr val="accent1"/>
+              </a:fillRef>
+              <a:effectRef idx="0">
+                <a:schemeClr val="accent1"/>
+              </a:effectRef>
+              <a:fontRef idx="minor">
+                <a:schemeClr val="lt1"/>
+              </a:fontRef>
+            </p:style>
+            <p:txBody>
+              <a:bodyPr rtlCol="0" anchor="ctr"/>
+              <a:lstStyle/>
+              <a:p>
+                <a:pPr algn="ctr"/>
+                <a:r>
+                  <a:rPr lang="en-US" dirty="0">
+                    <a:solidFill>
+                      <a:schemeClr val="tx1"/>
+                    </a:solidFill>
+                  </a:rPr>
+                  <a:t>9</a:t>
+                </a:r>
+              </a:p>
+            </p:txBody>
+          </p:sp>
+          <p:sp>
+            <p:nvSpPr>
+              <p:cNvPr id="191" name="Rectangle 190">
+                <a:extLst>
+                  <a:ext uri="{FF2B5EF4-FFF2-40B4-BE49-F238E27FC236}">
+                    <a16:creationId xmlns:a16="http://schemas.microsoft.com/office/drawing/2014/main" xmlns="" id="{9F5FEB8E-4B32-4E4A-BF65-E3B4AA2437B0}"/>
+                  </a:ext>
+                </a:extLst>
+              </p:cNvPr>
+              <p:cNvSpPr/>
+              <p:nvPr/>
+            </p:nvSpPr>
+            <p:spPr>
+              <a:xfrm>
+                <a:off x="2234101" y="3146853"/>
+                <a:ext cx="345989" cy="362465"/>
+              </a:xfrm>
+              <a:prstGeom prst="rect">
+                <a:avLst/>
+              </a:prstGeom>
+              <a:noFill/>
+            </p:spPr>
+            <p:style>
+              <a:lnRef idx="2">
+                <a:schemeClr val="accent1">
+                  <a:shade val="50000"/>
+                </a:schemeClr>
+              </a:lnRef>
+              <a:fillRef idx="1">
+                <a:schemeClr val="accent1"/>
+              </a:fillRef>
+              <a:effectRef idx="0">
+                <a:schemeClr val="accent1"/>
+              </a:effectRef>
+              <a:fontRef idx="minor">
+                <a:schemeClr val="lt1"/>
+              </a:fontRef>
+            </p:style>
+            <p:txBody>
+              <a:bodyPr rtlCol="0" anchor="ctr"/>
+              <a:lstStyle/>
+              <a:p>
+                <a:pPr algn="ctr"/>
+                <a:endParaRPr lang="en-US"/>
+              </a:p>
+            </p:txBody>
+          </p:sp>
+        </p:grpSp>
+        <p:cxnSp>
+          <p:nvCxnSpPr>
+            <p:cNvPr id="188" name="Straight Arrow Connector 187">
+              <a:extLst>
+                <a:ext uri="{FF2B5EF4-FFF2-40B4-BE49-F238E27FC236}">
+                  <a16:creationId xmlns:a16="http://schemas.microsoft.com/office/drawing/2014/main" xmlns="" id="{55FCBC69-9E22-4B26-8350-1B97BFFC6393}"/>
+                </a:ext>
+              </a:extLst>
+            </p:cNvPr>
+            <p:cNvCxnSpPr>
+              <a:endCxn id="192" idx="1"/>
+            </p:cNvCxnSpPr>
+            <p:nvPr/>
+          </p:nvCxnSpPr>
+          <p:spPr>
+            <a:xfrm>
+              <a:off x="2523247" y="2767801"/>
+              <a:ext cx="729051" cy="2"/>
+            </a:xfrm>
+            <a:prstGeom prst="straightConnector1">
+              <a:avLst/>
+            </a:prstGeom>
+            <a:ln>
+              <a:tailEnd type="triangle"/>
+            </a:ln>
+          </p:spPr>
+          <p:style>
+            <a:lnRef idx="1">
+              <a:schemeClr val="dk1"/>
+            </a:lnRef>
+            <a:fillRef idx="0">
+              <a:schemeClr val="dk1"/>
+            </a:fillRef>
+            <a:effectRef idx="0">
+              <a:schemeClr val="dk1"/>
+            </a:effectRef>
+            <a:fontRef idx="minor">
+              <a:schemeClr val="tx1"/>
+            </a:fontRef>
+          </p:style>
+        </p:cxnSp>
+        <p:cxnSp>
+          <p:nvCxnSpPr>
+            <p:cNvPr id="189" name="Straight Arrow Connector 188">
+              <a:extLst>
+                <a:ext uri="{FF2B5EF4-FFF2-40B4-BE49-F238E27FC236}">
+                  <a16:creationId xmlns:a16="http://schemas.microsoft.com/office/drawing/2014/main" xmlns="" id="{B86A8262-3388-446E-98F0-9B5F1E12AC15}"/>
+                </a:ext>
+              </a:extLst>
+            </p:cNvPr>
+            <p:cNvCxnSpPr/>
+            <p:nvPr/>
+          </p:nvCxnSpPr>
+          <p:spPr>
+            <a:xfrm>
+              <a:off x="3781165" y="2767801"/>
+              <a:ext cx="729051" cy="2"/>
+            </a:xfrm>
+            <a:prstGeom prst="straightConnector1">
+              <a:avLst/>
+            </a:prstGeom>
+            <a:ln>
+              <a:tailEnd type="triangle"/>
+            </a:ln>
+          </p:spPr>
+          <p:style>
+            <a:lnRef idx="1">
+              <a:schemeClr val="dk1"/>
+            </a:lnRef>
+            <a:fillRef idx="0">
+              <a:schemeClr val="dk1"/>
+            </a:fillRef>
+            <a:effectRef idx="0">
+              <a:schemeClr val="dk1"/>
+            </a:effectRef>
+            <a:fontRef idx="minor">
+              <a:schemeClr val="tx1"/>
+            </a:fontRef>
+          </p:style>
+        </p:cxnSp>
+      </p:grpSp>
+      <p:grpSp>
+        <p:nvGrpSpPr>
+          <p:cNvPr id="215" name="Group 214">
+            <a:extLst>
+              <a:ext uri="{FF2B5EF4-FFF2-40B4-BE49-F238E27FC236}">
+                <a16:creationId xmlns:a16="http://schemas.microsoft.com/office/drawing/2014/main" xmlns="" id="{AFA7C2F9-BD9A-4E5A-8FFC-3551A5175A59}"/>
+              </a:ext>
+            </a:extLst>
+          </p:cNvPr>
+          <p:cNvGrpSpPr/>
+          <p:nvPr/>
+        </p:nvGrpSpPr>
+        <p:grpSpPr>
+          <a:xfrm>
+            <a:off x="7374359" y="4130152"/>
+            <a:ext cx="3335465" cy="269534"/>
+            <a:chOff x="2130240" y="5791068"/>
+            <a:chExt cx="3335465" cy="269534"/>
+          </a:xfrm>
+        </p:grpSpPr>
+        <p:grpSp>
+          <p:nvGrpSpPr>
+            <p:cNvPr id="216" name="Group 215">
+              <a:extLst>
+                <a:ext uri="{FF2B5EF4-FFF2-40B4-BE49-F238E27FC236}">
+                  <a16:creationId xmlns:a16="http://schemas.microsoft.com/office/drawing/2014/main" xmlns="" id="{6DB65F2A-E367-4D94-B338-4094E64BFA4E}"/>
+                </a:ext>
+              </a:extLst>
+            </p:cNvPr>
+            <p:cNvGrpSpPr/>
+            <p:nvPr/>
+          </p:nvGrpSpPr>
+          <p:grpSpPr>
+            <a:xfrm>
+              <a:off x="2130240" y="5791068"/>
+              <a:ext cx="2396389" cy="269534"/>
+              <a:chOff x="1994379" y="2586569"/>
+              <a:chExt cx="3222643" cy="362467"/>
+            </a:xfrm>
+          </p:grpSpPr>
+          <p:grpSp>
+            <p:nvGrpSpPr>
+              <p:cNvPr id="220" name="Group 219">
+                <a:extLst>
+                  <a:ext uri="{FF2B5EF4-FFF2-40B4-BE49-F238E27FC236}">
+                    <a16:creationId xmlns:a16="http://schemas.microsoft.com/office/drawing/2014/main" xmlns="" id="{981FE0AE-521C-4527-9D2F-AFC4BDAA7FAA}"/>
+                  </a:ext>
+                </a:extLst>
+              </p:cNvPr>
+              <p:cNvGrpSpPr/>
+              <p:nvPr/>
+            </p:nvGrpSpPr>
+            <p:grpSpPr>
+              <a:xfrm>
+                <a:off x="1994379" y="2586570"/>
+                <a:ext cx="701863" cy="362466"/>
+                <a:chOff x="1878227" y="3146853"/>
+                <a:chExt cx="701863" cy="362466"/>
+              </a:xfrm>
+            </p:grpSpPr>
+            <p:sp>
+              <p:nvSpPr>
+                <p:cNvPr id="229" name="Rectangle 228">
+                  <a:extLst>
+                    <a:ext uri="{FF2B5EF4-FFF2-40B4-BE49-F238E27FC236}">
+                      <a16:creationId xmlns:a16="http://schemas.microsoft.com/office/drawing/2014/main" xmlns="" id="{6525E62D-9F24-4563-9FF8-2FA905D9D1C3}"/>
+                    </a:ext>
+                  </a:extLst>
+                </p:cNvPr>
+                <p:cNvSpPr/>
+                <p:nvPr/>
+              </p:nvSpPr>
+              <p:spPr>
+                <a:xfrm>
+                  <a:off x="1878227" y="3146854"/>
+                  <a:ext cx="345989" cy="362465"/>
+                </a:xfrm>
+                <a:prstGeom prst="rect">
+                  <a:avLst/>
+                </a:prstGeom>
+                <a:noFill/>
+              </p:spPr>
+              <p:style>
+                <a:lnRef idx="2">
+                  <a:schemeClr val="accent1">
+                    <a:shade val="50000"/>
+                  </a:schemeClr>
+                </a:lnRef>
+                <a:fillRef idx="1">
+                  <a:schemeClr val="accent1"/>
+                </a:fillRef>
+                <a:effectRef idx="0">
+                  <a:schemeClr val="accent1"/>
+                </a:effectRef>
+                <a:fontRef idx="minor">
+                  <a:schemeClr val="lt1"/>
+                </a:fontRef>
+              </p:style>
+              <p:txBody>
+                <a:bodyPr rtlCol="0" anchor="ctr"/>
+                <a:lstStyle/>
+                <a:p>
+                  <a:pPr algn="ctr"/>
+                  <a:r>
+                    <a:rPr lang="en-US" dirty="0">
+                      <a:solidFill>
+                        <a:schemeClr val="tx1"/>
+                      </a:solidFill>
+                    </a:rPr>
+                    <a:t>0</a:t>
+                  </a:r>
+                </a:p>
+              </p:txBody>
+            </p:sp>
+            <p:sp>
+              <p:nvSpPr>
+                <p:cNvPr id="230" name="Rectangle 229">
+                  <a:extLst>
+                    <a:ext uri="{FF2B5EF4-FFF2-40B4-BE49-F238E27FC236}">
+                      <a16:creationId xmlns:a16="http://schemas.microsoft.com/office/drawing/2014/main" xmlns="" id="{C65C2AD7-E420-422A-A6E1-44A20709E05F}"/>
+                    </a:ext>
+                  </a:extLst>
+                </p:cNvPr>
+                <p:cNvSpPr/>
+                <p:nvPr/>
+              </p:nvSpPr>
+              <p:spPr>
+                <a:xfrm>
+                  <a:off x="2234101" y="3146853"/>
+                  <a:ext cx="345989" cy="362465"/>
+                </a:xfrm>
+                <a:prstGeom prst="rect">
+                  <a:avLst/>
+                </a:prstGeom>
+                <a:noFill/>
+              </p:spPr>
+              <p:style>
+                <a:lnRef idx="2">
+                  <a:schemeClr val="accent1">
+                    <a:shade val="50000"/>
+                  </a:schemeClr>
+                </a:lnRef>
+                <a:fillRef idx="1">
+                  <a:schemeClr val="accent1"/>
+                </a:fillRef>
+                <a:effectRef idx="0">
+                  <a:schemeClr val="accent1"/>
+                </a:effectRef>
+                <a:fontRef idx="minor">
+                  <a:schemeClr val="lt1"/>
+                </a:fontRef>
+              </p:style>
+              <p:txBody>
+                <a:bodyPr rtlCol="0" anchor="ctr"/>
+                <a:lstStyle/>
+                <a:p>
+                  <a:pPr algn="ctr"/>
+                  <a:endParaRPr lang="en-US"/>
+                </a:p>
+              </p:txBody>
+            </p:sp>
+          </p:grpSp>
+          <p:grpSp>
+            <p:nvGrpSpPr>
+              <p:cNvPr id="221" name="Group 220">
+                <a:extLst>
+                  <a:ext uri="{FF2B5EF4-FFF2-40B4-BE49-F238E27FC236}">
+                    <a16:creationId xmlns:a16="http://schemas.microsoft.com/office/drawing/2014/main" xmlns="" id="{B94F3594-C7C7-453D-AD0F-17D608ACF4AF}"/>
+                  </a:ext>
+                </a:extLst>
+              </p:cNvPr>
+              <p:cNvGrpSpPr/>
+              <p:nvPr/>
+            </p:nvGrpSpPr>
+            <p:grpSpPr>
+              <a:xfrm>
+                <a:off x="3252298" y="2586569"/>
+                <a:ext cx="701863" cy="362466"/>
+                <a:chOff x="1878227" y="3146853"/>
+                <a:chExt cx="701863" cy="362466"/>
+              </a:xfrm>
+            </p:grpSpPr>
+            <p:sp>
+              <p:nvSpPr>
+                <p:cNvPr id="227" name="Rectangle 226">
+                  <a:extLst>
+                    <a:ext uri="{FF2B5EF4-FFF2-40B4-BE49-F238E27FC236}">
+                      <a16:creationId xmlns:a16="http://schemas.microsoft.com/office/drawing/2014/main" xmlns="" id="{A737EF3C-96E2-4F8D-BF7A-8CE71C1561A4}"/>
+                    </a:ext>
+                  </a:extLst>
+                </p:cNvPr>
+                <p:cNvSpPr/>
+                <p:nvPr/>
+              </p:nvSpPr>
+              <p:spPr>
+                <a:xfrm>
+                  <a:off x="1878227" y="3146854"/>
+                  <a:ext cx="345989" cy="362465"/>
+                </a:xfrm>
+                <a:prstGeom prst="rect">
+                  <a:avLst/>
+                </a:prstGeom>
+                <a:noFill/>
+              </p:spPr>
+              <p:style>
+                <a:lnRef idx="2">
+                  <a:schemeClr val="accent1">
+                    <a:shade val="50000"/>
+                  </a:schemeClr>
+                </a:lnRef>
+                <a:fillRef idx="1">
+                  <a:schemeClr val="accent1"/>
+                </a:fillRef>
+                <a:effectRef idx="0">
+                  <a:schemeClr val="accent1"/>
+                </a:effectRef>
+                <a:fontRef idx="minor">
+                  <a:schemeClr val="lt1"/>
+                </a:fontRef>
+              </p:style>
+              <p:txBody>
+                <a:bodyPr rtlCol="0" anchor="ctr"/>
+                <a:lstStyle/>
+                <a:p>
+                  <a:pPr algn="ctr"/>
+                  <a:r>
+                    <a:rPr lang="en-US" dirty="0">
+                      <a:solidFill>
+                        <a:schemeClr val="tx1"/>
+                      </a:solidFill>
+                    </a:rPr>
+                    <a:t>1</a:t>
+                  </a:r>
+                </a:p>
+              </p:txBody>
+            </p:sp>
+            <p:sp>
+              <p:nvSpPr>
+                <p:cNvPr id="228" name="Rectangle 227">
+                  <a:extLst>
+                    <a:ext uri="{FF2B5EF4-FFF2-40B4-BE49-F238E27FC236}">
+                      <a16:creationId xmlns:a16="http://schemas.microsoft.com/office/drawing/2014/main" xmlns="" id="{537234C7-092A-4731-AE49-F85360E66874}"/>
+                    </a:ext>
+                  </a:extLst>
+                </p:cNvPr>
+                <p:cNvSpPr/>
+                <p:nvPr/>
+              </p:nvSpPr>
+              <p:spPr>
+                <a:xfrm>
+                  <a:off x="2234101" y="3146853"/>
+                  <a:ext cx="345989" cy="362465"/>
+                </a:xfrm>
+                <a:prstGeom prst="rect">
+                  <a:avLst/>
+                </a:prstGeom>
+                <a:noFill/>
+              </p:spPr>
+              <p:style>
+                <a:lnRef idx="2">
+                  <a:schemeClr val="accent1">
+                    <a:shade val="50000"/>
+                  </a:schemeClr>
+                </a:lnRef>
+                <a:fillRef idx="1">
+                  <a:schemeClr val="accent1"/>
+                </a:fillRef>
+                <a:effectRef idx="0">
+                  <a:schemeClr val="accent1"/>
+                </a:effectRef>
+                <a:fontRef idx="minor">
+                  <a:schemeClr val="lt1"/>
+                </a:fontRef>
+              </p:style>
+              <p:txBody>
+                <a:bodyPr rtlCol="0" anchor="ctr"/>
+                <a:lstStyle/>
+                <a:p>
+                  <a:pPr algn="ctr"/>
+                  <a:endParaRPr lang="en-US"/>
+                </a:p>
+              </p:txBody>
+            </p:sp>
+          </p:grpSp>
+          <p:grpSp>
+            <p:nvGrpSpPr>
+              <p:cNvPr id="222" name="Group 221">
+                <a:extLst>
+                  <a:ext uri="{FF2B5EF4-FFF2-40B4-BE49-F238E27FC236}">
+                    <a16:creationId xmlns:a16="http://schemas.microsoft.com/office/drawing/2014/main" xmlns="" id="{3045A788-6991-4C8E-B31A-3DB1626804BE}"/>
+                  </a:ext>
+                </a:extLst>
+              </p:cNvPr>
+              <p:cNvGrpSpPr/>
+              <p:nvPr/>
+            </p:nvGrpSpPr>
+            <p:grpSpPr>
+              <a:xfrm>
+                <a:off x="4515159" y="2586569"/>
+                <a:ext cx="701863" cy="362466"/>
+                <a:chOff x="1878227" y="3146853"/>
+                <a:chExt cx="701863" cy="362466"/>
+              </a:xfrm>
+            </p:grpSpPr>
+            <p:sp>
+              <p:nvSpPr>
+                <p:cNvPr id="225" name="Rectangle 224">
+                  <a:extLst>
+                    <a:ext uri="{FF2B5EF4-FFF2-40B4-BE49-F238E27FC236}">
+                      <a16:creationId xmlns:a16="http://schemas.microsoft.com/office/drawing/2014/main" xmlns="" id="{080C4584-EE07-449D-994B-9941EFBC4F8D}"/>
+                    </a:ext>
+                  </a:extLst>
+                </p:cNvPr>
+                <p:cNvSpPr/>
+                <p:nvPr/>
+              </p:nvSpPr>
+              <p:spPr>
+                <a:xfrm>
+                  <a:off x="1878227" y="3146854"/>
+                  <a:ext cx="345989" cy="362465"/>
+                </a:xfrm>
+                <a:prstGeom prst="rect">
+                  <a:avLst/>
+                </a:prstGeom>
+                <a:noFill/>
+              </p:spPr>
+              <p:style>
+                <a:lnRef idx="2">
+                  <a:schemeClr val="accent1">
+                    <a:shade val="50000"/>
+                  </a:schemeClr>
+                </a:lnRef>
+                <a:fillRef idx="1">
+                  <a:schemeClr val="accent1"/>
+                </a:fillRef>
+                <a:effectRef idx="0">
+                  <a:schemeClr val="accent1"/>
+                </a:effectRef>
+                <a:fontRef idx="minor">
+                  <a:schemeClr val="lt1"/>
+                </a:fontRef>
+              </p:style>
+              <p:txBody>
+                <a:bodyPr rtlCol="0" anchor="ctr"/>
+                <a:lstStyle/>
+                <a:p>
+                  <a:pPr algn="ctr"/>
+                  <a:r>
+                    <a:rPr lang="en-US" dirty="0">
+                      <a:solidFill>
+                        <a:schemeClr val="tx1"/>
+                      </a:solidFill>
+                    </a:rPr>
+                    <a:t>3</a:t>
+                  </a:r>
+                </a:p>
+              </p:txBody>
+            </p:sp>
+            <p:sp>
+              <p:nvSpPr>
+                <p:cNvPr id="226" name="Rectangle 225">
+                  <a:extLst>
+                    <a:ext uri="{FF2B5EF4-FFF2-40B4-BE49-F238E27FC236}">
+                      <a16:creationId xmlns:a16="http://schemas.microsoft.com/office/drawing/2014/main" xmlns="" id="{E1B1CEB6-7A5C-49DE-B8CA-E4BF98D4A6BB}"/>
+                    </a:ext>
+                  </a:extLst>
+                </p:cNvPr>
+                <p:cNvSpPr/>
+                <p:nvPr/>
+              </p:nvSpPr>
+              <p:spPr>
+                <a:xfrm>
+                  <a:off x="2234101" y="3146853"/>
+                  <a:ext cx="345989" cy="362465"/>
+                </a:xfrm>
+                <a:prstGeom prst="rect">
+                  <a:avLst/>
+                </a:prstGeom>
+                <a:noFill/>
+              </p:spPr>
+              <p:style>
+                <a:lnRef idx="2">
+                  <a:schemeClr val="accent1">
+                    <a:shade val="50000"/>
+                  </a:schemeClr>
+                </a:lnRef>
+                <a:fillRef idx="1">
+                  <a:schemeClr val="accent1"/>
+                </a:fillRef>
+                <a:effectRef idx="0">
+                  <a:schemeClr val="accent1"/>
+                </a:effectRef>
+                <a:fontRef idx="minor">
+                  <a:schemeClr val="lt1"/>
+                </a:fontRef>
+              </p:style>
+              <p:txBody>
+                <a:bodyPr rtlCol="0" anchor="ctr"/>
+                <a:lstStyle/>
+                <a:p>
+                  <a:pPr algn="ctr"/>
+                  <a:endParaRPr lang="en-US"/>
+                </a:p>
+              </p:txBody>
+            </p:sp>
+          </p:grpSp>
+          <p:cxnSp>
+            <p:nvCxnSpPr>
+              <p:cNvPr id="223" name="Straight Arrow Connector 222">
+                <a:extLst>
+                  <a:ext uri="{FF2B5EF4-FFF2-40B4-BE49-F238E27FC236}">
+                    <a16:creationId xmlns:a16="http://schemas.microsoft.com/office/drawing/2014/main" xmlns="" id="{7587DE1A-B7A5-47F9-8389-7C0DC3496A37}"/>
+                  </a:ext>
+                </a:extLst>
+              </p:cNvPr>
+              <p:cNvCxnSpPr>
+                <a:endCxn id="227" idx="1"/>
+              </p:cNvCxnSpPr>
+              <p:nvPr/>
+            </p:nvCxnSpPr>
+            <p:spPr>
+              <a:xfrm>
+                <a:off x="2523247" y="2767801"/>
+                <a:ext cx="729051" cy="2"/>
+              </a:xfrm>
+              <a:prstGeom prst="straightConnector1">
+                <a:avLst/>
+              </a:prstGeom>
+              <a:ln>
+                <a:tailEnd type="triangle"/>
+              </a:ln>
+            </p:spPr>
+            <p:style>
+              <a:lnRef idx="1">
+                <a:schemeClr val="dk1"/>
+              </a:lnRef>
+              <a:fillRef idx="0">
+                <a:schemeClr val="dk1"/>
+              </a:fillRef>
+              <a:effectRef idx="0">
+                <a:schemeClr val="dk1"/>
+              </a:effectRef>
+              <a:fontRef idx="minor">
+                <a:schemeClr val="tx1"/>
+              </a:fontRef>
+            </p:style>
+          </p:cxnSp>
+          <p:cxnSp>
+            <p:nvCxnSpPr>
+              <p:cNvPr id="224" name="Straight Arrow Connector 223">
+                <a:extLst>
+                  <a:ext uri="{FF2B5EF4-FFF2-40B4-BE49-F238E27FC236}">
+                    <a16:creationId xmlns:a16="http://schemas.microsoft.com/office/drawing/2014/main" xmlns="" id="{700B57CC-38FA-479B-9F50-E53E69FD90EF}"/>
+                  </a:ext>
+                </a:extLst>
+              </p:cNvPr>
+              <p:cNvCxnSpPr/>
+              <p:nvPr/>
+            </p:nvCxnSpPr>
+            <p:spPr>
+              <a:xfrm>
+                <a:off x="3781165" y="2767801"/>
+                <a:ext cx="729051" cy="2"/>
+              </a:xfrm>
+              <a:prstGeom prst="straightConnector1">
+                <a:avLst/>
+              </a:prstGeom>
+              <a:ln>
+                <a:tailEnd type="triangle"/>
+              </a:ln>
+            </p:spPr>
+            <p:style>
+              <a:lnRef idx="1">
+                <a:schemeClr val="dk1"/>
+              </a:lnRef>
+              <a:fillRef idx="0">
+                <a:schemeClr val="dk1"/>
+              </a:fillRef>
+              <a:effectRef idx="0">
+                <a:schemeClr val="dk1"/>
+              </a:effectRef>
+              <a:fontRef idx="minor">
+                <a:schemeClr val="tx1"/>
+              </a:fontRef>
+            </p:style>
+          </p:cxnSp>
+        </p:grpSp>
+        <p:sp>
+          <p:nvSpPr>
+            <p:cNvPr id="217" name="Rectangle 216">
+              <a:extLst>
+                <a:ext uri="{FF2B5EF4-FFF2-40B4-BE49-F238E27FC236}">
+                  <a16:creationId xmlns:a16="http://schemas.microsoft.com/office/drawing/2014/main" xmlns="" id="{C6D9601F-077A-44A3-AED8-E9990A7B4200}"/>
+                </a:ext>
+              </a:extLst>
+            </p:cNvPr>
+            <p:cNvSpPr/>
+            <p:nvPr/>
+          </p:nvSpPr>
+          <p:spPr>
+            <a:xfrm>
+              <a:off x="4943793" y="5791069"/>
+              <a:ext cx="257281" cy="269532"/>
+            </a:xfrm>
+            <a:prstGeom prst="rect">
+              <a:avLst/>
+            </a:prstGeom>
+            <a:noFill/>
+          </p:spPr>
+          <p:style>
+            <a:lnRef idx="2">
+              <a:schemeClr val="accent1">
+                <a:shade val="50000"/>
+              </a:schemeClr>
+            </a:lnRef>
+            <a:fillRef idx="1">
+              <a:schemeClr val="accent1"/>
+            </a:fillRef>
+            <a:effectRef idx="0">
+              <a:schemeClr val="accent1"/>
+            </a:effectRef>
+            <a:fontRef idx="minor">
+              <a:schemeClr val="lt1"/>
+            </a:fontRef>
+          </p:style>
+          <p:txBody>
+            <a:bodyPr rtlCol="0" anchor="ctr"/>
+            <a:lstStyle/>
+            <a:p>
+              <a:pPr algn="ctr"/>
+              <a:r>
+                <a:rPr lang="en-US" dirty="0">
+                  <a:solidFill>
+                    <a:schemeClr val="tx1"/>
+                  </a:solidFill>
+                </a:rPr>
+                <a:t>9</a:t>
+              </a:r>
+            </a:p>
+          </p:txBody>
+        </p:sp>
+        <p:sp>
+          <p:nvSpPr>
+            <p:cNvPr id="218" name="Rectangle 217">
+              <a:extLst>
+                <a:ext uri="{FF2B5EF4-FFF2-40B4-BE49-F238E27FC236}">
+                  <a16:creationId xmlns:a16="http://schemas.microsoft.com/office/drawing/2014/main" xmlns="" id="{5C09A50E-43F5-48B2-9D7E-A6389CBA43F5}"/>
+                </a:ext>
+              </a:extLst>
+            </p:cNvPr>
+            <p:cNvSpPr/>
+            <p:nvPr/>
+          </p:nvSpPr>
+          <p:spPr>
+            <a:xfrm>
+              <a:off x="5208424" y="5791068"/>
+              <a:ext cx="257281" cy="269532"/>
+            </a:xfrm>
+            <a:prstGeom prst="rect">
+              <a:avLst/>
+            </a:prstGeom>
+            <a:noFill/>
+          </p:spPr>
+          <p:style>
+            <a:lnRef idx="2">
+              <a:schemeClr val="accent1">
+                <a:shade val="50000"/>
+              </a:schemeClr>
+            </a:lnRef>
+            <a:fillRef idx="1">
+              <a:schemeClr val="accent1"/>
+            </a:fillRef>
+            <a:effectRef idx="0">
+              <a:schemeClr val="accent1"/>
+            </a:effectRef>
+            <a:fontRef idx="minor">
+              <a:schemeClr val="lt1"/>
+            </a:fontRef>
+          </p:style>
+          <p:txBody>
+            <a:bodyPr rtlCol="0" anchor="ctr"/>
+            <a:lstStyle/>
+            <a:p>
+              <a:pPr algn="ctr"/>
+              <a:endParaRPr lang="en-US"/>
+            </a:p>
+          </p:txBody>
+        </p:sp>
+        <p:cxnSp>
+          <p:nvCxnSpPr>
+            <p:cNvPr id="219" name="Straight Arrow Connector 218">
+              <a:extLst>
+                <a:ext uri="{FF2B5EF4-FFF2-40B4-BE49-F238E27FC236}">
+                  <a16:creationId xmlns:a16="http://schemas.microsoft.com/office/drawing/2014/main" xmlns="" id="{B3033B24-FDB0-433C-89D6-9FEF95B93FBF}"/>
+                </a:ext>
+              </a:extLst>
+            </p:cNvPr>
+            <p:cNvCxnSpPr/>
+            <p:nvPr/>
+          </p:nvCxnSpPr>
+          <p:spPr>
+            <a:xfrm>
+              <a:off x="4401664" y="5928782"/>
+              <a:ext cx="542129" cy="1"/>
+            </a:xfrm>
+            <a:prstGeom prst="straightConnector1">
+              <a:avLst/>
+            </a:prstGeom>
+            <a:ln>
+              <a:tailEnd type="triangle"/>
+            </a:ln>
+          </p:spPr>
+          <p:style>
+            <a:lnRef idx="1">
+              <a:schemeClr val="dk1"/>
+            </a:lnRef>
+            <a:fillRef idx="0">
+              <a:schemeClr val="dk1"/>
+            </a:fillRef>
+            <a:effectRef idx="0">
+              <a:schemeClr val="dk1"/>
+            </a:effectRef>
+            <a:fontRef idx="minor">
+              <a:schemeClr val="tx1"/>
+            </a:fontRef>
+          </p:style>
+        </p:cxnSp>
+      </p:grpSp>
+      <p:grpSp>
+        <p:nvGrpSpPr>
+          <p:cNvPr id="168" name="Group 167"/>
+          <p:cNvGrpSpPr/>
+          <p:nvPr/>
+        </p:nvGrpSpPr>
+        <p:grpSpPr>
+          <a:xfrm>
+            <a:off x="2466624" y="3741505"/>
+            <a:ext cx="362178" cy="669718"/>
+            <a:chOff x="2451941" y="2709819"/>
+            <a:chExt cx="362178" cy="669718"/>
+          </a:xfrm>
+        </p:grpSpPr>
+        <p:sp>
+          <p:nvSpPr>
+            <p:cNvPr id="197" name="Rectangle 196">
+              <a:extLst>
+                <a:ext uri="{FF2B5EF4-FFF2-40B4-BE49-F238E27FC236}">
+                  <a16:creationId xmlns:a16="http://schemas.microsoft.com/office/drawing/2014/main" xmlns="" id="{23D50B6A-3A29-4DF7-8843-5E8F1D535D2B}"/>
+                </a:ext>
+              </a:extLst>
+            </p:cNvPr>
+            <p:cNvSpPr/>
+            <p:nvPr/>
+          </p:nvSpPr>
+          <p:spPr>
+            <a:xfrm>
+              <a:off x="2503071" y="2863784"/>
+              <a:ext cx="257281" cy="269532"/>
+            </a:xfrm>
+            <a:prstGeom prst="rect">
+              <a:avLst/>
+            </a:prstGeom>
+            <a:noFill/>
+          </p:spPr>
+          <p:style>
+            <a:lnRef idx="2">
+              <a:schemeClr val="accent1">
+                <a:shade val="50000"/>
+              </a:schemeClr>
+            </a:lnRef>
+            <a:fillRef idx="1">
+              <a:schemeClr val="accent1"/>
+            </a:fillRef>
+            <a:effectRef idx="0">
+              <a:schemeClr val="accent1"/>
+            </a:effectRef>
+            <a:fontRef idx="minor">
+              <a:schemeClr val="lt1"/>
+            </a:fontRef>
+          </p:style>
+          <p:txBody>
+            <a:bodyPr rtlCol="0" anchor="ctr"/>
+            <a:lstStyle/>
+            <a:p>
+              <a:pPr algn="ctr"/>
+              <a:endParaRPr lang="en-US" dirty="0">
+                <a:solidFill>
+                  <a:schemeClr val="tx1"/>
+                </a:solidFill>
+              </a:endParaRPr>
+            </a:p>
+          </p:txBody>
+        </p:sp>
+        <p:sp>
+          <p:nvSpPr>
+            <p:cNvPr id="198" name="TextBox 197">
+              <a:extLst>
+                <a:ext uri="{FF2B5EF4-FFF2-40B4-BE49-F238E27FC236}">
+                  <a16:creationId xmlns:a16="http://schemas.microsoft.com/office/drawing/2014/main" xmlns="" id="{D07A2DDA-E2D1-443F-B0A1-5B956BD413B3}"/>
+                </a:ext>
+              </a:extLst>
+            </p:cNvPr>
+            <p:cNvSpPr txBox="1"/>
+            <p:nvPr/>
+          </p:nvSpPr>
+          <p:spPr>
+            <a:xfrm>
+              <a:off x="2451941" y="3133316"/>
+              <a:ext cx="362178" cy="246221"/>
+            </a:xfrm>
+            <a:prstGeom prst="rect">
+              <a:avLst/>
+            </a:prstGeom>
+            <a:noFill/>
+          </p:spPr>
+          <p:txBody>
+            <a:bodyPr wrap="square" rtlCol="0">
+              <a:spAutoFit/>
+            </a:bodyPr>
+            <a:lstStyle/>
+            <a:p>
+              <a:pPr algn="ctr"/>
+              <a:r>
+                <a:rPr lang="en-US" sz="1000" dirty="0" smtClean="0"/>
+                <a:t>cur</a:t>
+              </a:r>
+              <a:endParaRPr lang="en-US" sz="1000" dirty="0"/>
+            </a:p>
+          </p:txBody>
+        </p:sp>
+        <p:cxnSp>
+          <p:nvCxnSpPr>
+            <p:cNvPr id="199" name="Straight Arrow Connector 198">
+              <a:extLst>
+                <a:ext uri="{FF2B5EF4-FFF2-40B4-BE49-F238E27FC236}">
+                  <a16:creationId xmlns:a16="http://schemas.microsoft.com/office/drawing/2014/main" xmlns="" id="{85921D34-1A6D-4A55-8163-2EFF867246F7}"/>
+                </a:ext>
+              </a:extLst>
+            </p:cNvPr>
+            <p:cNvCxnSpPr>
+              <a:cxnSpLocks/>
+            </p:cNvCxnSpPr>
+            <p:nvPr/>
+          </p:nvCxnSpPr>
+          <p:spPr>
+            <a:xfrm flipV="1">
+              <a:off x="2633030" y="2709819"/>
+              <a:ext cx="1" cy="293374"/>
+            </a:xfrm>
+            <a:prstGeom prst="straightConnector1">
+              <a:avLst/>
+            </a:prstGeom>
+            <a:ln>
+              <a:tailEnd type="triangle"/>
+            </a:ln>
+          </p:spPr>
+          <p:style>
+            <a:lnRef idx="1">
+              <a:schemeClr val="dk1"/>
+            </a:lnRef>
+            <a:fillRef idx="0">
+              <a:schemeClr val="dk1"/>
+            </a:fillRef>
+            <a:effectRef idx="0">
+              <a:schemeClr val="dk1"/>
+            </a:effectRef>
+            <a:fontRef idx="minor">
+              <a:schemeClr val="tx1"/>
+            </a:fontRef>
+          </p:style>
+        </p:cxnSp>
+      </p:grpSp>
+      <p:grpSp>
+        <p:nvGrpSpPr>
+          <p:cNvPr id="200" name="Group 199"/>
+          <p:cNvGrpSpPr/>
+          <p:nvPr/>
+        </p:nvGrpSpPr>
+        <p:grpSpPr>
+          <a:xfrm>
+            <a:off x="3399877" y="4710057"/>
+            <a:ext cx="362178" cy="669718"/>
+            <a:chOff x="2451941" y="2709819"/>
+            <a:chExt cx="362178" cy="669718"/>
+          </a:xfrm>
+        </p:grpSpPr>
+        <p:sp>
+          <p:nvSpPr>
+            <p:cNvPr id="201" name="Rectangle 200">
+              <a:extLst>
+                <a:ext uri="{FF2B5EF4-FFF2-40B4-BE49-F238E27FC236}">
+                  <a16:creationId xmlns:a16="http://schemas.microsoft.com/office/drawing/2014/main" xmlns="" id="{23D50B6A-3A29-4DF7-8843-5E8F1D535D2B}"/>
+                </a:ext>
+              </a:extLst>
+            </p:cNvPr>
+            <p:cNvSpPr/>
+            <p:nvPr/>
+          </p:nvSpPr>
+          <p:spPr>
+            <a:xfrm>
+              <a:off x="2503071" y="2863784"/>
+              <a:ext cx="257281" cy="269532"/>
+            </a:xfrm>
+            <a:prstGeom prst="rect">
+              <a:avLst/>
+            </a:prstGeom>
+            <a:noFill/>
+          </p:spPr>
+          <p:style>
+            <a:lnRef idx="2">
+              <a:schemeClr val="accent1">
+                <a:shade val="50000"/>
+              </a:schemeClr>
+            </a:lnRef>
+            <a:fillRef idx="1">
+              <a:schemeClr val="accent1"/>
+            </a:fillRef>
+            <a:effectRef idx="0">
+              <a:schemeClr val="accent1"/>
+            </a:effectRef>
+            <a:fontRef idx="minor">
+              <a:schemeClr val="lt1"/>
+            </a:fontRef>
+          </p:style>
+          <p:txBody>
+            <a:bodyPr rtlCol="0" anchor="ctr"/>
+            <a:lstStyle/>
+            <a:p>
+              <a:pPr algn="ctr"/>
+              <a:endParaRPr lang="en-US" dirty="0">
+                <a:solidFill>
+                  <a:schemeClr val="tx1"/>
+                </a:solidFill>
+              </a:endParaRPr>
+            </a:p>
+          </p:txBody>
+        </p:sp>
+        <p:sp>
+          <p:nvSpPr>
+            <p:cNvPr id="202" name="TextBox 201">
+              <a:extLst>
+                <a:ext uri="{FF2B5EF4-FFF2-40B4-BE49-F238E27FC236}">
+                  <a16:creationId xmlns:a16="http://schemas.microsoft.com/office/drawing/2014/main" xmlns="" id="{D07A2DDA-E2D1-443F-B0A1-5B956BD413B3}"/>
+                </a:ext>
+              </a:extLst>
+            </p:cNvPr>
+            <p:cNvSpPr txBox="1"/>
+            <p:nvPr/>
+          </p:nvSpPr>
+          <p:spPr>
+            <a:xfrm>
+              <a:off x="2451941" y="3133316"/>
+              <a:ext cx="362178" cy="246221"/>
+            </a:xfrm>
+            <a:prstGeom prst="rect">
+              <a:avLst/>
+            </a:prstGeom>
+            <a:noFill/>
+          </p:spPr>
+          <p:txBody>
+            <a:bodyPr wrap="square" rtlCol="0">
+              <a:spAutoFit/>
+            </a:bodyPr>
+            <a:lstStyle/>
+            <a:p>
+              <a:pPr algn="ctr"/>
+              <a:r>
+                <a:rPr lang="en-US" sz="1000" dirty="0" smtClean="0"/>
+                <a:t>cur</a:t>
+              </a:r>
+              <a:endParaRPr lang="en-US" sz="1000" dirty="0"/>
+            </a:p>
+          </p:txBody>
+        </p:sp>
+        <p:cxnSp>
+          <p:nvCxnSpPr>
+            <p:cNvPr id="203" name="Straight Arrow Connector 202">
+              <a:extLst>
+                <a:ext uri="{FF2B5EF4-FFF2-40B4-BE49-F238E27FC236}">
+                  <a16:creationId xmlns:a16="http://schemas.microsoft.com/office/drawing/2014/main" xmlns="" id="{85921D34-1A6D-4A55-8163-2EFF867246F7}"/>
+                </a:ext>
+              </a:extLst>
+            </p:cNvPr>
+            <p:cNvCxnSpPr>
+              <a:cxnSpLocks/>
+            </p:cNvCxnSpPr>
+            <p:nvPr/>
+          </p:nvCxnSpPr>
+          <p:spPr>
+            <a:xfrm flipV="1">
+              <a:off x="2633030" y="2709819"/>
+              <a:ext cx="1" cy="293374"/>
+            </a:xfrm>
+            <a:prstGeom prst="straightConnector1">
+              <a:avLst/>
+            </a:prstGeom>
+            <a:ln>
+              <a:tailEnd type="triangle"/>
+            </a:ln>
+          </p:spPr>
+          <p:style>
+            <a:lnRef idx="1">
+              <a:schemeClr val="dk1"/>
+            </a:lnRef>
+            <a:fillRef idx="0">
+              <a:schemeClr val="dk1"/>
+            </a:fillRef>
+            <a:effectRef idx="0">
+              <a:schemeClr val="dk1"/>
+            </a:effectRef>
+            <a:fontRef idx="minor">
+              <a:schemeClr val="tx1"/>
+            </a:fontRef>
+          </p:style>
+        </p:cxnSp>
+      </p:grpSp>
+      <p:grpSp>
+        <p:nvGrpSpPr>
+          <p:cNvPr id="32" name="Group 31"/>
+          <p:cNvGrpSpPr/>
+          <p:nvPr/>
+        </p:nvGrpSpPr>
+        <p:grpSpPr>
+          <a:xfrm>
+            <a:off x="1500573" y="2205722"/>
+            <a:ext cx="751721" cy="515753"/>
+            <a:chOff x="1500573" y="2205722"/>
+            <a:chExt cx="751721" cy="515753"/>
+          </a:xfrm>
+        </p:grpSpPr>
+        <p:sp>
+          <p:nvSpPr>
+            <p:cNvPr id="208" name="Rectangle 207">
+              <a:extLst>
+                <a:ext uri="{FF2B5EF4-FFF2-40B4-BE49-F238E27FC236}">
+                  <a16:creationId xmlns:a16="http://schemas.microsoft.com/office/drawing/2014/main" xmlns="" id="{E12AC03C-4F21-475F-8A8D-73D2412033C0}"/>
+                </a:ext>
+              </a:extLst>
+            </p:cNvPr>
+            <p:cNvSpPr/>
+            <p:nvPr/>
+          </p:nvSpPr>
+          <p:spPr>
+            <a:xfrm>
+              <a:off x="1595472" y="2451943"/>
+              <a:ext cx="257281" cy="269532"/>
+            </a:xfrm>
+            <a:prstGeom prst="rect">
+              <a:avLst/>
+            </a:prstGeom>
+            <a:noFill/>
+          </p:spPr>
+          <p:style>
+            <a:lnRef idx="2">
+              <a:schemeClr val="accent1">
+                <a:shade val="50000"/>
+              </a:schemeClr>
+            </a:lnRef>
+            <a:fillRef idx="1">
+              <a:schemeClr val="accent1"/>
+            </a:fillRef>
+            <a:effectRef idx="0">
+              <a:schemeClr val="accent1"/>
+            </a:effectRef>
+            <a:fontRef idx="minor">
+              <a:schemeClr val="lt1"/>
+            </a:fontRef>
+          </p:style>
+          <p:txBody>
+            <a:bodyPr rtlCol="0" anchor="ctr"/>
+            <a:lstStyle/>
+            <a:p>
+              <a:pPr algn="ctr"/>
+              <a:endParaRPr lang="en-US" dirty="0">
+                <a:solidFill>
+                  <a:schemeClr val="tx1"/>
+                </a:solidFill>
+              </a:endParaRPr>
+            </a:p>
+          </p:txBody>
+        </p:sp>
+        <p:sp>
+          <p:nvSpPr>
+            <p:cNvPr id="209" name="TextBox 208">
+              <a:extLst>
+                <a:ext uri="{FF2B5EF4-FFF2-40B4-BE49-F238E27FC236}">
+                  <a16:creationId xmlns:a16="http://schemas.microsoft.com/office/drawing/2014/main" xmlns="" id="{A07CA28C-6DF8-4F1A-837A-F607668B1CE0}"/>
+                </a:ext>
+              </a:extLst>
+            </p:cNvPr>
+            <p:cNvSpPr txBox="1"/>
+            <p:nvPr/>
+          </p:nvSpPr>
+          <p:spPr>
+            <a:xfrm>
+              <a:off x="1500573" y="2205722"/>
+              <a:ext cx="445720" cy="246221"/>
+            </a:xfrm>
+            <a:prstGeom prst="rect">
+              <a:avLst/>
+            </a:prstGeom>
+            <a:noFill/>
+          </p:spPr>
+          <p:txBody>
+            <a:bodyPr wrap="square" rtlCol="0">
+              <a:spAutoFit/>
+            </a:bodyPr>
+            <a:lstStyle/>
+            <a:p>
+              <a:pPr algn="ctr"/>
+              <a:r>
+                <a:rPr lang="en-US" sz="1000" dirty="0" smtClean="0"/>
+                <a:t>head</a:t>
+              </a:r>
+              <a:endParaRPr lang="en-US" sz="1000" dirty="0"/>
+            </a:p>
+          </p:txBody>
+        </p:sp>
+        <p:cxnSp>
+          <p:nvCxnSpPr>
+            <p:cNvPr id="234" name="Straight Arrow Connector 233"/>
+            <p:cNvCxnSpPr/>
+            <p:nvPr/>
+          </p:nvCxnSpPr>
+          <p:spPr>
+            <a:xfrm>
+              <a:off x="1724112" y="2586709"/>
+              <a:ext cx="528182" cy="0"/>
+            </a:xfrm>
+            <a:prstGeom prst="straightConnector1">
+              <a:avLst/>
+            </a:prstGeom>
+            <a:ln>
+              <a:tailEnd type="arrow"/>
+            </a:ln>
+          </p:spPr>
+          <p:style>
+            <a:lnRef idx="1">
+              <a:schemeClr val="dk1"/>
+            </a:lnRef>
+            <a:fillRef idx="0">
+              <a:schemeClr val="dk1"/>
+            </a:fillRef>
+            <a:effectRef idx="0">
+              <a:schemeClr val="dk1"/>
+            </a:effectRef>
+            <a:fontRef idx="minor">
+              <a:schemeClr val="tx1"/>
+            </a:fontRef>
+          </p:style>
+        </p:cxnSp>
+      </p:grpSp>
+      <p:grpSp>
+        <p:nvGrpSpPr>
+          <p:cNvPr id="210" name="Group 209"/>
+          <p:cNvGrpSpPr/>
+          <p:nvPr/>
+        </p:nvGrpSpPr>
+        <p:grpSpPr>
+          <a:xfrm>
+            <a:off x="3406089" y="5680321"/>
+            <a:ext cx="362178" cy="669718"/>
+            <a:chOff x="2451941" y="2709819"/>
+            <a:chExt cx="362178" cy="669718"/>
+          </a:xfrm>
+        </p:grpSpPr>
+        <p:sp>
+          <p:nvSpPr>
+            <p:cNvPr id="211" name="Rectangle 210">
+              <a:extLst>
+                <a:ext uri="{FF2B5EF4-FFF2-40B4-BE49-F238E27FC236}">
+                  <a16:creationId xmlns:a16="http://schemas.microsoft.com/office/drawing/2014/main" xmlns="" id="{23D50B6A-3A29-4DF7-8843-5E8F1D535D2B}"/>
+                </a:ext>
+              </a:extLst>
+            </p:cNvPr>
+            <p:cNvSpPr/>
+            <p:nvPr/>
+          </p:nvSpPr>
+          <p:spPr>
+            <a:xfrm>
+              <a:off x="2503071" y="2863784"/>
+              <a:ext cx="257281" cy="269532"/>
+            </a:xfrm>
+            <a:prstGeom prst="rect">
+              <a:avLst/>
+            </a:prstGeom>
+            <a:noFill/>
+          </p:spPr>
+          <p:style>
+            <a:lnRef idx="2">
+              <a:schemeClr val="accent1">
+                <a:shade val="50000"/>
+              </a:schemeClr>
+            </a:lnRef>
+            <a:fillRef idx="1">
+              <a:schemeClr val="accent1"/>
+            </a:fillRef>
+            <a:effectRef idx="0">
+              <a:schemeClr val="accent1"/>
+            </a:effectRef>
+            <a:fontRef idx="minor">
+              <a:schemeClr val="lt1"/>
+            </a:fontRef>
+          </p:style>
+          <p:txBody>
+            <a:bodyPr rtlCol="0" anchor="ctr"/>
+            <a:lstStyle/>
+            <a:p>
+              <a:pPr algn="ctr"/>
+              <a:endParaRPr lang="en-US" dirty="0">
+                <a:solidFill>
+                  <a:schemeClr val="tx1"/>
+                </a:solidFill>
+              </a:endParaRPr>
+            </a:p>
+          </p:txBody>
+        </p:sp>
+        <p:sp>
+          <p:nvSpPr>
+            <p:cNvPr id="212" name="TextBox 211">
+              <a:extLst>
+                <a:ext uri="{FF2B5EF4-FFF2-40B4-BE49-F238E27FC236}">
+                  <a16:creationId xmlns:a16="http://schemas.microsoft.com/office/drawing/2014/main" xmlns="" id="{D07A2DDA-E2D1-443F-B0A1-5B956BD413B3}"/>
+                </a:ext>
+              </a:extLst>
+            </p:cNvPr>
+            <p:cNvSpPr txBox="1"/>
+            <p:nvPr/>
+          </p:nvSpPr>
+          <p:spPr>
+            <a:xfrm>
+              <a:off x="2451941" y="3133316"/>
+              <a:ext cx="362178" cy="246221"/>
+            </a:xfrm>
+            <a:prstGeom prst="rect">
+              <a:avLst/>
+            </a:prstGeom>
+            <a:noFill/>
+          </p:spPr>
+          <p:txBody>
+            <a:bodyPr wrap="square" rtlCol="0">
+              <a:spAutoFit/>
+            </a:bodyPr>
+            <a:lstStyle/>
+            <a:p>
+              <a:pPr algn="ctr"/>
+              <a:r>
+                <a:rPr lang="en-US" sz="1000" dirty="0" smtClean="0"/>
+                <a:t>cur</a:t>
+              </a:r>
+              <a:endParaRPr lang="en-US" sz="1000" dirty="0"/>
+            </a:p>
+          </p:txBody>
+        </p:sp>
+        <p:cxnSp>
+          <p:nvCxnSpPr>
+            <p:cNvPr id="213" name="Straight Arrow Connector 212">
+              <a:extLst>
+                <a:ext uri="{FF2B5EF4-FFF2-40B4-BE49-F238E27FC236}">
+                  <a16:creationId xmlns:a16="http://schemas.microsoft.com/office/drawing/2014/main" xmlns="" id="{85921D34-1A6D-4A55-8163-2EFF867246F7}"/>
+                </a:ext>
+              </a:extLst>
+            </p:cNvPr>
+            <p:cNvCxnSpPr>
+              <a:cxnSpLocks/>
+            </p:cNvCxnSpPr>
+            <p:nvPr/>
+          </p:nvCxnSpPr>
+          <p:spPr>
+            <a:xfrm flipV="1">
+              <a:off x="2633030" y="2709819"/>
+              <a:ext cx="1" cy="293374"/>
+            </a:xfrm>
+            <a:prstGeom prst="straightConnector1">
+              <a:avLst/>
+            </a:prstGeom>
+            <a:ln>
+              <a:tailEnd type="triangle"/>
+            </a:ln>
+          </p:spPr>
+          <p:style>
+            <a:lnRef idx="1">
+              <a:schemeClr val="dk1"/>
+            </a:lnRef>
+            <a:fillRef idx="0">
+              <a:schemeClr val="dk1"/>
+            </a:fillRef>
+            <a:effectRef idx="0">
+              <a:schemeClr val="dk1"/>
+            </a:effectRef>
+            <a:fontRef idx="minor">
+              <a:schemeClr val="tx1"/>
+            </a:fontRef>
+          </p:style>
+        </p:cxnSp>
+      </p:grpSp>
+      <p:grpSp>
+        <p:nvGrpSpPr>
+          <p:cNvPr id="214" name="Group 213"/>
+          <p:cNvGrpSpPr/>
+          <p:nvPr/>
+        </p:nvGrpSpPr>
+        <p:grpSpPr>
+          <a:xfrm>
+            <a:off x="7545449" y="3250413"/>
+            <a:ext cx="362178" cy="669718"/>
+            <a:chOff x="2451941" y="2709819"/>
+            <a:chExt cx="362178" cy="669718"/>
+          </a:xfrm>
+        </p:grpSpPr>
+        <p:sp>
+          <p:nvSpPr>
+            <p:cNvPr id="236" name="Rectangle 235">
+              <a:extLst>
+                <a:ext uri="{FF2B5EF4-FFF2-40B4-BE49-F238E27FC236}">
+                  <a16:creationId xmlns:a16="http://schemas.microsoft.com/office/drawing/2014/main" xmlns="" id="{23D50B6A-3A29-4DF7-8843-5E8F1D535D2B}"/>
+                </a:ext>
+              </a:extLst>
+            </p:cNvPr>
+            <p:cNvSpPr/>
+            <p:nvPr/>
+          </p:nvSpPr>
+          <p:spPr>
+            <a:xfrm>
+              <a:off x="2503071" y="2863784"/>
+              <a:ext cx="257281" cy="269532"/>
+            </a:xfrm>
+            <a:prstGeom prst="rect">
+              <a:avLst/>
+            </a:prstGeom>
+            <a:noFill/>
+          </p:spPr>
+          <p:style>
+            <a:lnRef idx="2">
+              <a:schemeClr val="accent1">
+                <a:shade val="50000"/>
+              </a:schemeClr>
+            </a:lnRef>
+            <a:fillRef idx="1">
+              <a:schemeClr val="accent1"/>
+            </a:fillRef>
+            <a:effectRef idx="0">
+              <a:schemeClr val="accent1"/>
+            </a:effectRef>
+            <a:fontRef idx="minor">
+              <a:schemeClr val="lt1"/>
+            </a:fontRef>
+          </p:style>
+          <p:txBody>
+            <a:bodyPr rtlCol="0" anchor="ctr"/>
+            <a:lstStyle/>
+            <a:p>
+              <a:pPr algn="ctr"/>
+              <a:endParaRPr lang="en-US" dirty="0">
+                <a:solidFill>
+                  <a:schemeClr val="tx1"/>
+                </a:solidFill>
+              </a:endParaRPr>
+            </a:p>
+          </p:txBody>
+        </p:sp>
+        <p:sp>
+          <p:nvSpPr>
+            <p:cNvPr id="237" name="TextBox 236">
+              <a:extLst>
+                <a:ext uri="{FF2B5EF4-FFF2-40B4-BE49-F238E27FC236}">
+                  <a16:creationId xmlns:a16="http://schemas.microsoft.com/office/drawing/2014/main" xmlns="" id="{D07A2DDA-E2D1-443F-B0A1-5B956BD413B3}"/>
+                </a:ext>
+              </a:extLst>
+            </p:cNvPr>
+            <p:cNvSpPr txBox="1"/>
+            <p:nvPr/>
+          </p:nvSpPr>
+          <p:spPr>
+            <a:xfrm>
+              <a:off x="2451941" y="3133316"/>
+              <a:ext cx="362178" cy="246221"/>
+            </a:xfrm>
+            <a:prstGeom prst="rect">
+              <a:avLst/>
+            </a:prstGeom>
+            <a:noFill/>
+          </p:spPr>
+          <p:txBody>
+            <a:bodyPr wrap="square" rtlCol="0">
+              <a:spAutoFit/>
+            </a:bodyPr>
+            <a:lstStyle/>
+            <a:p>
+              <a:pPr algn="ctr"/>
+              <a:r>
+                <a:rPr lang="en-US" sz="1000" dirty="0" smtClean="0"/>
+                <a:t>cur</a:t>
+              </a:r>
+              <a:endParaRPr lang="en-US" sz="1000" dirty="0"/>
+            </a:p>
+          </p:txBody>
+        </p:sp>
+        <p:cxnSp>
+          <p:nvCxnSpPr>
+            <p:cNvPr id="243" name="Straight Arrow Connector 242">
+              <a:extLst>
+                <a:ext uri="{FF2B5EF4-FFF2-40B4-BE49-F238E27FC236}">
+                  <a16:creationId xmlns:a16="http://schemas.microsoft.com/office/drawing/2014/main" xmlns="" id="{85921D34-1A6D-4A55-8163-2EFF867246F7}"/>
+                </a:ext>
+              </a:extLst>
+            </p:cNvPr>
+            <p:cNvCxnSpPr>
+              <a:cxnSpLocks/>
+            </p:cNvCxnSpPr>
+            <p:nvPr/>
+          </p:nvCxnSpPr>
+          <p:spPr>
+            <a:xfrm flipV="1">
+              <a:off x="2633030" y="2709819"/>
+              <a:ext cx="1" cy="293374"/>
+            </a:xfrm>
+            <a:prstGeom prst="straightConnector1">
+              <a:avLst/>
+            </a:prstGeom>
+            <a:ln>
+              <a:tailEnd type="triangle"/>
+            </a:ln>
+          </p:spPr>
+          <p:style>
+            <a:lnRef idx="1">
+              <a:schemeClr val="dk1"/>
+            </a:lnRef>
+            <a:fillRef idx="0">
+              <a:schemeClr val="dk1"/>
+            </a:fillRef>
+            <a:effectRef idx="0">
+              <a:schemeClr val="dk1"/>
+            </a:effectRef>
+            <a:fontRef idx="minor">
+              <a:schemeClr val="tx1"/>
+            </a:fontRef>
+          </p:style>
+        </p:cxnSp>
+      </p:grpSp>
+      <p:sp>
+        <p:nvSpPr>
+          <p:cNvPr id="244" name="Rectangle 243">
+            <a:extLst>
+              <a:ext uri="{FF2B5EF4-FFF2-40B4-BE49-F238E27FC236}">
+                <a16:creationId xmlns:a16="http://schemas.microsoft.com/office/drawing/2014/main" xmlns="" id="{E12AC03C-4F21-475F-8A8D-73D2412033C0}"/>
+              </a:ext>
+            </a:extLst>
+          </p:cNvPr>
+          <p:cNvSpPr/>
+          <p:nvPr/>
+        </p:nvSpPr>
+        <p:spPr>
+          <a:xfrm>
+            <a:off x="7597898" y="2980881"/>
+            <a:ext cx="257281" cy="269532"/>
+          </a:xfrm>
+          <a:prstGeom prst="rect">
+            <a:avLst/>
+          </a:prstGeom>
+          <a:noFill/>
+        </p:spPr>
+        <p:style>
+          <a:lnRef idx="2">
+            <a:schemeClr val="accent1">
+              <a:shade val="50000"/>
+            </a:schemeClr>
+          </a:lnRef>
+          <a:fillRef idx="1">
+            <a:schemeClr val="accent1"/>
+          </a:fillRef>
+          <a:effectRef idx="0">
+            <a:schemeClr val="accent1"/>
+          </a:effectRef>
+          <a:fontRef idx="minor">
+            <a:schemeClr val="lt1"/>
+          </a:fontRef>
+        </p:style>
+        <p:txBody>
+          <a:bodyPr rtlCol="0" anchor="ctr"/>
+          <a:lstStyle/>
+          <a:p>
+            <a:pPr algn="ctr"/>
+            <a:endParaRPr lang="en-US" dirty="0">
+              <a:solidFill>
+                <a:schemeClr val="tx1"/>
+              </a:solidFill>
+            </a:endParaRPr>
+          </a:p>
+        </p:txBody>
+      </p:sp>
+      <p:sp>
+        <p:nvSpPr>
+          <p:cNvPr id="245" name="TextBox 244">
+            <a:extLst>
+              <a:ext uri="{FF2B5EF4-FFF2-40B4-BE49-F238E27FC236}">
+                <a16:creationId xmlns:a16="http://schemas.microsoft.com/office/drawing/2014/main" xmlns="" id="{A07CA28C-6DF8-4F1A-837A-F607668B1CE0}"/>
+              </a:ext>
+            </a:extLst>
+          </p:cNvPr>
+          <p:cNvSpPr txBox="1"/>
+          <p:nvPr/>
+        </p:nvSpPr>
+        <p:spPr>
+          <a:xfrm>
+            <a:off x="7503679" y="2721475"/>
+            <a:ext cx="445720" cy="246221"/>
+          </a:xfrm>
+          <a:prstGeom prst="rect">
+            <a:avLst/>
+          </a:prstGeom>
+          <a:noFill/>
+        </p:spPr>
+        <p:txBody>
+          <a:bodyPr wrap="square" rtlCol="0">
+            <a:spAutoFit/>
+          </a:bodyPr>
+          <a:lstStyle/>
+          <a:p>
+            <a:pPr algn="ctr"/>
+            <a:r>
+              <a:rPr lang="en-US" sz="1000" dirty="0" smtClean="0"/>
+              <a:t>head</a:t>
+            </a:r>
+            <a:endParaRPr lang="en-US" sz="1000" dirty="0"/>
+          </a:p>
+        </p:txBody>
+      </p:sp>
+      <p:cxnSp>
+        <p:nvCxnSpPr>
+          <p:cNvPr id="246" name="Straight Arrow Connector 245"/>
+          <p:cNvCxnSpPr/>
+          <p:nvPr/>
+        </p:nvCxnSpPr>
+        <p:spPr>
+          <a:xfrm>
+            <a:off x="7726538" y="3115647"/>
+            <a:ext cx="528182" cy="0"/>
+          </a:xfrm>
+          <a:prstGeom prst="straightConnector1">
+            <a:avLst/>
+          </a:prstGeom>
+          <a:ln>
+            <a:tailEnd type="arrow"/>
+          </a:ln>
+        </p:spPr>
+        <p:style>
+          <a:lnRef idx="1">
+            <a:schemeClr val="dk1"/>
+          </a:lnRef>
+          <a:fillRef idx="0">
+            <a:schemeClr val="dk1"/>
+          </a:fillRef>
+          <a:effectRef idx="0">
+            <a:schemeClr val="dk1"/>
+          </a:effectRef>
+          <a:fontRef idx="minor">
+            <a:schemeClr val="tx1"/>
+          </a:fontRef>
+        </p:style>
+      </p:cxnSp>
+      <p:grpSp>
+        <p:nvGrpSpPr>
+          <p:cNvPr id="251" name="Group 250"/>
+          <p:cNvGrpSpPr/>
+          <p:nvPr/>
+        </p:nvGrpSpPr>
+        <p:grpSpPr>
+          <a:xfrm>
+            <a:off x="6658403" y="4421325"/>
+            <a:ext cx="362178" cy="669718"/>
+            <a:chOff x="2451941" y="2709819"/>
+            <a:chExt cx="362178" cy="669718"/>
+          </a:xfrm>
+        </p:grpSpPr>
+        <p:sp>
+          <p:nvSpPr>
+            <p:cNvPr id="252" name="Rectangle 251">
+              <a:extLst>
+                <a:ext uri="{FF2B5EF4-FFF2-40B4-BE49-F238E27FC236}">
+                  <a16:creationId xmlns:a16="http://schemas.microsoft.com/office/drawing/2014/main" xmlns="" id="{23D50B6A-3A29-4DF7-8843-5E8F1D535D2B}"/>
+                </a:ext>
+              </a:extLst>
+            </p:cNvPr>
+            <p:cNvSpPr/>
+            <p:nvPr/>
+          </p:nvSpPr>
+          <p:spPr>
+            <a:xfrm>
+              <a:off x="2503071" y="2863784"/>
+              <a:ext cx="257281" cy="269532"/>
+            </a:xfrm>
+            <a:prstGeom prst="rect">
+              <a:avLst/>
+            </a:prstGeom>
+            <a:noFill/>
+          </p:spPr>
+          <p:style>
+            <a:lnRef idx="2">
+              <a:schemeClr val="accent1">
+                <a:shade val="50000"/>
+              </a:schemeClr>
+            </a:lnRef>
+            <a:fillRef idx="1">
+              <a:schemeClr val="accent1"/>
+            </a:fillRef>
+            <a:effectRef idx="0">
+              <a:schemeClr val="accent1"/>
+            </a:effectRef>
+            <a:fontRef idx="minor">
+              <a:schemeClr val="lt1"/>
+            </a:fontRef>
+          </p:style>
+          <p:txBody>
+            <a:bodyPr rtlCol="0" anchor="ctr"/>
+            <a:lstStyle/>
+            <a:p>
+              <a:pPr algn="ctr"/>
+              <a:endParaRPr lang="en-US" dirty="0">
+                <a:solidFill>
+                  <a:schemeClr val="tx1"/>
+                </a:solidFill>
+              </a:endParaRPr>
+            </a:p>
+          </p:txBody>
+        </p:sp>
+        <p:sp>
+          <p:nvSpPr>
+            <p:cNvPr id="253" name="TextBox 252">
+              <a:extLst>
+                <a:ext uri="{FF2B5EF4-FFF2-40B4-BE49-F238E27FC236}">
+                  <a16:creationId xmlns:a16="http://schemas.microsoft.com/office/drawing/2014/main" xmlns="" id="{D07A2DDA-E2D1-443F-B0A1-5B956BD413B3}"/>
+                </a:ext>
+              </a:extLst>
+            </p:cNvPr>
+            <p:cNvSpPr txBox="1"/>
+            <p:nvPr/>
+          </p:nvSpPr>
+          <p:spPr>
+            <a:xfrm>
+              <a:off x="2451941" y="3133316"/>
+              <a:ext cx="362178" cy="246221"/>
+            </a:xfrm>
+            <a:prstGeom prst="rect">
+              <a:avLst/>
+            </a:prstGeom>
+            <a:noFill/>
+          </p:spPr>
+          <p:txBody>
+            <a:bodyPr wrap="square" rtlCol="0">
+              <a:spAutoFit/>
+            </a:bodyPr>
+            <a:lstStyle/>
+            <a:p>
+              <a:pPr algn="ctr"/>
+              <a:r>
+                <a:rPr lang="en-US" sz="1000" dirty="0" smtClean="0"/>
+                <a:t>cur</a:t>
+              </a:r>
+              <a:endParaRPr lang="en-US" sz="1000" dirty="0"/>
+            </a:p>
+          </p:txBody>
+        </p:sp>
+        <p:cxnSp>
+          <p:nvCxnSpPr>
+            <p:cNvPr id="254" name="Straight Arrow Connector 253">
+              <a:extLst>
+                <a:ext uri="{FF2B5EF4-FFF2-40B4-BE49-F238E27FC236}">
+                  <a16:creationId xmlns:a16="http://schemas.microsoft.com/office/drawing/2014/main" xmlns="" id="{85921D34-1A6D-4A55-8163-2EFF867246F7}"/>
+                </a:ext>
+              </a:extLst>
+            </p:cNvPr>
+            <p:cNvCxnSpPr>
+              <a:cxnSpLocks/>
+            </p:cNvCxnSpPr>
+            <p:nvPr/>
+          </p:nvCxnSpPr>
+          <p:spPr>
+            <a:xfrm flipV="1">
+              <a:off x="2633030" y="2709819"/>
+              <a:ext cx="1" cy="293374"/>
+            </a:xfrm>
+            <a:prstGeom prst="straightConnector1">
+              <a:avLst/>
+            </a:prstGeom>
+            <a:ln>
+              <a:tailEnd type="triangle"/>
+            </a:ln>
+          </p:spPr>
+          <p:style>
+            <a:lnRef idx="1">
+              <a:schemeClr val="dk1"/>
+            </a:lnRef>
+            <a:fillRef idx="0">
+              <a:schemeClr val="dk1"/>
+            </a:fillRef>
+            <a:effectRef idx="0">
+              <a:schemeClr val="dk1"/>
+            </a:effectRef>
+            <a:fontRef idx="minor">
+              <a:schemeClr val="tx1"/>
+            </a:fontRef>
+          </p:style>
+        </p:cxnSp>
+      </p:grpSp>
+      <p:sp>
+        <p:nvSpPr>
+          <p:cNvPr id="255" name="Rectangle 254">
+            <a:extLst>
+              <a:ext uri="{FF2B5EF4-FFF2-40B4-BE49-F238E27FC236}">
+                <a16:creationId xmlns:a16="http://schemas.microsoft.com/office/drawing/2014/main" xmlns="" id="{E12AC03C-4F21-475F-8A8D-73D2412033C0}"/>
+              </a:ext>
+            </a:extLst>
+          </p:cNvPr>
+          <p:cNvSpPr/>
+          <p:nvPr/>
+        </p:nvSpPr>
+        <p:spPr>
+          <a:xfrm>
+            <a:off x="6710852" y="4151793"/>
+            <a:ext cx="257281" cy="269532"/>
+          </a:xfrm>
+          <a:prstGeom prst="rect">
+            <a:avLst/>
+          </a:prstGeom>
+          <a:noFill/>
+        </p:spPr>
+        <p:style>
+          <a:lnRef idx="2">
+            <a:schemeClr val="accent1">
+              <a:shade val="50000"/>
+            </a:schemeClr>
+          </a:lnRef>
+          <a:fillRef idx="1">
+            <a:schemeClr val="accent1"/>
+          </a:fillRef>
+          <a:effectRef idx="0">
+            <a:schemeClr val="accent1"/>
+          </a:effectRef>
+          <a:fontRef idx="minor">
+            <a:schemeClr val="lt1"/>
+          </a:fontRef>
+        </p:style>
+        <p:txBody>
+          <a:bodyPr rtlCol="0" anchor="ctr"/>
+          <a:lstStyle/>
+          <a:p>
+            <a:pPr algn="ctr"/>
+            <a:endParaRPr lang="en-US" dirty="0">
+              <a:solidFill>
+                <a:schemeClr val="tx1"/>
+              </a:solidFill>
+            </a:endParaRPr>
+          </a:p>
+        </p:txBody>
+      </p:sp>
+      <p:sp>
+        <p:nvSpPr>
+          <p:cNvPr id="256" name="TextBox 255">
+            <a:extLst>
+              <a:ext uri="{FF2B5EF4-FFF2-40B4-BE49-F238E27FC236}">
+                <a16:creationId xmlns:a16="http://schemas.microsoft.com/office/drawing/2014/main" xmlns="" id="{A07CA28C-6DF8-4F1A-837A-F607668B1CE0}"/>
+              </a:ext>
+            </a:extLst>
+          </p:cNvPr>
+          <p:cNvSpPr txBox="1"/>
+          <p:nvPr/>
+        </p:nvSpPr>
+        <p:spPr>
+          <a:xfrm>
+            <a:off x="6616633" y="3908879"/>
+            <a:ext cx="445720" cy="246221"/>
+          </a:xfrm>
+          <a:prstGeom prst="rect">
+            <a:avLst/>
+          </a:prstGeom>
+          <a:noFill/>
+        </p:spPr>
+        <p:txBody>
+          <a:bodyPr wrap="square" rtlCol="0">
+            <a:spAutoFit/>
+          </a:bodyPr>
+          <a:lstStyle/>
+          <a:p>
+            <a:pPr algn="ctr"/>
+            <a:r>
+              <a:rPr lang="en-US" sz="1000" dirty="0" smtClean="0"/>
+              <a:t>head</a:t>
+            </a:r>
+            <a:endParaRPr lang="en-US" sz="1000" dirty="0"/>
+          </a:p>
+        </p:txBody>
+      </p:sp>
+      <p:cxnSp>
+        <p:nvCxnSpPr>
+          <p:cNvPr id="257" name="Straight Arrow Connector 256"/>
+          <p:cNvCxnSpPr/>
+          <p:nvPr/>
+        </p:nvCxnSpPr>
+        <p:spPr>
+          <a:xfrm>
+            <a:off x="6839492" y="4286559"/>
+            <a:ext cx="528182" cy="0"/>
+          </a:xfrm>
+          <a:prstGeom prst="straightConnector1">
+            <a:avLst/>
+          </a:prstGeom>
+          <a:ln>
+            <a:tailEnd type="arrow"/>
+          </a:ln>
+        </p:spPr>
+        <p:style>
+          <a:lnRef idx="1">
+            <a:schemeClr val="dk1"/>
+          </a:lnRef>
+          <a:fillRef idx="0">
+            <a:schemeClr val="dk1"/>
+          </a:fillRef>
+          <a:effectRef idx="0">
+            <a:schemeClr val="dk1"/>
+          </a:effectRef>
+          <a:fontRef idx="minor">
+            <a:schemeClr val="tx1"/>
+          </a:fontRef>
+        </p:style>
+      </p:cxnSp>
+      <p:grpSp>
+        <p:nvGrpSpPr>
+          <p:cNvPr id="258" name="Group 257"/>
+          <p:cNvGrpSpPr/>
+          <p:nvPr/>
+        </p:nvGrpSpPr>
+        <p:grpSpPr>
+          <a:xfrm>
+            <a:off x="1502120" y="3242039"/>
+            <a:ext cx="751721" cy="515753"/>
+            <a:chOff x="1500573" y="2205722"/>
+            <a:chExt cx="751721" cy="515753"/>
+          </a:xfrm>
+        </p:grpSpPr>
+        <p:sp>
+          <p:nvSpPr>
+            <p:cNvPr id="259" name="Rectangle 258">
+              <a:extLst>
+                <a:ext uri="{FF2B5EF4-FFF2-40B4-BE49-F238E27FC236}">
+                  <a16:creationId xmlns:a16="http://schemas.microsoft.com/office/drawing/2014/main" xmlns="" id="{E12AC03C-4F21-475F-8A8D-73D2412033C0}"/>
+                </a:ext>
+              </a:extLst>
+            </p:cNvPr>
+            <p:cNvSpPr/>
+            <p:nvPr/>
+          </p:nvSpPr>
+          <p:spPr>
+            <a:xfrm>
+              <a:off x="1595472" y="2451943"/>
+              <a:ext cx="257281" cy="269532"/>
+            </a:xfrm>
+            <a:prstGeom prst="rect">
+              <a:avLst/>
+            </a:prstGeom>
+            <a:noFill/>
+          </p:spPr>
+          <p:style>
+            <a:lnRef idx="2">
+              <a:schemeClr val="accent1">
+                <a:shade val="50000"/>
+              </a:schemeClr>
+            </a:lnRef>
+            <a:fillRef idx="1">
+              <a:schemeClr val="accent1"/>
+            </a:fillRef>
+            <a:effectRef idx="0">
+              <a:schemeClr val="accent1"/>
+            </a:effectRef>
+            <a:fontRef idx="minor">
+              <a:schemeClr val="lt1"/>
+            </a:fontRef>
+          </p:style>
+          <p:txBody>
+            <a:bodyPr rtlCol="0" anchor="ctr"/>
+            <a:lstStyle/>
+            <a:p>
+              <a:pPr algn="ctr"/>
+              <a:endParaRPr lang="en-US" dirty="0">
+                <a:solidFill>
+                  <a:schemeClr val="tx1"/>
+                </a:solidFill>
+              </a:endParaRPr>
+            </a:p>
+          </p:txBody>
+        </p:sp>
+        <p:sp>
+          <p:nvSpPr>
+            <p:cNvPr id="260" name="TextBox 259">
+              <a:extLst>
+                <a:ext uri="{FF2B5EF4-FFF2-40B4-BE49-F238E27FC236}">
+                  <a16:creationId xmlns:a16="http://schemas.microsoft.com/office/drawing/2014/main" xmlns="" id="{A07CA28C-6DF8-4F1A-837A-F607668B1CE0}"/>
+                </a:ext>
+              </a:extLst>
+            </p:cNvPr>
+            <p:cNvSpPr txBox="1"/>
+            <p:nvPr/>
+          </p:nvSpPr>
+          <p:spPr>
+            <a:xfrm>
+              <a:off x="1500573" y="2205722"/>
+              <a:ext cx="445720" cy="246221"/>
+            </a:xfrm>
+            <a:prstGeom prst="rect">
+              <a:avLst/>
+            </a:prstGeom>
+            <a:noFill/>
+          </p:spPr>
+          <p:txBody>
+            <a:bodyPr wrap="square" rtlCol="0">
+              <a:spAutoFit/>
+            </a:bodyPr>
+            <a:lstStyle/>
+            <a:p>
+              <a:pPr algn="ctr"/>
+              <a:r>
+                <a:rPr lang="en-US" sz="1000" dirty="0" smtClean="0"/>
+                <a:t>head</a:t>
+              </a:r>
+              <a:endParaRPr lang="en-US" sz="1000" dirty="0"/>
+            </a:p>
+          </p:txBody>
+        </p:sp>
+        <p:cxnSp>
+          <p:nvCxnSpPr>
+            <p:cNvPr id="261" name="Straight Arrow Connector 260"/>
+            <p:cNvCxnSpPr/>
+            <p:nvPr/>
+          </p:nvCxnSpPr>
+          <p:spPr>
+            <a:xfrm>
+              <a:off x="1724112" y="2586709"/>
+              <a:ext cx="528182" cy="0"/>
+            </a:xfrm>
+            <a:prstGeom prst="straightConnector1">
+              <a:avLst/>
+            </a:prstGeom>
+            <a:ln>
+              <a:tailEnd type="arrow"/>
+            </a:ln>
+          </p:spPr>
+          <p:style>
+            <a:lnRef idx="1">
+              <a:schemeClr val="dk1"/>
+            </a:lnRef>
+            <a:fillRef idx="0">
+              <a:schemeClr val="dk1"/>
+            </a:fillRef>
+            <a:effectRef idx="0">
+              <a:schemeClr val="dk1"/>
+            </a:effectRef>
+            <a:fontRef idx="minor">
+              <a:schemeClr val="tx1"/>
+            </a:fontRef>
+          </p:style>
+        </p:cxnSp>
+      </p:grpSp>
+      <p:grpSp>
+        <p:nvGrpSpPr>
+          <p:cNvPr id="262" name="Group 261"/>
+          <p:cNvGrpSpPr/>
+          <p:nvPr/>
+        </p:nvGrpSpPr>
+        <p:grpSpPr>
+          <a:xfrm>
+            <a:off x="1499371" y="4184318"/>
+            <a:ext cx="751721" cy="515753"/>
+            <a:chOff x="1500573" y="2205722"/>
+            <a:chExt cx="751721" cy="515753"/>
+          </a:xfrm>
+        </p:grpSpPr>
+        <p:sp>
+          <p:nvSpPr>
+            <p:cNvPr id="263" name="Rectangle 262">
+              <a:extLst>
+                <a:ext uri="{FF2B5EF4-FFF2-40B4-BE49-F238E27FC236}">
+                  <a16:creationId xmlns:a16="http://schemas.microsoft.com/office/drawing/2014/main" xmlns="" id="{E12AC03C-4F21-475F-8A8D-73D2412033C0}"/>
+                </a:ext>
+              </a:extLst>
+            </p:cNvPr>
+            <p:cNvSpPr/>
+            <p:nvPr/>
+          </p:nvSpPr>
+          <p:spPr>
+            <a:xfrm>
+              <a:off x="1595472" y="2451943"/>
+              <a:ext cx="257281" cy="269532"/>
+            </a:xfrm>
+            <a:prstGeom prst="rect">
+              <a:avLst/>
+            </a:prstGeom>
+            <a:noFill/>
+          </p:spPr>
+          <p:style>
+            <a:lnRef idx="2">
+              <a:schemeClr val="accent1">
+                <a:shade val="50000"/>
+              </a:schemeClr>
+            </a:lnRef>
+            <a:fillRef idx="1">
+              <a:schemeClr val="accent1"/>
+            </a:fillRef>
+            <a:effectRef idx="0">
+              <a:schemeClr val="accent1"/>
+            </a:effectRef>
+            <a:fontRef idx="minor">
+              <a:schemeClr val="lt1"/>
+            </a:fontRef>
+          </p:style>
+          <p:txBody>
+            <a:bodyPr rtlCol="0" anchor="ctr"/>
+            <a:lstStyle/>
+            <a:p>
+              <a:pPr algn="ctr"/>
+              <a:endParaRPr lang="en-US" dirty="0">
+                <a:solidFill>
+                  <a:schemeClr val="tx1"/>
+                </a:solidFill>
+              </a:endParaRPr>
+            </a:p>
+          </p:txBody>
+        </p:sp>
+        <p:sp>
+          <p:nvSpPr>
+            <p:cNvPr id="264" name="TextBox 263">
+              <a:extLst>
+                <a:ext uri="{FF2B5EF4-FFF2-40B4-BE49-F238E27FC236}">
+                  <a16:creationId xmlns:a16="http://schemas.microsoft.com/office/drawing/2014/main" xmlns="" id="{A07CA28C-6DF8-4F1A-837A-F607668B1CE0}"/>
+                </a:ext>
+              </a:extLst>
+            </p:cNvPr>
+            <p:cNvSpPr txBox="1"/>
+            <p:nvPr/>
+          </p:nvSpPr>
+          <p:spPr>
+            <a:xfrm>
+              <a:off x="1500573" y="2205722"/>
+              <a:ext cx="445720" cy="246221"/>
+            </a:xfrm>
+            <a:prstGeom prst="rect">
+              <a:avLst/>
+            </a:prstGeom>
+            <a:noFill/>
+          </p:spPr>
+          <p:txBody>
+            <a:bodyPr wrap="square" rtlCol="0">
+              <a:spAutoFit/>
+            </a:bodyPr>
+            <a:lstStyle/>
+            <a:p>
+              <a:pPr algn="ctr"/>
+              <a:r>
+                <a:rPr lang="en-US" sz="1000" dirty="0" smtClean="0"/>
+                <a:t>head</a:t>
+              </a:r>
+              <a:endParaRPr lang="en-US" sz="1000" dirty="0"/>
+            </a:p>
+          </p:txBody>
+        </p:sp>
+        <p:cxnSp>
+          <p:nvCxnSpPr>
+            <p:cNvPr id="265" name="Straight Arrow Connector 264"/>
+            <p:cNvCxnSpPr/>
+            <p:nvPr/>
+          </p:nvCxnSpPr>
+          <p:spPr>
+            <a:xfrm>
+              <a:off x="1724112" y="2586709"/>
+              <a:ext cx="528182" cy="0"/>
+            </a:xfrm>
+            <a:prstGeom prst="straightConnector1">
+              <a:avLst/>
+            </a:prstGeom>
+            <a:ln>
+              <a:tailEnd type="arrow"/>
+            </a:ln>
+          </p:spPr>
+          <p:style>
+            <a:lnRef idx="1">
+              <a:schemeClr val="dk1"/>
+            </a:lnRef>
+            <a:fillRef idx="0">
+              <a:schemeClr val="dk1"/>
+            </a:fillRef>
+            <a:effectRef idx="0">
+              <a:schemeClr val="dk1"/>
+            </a:effectRef>
+            <a:fontRef idx="minor">
+              <a:schemeClr val="tx1"/>
+            </a:fontRef>
+          </p:style>
+        </p:cxnSp>
+      </p:grpSp>
+      <p:grpSp>
+        <p:nvGrpSpPr>
+          <p:cNvPr id="266" name="Group 265"/>
+          <p:cNvGrpSpPr/>
+          <p:nvPr/>
+        </p:nvGrpSpPr>
+        <p:grpSpPr>
+          <a:xfrm>
+            <a:off x="1497568" y="5178505"/>
+            <a:ext cx="751721" cy="515753"/>
+            <a:chOff x="1500573" y="2205722"/>
+            <a:chExt cx="751721" cy="515753"/>
+          </a:xfrm>
+        </p:grpSpPr>
+        <p:sp>
+          <p:nvSpPr>
+            <p:cNvPr id="267" name="Rectangle 266">
+              <a:extLst>
+                <a:ext uri="{FF2B5EF4-FFF2-40B4-BE49-F238E27FC236}">
+                  <a16:creationId xmlns:a16="http://schemas.microsoft.com/office/drawing/2014/main" xmlns="" id="{E12AC03C-4F21-475F-8A8D-73D2412033C0}"/>
+                </a:ext>
+              </a:extLst>
+            </p:cNvPr>
+            <p:cNvSpPr/>
+            <p:nvPr/>
+          </p:nvSpPr>
+          <p:spPr>
+            <a:xfrm>
+              <a:off x="1595472" y="2451943"/>
+              <a:ext cx="257281" cy="269532"/>
+            </a:xfrm>
+            <a:prstGeom prst="rect">
+              <a:avLst/>
+            </a:prstGeom>
+            <a:noFill/>
+          </p:spPr>
+          <p:style>
+            <a:lnRef idx="2">
+              <a:schemeClr val="accent1">
+                <a:shade val="50000"/>
+              </a:schemeClr>
+            </a:lnRef>
+            <a:fillRef idx="1">
+              <a:schemeClr val="accent1"/>
+            </a:fillRef>
+            <a:effectRef idx="0">
+              <a:schemeClr val="accent1"/>
+            </a:effectRef>
+            <a:fontRef idx="minor">
+              <a:schemeClr val="lt1"/>
+            </a:fontRef>
+          </p:style>
+          <p:txBody>
+            <a:bodyPr rtlCol="0" anchor="ctr"/>
+            <a:lstStyle/>
+            <a:p>
+              <a:pPr algn="ctr"/>
+              <a:endParaRPr lang="en-US" dirty="0">
+                <a:solidFill>
+                  <a:schemeClr val="tx1"/>
+                </a:solidFill>
+              </a:endParaRPr>
+            </a:p>
+          </p:txBody>
+        </p:sp>
+        <p:sp>
+          <p:nvSpPr>
+            <p:cNvPr id="268" name="TextBox 267">
+              <a:extLst>
+                <a:ext uri="{FF2B5EF4-FFF2-40B4-BE49-F238E27FC236}">
+                  <a16:creationId xmlns:a16="http://schemas.microsoft.com/office/drawing/2014/main" xmlns="" id="{A07CA28C-6DF8-4F1A-837A-F607668B1CE0}"/>
+                </a:ext>
+              </a:extLst>
+            </p:cNvPr>
+            <p:cNvSpPr txBox="1"/>
+            <p:nvPr/>
+          </p:nvSpPr>
+          <p:spPr>
+            <a:xfrm>
+              <a:off x="1500573" y="2205722"/>
+              <a:ext cx="445720" cy="246221"/>
+            </a:xfrm>
+            <a:prstGeom prst="rect">
+              <a:avLst/>
+            </a:prstGeom>
+            <a:noFill/>
+          </p:spPr>
+          <p:txBody>
+            <a:bodyPr wrap="square" rtlCol="0">
+              <a:spAutoFit/>
+            </a:bodyPr>
+            <a:lstStyle/>
+            <a:p>
+              <a:pPr algn="ctr"/>
+              <a:r>
+                <a:rPr lang="en-US" sz="1000" dirty="0" smtClean="0"/>
+                <a:t>head</a:t>
+              </a:r>
+              <a:endParaRPr lang="en-US" sz="1000" dirty="0"/>
+            </a:p>
+          </p:txBody>
+        </p:sp>
+        <p:cxnSp>
+          <p:nvCxnSpPr>
+            <p:cNvPr id="269" name="Straight Arrow Connector 268"/>
+            <p:cNvCxnSpPr/>
+            <p:nvPr/>
+          </p:nvCxnSpPr>
+          <p:spPr>
+            <a:xfrm>
+              <a:off x="1724112" y="2586709"/>
+              <a:ext cx="528182" cy="0"/>
+            </a:xfrm>
+            <a:prstGeom prst="straightConnector1">
+              <a:avLst/>
+            </a:prstGeom>
+            <a:ln>
+              <a:tailEnd type="arrow"/>
+            </a:ln>
+          </p:spPr>
+          <p:style>
+            <a:lnRef idx="1">
+              <a:schemeClr val="dk1"/>
+            </a:lnRef>
+            <a:fillRef idx="0">
+              <a:schemeClr val="dk1"/>
+            </a:fillRef>
+            <a:effectRef idx="0">
+              <a:schemeClr val="dk1"/>
+            </a:effectRef>
+            <a:fontRef idx="minor">
+              <a:schemeClr val="tx1"/>
+            </a:fontRef>
+          </p:style>
+        </p:cxnSp>
+      </p:grpSp>
+    </p:spTree>
+    <p:extLst>
+      <p:ext uri="{BB962C8B-B14F-4D97-AF65-F5344CB8AC3E}">
+        <p14:creationId xmlns:p14="http://schemas.microsoft.com/office/powerpoint/2010/main" val="3930273544"/>
+      </p:ext>
+    </p:extLst>
+  </p:cSld>
+  <p:clrMapOvr>
+    <a:masterClrMapping/>
+  </p:clrMapOvr>
+  <p:timing>
+    <p:tnLst>
+      <p:par>
+        <p:cTn id="1" dur="indefinite" restart="never" nodeType="tmRoot">
+          <p:childTnLst>
+            <p:seq concurrent="1" nextAc="seek">
+              <p:cTn id="2" dur="indefinite" nodeType="mainSeq">
+                <p:childTnLst>
+                  <p:par>
+                    <p:cTn id="3" fill="hold">
+                      <p:stCondLst>
+                        <p:cond delay="indefinite"/>
+                      </p:stCondLst>
+                      <p:childTnLst>
+                        <p:par>
+                          <p:cTn id="4" fill="hold">
+                            <p:stCondLst>
+                              <p:cond delay="0"/>
+                            </p:stCondLst>
+                            <p:childTnLst>
+                              <p:par>
+                                <p:cTn id="5" presetID="1" presetClass="entr" presetSubtype="0" fill="hold" grpId="0" nodeType="clickEffect">
+                                  <p:stCondLst>
+                                    <p:cond delay="0"/>
+                                  </p:stCondLst>
+                                  <p:childTnLst>
+                                    <p:set>
+                                      <p:cBhvr>
+                                        <p:cTn id="6" dur="1" fill="hold">
+                                          <p:stCondLst>
+                                            <p:cond delay="0"/>
+                                          </p:stCondLst>
+                                        </p:cTn>
+                                        <p:tgtEl>
+                                          <p:spTgt spid="4">
+                                            <p:txEl>
+                                              <p:pRg st="0" end="0"/>
+                                            </p:txEl>
+                                          </p:spTgt>
+                                        </p:tgtEl>
+                                        <p:attrNameLst>
+                                          <p:attrName>style.visibility</p:attrName>
+                                        </p:attrNameLst>
+                                      </p:cBhvr>
+                                      <p:to>
+                                        <p:strVal val="visible"/>
+                                      </p:to>
+                                    </p:set>
+                                  </p:childTnLst>
+                                </p:cTn>
+                              </p:par>
+                            </p:childTnLst>
+                          </p:cTn>
+                        </p:par>
+                      </p:childTnLst>
+                    </p:cTn>
+                  </p:par>
+                  <p:par>
+                    <p:cTn id="7" fill="hold">
+                      <p:stCondLst>
+                        <p:cond delay="indefinite"/>
+                      </p:stCondLst>
+                      <p:childTnLst>
+                        <p:par>
+                          <p:cTn id="8" fill="hold">
+                            <p:stCondLst>
+                              <p:cond delay="0"/>
+                            </p:stCondLst>
+                            <p:childTnLst>
+                              <p:par>
+                                <p:cTn id="9" presetID="1" presetClass="entr" presetSubtype="0" fill="hold" nodeType="clickEffect">
+                                  <p:stCondLst>
+                                    <p:cond delay="0"/>
+                                  </p:stCondLst>
+                                  <p:childTnLst>
+                                    <p:set>
+                                      <p:cBhvr>
+                                        <p:cTn id="10" dur="1" fill="hold">
+                                          <p:stCondLst>
+                                            <p:cond delay="0"/>
+                                          </p:stCondLst>
+                                        </p:cTn>
+                                        <p:tgtEl>
+                                          <p:spTgt spid="96"/>
+                                        </p:tgtEl>
+                                        <p:attrNameLst>
+                                          <p:attrName>style.visibility</p:attrName>
+                                        </p:attrNameLst>
+                                      </p:cBhvr>
+                                      <p:to>
+                                        <p:strVal val="visible"/>
+                                      </p:to>
+                                    </p:set>
+                                  </p:childTnLst>
+                                </p:cTn>
+                              </p:par>
+                              <p:par>
+                                <p:cTn id="11" presetID="1" presetClass="entr" presetSubtype="0" fill="hold" nodeType="withEffect">
+                                  <p:stCondLst>
+                                    <p:cond delay="0"/>
+                                  </p:stCondLst>
+                                  <p:childTnLst>
+                                    <p:set>
+                                      <p:cBhvr>
+                                        <p:cTn id="12" dur="1" fill="hold">
+                                          <p:stCondLst>
+                                            <p:cond delay="0"/>
+                                          </p:stCondLst>
+                                        </p:cTn>
+                                        <p:tgtEl>
+                                          <p:spTgt spid="232"/>
+                                        </p:tgtEl>
+                                        <p:attrNameLst>
+                                          <p:attrName>style.visibility</p:attrName>
+                                        </p:attrNameLst>
+                                      </p:cBhvr>
+                                      <p:to>
+                                        <p:strVal val="visible"/>
+                                      </p:to>
+                                    </p:set>
+                                  </p:childTnLst>
+                                </p:cTn>
+                              </p:par>
+                              <p:par>
+                                <p:cTn id="13" presetID="1" presetClass="entr" presetSubtype="0" fill="hold" nodeType="withEffect">
+                                  <p:stCondLst>
+                                    <p:cond delay="0"/>
+                                  </p:stCondLst>
+                                  <p:childTnLst>
+                                    <p:set>
+                                      <p:cBhvr>
+                                        <p:cTn id="14" dur="1" fill="hold">
+                                          <p:stCondLst>
+                                            <p:cond delay="0"/>
+                                          </p:stCondLst>
+                                        </p:cTn>
+                                        <p:tgtEl>
+                                          <p:spTgt spid="32"/>
+                                        </p:tgtEl>
+                                        <p:attrNameLst>
+                                          <p:attrName>style.visibility</p:attrName>
+                                        </p:attrNameLst>
+                                      </p:cBhvr>
+                                      <p:to>
+                                        <p:strVal val="visible"/>
+                                      </p:to>
+                                    </p:set>
+                                  </p:childTnLst>
+                                </p:cTn>
+                              </p:par>
+                            </p:childTnLst>
+                          </p:cTn>
+                        </p:par>
+                      </p:childTnLst>
+                    </p:cTn>
+                  </p:par>
+                  <p:par>
+                    <p:cTn id="15" fill="hold">
+                      <p:stCondLst>
+                        <p:cond delay="indefinite"/>
+                      </p:stCondLst>
+                      <p:childTnLst>
+                        <p:par>
+                          <p:cTn id="16" fill="hold">
+                            <p:stCondLst>
+                              <p:cond delay="0"/>
+                            </p:stCondLst>
+                            <p:childTnLst>
+                              <p:par>
+                                <p:cTn id="17" presetID="1" presetClass="entr" presetSubtype="0" fill="hold" nodeType="clickEffect">
+                                  <p:stCondLst>
+                                    <p:cond delay="0"/>
+                                  </p:stCondLst>
+                                  <p:childTnLst>
+                                    <p:set>
+                                      <p:cBhvr>
+                                        <p:cTn id="18" dur="1" fill="hold">
+                                          <p:stCondLst>
+                                            <p:cond delay="0"/>
+                                          </p:stCondLst>
+                                        </p:cTn>
+                                        <p:tgtEl>
+                                          <p:spTgt spid="35"/>
+                                        </p:tgtEl>
+                                        <p:attrNameLst>
+                                          <p:attrName>style.visibility</p:attrName>
+                                        </p:attrNameLst>
+                                      </p:cBhvr>
+                                      <p:to>
+                                        <p:strVal val="visible"/>
+                                      </p:to>
+                                    </p:set>
+                                  </p:childTnLst>
+                                </p:cTn>
+                              </p:par>
+                              <p:par>
+                                <p:cTn id="19" presetID="1" presetClass="entr" presetSubtype="0" fill="hold" nodeType="withEffect">
+                                  <p:stCondLst>
+                                    <p:cond delay="0"/>
+                                  </p:stCondLst>
+                                  <p:childTnLst>
+                                    <p:set>
+                                      <p:cBhvr>
+                                        <p:cTn id="20" dur="1" fill="hold">
+                                          <p:stCondLst>
+                                            <p:cond delay="0"/>
+                                          </p:stCondLst>
+                                        </p:cTn>
+                                        <p:tgtEl>
+                                          <p:spTgt spid="168"/>
+                                        </p:tgtEl>
+                                        <p:attrNameLst>
+                                          <p:attrName>style.visibility</p:attrName>
+                                        </p:attrNameLst>
+                                      </p:cBhvr>
+                                      <p:to>
+                                        <p:strVal val="visible"/>
+                                      </p:to>
+                                    </p:set>
+                                  </p:childTnLst>
+                                </p:cTn>
+                              </p:par>
+                              <p:par>
+                                <p:cTn id="21" presetID="1" presetClass="entr" presetSubtype="0" fill="hold" nodeType="withEffect">
+                                  <p:stCondLst>
+                                    <p:cond delay="0"/>
+                                  </p:stCondLst>
+                                  <p:childTnLst>
+                                    <p:set>
+                                      <p:cBhvr>
+                                        <p:cTn id="22" dur="1" fill="hold">
+                                          <p:stCondLst>
+                                            <p:cond delay="0"/>
+                                          </p:stCondLst>
+                                        </p:cTn>
+                                        <p:tgtEl>
+                                          <p:spTgt spid="258"/>
+                                        </p:tgtEl>
+                                        <p:attrNameLst>
+                                          <p:attrName>style.visibility</p:attrName>
+                                        </p:attrNameLst>
+                                      </p:cBhvr>
+                                      <p:to>
+                                        <p:strVal val="visible"/>
+                                      </p:to>
+                                    </p:set>
+                                  </p:childTnLst>
+                                </p:cTn>
+                              </p:par>
+                            </p:childTnLst>
+                          </p:cTn>
+                        </p:par>
+                      </p:childTnLst>
+                    </p:cTn>
+                  </p:par>
+                  <p:par>
+                    <p:cTn id="23" fill="hold">
+                      <p:stCondLst>
+                        <p:cond delay="indefinite"/>
+                      </p:stCondLst>
+                      <p:childTnLst>
+                        <p:par>
+                          <p:cTn id="24" fill="hold">
+                            <p:stCondLst>
+                              <p:cond delay="0"/>
+                            </p:stCondLst>
+                            <p:childTnLst>
+                              <p:par>
+                                <p:cTn id="25" presetID="1" presetClass="entr" presetSubtype="0" fill="hold" nodeType="clickEffect">
+                                  <p:stCondLst>
+                                    <p:cond delay="0"/>
+                                  </p:stCondLst>
+                                  <p:childTnLst>
+                                    <p:set>
+                                      <p:cBhvr>
+                                        <p:cTn id="26" dur="1" fill="hold">
+                                          <p:stCondLst>
+                                            <p:cond delay="0"/>
+                                          </p:stCondLst>
+                                        </p:cTn>
+                                        <p:tgtEl>
+                                          <p:spTgt spid="113"/>
+                                        </p:tgtEl>
+                                        <p:attrNameLst>
+                                          <p:attrName>style.visibility</p:attrName>
+                                        </p:attrNameLst>
+                                      </p:cBhvr>
+                                      <p:to>
+                                        <p:strVal val="visible"/>
+                                      </p:to>
+                                    </p:set>
+                                  </p:childTnLst>
+                                </p:cTn>
+                              </p:par>
+                              <p:par>
+                                <p:cTn id="27" presetID="1" presetClass="entr" presetSubtype="0" fill="hold" nodeType="withEffect">
+                                  <p:stCondLst>
+                                    <p:cond delay="0"/>
+                                  </p:stCondLst>
+                                  <p:childTnLst>
+                                    <p:set>
+                                      <p:cBhvr>
+                                        <p:cTn id="28" dur="1" fill="hold">
+                                          <p:stCondLst>
+                                            <p:cond delay="0"/>
+                                          </p:stCondLst>
+                                        </p:cTn>
+                                        <p:tgtEl>
+                                          <p:spTgt spid="200"/>
+                                        </p:tgtEl>
+                                        <p:attrNameLst>
+                                          <p:attrName>style.visibility</p:attrName>
+                                        </p:attrNameLst>
+                                      </p:cBhvr>
+                                      <p:to>
+                                        <p:strVal val="visible"/>
+                                      </p:to>
+                                    </p:set>
+                                  </p:childTnLst>
+                                </p:cTn>
+                              </p:par>
+                              <p:par>
+                                <p:cTn id="29" presetID="1" presetClass="entr" presetSubtype="0" fill="hold" nodeType="withEffect">
+                                  <p:stCondLst>
+                                    <p:cond delay="0"/>
+                                  </p:stCondLst>
+                                  <p:childTnLst>
+                                    <p:set>
+                                      <p:cBhvr>
+                                        <p:cTn id="30" dur="1" fill="hold">
+                                          <p:stCondLst>
+                                            <p:cond delay="0"/>
+                                          </p:stCondLst>
+                                        </p:cTn>
+                                        <p:tgtEl>
+                                          <p:spTgt spid="262"/>
+                                        </p:tgtEl>
+                                        <p:attrNameLst>
+                                          <p:attrName>style.visibility</p:attrName>
+                                        </p:attrNameLst>
+                                      </p:cBhvr>
+                                      <p:to>
+                                        <p:strVal val="visible"/>
+                                      </p:to>
+                                    </p:set>
+                                  </p:childTnLst>
+                                </p:cTn>
+                              </p:par>
+                            </p:childTnLst>
+                          </p:cTn>
+                        </p:par>
+                      </p:childTnLst>
+                    </p:cTn>
+                  </p:par>
+                  <p:par>
+                    <p:cTn id="31" fill="hold">
+                      <p:stCondLst>
+                        <p:cond delay="indefinite"/>
+                      </p:stCondLst>
+                      <p:childTnLst>
+                        <p:par>
+                          <p:cTn id="32" fill="hold">
+                            <p:stCondLst>
+                              <p:cond delay="0"/>
+                            </p:stCondLst>
+                            <p:childTnLst>
+                              <p:par>
+                                <p:cTn id="33" presetID="1" presetClass="entr" presetSubtype="0" fill="hold" nodeType="clickEffect">
+                                  <p:stCondLst>
+                                    <p:cond delay="0"/>
+                                  </p:stCondLst>
+                                  <p:childTnLst>
+                                    <p:set>
+                                      <p:cBhvr>
+                                        <p:cTn id="34" dur="1" fill="hold">
+                                          <p:stCondLst>
+                                            <p:cond delay="0"/>
+                                          </p:stCondLst>
+                                        </p:cTn>
+                                        <p:tgtEl>
+                                          <p:spTgt spid="140"/>
+                                        </p:tgtEl>
+                                        <p:attrNameLst>
+                                          <p:attrName>style.visibility</p:attrName>
+                                        </p:attrNameLst>
+                                      </p:cBhvr>
+                                      <p:to>
+                                        <p:strVal val="visible"/>
+                                      </p:to>
+                                    </p:set>
+                                  </p:childTnLst>
+                                </p:cTn>
+                              </p:par>
+                              <p:par>
+                                <p:cTn id="35" presetID="1" presetClass="entr" presetSubtype="0" fill="hold" nodeType="withEffect">
+                                  <p:stCondLst>
+                                    <p:cond delay="0"/>
+                                  </p:stCondLst>
+                                  <p:childTnLst>
+                                    <p:set>
+                                      <p:cBhvr>
+                                        <p:cTn id="36" dur="1" fill="hold">
+                                          <p:stCondLst>
+                                            <p:cond delay="0"/>
+                                          </p:stCondLst>
+                                        </p:cTn>
+                                        <p:tgtEl>
+                                          <p:spTgt spid="210"/>
+                                        </p:tgtEl>
+                                        <p:attrNameLst>
+                                          <p:attrName>style.visibility</p:attrName>
+                                        </p:attrNameLst>
+                                      </p:cBhvr>
+                                      <p:to>
+                                        <p:strVal val="visible"/>
+                                      </p:to>
+                                    </p:set>
+                                  </p:childTnLst>
+                                </p:cTn>
+                              </p:par>
+                              <p:par>
+                                <p:cTn id="37" presetID="1" presetClass="entr" presetSubtype="0" fill="hold" nodeType="withEffect">
+                                  <p:stCondLst>
+                                    <p:cond delay="0"/>
+                                  </p:stCondLst>
+                                  <p:childTnLst>
+                                    <p:set>
+                                      <p:cBhvr>
+                                        <p:cTn id="38" dur="1" fill="hold">
+                                          <p:stCondLst>
+                                            <p:cond delay="0"/>
+                                          </p:stCondLst>
+                                        </p:cTn>
+                                        <p:tgtEl>
+                                          <p:spTgt spid="266"/>
+                                        </p:tgtEl>
+                                        <p:attrNameLst>
+                                          <p:attrName>style.visibility</p:attrName>
+                                        </p:attrNameLst>
+                                      </p:cBhvr>
+                                      <p:to>
+                                        <p:strVal val="visible"/>
+                                      </p:to>
+                                    </p:set>
+                                  </p:childTnLst>
+                                </p:cTn>
+                              </p:par>
+                            </p:childTnLst>
+                          </p:cTn>
+                        </p:par>
+                      </p:childTnLst>
+                    </p:cTn>
+                  </p:par>
+                  <p:par>
+                    <p:cTn id="39" fill="hold">
+                      <p:stCondLst>
+                        <p:cond delay="indefinite"/>
+                      </p:stCondLst>
+                      <p:childTnLst>
+                        <p:par>
+                          <p:cTn id="40" fill="hold">
+                            <p:stCondLst>
+                              <p:cond delay="0"/>
+                            </p:stCondLst>
+                            <p:childTnLst>
+                              <p:par>
+                                <p:cTn id="41" presetID="1" presetClass="entr" presetSubtype="0" fill="hold" grpId="0" nodeType="clickEffect">
+                                  <p:stCondLst>
+                                    <p:cond delay="0"/>
+                                  </p:stCondLst>
+                                  <p:childTnLst>
+                                    <p:set>
+                                      <p:cBhvr>
+                                        <p:cTn id="42" dur="1" fill="hold">
+                                          <p:stCondLst>
+                                            <p:cond delay="0"/>
+                                          </p:stCondLst>
+                                        </p:cTn>
+                                        <p:tgtEl>
+                                          <p:spTgt spid="6">
+                                            <p:txEl>
+                                              <p:pRg st="0" end="0"/>
+                                            </p:txEl>
+                                          </p:spTgt>
+                                        </p:tgtEl>
+                                        <p:attrNameLst>
+                                          <p:attrName>style.visibility</p:attrName>
+                                        </p:attrNameLst>
+                                      </p:cBhvr>
+                                      <p:to>
+                                        <p:strVal val="visible"/>
+                                      </p:to>
+                                    </p:set>
+                                  </p:childTnLst>
+                                </p:cTn>
+                              </p:par>
+                            </p:childTnLst>
+                          </p:cTn>
+                        </p:par>
+                      </p:childTnLst>
+                    </p:cTn>
+                  </p:par>
+                  <p:par>
+                    <p:cTn id="43" fill="hold">
+                      <p:stCondLst>
+                        <p:cond delay="indefinite"/>
+                      </p:stCondLst>
+                      <p:childTnLst>
+                        <p:par>
+                          <p:cTn id="44" fill="hold">
+                            <p:stCondLst>
+                              <p:cond delay="0"/>
+                            </p:stCondLst>
+                            <p:childTnLst>
+                              <p:par>
+                                <p:cTn id="45" presetID="1" presetClass="entr" presetSubtype="0" fill="hold" nodeType="clickEffect">
+                                  <p:stCondLst>
+                                    <p:cond delay="0"/>
+                                  </p:stCondLst>
+                                  <p:childTnLst>
+                                    <p:set>
+                                      <p:cBhvr>
+                                        <p:cTn id="46" dur="1" fill="hold">
+                                          <p:stCondLst>
+                                            <p:cond delay="0"/>
+                                          </p:stCondLst>
+                                        </p:cTn>
+                                        <p:tgtEl>
+                                          <p:spTgt spid="184"/>
+                                        </p:tgtEl>
+                                        <p:attrNameLst>
+                                          <p:attrName>style.visibility</p:attrName>
+                                        </p:attrNameLst>
+                                      </p:cBhvr>
+                                      <p:to>
+                                        <p:strVal val="visible"/>
+                                      </p:to>
+                                    </p:set>
+                                  </p:childTnLst>
+                                </p:cTn>
+                              </p:par>
+                              <p:par>
+                                <p:cTn id="47" presetID="1" presetClass="entr" presetSubtype="0" fill="hold" nodeType="withEffect">
+                                  <p:stCondLst>
+                                    <p:cond delay="0"/>
+                                  </p:stCondLst>
+                                  <p:childTnLst>
+                                    <p:set>
+                                      <p:cBhvr>
+                                        <p:cTn id="48" dur="1" fill="hold">
+                                          <p:stCondLst>
+                                            <p:cond delay="0"/>
+                                          </p:stCondLst>
+                                        </p:cTn>
+                                        <p:tgtEl>
+                                          <p:spTgt spid="214"/>
+                                        </p:tgtEl>
+                                        <p:attrNameLst>
+                                          <p:attrName>style.visibility</p:attrName>
+                                        </p:attrNameLst>
+                                      </p:cBhvr>
+                                      <p:to>
+                                        <p:strVal val="visible"/>
+                                      </p:to>
+                                    </p:set>
+                                  </p:childTnLst>
+                                </p:cTn>
+                              </p:par>
+                              <p:par>
+                                <p:cTn id="49" presetID="1" presetClass="entr" presetSubtype="0" fill="hold" grpId="0" nodeType="withEffect">
+                                  <p:stCondLst>
+                                    <p:cond delay="0"/>
+                                  </p:stCondLst>
+                                  <p:childTnLst>
+                                    <p:set>
+                                      <p:cBhvr>
+                                        <p:cTn id="50" dur="1" fill="hold">
+                                          <p:stCondLst>
+                                            <p:cond delay="0"/>
+                                          </p:stCondLst>
+                                        </p:cTn>
+                                        <p:tgtEl>
+                                          <p:spTgt spid="245"/>
+                                        </p:tgtEl>
+                                        <p:attrNameLst>
+                                          <p:attrName>style.visibility</p:attrName>
+                                        </p:attrNameLst>
+                                      </p:cBhvr>
+                                      <p:to>
+                                        <p:strVal val="visible"/>
+                                      </p:to>
+                                    </p:set>
+                                  </p:childTnLst>
+                                </p:cTn>
+                              </p:par>
+                              <p:par>
+                                <p:cTn id="51" presetID="1" presetClass="entr" presetSubtype="0" fill="hold" grpId="0" nodeType="withEffect">
+                                  <p:stCondLst>
+                                    <p:cond delay="0"/>
+                                  </p:stCondLst>
+                                  <p:childTnLst>
+                                    <p:set>
+                                      <p:cBhvr>
+                                        <p:cTn id="52" dur="1" fill="hold">
+                                          <p:stCondLst>
+                                            <p:cond delay="0"/>
+                                          </p:stCondLst>
+                                        </p:cTn>
+                                        <p:tgtEl>
+                                          <p:spTgt spid="244"/>
+                                        </p:tgtEl>
+                                        <p:attrNameLst>
+                                          <p:attrName>style.visibility</p:attrName>
+                                        </p:attrNameLst>
+                                      </p:cBhvr>
+                                      <p:to>
+                                        <p:strVal val="visible"/>
+                                      </p:to>
+                                    </p:set>
+                                  </p:childTnLst>
+                                </p:cTn>
+                              </p:par>
+                              <p:par>
+                                <p:cTn id="53" presetID="1" presetClass="entr" presetSubtype="0" fill="hold" nodeType="withEffect">
+                                  <p:stCondLst>
+                                    <p:cond delay="0"/>
+                                  </p:stCondLst>
+                                  <p:childTnLst>
+                                    <p:set>
+                                      <p:cBhvr>
+                                        <p:cTn id="54" dur="1" fill="hold">
+                                          <p:stCondLst>
+                                            <p:cond delay="0"/>
+                                          </p:stCondLst>
+                                        </p:cTn>
+                                        <p:tgtEl>
+                                          <p:spTgt spid="246"/>
+                                        </p:tgtEl>
+                                        <p:attrNameLst>
+                                          <p:attrName>style.visibility</p:attrName>
+                                        </p:attrNameLst>
+                                      </p:cBhvr>
+                                      <p:to>
+                                        <p:strVal val="visible"/>
+                                      </p:to>
+                                    </p:set>
+                                  </p:childTnLst>
+                                </p:cTn>
+                              </p:par>
+                            </p:childTnLst>
+                          </p:cTn>
+                        </p:par>
+                      </p:childTnLst>
+                    </p:cTn>
+                  </p:par>
+                  <p:par>
+                    <p:cTn id="55" fill="hold">
+                      <p:stCondLst>
+                        <p:cond delay="indefinite"/>
+                      </p:stCondLst>
+                      <p:childTnLst>
+                        <p:par>
+                          <p:cTn id="56" fill="hold">
+                            <p:stCondLst>
+                              <p:cond delay="0"/>
+                            </p:stCondLst>
+                            <p:childTnLst>
+                              <p:par>
+                                <p:cTn id="57" presetID="1" presetClass="entr" presetSubtype="0" fill="hold" nodeType="clickEffect">
+                                  <p:stCondLst>
+                                    <p:cond delay="0"/>
+                                  </p:stCondLst>
+                                  <p:childTnLst>
+                                    <p:set>
+                                      <p:cBhvr>
+                                        <p:cTn id="58" dur="1" fill="hold">
+                                          <p:stCondLst>
+                                            <p:cond delay="0"/>
+                                          </p:stCondLst>
+                                        </p:cTn>
+                                        <p:tgtEl>
+                                          <p:spTgt spid="215"/>
+                                        </p:tgtEl>
+                                        <p:attrNameLst>
+                                          <p:attrName>style.visibility</p:attrName>
+                                        </p:attrNameLst>
+                                      </p:cBhvr>
+                                      <p:to>
+                                        <p:strVal val="visible"/>
+                                      </p:to>
+                                    </p:set>
+                                  </p:childTnLst>
+                                </p:cTn>
+                              </p:par>
+                              <p:par>
+                                <p:cTn id="59" presetID="1" presetClass="entr" presetSubtype="0" fill="hold" nodeType="withEffect">
+                                  <p:stCondLst>
+                                    <p:cond delay="0"/>
+                                  </p:stCondLst>
+                                  <p:childTnLst>
+                                    <p:set>
+                                      <p:cBhvr>
+                                        <p:cTn id="60" dur="1" fill="hold">
+                                          <p:stCondLst>
+                                            <p:cond delay="0"/>
+                                          </p:stCondLst>
+                                        </p:cTn>
+                                        <p:tgtEl>
+                                          <p:spTgt spid="257"/>
+                                        </p:tgtEl>
+                                        <p:attrNameLst>
+                                          <p:attrName>style.visibility</p:attrName>
+                                        </p:attrNameLst>
+                                      </p:cBhvr>
+                                      <p:to>
+                                        <p:strVal val="visible"/>
+                                      </p:to>
+                                    </p:set>
+                                  </p:childTnLst>
+                                </p:cTn>
+                              </p:par>
+                              <p:par>
+                                <p:cTn id="61" presetID="1" presetClass="entr" presetSubtype="0" fill="hold" grpId="0" nodeType="withEffect">
+                                  <p:stCondLst>
+                                    <p:cond delay="0"/>
+                                  </p:stCondLst>
+                                  <p:childTnLst>
+                                    <p:set>
+                                      <p:cBhvr>
+                                        <p:cTn id="62" dur="1" fill="hold">
+                                          <p:stCondLst>
+                                            <p:cond delay="0"/>
+                                          </p:stCondLst>
+                                        </p:cTn>
+                                        <p:tgtEl>
+                                          <p:spTgt spid="256"/>
+                                        </p:tgtEl>
+                                        <p:attrNameLst>
+                                          <p:attrName>style.visibility</p:attrName>
+                                        </p:attrNameLst>
+                                      </p:cBhvr>
+                                      <p:to>
+                                        <p:strVal val="visible"/>
+                                      </p:to>
+                                    </p:set>
+                                  </p:childTnLst>
+                                </p:cTn>
+                              </p:par>
+                              <p:par>
+                                <p:cTn id="63" presetID="1" presetClass="entr" presetSubtype="0" fill="hold" grpId="0" nodeType="withEffect">
+                                  <p:stCondLst>
+                                    <p:cond delay="0"/>
+                                  </p:stCondLst>
+                                  <p:childTnLst>
+                                    <p:set>
+                                      <p:cBhvr>
+                                        <p:cTn id="64" dur="1" fill="hold">
+                                          <p:stCondLst>
+                                            <p:cond delay="0"/>
+                                          </p:stCondLst>
+                                        </p:cTn>
+                                        <p:tgtEl>
+                                          <p:spTgt spid="255"/>
+                                        </p:tgtEl>
+                                        <p:attrNameLst>
+                                          <p:attrName>style.visibility</p:attrName>
+                                        </p:attrNameLst>
+                                      </p:cBhvr>
+                                      <p:to>
+                                        <p:strVal val="visible"/>
+                                      </p:to>
+                                    </p:set>
+                                  </p:childTnLst>
+                                </p:cTn>
+                              </p:par>
+                              <p:par>
+                                <p:cTn id="65" presetID="1" presetClass="entr" presetSubtype="0" fill="hold" nodeType="withEffect">
+                                  <p:stCondLst>
+                                    <p:cond delay="0"/>
+                                  </p:stCondLst>
+                                  <p:childTnLst>
+                                    <p:set>
+                                      <p:cBhvr>
+                                        <p:cTn id="66" dur="1" fill="hold">
+                                          <p:stCondLst>
+                                            <p:cond delay="0"/>
+                                          </p:stCondLst>
+                                        </p:cTn>
+                                        <p:tgtEl>
+                                          <p:spTgt spid="251"/>
+                                        </p:tgtEl>
+                                        <p:attrNameLst>
+                                          <p:attrName>style.visibility</p:attrName>
+                                        </p:attrNameLst>
+                                      </p:cBhvr>
+                                      <p:to>
+                                        <p:strVal val="visible"/>
+                                      </p:to>
+                                    </p:set>
+                                  </p:childTnLst>
+                                </p:cTn>
+                              </p:par>
+                            </p:childTnLst>
+                          </p:cTn>
+                        </p:par>
+                      </p:childTnLst>
+                    </p:cTn>
+                  </p:par>
+                </p:childTnLst>
+              </p:cTn>
+              <p:prevCondLst>
+                <p:cond evt="onPrev" delay="0">
+                  <p:tgtEl>
+                    <p:sldTgt/>
+                  </p:tgtEl>
+                </p:cond>
+              </p:prevCondLst>
+              <p:nextCondLst>
+                <p:cond evt="onNext" delay="0">
+                  <p:tgtEl>
+                    <p:sldTgt/>
+                  </p:tgtEl>
+                </p:cond>
+              </p:nextCondLst>
+            </p:seq>
+          </p:childTnLst>
+        </p:cTn>
+      </p:par>
+    </p:tnLst>
+    <p:bldLst>
+      <p:bldP spid="4" grpId="0" build="p"/>
+      <p:bldP spid="6" grpId="0" build="p"/>
+      <p:bldP spid="244" grpId="0" animBg="1"/>
+      <p:bldP spid="245" grpId="0"/>
+      <p:bldP spid="255" grpId="0" animBg="1"/>
+      <p:bldP spid="256" grpId="0"/>
+    </p:bldLst>
+  </p:timing>
+</p:sld>
+</file>
+
+<file path=ppt/slides/slide6.xml><?xml version="1.0" encoding="utf-8"?>
+<p:sld xmlns:a="http://schemas.openxmlformats.org/drawingml/2006/main" xmlns:r="http://schemas.openxmlformats.org/officeDocument/2006/relationships" xmlns:p="http://schemas.openxmlformats.org/presentationml/2006/main">
+  <p:cSld>
+    <p:spTree>
+      <p:nvGrpSpPr>
+        <p:cNvPr id="1" name=""/>
+        <p:cNvGrpSpPr/>
+        <p:nvPr/>
+      </p:nvGrpSpPr>
+      <p:grpSpPr>
+        <a:xfrm>
+          <a:off x="0" y="0"/>
+          <a:ext cx="0" cy="0"/>
+          <a:chOff x="0" y="0"/>
+          <a:chExt cx="0" cy="0"/>
+        </a:xfrm>
+      </p:grpSpPr>
+      <p:sp>
+        <p:nvSpPr>
+          <p:cNvPr id="2" name="Title 1">
+            <a:extLst>
+              <a:ext uri="{FF2B5EF4-FFF2-40B4-BE49-F238E27FC236}">
+                <a16:creationId xmlns:a16="http://schemas.microsoft.com/office/drawing/2014/main" xmlns="" id="{B89D0673-53A5-44BE-8D9E-DDE3366D9C2E}"/>
               </a:ext>
             </a:extLst>
           </p:cNvPr>
@@ -11954,7 +18203,7 @@
           <p:cNvPr id="7" name="Content Placeholder 6" descr="A screen shot of a smart phone&#10;&#10;Description generated with very high confidence">
             <a:extLst>
               <a:ext uri="{FF2B5EF4-FFF2-40B4-BE49-F238E27FC236}">
-                <a16:creationId xmlns:a16="http://schemas.microsoft.com/office/drawing/2014/main" id="{4342C393-1E2B-4310-BACA-AD35186B4617}"/>
+                <a16:creationId xmlns:a16="http://schemas.microsoft.com/office/drawing/2014/main" xmlns="" id="{4342C393-1E2B-4310-BACA-AD35186B4617}"/>
               </a:ext>
             </a:extLst>
           </p:cNvPr>
@@ -11989,7 +18238,7 @@
           <p:cNvPr id="9" name="Content Placeholder 8" descr="A screen shot of a computer&#10;&#10;Description generated with very high confidence">
             <a:extLst>
               <a:ext uri="{FF2B5EF4-FFF2-40B4-BE49-F238E27FC236}">
-                <a16:creationId xmlns:a16="http://schemas.microsoft.com/office/drawing/2014/main" id="{29A1B23B-1529-4F1B-A17D-7251CB484303}"/>
+                <a16:creationId xmlns:a16="http://schemas.microsoft.com/office/drawing/2014/main" xmlns="" id="{29A1B23B-1529-4F1B-A17D-7251CB484303}"/>
               </a:ext>
             </a:extLst>
           </p:cNvPr>
@@ -12029,10 +18278,17 @@
   <p:clrMapOvr>
     <a:masterClrMapping/>
   </p:clrMapOvr>
+  <p:timing>
+    <p:tnLst>
+      <p:par>
+        <p:cTn id="1" dur="indefinite" restart="never" nodeType="tmRoot"/>
+      </p:par>
+    </p:tnLst>
+  </p:timing>
 </p:sld>
 </file>
 
-<file path=ppt/slides/slide6.xml><?xml version="1.0" encoding="utf-8"?>
+<file path=ppt/slides/slide7.xml><?xml version="1.0" encoding="utf-8"?>
 <p:sld xmlns:a="http://schemas.openxmlformats.org/drawingml/2006/main" xmlns:r="http://schemas.openxmlformats.org/officeDocument/2006/relationships" xmlns:p="http://schemas.openxmlformats.org/presentationml/2006/main">
   <p:cSld>
     <p:bg>
@@ -12062,10 +18318,10 @@
           <p:cNvPr id="24" name="Rectangle 15">
             <a:extLst>
               <a:ext uri="{FF2B5EF4-FFF2-40B4-BE49-F238E27FC236}">
-                <a16:creationId xmlns:a16="http://schemas.microsoft.com/office/drawing/2014/main" id="{A36748E2-1414-45C6-81ED-B2E62DD73767}"/>
+                <a16:creationId xmlns:a16="http://schemas.microsoft.com/office/drawing/2014/main" xmlns="" id="{A36748E2-1414-45C6-81ED-B2E62DD73767}"/>
               </a:ext>
               <a:ext uri="{C183D7F6-B498-43B3-948B-1728B52AA6E4}">
-                <adec:decorative xmlns:adec="http://schemas.microsoft.com/office/drawing/2017/decorative" val="1"/>
+                <adec:decorative xmlns:adec="http://schemas.microsoft.com/office/drawing/2017/decorative" xmlns="" val="1"/>
               </a:ext>
             </a:extLst>
           </p:cNvPr>
@@ -12075,7 +18331,7 @@
           <p:nvPr>
             <p:extLst>
               <p:ext uri="{386F3935-93C4-4BCD-93E2-E3B085C9AB24}">
-                <p16:designElem xmlns:p16="http://schemas.microsoft.com/office/powerpoint/2015/main" val="1"/>
+                <p16:designElem xmlns:p16="http://schemas.microsoft.com/office/powerpoint/2015/main" xmlns="" val="1"/>
               </p:ext>
             </p:extLst>
           </p:nvPr>
@@ -12122,7 +18378,7 @@
           <p:cNvPr id="5" name="Title 4">
             <a:extLst>
               <a:ext uri="{FF2B5EF4-FFF2-40B4-BE49-F238E27FC236}">
-                <a16:creationId xmlns:a16="http://schemas.microsoft.com/office/drawing/2014/main" id="{E02921D7-6B1E-4229-87A5-618883B789AE}"/>
+                <a16:creationId xmlns:a16="http://schemas.microsoft.com/office/drawing/2014/main" xmlns="" id="{E02921D7-6B1E-4229-87A5-618883B789AE}"/>
               </a:ext>
             </a:extLst>
           </p:cNvPr>
@@ -12157,7 +18413,7 @@
           <p:cNvPr id="25" name="Content Placeholder 7">
             <a:extLst>
               <a:ext uri="{FF2B5EF4-FFF2-40B4-BE49-F238E27FC236}">
-                <a16:creationId xmlns:a16="http://schemas.microsoft.com/office/drawing/2014/main" id="{62EEDA6F-5F07-405F-9E53-7D24ED611102}"/>
+                <a16:creationId xmlns:a16="http://schemas.microsoft.com/office/drawing/2014/main" xmlns="" id="{62EEDA6F-5F07-405F-9E53-7D24ED611102}"/>
               </a:ext>
             </a:extLst>
           </p:cNvPr>
@@ -12193,10 +18449,10 @@
           <p:cNvPr id="26" name="Straight Connector 17">
             <a:extLst>
               <a:ext uri="{FF2B5EF4-FFF2-40B4-BE49-F238E27FC236}">
-                <a16:creationId xmlns:a16="http://schemas.microsoft.com/office/drawing/2014/main" id="{2D7E4852-2A91-42C1-8C75-34DF3751E407}"/>
+                <a16:creationId xmlns:a16="http://schemas.microsoft.com/office/drawing/2014/main" xmlns="" id="{2D7E4852-2A91-42C1-8C75-34DF3751E407}"/>
               </a:ext>
               <a:ext uri="{C183D7F6-B498-43B3-948B-1728B52AA6E4}">
-                <adec:decorative xmlns:adec="http://schemas.microsoft.com/office/drawing/2017/decorative" val="1"/>
+                <adec:decorative xmlns:adec="http://schemas.microsoft.com/office/drawing/2017/decorative" xmlns="" val="1"/>
               </a:ext>
             </a:extLst>
           </p:cNvPr>
@@ -12206,7 +18462,7 @@
           <p:nvPr>
             <p:extLst>
               <p:ext uri="{386F3935-93C4-4BCD-93E2-E3B085C9AB24}">
-                <p16:designElem xmlns:p16="http://schemas.microsoft.com/office/powerpoint/2015/main" val="1"/>
+                <p16:designElem xmlns:p16="http://schemas.microsoft.com/office/powerpoint/2015/main" xmlns="" val="1"/>
               </p:ext>
             </p:extLst>
           </p:nvPr>
@@ -12249,7 +18505,7 @@
           <p:cNvPr id="27" name="Content Placeholder 12">
             <a:extLst>
               <a:ext uri="{FF2B5EF4-FFF2-40B4-BE49-F238E27FC236}">
-                <a16:creationId xmlns:a16="http://schemas.microsoft.com/office/drawing/2014/main" id="{70960885-9D96-441B-B772-FEDA7A299591}"/>
+                <a16:creationId xmlns:a16="http://schemas.microsoft.com/office/drawing/2014/main" xmlns="" id="{70960885-9D96-441B-B772-FEDA7A299591}"/>
               </a:ext>
             </a:extLst>
           </p:cNvPr>
@@ -12304,10 +18560,10 @@
           <p:cNvPr id="28" name="Rectangle 19">
             <a:extLst>
               <a:ext uri="{FF2B5EF4-FFF2-40B4-BE49-F238E27FC236}">
-                <a16:creationId xmlns:a16="http://schemas.microsoft.com/office/drawing/2014/main" id="{54308465-3CAC-4219-A8D5-368A1CFCACA9}"/>
+                <a16:creationId xmlns:a16="http://schemas.microsoft.com/office/drawing/2014/main" xmlns="" id="{54308465-3CAC-4219-A8D5-368A1CFCACA9}"/>
               </a:ext>
               <a:ext uri="{C183D7F6-B498-43B3-948B-1728B52AA6E4}">
-                <adec:decorative xmlns:adec="http://schemas.microsoft.com/office/drawing/2017/decorative" val="1"/>
+                <adec:decorative xmlns:adec="http://schemas.microsoft.com/office/drawing/2017/decorative" xmlns="" val="1"/>
               </a:ext>
             </a:extLst>
           </p:cNvPr>
@@ -12317,7 +18573,7 @@
           <p:nvPr>
             <p:extLst>
               <p:ext uri="{386F3935-93C4-4BCD-93E2-E3B085C9AB24}">
-                <p16:designElem xmlns:p16="http://schemas.microsoft.com/office/powerpoint/2015/main" val="1"/>
+                <p16:designElem xmlns:p16="http://schemas.microsoft.com/office/powerpoint/2015/main" xmlns="" val="1"/>
               </p:ext>
             </p:extLst>
           </p:nvPr>
@@ -12359,10 +18615,10 @@
           <p:cNvPr id="29" name="Rectangle 21">
             <a:extLst>
               <a:ext uri="{FF2B5EF4-FFF2-40B4-BE49-F238E27FC236}">
-                <a16:creationId xmlns:a16="http://schemas.microsoft.com/office/drawing/2014/main" id="{281532E4-FF18-4707-B987-B543B1B7F399}"/>
+                <a16:creationId xmlns:a16="http://schemas.microsoft.com/office/drawing/2014/main" xmlns="" id="{281532E4-FF18-4707-B987-B543B1B7F399}"/>
               </a:ext>
               <a:ext uri="{C183D7F6-B498-43B3-948B-1728B52AA6E4}">
-                <adec:decorative xmlns:adec="http://schemas.microsoft.com/office/drawing/2017/decorative" val="1"/>
+                <adec:decorative xmlns:adec="http://schemas.microsoft.com/office/drawing/2017/decorative" xmlns="" val="1"/>
               </a:ext>
             </a:extLst>
           </p:cNvPr>
@@ -12372,7 +18628,7 @@
           <p:nvPr>
             <p:extLst>
               <p:ext uri="{386F3935-93C4-4BCD-93E2-E3B085C9AB24}">
-                <p16:designElem xmlns:p16="http://schemas.microsoft.com/office/powerpoint/2015/main" val="1"/>
+                <p16:designElem xmlns:p16="http://schemas.microsoft.com/office/powerpoint/2015/main" xmlns="" val="1"/>
               </p:ext>
             </p:extLst>
           </p:nvPr>
@@ -12592,7 +18848,7 @@
 </p:sld>
 </file>
 
-<file path=ppt/slides/slide7.xml><?xml version="1.0" encoding="utf-8"?>
+<file path=ppt/slides/slide8.xml><?xml version="1.0" encoding="utf-8"?>
 <p:sld xmlns:a="http://schemas.openxmlformats.org/drawingml/2006/main" xmlns:r="http://schemas.openxmlformats.org/officeDocument/2006/relationships" xmlns:p="http://schemas.openxmlformats.org/presentationml/2006/main">
   <p:cSld>
     <p:bg>
@@ -12622,10 +18878,10 @@
           <p:cNvPr id="12" name="Rectangle 11">
             <a:extLst>
               <a:ext uri="{FF2B5EF4-FFF2-40B4-BE49-F238E27FC236}">
-                <a16:creationId xmlns:a16="http://schemas.microsoft.com/office/drawing/2014/main" id="{407797F6-F5D3-449C-90E2-A5D52004F059}"/>
+                <a16:creationId xmlns:a16="http://schemas.microsoft.com/office/drawing/2014/main" xmlns="" id="{407797F6-F5D3-449C-90E2-A5D52004F059}"/>
               </a:ext>
               <a:ext uri="{C183D7F6-B498-43B3-948B-1728B52AA6E4}">
-                <adec:decorative xmlns:adec="http://schemas.microsoft.com/office/drawing/2017/decorative" val="1"/>
+                <adec:decorative xmlns:adec="http://schemas.microsoft.com/office/drawing/2017/decorative" xmlns="" val="1"/>
               </a:ext>
             </a:extLst>
           </p:cNvPr>
@@ -12635,7 +18891,7 @@
           <p:nvPr>
             <p:extLst>
               <p:ext uri="{386F3935-93C4-4BCD-93E2-E3B085C9AB24}">
-                <p16:designElem xmlns:p16="http://schemas.microsoft.com/office/powerpoint/2015/main" val="1"/>
+                <p16:designElem xmlns:p16="http://schemas.microsoft.com/office/powerpoint/2015/main" xmlns="" val="1"/>
               </p:ext>
             </p:extLst>
           </p:nvPr>
@@ -12682,7 +18938,7 @@
           <p:cNvPr id="2" name="Title 1">
             <a:extLst>
               <a:ext uri="{FF2B5EF4-FFF2-40B4-BE49-F238E27FC236}">
-                <a16:creationId xmlns:a16="http://schemas.microsoft.com/office/drawing/2014/main" id="{C63F431F-592A-4605-A99F-A5788EED6C05}"/>
+                <a16:creationId xmlns:a16="http://schemas.microsoft.com/office/drawing/2014/main" xmlns="" id="{C63F431F-592A-4605-A99F-A5788EED6C05}"/>
               </a:ext>
             </a:extLst>
           </p:cNvPr>
@@ -12717,7 +18973,7 @@
           <p:cNvPr id="7" name="Content Placeholder 3">
             <a:extLst>
               <a:ext uri="{FF2B5EF4-FFF2-40B4-BE49-F238E27FC236}">
-                <a16:creationId xmlns:a16="http://schemas.microsoft.com/office/drawing/2014/main" id="{E6251885-B094-4627-9A25-A0F272C210E6}"/>
+                <a16:creationId xmlns:a16="http://schemas.microsoft.com/office/drawing/2014/main" xmlns="" id="{E6251885-B094-4627-9A25-A0F272C210E6}"/>
               </a:ext>
             </a:extLst>
           </p:cNvPr>
@@ -12747,10 +19003,10 @@
           <p:cNvPr id="14" name="Straight Connector 13">
             <a:extLst>
               <a:ext uri="{FF2B5EF4-FFF2-40B4-BE49-F238E27FC236}">
-                <a16:creationId xmlns:a16="http://schemas.microsoft.com/office/drawing/2014/main" id="{78873FEE-16EB-4335-A3A6-46F40612869C}"/>
+                <a16:creationId xmlns:a16="http://schemas.microsoft.com/office/drawing/2014/main" xmlns="" id="{78873FEE-16EB-4335-A3A6-46F40612869C}"/>
               </a:ext>
               <a:ext uri="{C183D7F6-B498-43B3-948B-1728B52AA6E4}">
-                <adec:decorative xmlns:adec="http://schemas.microsoft.com/office/drawing/2017/decorative" val="1"/>
+                <adec:decorative xmlns:adec="http://schemas.microsoft.com/office/drawing/2017/decorative" xmlns="" val="1"/>
               </a:ext>
             </a:extLst>
           </p:cNvPr>
@@ -12760,7 +19016,7 @@
           <p:nvPr>
             <p:extLst>
               <p:ext uri="{386F3935-93C4-4BCD-93E2-E3B085C9AB24}">
-                <p16:designElem xmlns:p16="http://schemas.microsoft.com/office/powerpoint/2015/main" val="1"/>
+                <p16:designElem xmlns:p16="http://schemas.microsoft.com/office/powerpoint/2015/main" xmlns="" val="1"/>
               </p:ext>
             </p:extLst>
           </p:nvPr>
@@ -12803,7 +19059,7 @@
           <p:cNvPr id="9" name="Content Placeholder 8">
             <a:extLst>
               <a:ext uri="{FF2B5EF4-FFF2-40B4-BE49-F238E27FC236}">
-                <a16:creationId xmlns:a16="http://schemas.microsoft.com/office/drawing/2014/main" id="{773D128F-6D48-4922-B9A5-15B9A129E8F2}"/>
+                <a16:creationId xmlns:a16="http://schemas.microsoft.com/office/drawing/2014/main" xmlns="" id="{773D128F-6D48-4922-B9A5-15B9A129E8F2}"/>
               </a:ext>
             </a:extLst>
           </p:cNvPr>
@@ -12856,10 +19112,10 @@
           <p:cNvPr id="16" name="Rectangle 15">
             <a:extLst>
               <a:ext uri="{FF2B5EF4-FFF2-40B4-BE49-F238E27FC236}">
-                <a16:creationId xmlns:a16="http://schemas.microsoft.com/office/drawing/2014/main" id="{D0CA782A-36D6-4787-A123-E4D45979C0F9}"/>
+                <a16:creationId xmlns:a16="http://schemas.microsoft.com/office/drawing/2014/main" xmlns="" id="{D0CA782A-36D6-4787-A123-E4D45979C0F9}"/>
               </a:ext>
               <a:ext uri="{C183D7F6-B498-43B3-948B-1728B52AA6E4}">
-                <adec:decorative xmlns:adec="http://schemas.microsoft.com/office/drawing/2017/decorative" val="1"/>
+                <adec:decorative xmlns:adec="http://schemas.microsoft.com/office/drawing/2017/decorative" xmlns="" val="1"/>
               </a:ext>
             </a:extLst>
           </p:cNvPr>
@@ -12869,7 +19125,7 @@
           <p:nvPr>
             <p:extLst>
               <p:ext uri="{386F3935-93C4-4BCD-93E2-E3B085C9AB24}">
-                <p16:designElem xmlns:p16="http://schemas.microsoft.com/office/powerpoint/2015/main" val="1"/>
+                <p16:designElem xmlns:p16="http://schemas.microsoft.com/office/powerpoint/2015/main" xmlns="" val="1"/>
               </p:ext>
             </p:extLst>
           </p:nvPr>
@@ -12911,10 +19167,10 @@
           <p:cNvPr id="18" name="Rectangle 17">
             <a:extLst>
               <a:ext uri="{FF2B5EF4-FFF2-40B4-BE49-F238E27FC236}">
-                <a16:creationId xmlns:a16="http://schemas.microsoft.com/office/drawing/2014/main" id="{1FA20DA4-4D14-4AC3-8742-13C3A7499774}"/>
+                <a16:creationId xmlns:a16="http://schemas.microsoft.com/office/drawing/2014/main" xmlns="" id="{1FA20DA4-4D14-4AC3-8742-13C3A7499774}"/>
               </a:ext>
               <a:ext uri="{C183D7F6-B498-43B3-948B-1728B52AA6E4}">
-                <adec:decorative xmlns:adec="http://schemas.microsoft.com/office/drawing/2017/decorative" val="1"/>
+                <adec:decorative xmlns:adec="http://schemas.microsoft.com/office/drawing/2017/decorative" xmlns="" val="1"/>
               </a:ext>
             </a:extLst>
           </p:cNvPr>
@@ -12924,7 +19180,7 @@
           <p:nvPr>
             <p:extLst>
               <p:ext uri="{386F3935-93C4-4BCD-93E2-E3B085C9AB24}">
-                <p16:designElem xmlns:p16="http://schemas.microsoft.com/office/powerpoint/2015/main" val="1"/>
+                <p16:designElem xmlns:p16="http://schemas.microsoft.com/office/powerpoint/2015/main" xmlns="" val="1"/>
               </p:ext>
             </p:extLst>
           </p:nvPr>
@@ -12973,10 +19229,17 @@
   <p:clrMapOvr>
     <a:masterClrMapping/>
   </p:clrMapOvr>
+  <p:timing>
+    <p:tnLst>
+      <p:par>
+        <p:cTn id="1" dur="indefinite" restart="never" nodeType="tmRoot"/>
+      </p:par>
+    </p:tnLst>
+  </p:timing>
 </p:sld>
 </file>
 
-<file path=ppt/slides/slide8.xml><?xml version="1.0" encoding="utf-8"?>
+<file path=ppt/slides/slide9.xml><?xml version="1.0" encoding="utf-8"?>
 <p:sld xmlns:a="http://schemas.openxmlformats.org/drawingml/2006/main" xmlns:r="http://schemas.openxmlformats.org/officeDocument/2006/relationships" xmlns:p="http://schemas.openxmlformats.org/presentationml/2006/main">
   <p:cSld>
     <p:bg>
@@ -13006,10 +19269,10 @@
           <p:cNvPr id="15" name="Rectangle 14">
             <a:extLst>
               <a:ext uri="{FF2B5EF4-FFF2-40B4-BE49-F238E27FC236}">
-                <a16:creationId xmlns:a16="http://schemas.microsoft.com/office/drawing/2014/main" id="{1356A2EC-03A6-4D34-98C0-E07DE18594C6}"/>
+                <a16:creationId xmlns:a16="http://schemas.microsoft.com/office/drawing/2014/main" xmlns="" id="{1356A2EC-03A6-4D34-98C0-E07DE18594C6}"/>
               </a:ext>
               <a:ext uri="{C183D7F6-B498-43B3-948B-1728B52AA6E4}">
-                <adec:decorative xmlns:adec="http://schemas.microsoft.com/office/drawing/2017/decorative" val="1"/>
+                <adec:decorative xmlns:adec="http://schemas.microsoft.com/office/drawing/2017/decorative" xmlns="" val="1"/>
               </a:ext>
             </a:extLst>
           </p:cNvPr>
@@ -13019,7 +19282,7 @@
           <p:nvPr>
             <p:extLst>
               <p:ext uri="{386F3935-93C4-4BCD-93E2-E3B085C9AB24}">
-                <p16:designElem xmlns:p16="http://schemas.microsoft.com/office/powerpoint/2015/main" val="1"/>
+                <p16:designElem xmlns:p16="http://schemas.microsoft.com/office/powerpoint/2015/main" xmlns="" val="1"/>
               </p:ext>
             </p:extLst>
           </p:nvPr>
@@ -13066,7 +19329,7 @@
           <p:cNvPr id="2" name="Title 1">
             <a:extLst>
               <a:ext uri="{FF2B5EF4-FFF2-40B4-BE49-F238E27FC236}">
-                <a16:creationId xmlns:a16="http://schemas.microsoft.com/office/drawing/2014/main" id="{2FA8A438-2154-45DB-826B-294C14496A9C}"/>
+                <a16:creationId xmlns:a16="http://schemas.microsoft.com/office/drawing/2014/main" xmlns="" id="{2FA8A438-2154-45DB-826B-294C14496A9C}"/>
               </a:ext>
             </a:extLst>
           </p:cNvPr>
@@ -13101,10 +19364,10 @@
           <p:cNvPr id="17" name="Straight Connector 16">
             <a:extLst>
               <a:ext uri="{FF2B5EF4-FFF2-40B4-BE49-F238E27FC236}">
-                <a16:creationId xmlns:a16="http://schemas.microsoft.com/office/drawing/2014/main" id="{4CEBF212-BEAC-42E5-B3B1-9403F6E9BB80}"/>
+                <a16:creationId xmlns:a16="http://schemas.microsoft.com/office/drawing/2014/main" xmlns="" id="{4CEBF212-BEAC-42E5-B3B1-9403F6E9BB80}"/>
               </a:ext>
               <a:ext uri="{C183D7F6-B498-43B3-948B-1728B52AA6E4}">
-                <adec:decorative xmlns:adec="http://schemas.microsoft.com/office/drawing/2017/decorative" val="1"/>
+                <adec:decorative xmlns:adec="http://schemas.microsoft.com/office/drawing/2017/decorative" xmlns="" val="1"/>
               </a:ext>
             </a:extLst>
           </p:cNvPr>
@@ -13114,7 +19377,7 @@
           <p:nvPr>
             <p:extLst>
               <p:ext uri="{386F3935-93C4-4BCD-93E2-E3B085C9AB24}">
-                <p16:designElem xmlns:p16="http://schemas.microsoft.com/office/powerpoint/2015/main" val="1"/>
+                <p16:designElem xmlns:p16="http://schemas.microsoft.com/office/powerpoint/2015/main" xmlns="" val="1"/>
               </p:ext>
             </p:extLst>
           </p:nvPr>
@@ -13157,7 +19420,7 @@
           <p:cNvPr id="10" name="Content Placeholder 4" descr="A picture containing sky, photo, different&#10;&#10;Description generated with high confidence">
             <a:extLst>
               <a:ext uri="{FF2B5EF4-FFF2-40B4-BE49-F238E27FC236}">
-                <a16:creationId xmlns:a16="http://schemas.microsoft.com/office/drawing/2014/main" id="{0A35FEDB-1AA3-4447-913F-BD7E93AB65B3}"/>
+                <a16:creationId xmlns:a16="http://schemas.microsoft.com/office/drawing/2014/main" xmlns="" id="{0A35FEDB-1AA3-4447-913F-BD7E93AB65B3}"/>
               </a:ext>
             </a:extLst>
           </p:cNvPr>
@@ -13188,14 +19451,14 @@
           </a:prstGeom>
         </p:spPr>
       </p:pic>
-      <mc:AlternateContent xmlns:mc="http://schemas.openxmlformats.org/markup-compatibility/2006">
-        <mc:Choice xmlns:a14="http://schemas.microsoft.com/office/drawing/2010/main" Requires="a14">
+      <mc:AlternateContent xmlns:mc="http://schemas.openxmlformats.org/markup-compatibility/2006" xmlns:a14="http://schemas.microsoft.com/office/drawing/2010/main">
+        <mc:Choice Requires="a14">
           <p:sp>
             <p:nvSpPr>
               <p:cNvPr id="36" name="Content Placeholder 11">
                 <a:extLst>
                   <a:ext uri="{FF2B5EF4-FFF2-40B4-BE49-F238E27FC236}">
-                    <a16:creationId xmlns:a16="http://schemas.microsoft.com/office/drawing/2014/main" id="{31A6C367-9AAE-4D72-9347-24445334E0AC}"/>
+                    <a16:creationId xmlns:a16="http://schemas.microsoft.com/office/drawing/2014/main" xmlns="" id="{31A6C367-9AAE-4D72-9347-24445334E0AC}"/>
                   </a:ext>
                 </a:extLst>
               </p:cNvPr>
@@ -13270,7 +19533,7 @@
             </p:txBody>
           </p:sp>
         </mc:Choice>
-        <mc:Fallback>
+        <mc:Fallback xmlns="">
           <p:sp>
             <p:nvSpPr>
               <p:cNvPr id="36" name="Content Placeholder 11">
@@ -13319,10 +19582,10 @@
           <p:cNvPr id="19" name="Rectangle 18">
             <a:extLst>
               <a:ext uri="{FF2B5EF4-FFF2-40B4-BE49-F238E27FC236}">
-                <a16:creationId xmlns:a16="http://schemas.microsoft.com/office/drawing/2014/main" id="{F13075F7-E0DE-4464-8452-04644BDC4CF4}"/>
+                <a16:creationId xmlns:a16="http://schemas.microsoft.com/office/drawing/2014/main" xmlns="" id="{F13075F7-E0DE-4464-8452-04644BDC4CF4}"/>
               </a:ext>
               <a:ext uri="{C183D7F6-B498-43B3-948B-1728B52AA6E4}">
-                <adec:decorative xmlns:adec="http://schemas.microsoft.com/office/drawing/2017/decorative" val="1"/>
+                <adec:decorative xmlns:adec="http://schemas.microsoft.com/office/drawing/2017/decorative" xmlns="" val="1"/>
               </a:ext>
             </a:extLst>
           </p:cNvPr>
@@ -13332,7 +19595,7 @@
           <p:nvPr>
             <p:extLst>
               <p:ext uri="{386F3935-93C4-4BCD-93E2-E3B085C9AB24}">
-                <p16:designElem xmlns:p16="http://schemas.microsoft.com/office/powerpoint/2015/main" val="1"/>
+                <p16:designElem xmlns:p16="http://schemas.microsoft.com/office/powerpoint/2015/main" xmlns="" val="1"/>
               </p:ext>
             </p:extLst>
           </p:nvPr>
@@ -13374,10 +19637,10 @@
           <p:cNvPr id="21" name="Rectangle 20">
             <a:extLst>
               <a:ext uri="{FF2B5EF4-FFF2-40B4-BE49-F238E27FC236}">
-                <a16:creationId xmlns:a16="http://schemas.microsoft.com/office/drawing/2014/main" id="{753F806E-C6E5-4496-86DF-BF50F97A01FC}"/>
+                <a16:creationId xmlns:a16="http://schemas.microsoft.com/office/drawing/2014/main" xmlns="" id="{753F806E-C6E5-4496-86DF-BF50F97A01FC}"/>
               </a:ext>
               <a:ext uri="{C183D7F6-B498-43B3-948B-1728B52AA6E4}">
-                <adec:decorative xmlns:adec="http://schemas.microsoft.com/office/drawing/2017/decorative" val="1"/>
+                <adec:decorative xmlns:adec="http://schemas.microsoft.com/office/drawing/2017/decorative" xmlns="" val="1"/>
               </a:ext>
             </a:extLst>
           </p:cNvPr>
@@ -13387,7 +19650,7 @@
           <p:nvPr>
             <p:extLst>
               <p:ext uri="{386F3935-93C4-4BCD-93E2-E3B085C9AB24}">
-                <p16:designElem xmlns:p16="http://schemas.microsoft.com/office/powerpoint/2015/main" val="1"/>
+                <p16:designElem xmlns:p16="http://schemas.microsoft.com/office/powerpoint/2015/main" xmlns="" val="1"/>
               </p:ext>
             </p:extLst>
           </p:nvPr>
@@ -13431,7 +19694,7 @@
           <p:cNvPr id="7" name="Picture 6" descr="A picture containing clock&#10;&#10;Description generated with high confidence">
             <a:extLst>
               <a:ext uri="{FF2B5EF4-FFF2-40B4-BE49-F238E27FC236}">
-                <a16:creationId xmlns:a16="http://schemas.microsoft.com/office/drawing/2014/main" id="{2DC8DB14-5794-4B8F-9CEB-9513D79D6472}"/>
+                <a16:creationId xmlns:a16="http://schemas.microsoft.com/office/drawing/2014/main" xmlns="" id="{2DC8DB14-5794-4B8F-9CEB-9513D79D6472}"/>
               </a:ext>
             </a:extLst>
           </p:cNvPr>
@@ -13441,7 +19704,7 @@
           <p:nvPr/>
         </p:nvPicPr>
         <p:blipFill>
-          <a:blip r:embed="rId4">
+          <a:blip r:embed="rId4" cstate="print">
             <a:extLst>
               <a:ext uri="{28A0092B-C50C-407E-A947-70E740481C1C}">
                 <a14:useLocalDpi xmlns:a14="http://schemas.microsoft.com/office/drawing/2010/main" val="0"/>
@@ -13472,481 +19735,13 @@
   <p:clrMapOvr>
     <a:masterClrMapping/>
   </p:clrMapOvr>
-</p:sld>
-</file>
-
-<file path=ppt/slides/slide9.xml><?xml version="1.0" encoding="utf-8"?>
-<p:sld xmlns:a="http://schemas.openxmlformats.org/drawingml/2006/main" xmlns:r="http://schemas.openxmlformats.org/officeDocument/2006/relationships" xmlns:p="http://schemas.openxmlformats.org/presentationml/2006/main">
-  <p:cSld>
-    <p:bg>
-      <p:bgPr>
-        <a:solidFill>
-          <a:schemeClr val="bg2"/>
-        </a:solidFill>
-        <a:effectLst/>
-      </p:bgPr>
-    </p:bg>
-    <p:spTree>
-      <p:nvGrpSpPr>
-        <p:cNvPr id="1" name=""/>
-        <p:cNvGrpSpPr/>
-        <p:nvPr/>
-      </p:nvGrpSpPr>
-      <p:grpSpPr>
-        <a:xfrm>
-          <a:off x="0" y="0"/>
-          <a:ext cx="0" cy="0"/>
-          <a:chOff x="0" y="0"/>
-          <a:chExt cx="0" cy="0"/>
-        </a:xfrm>
-      </p:grpSpPr>
-      <p:sp useBgFill="1">
-        <p:nvSpPr>
-          <p:cNvPr id="12" name="Rectangle 11">
-            <a:extLst>
-              <a:ext uri="{FF2B5EF4-FFF2-40B4-BE49-F238E27FC236}">
-                <a16:creationId xmlns:a16="http://schemas.microsoft.com/office/drawing/2014/main" id="{1356A2EC-03A6-4D34-98C0-E07DE18594C6}"/>
-              </a:ext>
-              <a:ext uri="{C183D7F6-B498-43B3-948B-1728B52AA6E4}">
-                <adec:decorative xmlns:adec="http://schemas.microsoft.com/office/drawing/2017/decorative" val="1"/>
-              </a:ext>
-            </a:extLst>
-          </p:cNvPr>
-          <p:cNvSpPr>
-            <a:spLocks noGrp="1" noRot="1" noChangeAspect="1" noMove="1" noResize="1" noEditPoints="1" noAdjustHandles="1" noChangeArrowheads="1" noChangeShapeType="1" noTextEdit="1"/>
-          </p:cNvSpPr>
-          <p:nvPr>
-            <p:extLst>
-              <p:ext uri="{386F3935-93C4-4BCD-93E2-E3B085C9AB24}">
-                <p16:designElem xmlns:p16="http://schemas.microsoft.com/office/powerpoint/2015/main" val="1"/>
-              </p:ext>
-            </p:extLst>
-          </p:nvPr>
-        </p:nvSpPr>
-        <p:spPr>
-          <a:xfrm>
-            <a:off x="0" y="0"/>
-            <a:ext cx="12192001" cy="6334316"/>
-          </a:xfrm>
-          <a:prstGeom prst="rect">
-            <a:avLst/>
-          </a:prstGeom>
-          <a:ln>
-            <a:noFill/>
-          </a:ln>
-        </p:spPr>
-        <p:style>
-          <a:lnRef idx="2">
-            <a:schemeClr val="accent1">
-              <a:shade val="50000"/>
-            </a:schemeClr>
-          </a:lnRef>
-          <a:fillRef idx="1">
-            <a:schemeClr val="accent1"/>
-          </a:fillRef>
-          <a:effectRef idx="0">
-            <a:schemeClr val="accent1"/>
-          </a:effectRef>
-          <a:fontRef idx="minor">
-            <a:schemeClr val="lt1"/>
-          </a:fontRef>
-        </p:style>
-        <p:txBody>
-          <a:bodyPr rtlCol="0" anchor="ctr"/>
-          <a:lstStyle/>
-          <a:p>
-            <a:pPr algn="ctr"/>
-            <a:endParaRPr lang="en-US"/>
-          </a:p>
-        </p:txBody>
-      </p:sp>
-      <p:sp>
-        <p:nvSpPr>
-          <p:cNvPr id="2" name="Title 1">
-            <a:extLst>
-              <a:ext uri="{FF2B5EF4-FFF2-40B4-BE49-F238E27FC236}">
-                <a16:creationId xmlns:a16="http://schemas.microsoft.com/office/drawing/2014/main" id="{1FDE3324-ACF1-4165-B6E2-29D08601ED05}"/>
-              </a:ext>
-            </a:extLst>
-          </p:cNvPr>
-          <p:cNvSpPr>
-            <a:spLocks noGrp="1"/>
-          </p:cNvSpPr>
-          <p:nvPr>
-            <p:ph type="title"/>
-          </p:nvPr>
-        </p:nvSpPr>
-        <p:spPr>
-          <a:xfrm>
-            <a:off x="5144679" y="634946"/>
-            <a:ext cx="6405063" cy="1450757"/>
-          </a:xfrm>
-        </p:spPr>
-        <p:txBody>
-          <a:bodyPr>
-            <a:normAutofit/>
-          </a:bodyPr>
-          <a:lstStyle/>
-          <a:p>
-            <a:r>
-              <a:rPr lang="en-US" dirty="0"/>
-              <a:t>MP7 – Floorplan Functions </a:t>
-            </a:r>
-          </a:p>
-        </p:txBody>
-      </p:sp>
-      <p:pic>
-        <p:nvPicPr>
-          <p:cNvPr id="5" name="Picture 4" descr="A close up of a watch&#10;&#10;Description generated with high confidence">
-            <a:extLst>
-              <a:ext uri="{FF2B5EF4-FFF2-40B4-BE49-F238E27FC236}">
-                <a16:creationId xmlns:a16="http://schemas.microsoft.com/office/drawing/2014/main" id="{0EA8B5F4-86B0-4FB5-B099-E217674CC899}"/>
-              </a:ext>
-            </a:extLst>
-          </p:cNvPr>
-          <p:cNvPicPr>
-            <a:picLocks noChangeAspect="1"/>
-          </p:cNvPicPr>
-          <p:nvPr/>
-        </p:nvPicPr>
-        <p:blipFill>
-          <a:blip r:embed="rId2">
-            <a:extLst>
-              <a:ext uri="{28A0092B-C50C-407E-A947-70E740481C1C}">
-                <a14:useLocalDpi xmlns:a14="http://schemas.microsoft.com/office/drawing/2010/main" val="0"/>
-              </a:ext>
-            </a:extLst>
-          </a:blip>
-          <a:stretch>
-            <a:fillRect/>
-          </a:stretch>
-        </p:blipFill>
-        <p:spPr>
-          <a:xfrm>
-            <a:off x="633999" y="1040234"/>
-            <a:ext cx="4020297" cy="1557864"/>
-          </a:xfrm>
-          <a:prstGeom prst="rect">
-            <a:avLst/>
-          </a:prstGeom>
-        </p:spPr>
-      </p:pic>
-      <p:cxnSp>
-        <p:nvCxnSpPr>
-          <p:cNvPr id="14" name="Straight Connector 13">
-            <a:extLst>
-              <a:ext uri="{FF2B5EF4-FFF2-40B4-BE49-F238E27FC236}">
-                <a16:creationId xmlns:a16="http://schemas.microsoft.com/office/drawing/2014/main" id="{4CEBF212-BEAC-42E5-B3B1-9403F6E9BB80}"/>
-              </a:ext>
-              <a:ext uri="{C183D7F6-B498-43B3-948B-1728B52AA6E4}">
-                <adec:decorative xmlns:adec="http://schemas.microsoft.com/office/drawing/2017/decorative" val="1"/>
-              </a:ext>
-            </a:extLst>
-          </p:cNvPr>
-          <p:cNvCxnSpPr>
-            <a:cxnSpLocks noGrp="1" noRot="1" noChangeAspect="1" noMove="1" noResize="1" noEditPoints="1" noAdjustHandles="1" noChangeArrowheads="1" noChangeShapeType="1"/>
-          </p:cNvCxnSpPr>
-          <p:nvPr>
-            <p:extLst>
-              <p:ext uri="{386F3935-93C4-4BCD-93E2-E3B085C9AB24}">
-                <p16:designElem xmlns:p16="http://schemas.microsoft.com/office/powerpoint/2015/main" val="1"/>
-              </p:ext>
-            </p:extLst>
-          </p:nvPr>
-        </p:nvCxnSpPr>
-        <p:spPr>
-          <a:xfrm>
-            <a:off x="5181247" y="2086188"/>
-            <a:ext cx="5852160" cy="0"/>
-          </a:xfrm>
-          <a:prstGeom prst="line">
-            <a:avLst/>
-          </a:prstGeom>
-          <a:ln w="6350">
-            <a:solidFill>
-              <a:schemeClr val="tx1">
-                <a:lumMod val="50000"/>
-                <a:lumOff val="50000"/>
-                <a:alpha val="90000"/>
-              </a:schemeClr>
-            </a:solidFill>
-          </a:ln>
-        </p:spPr>
-        <p:style>
-          <a:lnRef idx="1">
-            <a:schemeClr val="accent1"/>
-          </a:lnRef>
-          <a:fillRef idx="0">
-            <a:schemeClr val="accent1"/>
-          </a:fillRef>
-          <a:effectRef idx="0">
-            <a:schemeClr val="accent1"/>
-          </a:effectRef>
-          <a:fontRef idx="minor">
-            <a:schemeClr val="tx1"/>
-          </a:fontRef>
-        </p:style>
-      </p:cxnSp>
-      <p:pic>
-        <p:nvPicPr>
-          <p:cNvPr id="7" name="Picture 6" descr="A picture containing hanging, object&#10;&#10;Description generated with high confidence">
-            <a:extLst>
-              <a:ext uri="{FF2B5EF4-FFF2-40B4-BE49-F238E27FC236}">
-                <a16:creationId xmlns:a16="http://schemas.microsoft.com/office/drawing/2014/main" id="{1DF67FC2-1F4B-41C2-83B7-51DA61CCE620}"/>
-              </a:ext>
-            </a:extLst>
-          </p:cNvPr>
-          <p:cNvPicPr>
-            <a:picLocks noChangeAspect="1"/>
-          </p:cNvPicPr>
-          <p:nvPr/>
-        </p:nvPicPr>
-        <p:blipFill>
-          <a:blip r:embed="rId3">
-            <a:extLst>
-              <a:ext uri="{28A0092B-C50C-407E-A947-70E740481C1C}">
-                <a14:useLocalDpi xmlns:a14="http://schemas.microsoft.com/office/drawing/2010/main" val="0"/>
-              </a:ext>
-            </a:extLst>
-          </a:blip>
-          <a:stretch>
-            <a:fillRect/>
-          </a:stretch>
-        </p:blipFill>
-        <p:spPr>
-          <a:xfrm>
-            <a:off x="633999" y="3451095"/>
-            <a:ext cx="4020296" cy="2010148"/>
-          </a:xfrm>
-          <a:prstGeom prst="rect">
-            <a:avLst/>
-          </a:prstGeom>
-        </p:spPr>
-      </p:pic>
-      <p:sp>
-        <p:nvSpPr>
-          <p:cNvPr id="3" name="Content Placeholder 2">
-            <a:extLst>
-              <a:ext uri="{FF2B5EF4-FFF2-40B4-BE49-F238E27FC236}">
-                <a16:creationId xmlns:a16="http://schemas.microsoft.com/office/drawing/2014/main" id="{C7CC8859-738D-4391-B074-1073ABAC5C16}"/>
-              </a:ext>
-            </a:extLst>
-          </p:cNvPr>
-          <p:cNvSpPr>
-            <a:spLocks noGrp="1"/>
-          </p:cNvSpPr>
-          <p:nvPr>
-            <p:ph idx="1"/>
-          </p:nvPr>
-        </p:nvSpPr>
-        <p:spPr>
-          <a:xfrm>
-            <a:off x="5144679" y="2198914"/>
-            <a:ext cx="6405063" cy="3670180"/>
-          </a:xfrm>
-        </p:spPr>
-        <p:txBody>
-          <a:bodyPr>
-            <a:normAutofit/>
-          </a:bodyPr>
-          <a:lstStyle/>
-          <a:p>
-            <a:r>
-              <a:rPr lang="en-US" dirty="0"/>
-              <a:t>Functions to implement</a:t>
-            </a:r>
-          </a:p>
-          <a:p>
-            <a:pPr lvl="1"/>
-            <a:r>
-              <a:rPr lang="en-US" i="1" dirty="0" err="1"/>
-              <a:t>init_slicing_tree</a:t>
-            </a:r>
-            <a:r>
-              <a:rPr lang="en-US" dirty="0"/>
-              <a:t> – generate an initial slicing tree</a:t>
-            </a:r>
-          </a:p>
-          <a:p>
-            <a:pPr lvl="1"/>
-            <a:r>
-              <a:rPr lang="en-US" i="1" dirty="0" err="1"/>
-              <a:t>get_expression</a:t>
-            </a:r>
-            <a:r>
-              <a:rPr lang="en-US" dirty="0"/>
-              <a:t> – perform a postfix traversal on the slicing tree and extract expression</a:t>
-            </a:r>
-          </a:p>
-          <a:p>
-            <a:pPr lvl="1"/>
-            <a:r>
-              <a:rPr lang="en-US" i="1" dirty="0"/>
-              <a:t>recut</a:t>
-            </a:r>
-            <a:r>
-              <a:rPr lang="en-US" dirty="0"/>
-              <a:t> – change the cutline of an internal node</a:t>
-            </a:r>
-          </a:p>
-          <a:p>
-            <a:pPr lvl="1"/>
-            <a:r>
-              <a:rPr lang="en-US" i="1" dirty="0"/>
-              <a:t>rotate</a:t>
-            </a:r>
-            <a:r>
-              <a:rPr lang="en-US" dirty="0"/>
-              <a:t> – swap the height and width of a module</a:t>
-            </a:r>
-          </a:p>
-          <a:p>
-            <a:pPr lvl="1"/>
-            <a:r>
-              <a:rPr lang="en-US" i="1" dirty="0" err="1"/>
-              <a:t>swap_module</a:t>
-            </a:r>
-            <a:r>
-              <a:rPr lang="en-US" dirty="0"/>
-              <a:t> – swap two modules from two leave nodes (do this by swapping pointer values rather than actual pointers)</a:t>
-            </a:r>
-          </a:p>
-          <a:p>
-            <a:pPr lvl="1"/>
-            <a:r>
-              <a:rPr lang="en-US" i="1" dirty="0" err="1"/>
-              <a:t>swap_topology</a:t>
-            </a:r>
-            <a:r>
-              <a:rPr lang="en-US" dirty="0"/>
-              <a:t> – swap two subtrees rooted at two given node pointers by modifying the node links appropriately</a:t>
-            </a:r>
-            <a:endParaRPr lang="en-US" i="1" dirty="0"/>
-          </a:p>
-        </p:txBody>
-      </p:sp>
-      <p:sp>
-        <p:nvSpPr>
-          <p:cNvPr id="16" name="Rectangle 15">
-            <a:extLst>
-              <a:ext uri="{FF2B5EF4-FFF2-40B4-BE49-F238E27FC236}">
-                <a16:creationId xmlns:a16="http://schemas.microsoft.com/office/drawing/2014/main" id="{F13075F7-E0DE-4464-8452-04644BDC4CF4}"/>
-              </a:ext>
-              <a:ext uri="{C183D7F6-B498-43B3-948B-1728B52AA6E4}">
-                <adec:decorative xmlns:adec="http://schemas.microsoft.com/office/drawing/2017/decorative" val="1"/>
-              </a:ext>
-            </a:extLst>
-          </p:cNvPr>
-          <p:cNvSpPr>
-            <a:spLocks noGrp="1" noRot="1" noChangeAspect="1" noMove="1" noResize="1" noEditPoints="1" noAdjustHandles="1" noChangeArrowheads="1" noChangeShapeType="1" noTextEdit="1"/>
-          </p:cNvSpPr>
-          <p:nvPr>
-            <p:extLst>
-              <p:ext uri="{386F3935-93C4-4BCD-93E2-E3B085C9AB24}">
-                <p16:designElem xmlns:p16="http://schemas.microsoft.com/office/powerpoint/2015/main" val="1"/>
-              </p:ext>
-            </p:extLst>
-          </p:nvPr>
-        </p:nvSpPr>
-        <p:spPr>
-          <a:xfrm>
-            <a:off x="15" y="6334316"/>
-            <a:ext cx="12191985" cy="66484"/>
-          </a:xfrm>
-          <a:prstGeom prst="rect">
-            <a:avLst/>
-          </a:prstGeom>
-          <a:solidFill>
-            <a:schemeClr val="accent4"/>
-          </a:solidFill>
-          <a:ln>
-            <a:noFill/>
-          </a:ln>
-        </p:spPr>
-        <p:style>
-          <a:lnRef idx="2">
-            <a:schemeClr val="accent1">
-              <a:shade val="50000"/>
-            </a:schemeClr>
-          </a:lnRef>
-          <a:fillRef idx="1">
-            <a:schemeClr val="accent1"/>
-          </a:fillRef>
-          <a:effectRef idx="0">
-            <a:schemeClr val="accent1"/>
-          </a:effectRef>
-          <a:fontRef idx="minor">
-            <a:schemeClr val="lt1"/>
-          </a:fontRef>
-        </p:style>
-      </p:sp>
-      <p:sp>
-        <p:nvSpPr>
-          <p:cNvPr id="18" name="Rectangle 17">
-            <a:extLst>
-              <a:ext uri="{FF2B5EF4-FFF2-40B4-BE49-F238E27FC236}">
-                <a16:creationId xmlns:a16="http://schemas.microsoft.com/office/drawing/2014/main" id="{753F806E-C6E5-4496-86DF-BF50F97A01FC}"/>
-              </a:ext>
-              <a:ext uri="{C183D7F6-B498-43B3-948B-1728B52AA6E4}">
-                <adec:decorative xmlns:adec="http://schemas.microsoft.com/office/drawing/2017/decorative" val="1"/>
-              </a:ext>
-            </a:extLst>
-          </p:cNvPr>
-          <p:cNvSpPr>
-            <a:spLocks noGrp="1" noRot="1" noChangeAspect="1" noMove="1" noResize="1" noEditPoints="1" noAdjustHandles="1" noChangeArrowheads="1" noChangeShapeType="1" noTextEdit="1"/>
-          </p:cNvSpPr>
-          <p:nvPr>
-            <p:extLst>
-              <p:ext uri="{386F3935-93C4-4BCD-93E2-E3B085C9AB24}">
-                <p16:designElem xmlns:p16="http://schemas.microsoft.com/office/powerpoint/2015/main" val="1"/>
-              </p:ext>
-            </p:extLst>
-          </p:nvPr>
-        </p:nvSpPr>
-        <p:spPr>
-          <a:xfrm>
-            <a:off x="1" y="6400800"/>
-            <a:ext cx="12192000" cy="457200"/>
-          </a:xfrm>
-          <a:prstGeom prst="rect">
-            <a:avLst/>
-          </a:prstGeom>
-          <a:solidFill>
-            <a:schemeClr val="accent4">
-              <a:lumMod val="75000"/>
-            </a:schemeClr>
-          </a:solidFill>
-          <a:ln>
-            <a:noFill/>
-          </a:ln>
-        </p:spPr>
-        <p:style>
-          <a:lnRef idx="2">
-            <a:schemeClr val="accent1">
-              <a:shade val="50000"/>
-            </a:schemeClr>
-          </a:lnRef>
-          <a:fillRef idx="1">
-            <a:schemeClr val="accent1"/>
-          </a:fillRef>
-          <a:effectRef idx="0">
-            <a:schemeClr val="accent1"/>
-          </a:effectRef>
-          <a:fontRef idx="minor">
-            <a:schemeClr val="lt1"/>
-          </a:fontRef>
-        </p:style>
-      </p:sp>
-    </p:spTree>
-    <p:extLst>
-      <p:ext uri="{BB962C8B-B14F-4D97-AF65-F5344CB8AC3E}">
-        <p14:creationId xmlns:p14="http://schemas.microsoft.com/office/powerpoint/2010/main" val="2708351519"/>
-      </p:ext>
-    </p:extLst>
-  </p:cSld>
-  <p:clrMapOvr>
-    <a:masterClrMapping/>
-  </p:clrMapOvr>
+  <p:timing>
+    <p:tnLst>
+      <p:par>
+        <p:cTn id="1" dur="indefinite" restart="never" nodeType="tmRoot"/>
+      </p:par>
+    </p:tnLst>
+  </p:timing>
 </p:sld>
 </file>
 
@@ -14227,7 +20022,7 @@
   <a:extraClrSchemeLst/>
   <a:extLst>
     <a:ext uri="{05A4C25C-085E-4340-85A3-A5531E510DB2}">
-      <thm15:themeFamily xmlns:thm15="http://schemas.microsoft.com/office/thememl/2012/main" name="Retrospect" id="{5F128B03-DCCA-4EEB-AB3B-CF2899314A46}" vid="{BAB94BD4-5D6D-4148-AB57-A4CCF1FD4E0C}"/>
+      <thm15:themeFamily xmlns:thm15="http://schemas.microsoft.com/office/thememl/2012/main" xmlns="" name="Retrospect" id="{5F128B03-DCCA-4EEB-AB3B-CF2899314A46}" vid="{BAB94BD4-5D6D-4148-AB57-A4CCF1FD4E0C}"/>
     </a:ext>
   </a:extLst>
 </a:theme>
